--- a/Презентация1.pptx
+++ b/Презентация1.pptx
@@ -5,12 +5,17 @@
     <p:sldMasterId id="2147483648" r:id="rId1"/>
   </p:sldMasterIdLst>
   <p:sldIdLst>
-    <p:sldId id="262" r:id="rId2"/>
-    <p:sldId id="258" r:id="rId3"/>
-    <p:sldId id="263" r:id="rId4"/>
-    <p:sldId id="264" r:id="rId5"/>
-    <p:sldId id="259" r:id="rId6"/>
-    <p:sldId id="260" r:id="rId7"/>
+    <p:sldId id="265" r:id="rId2"/>
+    <p:sldId id="266" r:id="rId3"/>
+    <p:sldId id="262" r:id="rId4"/>
+    <p:sldId id="258" r:id="rId5"/>
+    <p:sldId id="263" r:id="rId6"/>
+    <p:sldId id="264" r:id="rId7"/>
+    <p:sldId id="259" r:id="rId8"/>
+    <p:sldId id="260" r:id="rId9"/>
+    <p:sldId id="268" r:id="rId10"/>
+    <p:sldId id="270" r:id="rId11"/>
+    <p:sldId id="269" r:id="rId12"/>
   </p:sldIdLst>
   <p:sldSz cx="12192000" cy="6858000"/>
   <p:notesSz cx="6858000" cy="9144000"/>
@@ -109,6 +114,11 @@
       </a:defRPr>
     </a:lvl9pPr>
   </p:defaultTextStyle>
+  <p:extLst>
+    <p:ext uri="{EFAFB233-063F-42B5-8137-9DF3F51BA10A}">
+      <p15:sldGuideLst xmlns:p15="http://schemas.microsoft.com/office/powerpoint/2012/main"/>
+    </p:ext>
+  </p:extLst>
 </p:presentation>
 </file>
 
@@ -243,7 +253,7 @@
           <a:p>
             <a:fld id="{27DF0F75-C579-4C28-9547-144EAD9AD0C4}" type="datetimeFigureOut">
               <a:rPr lang="ru-RU" smtClean="0"/>
-              <a:t>05.02.2022</a:t>
+              <a:t>15.02.2022</a:t>
             </a:fld>
             <a:endParaRPr lang="ru-RU"/>
           </a:p>
@@ -413,7 +423,7 @@
           <a:p>
             <a:fld id="{27DF0F75-C579-4C28-9547-144EAD9AD0C4}" type="datetimeFigureOut">
               <a:rPr lang="ru-RU" smtClean="0"/>
-              <a:t>05.02.2022</a:t>
+              <a:t>15.02.2022</a:t>
             </a:fld>
             <a:endParaRPr lang="ru-RU"/>
           </a:p>
@@ -593,7 +603,7 @@
           <a:p>
             <a:fld id="{27DF0F75-C579-4C28-9547-144EAD9AD0C4}" type="datetimeFigureOut">
               <a:rPr lang="ru-RU" smtClean="0"/>
-              <a:t>05.02.2022</a:t>
+              <a:t>15.02.2022</a:t>
             </a:fld>
             <a:endParaRPr lang="ru-RU"/>
           </a:p>
@@ -763,7 +773,7 @@
           <a:p>
             <a:fld id="{27DF0F75-C579-4C28-9547-144EAD9AD0C4}" type="datetimeFigureOut">
               <a:rPr lang="ru-RU" smtClean="0"/>
-              <a:t>05.02.2022</a:t>
+              <a:t>15.02.2022</a:t>
             </a:fld>
             <a:endParaRPr lang="ru-RU"/>
           </a:p>
@@ -1009,7 +1019,7 @@
           <a:p>
             <a:fld id="{27DF0F75-C579-4C28-9547-144EAD9AD0C4}" type="datetimeFigureOut">
               <a:rPr lang="ru-RU" smtClean="0"/>
-              <a:t>05.02.2022</a:t>
+              <a:t>15.02.2022</a:t>
             </a:fld>
             <a:endParaRPr lang="ru-RU"/>
           </a:p>
@@ -1241,7 +1251,7 @@
           <a:p>
             <a:fld id="{27DF0F75-C579-4C28-9547-144EAD9AD0C4}" type="datetimeFigureOut">
               <a:rPr lang="ru-RU" smtClean="0"/>
-              <a:t>05.02.2022</a:t>
+              <a:t>15.02.2022</a:t>
             </a:fld>
             <a:endParaRPr lang="ru-RU"/>
           </a:p>
@@ -1608,7 +1618,7 @@
           <a:p>
             <a:fld id="{27DF0F75-C579-4C28-9547-144EAD9AD0C4}" type="datetimeFigureOut">
               <a:rPr lang="ru-RU" smtClean="0"/>
-              <a:t>05.02.2022</a:t>
+              <a:t>15.02.2022</a:t>
             </a:fld>
             <a:endParaRPr lang="ru-RU"/>
           </a:p>
@@ -1726,7 +1736,7 @@
           <a:p>
             <a:fld id="{27DF0F75-C579-4C28-9547-144EAD9AD0C4}" type="datetimeFigureOut">
               <a:rPr lang="ru-RU" smtClean="0"/>
-              <a:t>05.02.2022</a:t>
+              <a:t>15.02.2022</a:t>
             </a:fld>
             <a:endParaRPr lang="ru-RU"/>
           </a:p>
@@ -1821,7 +1831,7 @@
           <a:p>
             <a:fld id="{27DF0F75-C579-4C28-9547-144EAD9AD0C4}" type="datetimeFigureOut">
               <a:rPr lang="ru-RU" smtClean="0"/>
-              <a:t>05.02.2022</a:t>
+              <a:t>15.02.2022</a:t>
             </a:fld>
             <a:endParaRPr lang="ru-RU"/>
           </a:p>
@@ -2098,7 +2108,7 @@
           <a:p>
             <a:fld id="{27DF0F75-C579-4C28-9547-144EAD9AD0C4}" type="datetimeFigureOut">
               <a:rPr lang="ru-RU" smtClean="0"/>
-              <a:t>05.02.2022</a:t>
+              <a:t>15.02.2022</a:t>
             </a:fld>
             <a:endParaRPr lang="ru-RU"/>
           </a:p>
@@ -2351,7 +2361,7 @@
           <a:p>
             <a:fld id="{27DF0F75-C579-4C28-9547-144EAD9AD0C4}" type="datetimeFigureOut">
               <a:rPr lang="ru-RU" smtClean="0"/>
-              <a:t>05.02.2022</a:t>
+              <a:t>15.02.2022</a:t>
             </a:fld>
             <a:endParaRPr lang="ru-RU"/>
           </a:p>
@@ -2564,7 +2574,7 @@
           <a:p>
             <a:fld id="{27DF0F75-C579-4C28-9547-144EAD9AD0C4}" type="datetimeFigureOut">
               <a:rPr lang="ru-RU" smtClean="0"/>
-              <a:t>05.02.2022</a:t>
+              <a:t>15.02.2022</a:t>
             </a:fld>
             <a:endParaRPr lang="ru-RU"/>
           </a:p>
@@ -2969,6 +2979,881 @@
           <a:chExt cx="0" cy="0"/>
         </a:xfrm>
       </p:grpSpPr>
+      <p:pic>
+        <p:nvPicPr>
+          <p:cNvPr id="2" name="Рисунок 1"/>
+          <p:cNvPicPr/>
+          <p:nvPr/>
+        </p:nvPicPr>
+        <p:blipFill>
+          <a:blip r:embed="rId2"/>
+          <a:stretch>
+            <a:fillRect/>
+          </a:stretch>
+        </p:blipFill>
+        <p:spPr>
+          <a:xfrm>
+            <a:off x="3091543" y="1492738"/>
+            <a:ext cx="4955179" cy="4167834"/>
+          </a:xfrm>
+          <a:prstGeom prst="rect">
+            <a:avLst/>
+          </a:prstGeom>
+        </p:spPr>
+      </p:pic>
+      <p:sp>
+        <p:nvSpPr>
+          <p:cNvPr id="3" name="TextBox 2"/>
+          <p:cNvSpPr txBox="1"/>
+          <p:nvPr/>
+        </p:nvSpPr>
+        <p:spPr>
+          <a:xfrm>
+            <a:off x="2710866" y="627017"/>
+            <a:ext cx="5914311" cy="369332"/>
+          </a:xfrm>
+          <a:prstGeom prst="rect">
+            <a:avLst/>
+          </a:prstGeom>
+          <a:noFill/>
+        </p:spPr>
+        <p:txBody>
+          <a:bodyPr wrap="none" rtlCol="0">
+            <a:spAutoFit/>
+          </a:bodyPr>
+          <a:lstStyle/>
+          <a:p>
+            <a:r>
+              <a:rPr lang="ru-RU" dirty="0" smtClean="0"/>
+              <a:t>Этапы проектирования встраиваемой системы (</a:t>
+            </a:r>
+            <a:r>
+              <a:rPr lang="en-US" dirty="0" smtClean="0"/>
+              <a:t>V-</a:t>
+            </a:r>
+            <a:r>
+              <a:rPr lang="ru-RU" dirty="0" smtClean="0"/>
+              <a:t>модель)</a:t>
+            </a:r>
+            <a:endParaRPr lang="ru-RU" dirty="0"/>
+          </a:p>
+        </p:txBody>
+      </p:sp>
+      <p:sp>
+        <p:nvSpPr>
+          <p:cNvPr id="5" name="TextBox 4"/>
+          <p:cNvSpPr txBox="1"/>
+          <p:nvPr/>
+        </p:nvSpPr>
+        <p:spPr>
+          <a:xfrm>
+            <a:off x="539931" y="3065418"/>
+            <a:ext cx="2945871" cy="369332"/>
+          </a:xfrm>
+          <a:prstGeom prst="rect">
+            <a:avLst/>
+          </a:prstGeom>
+          <a:noFill/>
+        </p:spPr>
+        <p:txBody>
+          <a:bodyPr wrap="none" rtlCol="0">
+            <a:spAutoFit/>
+          </a:bodyPr>
+          <a:lstStyle/>
+          <a:p>
+            <a:r>
+              <a:rPr lang="ru-RU" dirty="0" smtClean="0"/>
+              <a:t>Проверка логики алгоритма</a:t>
+            </a:r>
+            <a:endParaRPr lang="ru-RU" dirty="0"/>
+          </a:p>
+        </p:txBody>
+      </p:sp>
+      <p:sp>
+        <p:nvSpPr>
+          <p:cNvPr id="6" name="TextBox 5"/>
+          <p:cNvSpPr txBox="1"/>
+          <p:nvPr/>
+        </p:nvSpPr>
+        <p:spPr>
+          <a:xfrm>
+            <a:off x="539931" y="4894217"/>
+            <a:ext cx="3508909" cy="369332"/>
+          </a:xfrm>
+          <a:prstGeom prst="rect">
+            <a:avLst/>
+          </a:prstGeom>
+          <a:noFill/>
+        </p:spPr>
+        <p:txBody>
+          <a:bodyPr wrap="none" rtlCol="0">
+            <a:spAutoFit/>
+          </a:bodyPr>
+          <a:lstStyle/>
+          <a:p>
+            <a:r>
+              <a:rPr lang="ru-RU" dirty="0" smtClean="0"/>
+              <a:t>Проверка сгенерированного кода</a:t>
+            </a:r>
+            <a:endParaRPr lang="ru-RU" dirty="0"/>
+          </a:p>
+        </p:txBody>
+      </p:sp>
+      <p:sp>
+        <p:nvSpPr>
+          <p:cNvPr id="7" name="TextBox 6"/>
+          <p:cNvSpPr txBox="1"/>
+          <p:nvPr/>
+        </p:nvSpPr>
+        <p:spPr>
+          <a:xfrm>
+            <a:off x="7628453" y="4063220"/>
+            <a:ext cx="3640183" cy="1200329"/>
+          </a:xfrm>
+          <a:prstGeom prst="rect">
+            <a:avLst/>
+          </a:prstGeom>
+          <a:noFill/>
+        </p:spPr>
+        <p:txBody>
+          <a:bodyPr wrap="square" rtlCol="0">
+            <a:spAutoFit/>
+          </a:bodyPr>
+          <a:lstStyle/>
+          <a:p>
+            <a:r>
+              <a:rPr lang="ru-RU" dirty="0" smtClean="0"/>
+              <a:t>Встраиваемая система </a:t>
+            </a:r>
+          </a:p>
+          <a:p>
+            <a:r>
+              <a:rPr lang="ru-RU" dirty="0" smtClean="0"/>
+              <a:t>взаимодействует с </a:t>
+            </a:r>
+          </a:p>
+          <a:p>
+            <a:r>
+              <a:rPr lang="ru-RU" dirty="0" smtClean="0"/>
+              <a:t>математической моделью</a:t>
+            </a:r>
+          </a:p>
+          <a:p>
+            <a:r>
+              <a:rPr lang="ru-RU" dirty="0" smtClean="0"/>
+              <a:t> объекта управления</a:t>
+            </a:r>
+            <a:endParaRPr lang="ru-RU" dirty="0"/>
+          </a:p>
+        </p:txBody>
+      </p:sp>
+    </p:spTree>
+    <p:extLst>
+      <p:ext uri="{BB962C8B-B14F-4D97-AF65-F5344CB8AC3E}">
+        <p14:creationId xmlns:p14="http://schemas.microsoft.com/office/powerpoint/2010/main" val="2810754726"/>
+      </p:ext>
+    </p:extLst>
+  </p:cSld>
+  <p:clrMapOvr>
+    <a:masterClrMapping/>
+  </p:clrMapOvr>
+</p:sld>
+</file>
+
+<file path=ppt/slides/slide10.xml><?xml version="1.0" encoding="utf-8"?>
+<p:sld xmlns:a="http://schemas.openxmlformats.org/drawingml/2006/main" xmlns:r="http://schemas.openxmlformats.org/officeDocument/2006/relationships" xmlns:p="http://schemas.openxmlformats.org/presentationml/2006/main">
+  <p:cSld>
+    <p:spTree>
+      <p:nvGrpSpPr>
+        <p:cNvPr id="1" name=""/>
+        <p:cNvGrpSpPr/>
+        <p:nvPr/>
+      </p:nvGrpSpPr>
+      <p:grpSpPr>
+        <a:xfrm>
+          <a:off x="0" y="0"/>
+          <a:ext cx="0" cy="0"/>
+          <a:chOff x="0" y="0"/>
+          <a:chExt cx="0" cy="0"/>
+        </a:xfrm>
+      </p:grpSpPr>
+      <p:sp>
+        <p:nvSpPr>
+          <p:cNvPr id="2" name="TextBox 1"/>
+          <p:cNvSpPr txBox="1"/>
+          <p:nvPr/>
+        </p:nvSpPr>
+        <p:spPr>
+          <a:xfrm>
+            <a:off x="4395537" y="1106905"/>
+            <a:ext cx="3552191" cy="369332"/>
+          </a:xfrm>
+          <a:prstGeom prst="rect">
+            <a:avLst/>
+          </a:prstGeom>
+          <a:noFill/>
+        </p:spPr>
+        <p:txBody>
+          <a:bodyPr wrap="none" rtlCol="0">
+            <a:spAutoFit/>
+          </a:bodyPr>
+          <a:lstStyle/>
+          <a:p>
+            <a:r>
+              <a:rPr lang="ru-RU" dirty="0" smtClean="0"/>
+              <a:t>Сравнение </a:t>
+            </a:r>
+            <a:r>
+              <a:rPr lang="en-US" dirty="0" smtClean="0"/>
+              <a:t>MPC </a:t>
+            </a:r>
+            <a:r>
+              <a:rPr lang="ru-RU" dirty="0" smtClean="0"/>
+              <a:t>и ПИД регулятора</a:t>
+            </a:r>
+            <a:endParaRPr lang="ru-RU" dirty="0"/>
+          </a:p>
+        </p:txBody>
+      </p:sp>
+      <p:sp>
+        <p:nvSpPr>
+          <p:cNvPr id="3" name="TextBox 2"/>
+          <p:cNvSpPr txBox="1"/>
+          <p:nvPr/>
+        </p:nvSpPr>
+        <p:spPr>
+          <a:xfrm>
+            <a:off x="673767" y="2245895"/>
+            <a:ext cx="4700337" cy="2585323"/>
+          </a:xfrm>
+          <a:prstGeom prst="rect">
+            <a:avLst/>
+          </a:prstGeom>
+          <a:noFill/>
+        </p:spPr>
+        <p:txBody>
+          <a:bodyPr wrap="square" rtlCol="0">
+            <a:spAutoFit/>
+          </a:bodyPr>
+          <a:lstStyle/>
+          <a:p>
+            <a:pPr marL="285750" indent="-285750">
+              <a:buFont typeface="Arial" panose="020B0604020202020204" pitchFamily="34" charset="0"/>
+              <a:buChar char="•"/>
+            </a:pPr>
+            <a:r>
+              <a:rPr lang="ru-RU" dirty="0" smtClean="0"/>
+              <a:t>Необходимость создавать модель объекта управления</a:t>
+            </a:r>
+          </a:p>
+          <a:p>
+            <a:pPr marL="285750" indent="-285750">
+              <a:buFont typeface="Arial" panose="020B0604020202020204" pitchFamily="34" charset="0"/>
+              <a:buChar char="•"/>
+            </a:pPr>
+            <a:r>
+              <a:rPr lang="ru-RU" dirty="0" smtClean="0"/>
+              <a:t>Возможность наложить на величину управляющего воздействия и максимальные отклонения</a:t>
+            </a:r>
+          </a:p>
+          <a:p>
+            <a:pPr marL="285750" indent="-285750">
+              <a:buFont typeface="Arial" panose="020B0604020202020204" pitchFamily="34" charset="0"/>
+              <a:buChar char="•"/>
+            </a:pPr>
+            <a:r>
+              <a:rPr lang="ru-RU" dirty="0" smtClean="0"/>
+              <a:t>При наличии двух целей регулирования их взаимодействие определяется весовыми параметрами</a:t>
+            </a:r>
+          </a:p>
+          <a:p>
+            <a:pPr marL="285750" indent="-285750">
+              <a:buFont typeface="Arial" panose="020B0604020202020204" pitchFamily="34" charset="0"/>
+              <a:buChar char="•"/>
+            </a:pPr>
+            <a:endParaRPr lang="ru-RU" dirty="0"/>
+          </a:p>
+        </p:txBody>
+      </p:sp>
+      <p:sp>
+        <p:nvSpPr>
+          <p:cNvPr id="4" name="TextBox 3"/>
+          <p:cNvSpPr txBox="1"/>
+          <p:nvPr/>
+        </p:nvSpPr>
+        <p:spPr>
+          <a:xfrm>
+            <a:off x="6320590" y="2245895"/>
+            <a:ext cx="5871410" cy="646331"/>
+          </a:xfrm>
+          <a:prstGeom prst="rect">
+            <a:avLst/>
+          </a:prstGeom>
+          <a:noFill/>
+        </p:spPr>
+        <p:txBody>
+          <a:bodyPr wrap="square" rtlCol="0">
+            <a:spAutoFit/>
+          </a:bodyPr>
+          <a:lstStyle/>
+          <a:p>
+            <a:pPr marL="285750" indent="-285750">
+              <a:buFont typeface="Arial" panose="020B0604020202020204" pitchFamily="34" charset="0"/>
+              <a:buChar char="•"/>
+            </a:pPr>
+            <a:r>
+              <a:rPr lang="ru-RU" dirty="0" smtClean="0"/>
+              <a:t>Необходимость подбора коэффициентов регулятора</a:t>
+            </a:r>
+          </a:p>
+          <a:p>
+            <a:pPr marL="285750" indent="-285750">
+              <a:buFont typeface="Arial" panose="020B0604020202020204" pitchFamily="34" charset="0"/>
+              <a:buChar char="•"/>
+            </a:pPr>
+            <a:r>
+              <a:rPr lang="ru-RU" dirty="0" smtClean="0"/>
+              <a:t>На каждую цель свой регулятор</a:t>
+            </a:r>
+            <a:endParaRPr lang="ru-RU" dirty="0"/>
+          </a:p>
+        </p:txBody>
+      </p:sp>
+    </p:spTree>
+    <p:extLst>
+      <p:ext uri="{BB962C8B-B14F-4D97-AF65-F5344CB8AC3E}">
+        <p14:creationId xmlns:p14="http://schemas.microsoft.com/office/powerpoint/2010/main" val="2780641443"/>
+      </p:ext>
+    </p:extLst>
+  </p:cSld>
+  <p:clrMapOvr>
+    <a:masterClrMapping/>
+  </p:clrMapOvr>
+</p:sld>
+</file>
+
+<file path=ppt/slides/slide11.xml><?xml version="1.0" encoding="utf-8"?>
+<p:sld xmlns:a="http://schemas.openxmlformats.org/drawingml/2006/main" xmlns:r="http://schemas.openxmlformats.org/officeDocument/2006/relationships" xmlns:p="http://schemas.openxmlformats.org/presentationml/2006/main">
+  <p:cSld>
+    <p:spTree>
+      <p:nvGrpSpPr>
+        <p:cNvPr id="1" name=""/>
+        <p:cNvGrpSpPr/>
+        <p:nvPr/>
+      </p:nvGrpSpPr>
+      <p:grpSpPr>
+        <a:xfrm>
+          <a:off x="0" y="0"/>
+          <a:ext cx="0" cy="0"/>
+          <a:chOff x="0" y="0"/>
+          <a:chExt cx="0" cy="0"/>
+        </a:xfrm>
+      </p:grpSpPr>
+      <p:pic>
+        <p:nvPicPr>
+          <p:cNvPr id="2" name="Рисунок 1"/>
+          <p:cNvPicPr/>
+          <p:nvPr/>
+        </p:nvPicPr>
+        <p:blipFill>
+          <a:blip r:embed="rId2"/>
+          <a:stretch>
+            <a:fillRect/>
+          </a:stretch>
+        </p:blipFill>
+        <p:spPr>
+          <a:xfrm>
+            <a:off x="580306" y="592184"/>
+            <a:ext cx="5289272" cy="3309257"/>
+          </a:xfrm>
+          <a:prstGeom prst="rect">
+            <a:avLst/>
+          </a:prstGeom>
+        </p:spPr>
+      </p:pic>
+      <p:sp>
+        <p:nvSpPr>
+          <p:cNvPr id="4" name="Прямоугольник 3"/>
+          <p:cNvSpPr/>
+          <p:nvPr/>
+        </p:nvSpPr>
+        <p:spPr>
+          <a:xfrm>
+            <a:off x="658872" y="4140289"/>
+            <a:ext cx="10842171" cy="2383473"/>
+          </a:xfrm>
+          <a:prstGeom prst="rect">
+            <a:avLst/>
+          </a:prstGeom>
+        </p:spPr>
+        <p:txBody>
+          <a:bodyPr wrap="square">
+            <a:spAutoFit/>
+          </a:bodyPr>
+          <a:lstStyle/>
+          <a:p>
+            <a:pPr>
+              <a:lnSpc>
+                <a:spcPct val="107000"/>
+              </a:lnSpc>
+              <a:spcAft>
+                <a:spcPts val="800"/>
+              </a:spcAft>
+            </a:pPr>
+            <a:r>
+              <a:rPr lang="ru-RU" dirty="0">
+                <a:latin typeface="Calibri" panose="020F0502020204030204" pitchFamily="34" charset="0"/>
+                <a:ea typeface="Calibri" panose="020F0502020204030204" pitchFamily="34" charset="0"/>
+                <a:cs typeface="Times New Roman" panose="02020603050405020304" pitchFamily="18" charset="0"/>
+              </a:rPr>
+              <a:t>Алгоритм управления с прогнозирующей моделью можно представить в следующем виде:</a:t>
+            </a:r>
+          </a:p>
+          <a:p>
+            <a:pPr>
+              <a:lnSpc>
+                <a:spcPct val="107000"/>
+              </a:lnSpc>
+              <a:spcAft>
+                <a:spcPts val="800"/>
+              </a:spcAft>
+            </a:pPr>
+            <a:r>
+              <a:rPr lang="ru-RU" dirty="0">
+                <a:latin typeface="Calibri" panose="020F0502020204030204" pitchFamily="34" charset="0"/>
+                <a:ea typeface="Calibri" panose="020F0502020204030204" pitchFamily="34" charset="0"/>
+                <a:cs typeface="Times New Roman" panose="02020603050405020304" pitchFamily="18" charset="0"/>
+              </a:rPr>
+              <a:t> 1. Измерить текущее состояние </a:t>
+            </a:r>
+            <a:r>
+              <a:rPr lang="ru-RU" dirty="0">
+                <a:latin typeface="Cambria Math" panose="02040503050406030204" pitchFamily="18" charset="0"/>
+                <a:ea typeface="Calibri" panose="020F0502020204030204" pitchFamily="34" charset="0"/>
+                <a:cs typeface="Cambria Math" panose="02040503050406030204" pitchFamily="18" charset="0"/>
+              </a:rPr>
+              <a:t>𝑥</a:t>
+            </a:r>
+            <a:r>
+              <a:rPr lang="ru-RU" dirty="0">
+                <a:latin typeface="Calibri" panose="020F0502020204030204" pitchFamily="34" charset="0"/>
+                <a:ea typeface="Calibri" panose="020F0502020204030204" pitchFamily="34" charset="0"/>
+                <a:cs typeface="Times New Roman" panose="02020603050405020304" pitchFamily="18" charset="0"/>
+              </a:rPr>
+              <a:t>̃[k], где k – текущий такт времени.</a:t>
+            </a:r>
+          </a:p>
+          <a:p>
+            <a:pPr>
+              <a:lnSpc>
+                <a:spcPct val="107000"/>
+              </a:lnSpc>
+              <a:spcAft>
+                <a:spcPts val="800"/>
+              </a:spcAft>
+            </a:pPr>
+            <a:r>
+              <a:rPr lang="ru-RU" dirty="0">
+                <a:latin typeface="Calibri" panose="020F0502020204030204" pitchFamily="34" charset="0"/>
+                <a:ea typeface="Calibri" panose="020F0502020204030204" pitchFamily="34" charset="0"/>
+                <a:cs typeface="Times New Roman" panose="02020603050405020304" pitchFamily="18" charset="0"/>
+              </a:rPr>
+              <a:t> 2. Найти последовательность оптимальных управляющих величин u[i] для горизонта управления </a:t>
+            </a:r>
+            <a:r>
+              <a:rPr lang="ru-RU" dirty="0" err="1">
+                <a:latin typeface="Calibri" panose="020F0502020204030204" pitchFamily="34" charset="0"/>
+                <a:ea typeface="Calibri" panose="020F0502020204030204" pitchFamily="34" charset="0"/>
+                <a:cs typeface="Times New Roman" panose="02020603050405020304" pitchFamily="18" charset="0"/>
+              </a:rPr>
+              <a:t>Nc</a:t>
+            </a:r>
+            <a:r>
+              <a:rPr lang="ru-RU" dirty="0">
+                <a:latin typeface="Calibri" panose="020F0502020204030204" pitchFamily="34" charset="0"/>
+                <a:ea typeface="Calibri" panose="020F0502020204030204" pitchFamily="34" charset="0"/>
+                <a:cs typeface="Times New Roman" panose="02020603050405020304" pitchFamily="18" charset="0"/>
+              </a:rPr>
+              <a:t>=</a:t>
+            </a:r>
+            <a:r>
+              <a:rPr lang="ru-RU" dirty="0" err="1">
+                <a:latin typeface="Calibri" panose="020F0502020204030204" pitchFamily="34" charset="0"/>
+                <a:ea typeface="Calibri" panose="020F0502020204030204" pitchFamily="34" charset="0"/>
+                <a:cs typeface="Times New Roman" panose="02020603050405020304" pitchFamily="18" charset="0"/>
+              </a:rPr>
+              <a:t>k+C</a:t>
+            </a:r>
+            <a:r>
+              <a:rPr lang="ru-RU" dirty="0" smtClean="0">
+                <a:latin typeface="Calibri" panose="020F0502020204030204" pitchFamily="34" charset="0"/>
+                <a:ea typeface="Calibri" panose="020F0502020204030204" pitchFamily="34" charset="0"/>
+                <a:cs typeface="Times New Roman" panose="02020603050405020304" pitchFamily="18" charset="0"/>
+              </a:rPr>
+              <a:t>,</a:t>
+            </a:r>
+          </a:p>
+          <a:p>
+            <a:pPr>
+              <a:lnSpc>
+                <a:spcPct val="107000"/>
+              </a:lnSpc>
+              <a:spcAft>
+                <a:spcPts val="800"/>
+              </a:spcAft>
+            </a:pPr>
+            <a:r>
+              <a:rPr lang="ru-RU" dirty="0" smtClean="0">
+                <a:latin typeface="Calibri" panose="020F0502020204030204" pitchFamily="34" charset="0"/>
+                <a:ea typeface="Calibri" panose="020F0502020204030204" pitchFamily="34" charset="0"/>
+                <a:cs typeface="Times New Roman" panose="02020603050405020304" pitchFamily="18" charset="0"/>
+              </a:rPr>
+              <a:t> </a:t>
+            </a:r>
+            <a:r>
+              <a:rPr lang="ru-RU" dirty="0">
+                <a:latin typeface="Calibri" panose="020F0502020204030204" pitchFamily="34" charset="0"/>
+                <a:ea typeface="Calibri" panose="020F0502020204030204" pitchFamily="34" charset="0"/>
+                <a:cs typeface="Times New Roman" panose="02020603050405020304" pitchFamily="18" charset="0"/>
+              </a:rPr>
+              <a:t>k ≤ </a:t>
+            </a:r>
+            <a:r>
+              <a:rPr lang="ru-RU" dirty="0" err="1">
+                <a:latin typeface="Calibri" panose="020F0502020204030204" pitchFamily="34" charset="0"/>
+                <a:ea typeface="Calibri" panose="020F0502020204030204" pitchFamily="34" charset="0"/>
+                <a:cs typeface="Times New Roman" panose="02020603050405020304" pitchFamily="18" charset="0"/>
+              </a:rPr>
+              <a:t>Nc</a:t>
+            </a:r>
+            <a:r>
+              <a:rPr lang="ru-RU" dirty="0">
+                <a:latin typeface="Calibri" panose="020F0502020204030204" pitchFamily="34" charset="0"/>
+                <a:ea typeface="Calibri" panose="020F0502020204030204" pitchFamily="34" charset="0"/>
+                <a:cs typeface="Times New Roman" panose="02020603050405020304" pitchFamily="18" charset="0"/>
+              </a:rPr>
+              <a:t>, на всем горизонте прогнозирования </a:t>
+            </a:r>
+            <a:r>
+              <a:rPr lang="ru-RU" dirty="0" err="1" smtClean="0">
+                <a:latin typeface="Calibri" panose="020F0502020204030204" pitchFamily="34" charset="0"/>
+                <a:ea typeface="Calibri" panose="020F0502020204030204" pitchFamily="34" charset="0"/>
+                <a:cs typeface="Times New Roman" panose="02020603050405020304" pitchFamily="18" charset="0"/>
+              </a:rPr>
+              <a:t>Np</a:t>
+            </a:r>
+            <a:r>
+              <a:rPr lang="ru-RU" dirty="0" smtClean="0">
+                <a:latin typeface="Calibri" panose="020F0502020204030204" pitchFamily="34" charset="0"/>
+                <a:ea typeface="Calibri" panose="020F0502020204030204" pitchFamily="34" charset="0"/>
+                <a:cs typeface="Times New Roman" panose="02020603050405020304" pitchFamily="18" charset="0"/>
+              </a:rPr>
+              <a:t>=</a:t>
+            </a:r>
+            <a:r>
+              <a:rPr lang="ru-RU" dirty="0" err="1" smtClean="0">
+                <a:latin typeface="Calibri" panose="020F0502020204030204" pitchFamily="34" charset="0"/>
+                <a:ea typeface="Calibri" panose="020F0502020204030204" pitchFamily="34" charset="0"/>
+                <a:cs typeface="Times New Roman" panose="02020603050405020304" pitchFamily="18" charset="0"/>
+              </a:rPr>
+              <a:t>k+P</a:t>
+            </a:r>
+            <a:r>
+              <a:rPr lang="ru-RU" dirty="0">
+                <a:latin typeface="Calibri" panose="020F0502020204030204" pitchFamily="34" charset="0"/>
+                <a:ea typeface="Calibri" panose="020F0502020204030204" pitchFamily="34" charset="0"/>
+                <a:cs typeface="Times New Roman" panose="02020603050405020304" pitchFamily="18" charset="0"/>
+              </a:rPr>
+              <a:t>, минимизирующую целевую функцию </a:t>
+            </a:r>
+          </a:p>
+          <a:p>
+            <a:pPr>
+              <a:lnSpc>
+                <a:spcPct val="107000"/>
+              </a:lnSpc>
+              <a:spcAft>
+                <a:spcPts val="800"/>
+              </a:spcAft>
+            </a:pPr>
+            <a:r>
+              <a:rPr lang="ru-RU" dirty="0">
+                <a:latin typeface="Calibri" panose="020F0502020204030204" pitchFamily="34" charset="0"/>
+                <a:ea typeface="Calibri" panose="020F0502020204030204" pitchFamily="34" charset="0"/>
+                <a:cs typeface="Times New Roman" panose="02020603050405020304" pitchFamily="18" charset="0"/>
+              </a:rPr>
+              <a:t>3. Применить для управления только первую управляющую величину u[1], остальные отбросить. </a:t>
+            </a:r>
+            <a:endParaRPr lang="ru-RU" dirty="0" smtClean="0">
+              <a:latin typeface="Calibri" panose="020F0502020204030204" pitchFamily="34" charset="0"/>
+              <a:ea typeface="Calibri" panose="020F0502020204030204" pitchFamily="34" charset="0"/>
+              <a:cs typeface="Times New Roman" panose="02020603050405020304" pitchFamily="18" charset="0"/>
+            </a:endParaRPr>
+          </a:p>
+          <a:p>
+            <a:pPr>
+              <a:lnSpc>
+                <a:spcPct val="107000"/>
+              </a:lnSpc>
+              <a:spcAft>
+                <a:spcPts val="800"/>
+              </a:spcAft>
+            </a:pPr>
+            <a:r>
+              <a:rPr lang="ru-RU" dirty="0"/>
+              <a:t>4. Перейти на шаг 1 и повторить процедуру в момент времени k+1.</a:t>
+            </a:r>
+            <a:endParaRPr lang="ru-RU" dirty="0">
+              <a:latin typeface="Calibri" panose="020F0502020204030204" pitchFamily="34" charset="0"/>
+              <a:ea typeface="Calibri" panose="020F0502020204030204" pitchFamily="34" charset="0"/>
+              <a:cs typeface="Times New Roman" panose="02020603050405020304" pitchFamily="18" charset="0"/>
+            </a:endParaRPr>
+          </a:p>
+        </p:txBody>
+      </p:sp>
+      <p:pic>
+        <p:nvPicPr>
+          <p:cNvPr id="5" name="Рисунок 4"/>
+          <p:cNvPicPr>
+            <a:picLocks noChangeAspect="1"/>
+          </p:cNvPicPr>
+          <p:nvPr/>
+        </p:nvPicPr>
+        <p:blipFill>
+          <a:blip r:embed="rId3"/>
+          <a:stretch>
+            <a:fillRect/>
+          </a:stretch>
+        </p:blipFill>
+        <p:spPr>
+          <a:xfrm>
+            <a:off x="5476823" y="539213"/>
+            <a:ext cx="5391473" cy="3171455"/>
+          </a:xfrm>
+          <a:prstGeom prst="rect">
+            <a:avLst/>
+          </a:prstGeom>
+        </p:spPr>
+      </p:pic>
+    </p:spTree>
+    <p:extLst>
+      <p:ext uri="{BB962C8B-B14F-4D97-AF65-F5344CB8AC3E}">
+        <p14:creationId xmlns:p14="http://schemas.microsoft.com/office/powerpoint/2010/main" val="301837888"/>
+      </p:ext>
+    </p:extLst>
+  </p:cSld>
+  <p:clrMapOvr>
+    <a:masterClrMapping/>
+  </p:clrMapOvr>
+</p:sld>
+</file>
+
+<file path=ppt/slides/slide2.xml><?xml version="1.0" encoding="utf-8"?>
+<p:sld xmlns:a="http://schemas.openxmlformats.org/drawingml/2006/main" xmlns:r="http://schemas.openxmlformats.org/officeDocument/2006/relationships" xmlns:p="http://schemas.openxmlformats.org/presentationml/2006/main">
+  <p:cSld>
+    <p:spTree>
+      <p:nvGrpSpPr>
+        <p:cNvPr id="1" name=""/>
+        <p:cNvGrpSpPr/>
+        <p:nvPr/>
+      </p:nvGrpSpPr>
+      <p:grpSpPr>
+        <a:xfrm>
+          <a:off x="0" y="0"/>
+          <a:ext cx="0" cy="0"/>
+          <a:chOff x="0" y="0"/>
+          <a:chExt cx="0" cy="0"/>
+        </a:xfrm>
+      </p:grpSpPr>
+      <p:pic>
+        <p:nvPicPr>
+          <p:cNvPr id="2050" name="Picture 2" descr="http://pubs.sciepub.com/automation/5/2/7/bigimage/fig6.png"/>
+          <p:cNvPicPr>
+            <a:picLocks noChangeAspect="1" noChangeArrowheads="1"/>
+          </p:cNvPicPr>
+          <p:nvPr/>
+        </p:nvPicPr>
+        <p:blipFill>
+          <a:blip r:embed="rId2">
+            <a:extLst>
+              <a:ext uri="{28A0092B-C50C-407E-A947-70E740481C1C}">
+                <a14:useLocalDpi xmlns:a14="http://schemas.microsoft.com/office/drawing/2010/main" val="0"/>
+              </a:ext>
+            </a:extLst>
+          </a:blip>
+          <a:srcRect/>
+          <a:stretch>
+            <a:fillRect/>
+          </a:stretch>
+        </p:blipFill>
+        <p:spPr bwMode="auto">
+          <a:xfrm>
+            <a:off x="1849807" y="96048"/>
+            <a:ext cx="7990879" cy="3429420"/>
+          </a:xfrm>
+          <a:prstGeom prst="rect">
+            <a:avLst/>
+          </a:prstGeom>
+          <a:noFill/>
+          <a:extLst>
+            <a:ext uri="{909E8E84-426E-40DD-AFC4-6F175D3DCCD1}">
+              <a14:hiddenFill xmlns:a14="http://schemas.microsoft.com/office/drawing/2010/main">
+                <a:solidFill>
+                  <a:srgbClr val="FFFFFF"/>
+                </a:solidFill>
+              </a14:hiddenFill>
+            </a:ext>
+          </a:extLst>
+        </p:spPr>
+      </p:pic>
+      <p:sp>
+        <p:nvSpPr>
+          <p:cNvPr id="2" name="TextBox 1"/>
+          <p:cNvSpPr txBox="1"/>
+          <p:nvPr/>
+        </p:nvSpPr>
+        <p:spPr>
+          <a:xfrm>
+            <a:off x="1323932" y="3802466"/>
+            <a:ext cx="3044791" cy="2585323"/>
+          </a:xfrm>
+          <a:prstGeom prst="rect">
+            <a:avLst/>
+          </a:prstGeom>
+          <a:noFill/>
+        </p:spPr>
+        <p:txBody>
+          <a:bodyPr wrap="square" rtlCol="0">
+            <a:spAutoFit/>
+          </a:bodyPr>
+          <a:lstStyle/>
+          <a:p>
+            <a:r>
+              <a:rPr lang="ru-RU" dirty="0"/>
+              <a:t>Тестирование модели в цикле (</a:t>
+            </a:r>
+            <a:r>
+              <a:rPr lang="ru-RU" dirty="0" err="1"/>
+              <a:t>MiL</a:t>
+            </a:r>
+            <a:r>
+              <a:rPr lang="ru-RU" dirty="0"/>
+              <a:t>) проводится на ранних стадиях разработки. На этом этапе фиксируется динамика виртуальной модели и создается контроллер на основе входных данных виртуальной модели.</a:t>
+            </a:r>
+            <a:endParaRPr lang="ru-RU" dirty="0"/>
+          </a:p>
+        </p:txBody>
+      </p:sp>
+      <p:sp>
+        <p:nvSpPr>
+          <p:cNvPr id="3" name="TextBox 2"/>
+          <p:cNvSpPr txBox="1"/>
+          <p:nvPr/>
+        </p:nvSpPr>
+        <p:spPr>
+          <a:xfrm>
+            <a:off x="4228316" y="3525468"/>
+            <a:ext cx="3233860" cy="3139321"/>
+          </a:xfrm>
+          <a:prstGeom prst="rect">
+            <a:avLst/>
+          </a:prstGeom>
+          <a:noFill/>
+        </p:spPr>
+        <p:txBody>
+          <a:bodyPr wrap="square" rtlCol="0">
+            <a:spAutoFit/>
+          </a:bodyPr>
+          <a:lstStyle/>
+          <a:p>
+            <a:r>
+              <a:rPr lang="ru-RU" dirty="0"/>
+              <a:t>Тестирование программного обеспечения в цикле (</a:t>
+            </a:r>
+            <a:r>
+              <a:rPr lang="ru-RU" dirty="0" err="1"/>
+              <a:t>SiL</a:t>
+            </a:r>
+            <a:r>
+              <a:rPr lang="ru-RU" dirty="0"/>
+              <a:t>) начинается с создания кода на основе модели контроллера. Затем этот код тестируется в виртуальной среде, без каких-либо аппаратных средств, чтобы проверить, насколько хорошо программное обеспечение справляется с моделируемой системой.</a:t>
+            </a:r>
+            <a:endParaRPr lang="ru-RU" dirty="0"/>
+          </a:p>
+        </p:txBody>
+      </p:sp>
+      <p:sp>
+        <p:nvSpPr>
+          <p:cNvPr id="4" name="TextBox 3"/>
+          <p:cNvSpPr txBox="1"/>
+          <p:nvPr/>
+        </p:nvSpPr>
+        <p:spPr>
+          <a:xfrm>
+            <a:off x="7597922" y="3718679"/>
+            <a:ext cx="2768638" cy="3139321"/>
+          </a:xfrm>
+          <a:prstGeom prst="rect">
+            <a:avLst/>
+          </a:prstGeom>
+          <a:noFill/>
+        </p:spPr>
+        <p:txBody>
+          <a:bodyPr wrap="square" rtlCol="0">
+            <a:spAutoFit/>
+          </a:bodyPr>
+          <a:lstStyle/>
+          <a:p>
+            <a:r>
+              <a:rPr lang="ru-RU" dirty="0"/>
+              <a:t> Как только сгенерированный код будет проверен на работоспособность, следующим шагом будет аппаратное обеспечение в цикле (</a:t>
+            </a:r>
+            <a:r>
+              <a:rPr lang="ru-RU" dirty="0" err="1"/>
+              <a:t>HiL</a:t>
+            </a:r>
+            <a:r>
+              <a:rPr lang="ru-RU" dirty="0"/>
+              <a:t>) тестирование. Код теперь реализован в окончательной настройке </a:t>
+            </a:r>
+            <a:r>
+              <a:rPr lang="ru-RU" dirty="0" smtClean="0"/>
+              <a:t>оборудования.</a:t>
+            </a:r>
+            <a:endParaRPr lang="ru-RU" dirty="0"/>
+          </a:p>
+        </p:txBody>
+      </p:sp>
+    </p:spTree>
+    <p:extLst>
+      <p:ext uri="{BB962C8B-B14F-4D97-AF65-F5344CB8AC3E}">
+        <p14:creationId xmlns:p14="http://schemas.microsoft.com/office/powerpoint/2010/main" val="1171272917"/>
+      </p:ext>
+    </p:extLst>
+  </p:cSld>
+  <p:clrMapOvr>
+    <a:masterClrMapping/>
+  </p:clrMapOvr>
+</p:sld>
+</file>
+
+<file path=ppt/slides/slide3.xml><?xml version="1.0" encoding="utf-8"?>
+<p:sld xmlns:a="http://schemas.openxmlformats.org/drawingml/2006/main" xmlns:r="http://schemas.openxmlformats.org/officeDocument/2006/relationships" xmlns:p="http://schemas.openxmlformats.org/presentationml/2006/main">
+  <p:cSld>
+    <p:spTree>
+      <p:nvGrpSpPr>
+        <p:cNvPr id="1" name=""/>
+        <p:cNvGrpSpPr/>
+        <p:nvPr/>
+      </p:nvGrpSpPr>
+      <p:grpSpPr>
+        <a:xfrm>
+          <a:off x="0" y="0"/>
+          <a:ext cx="0" cy="0"/>
+          <a:chOff x="0" y="0"/>
+          <a:chExt cx="0" cy="0"/>
+        </a:xfrm>
+      </p:grpSpPr>
       <p:graphicFrame>
         <p:nvGraphicFramePr>
           <p:cNvPr id="5" name="Объект 4"/>
@@ -2976,18 +3861,22 @@
             <a:graphicFrameLocks noChangeAspect="1"/>
           </p:cNvGraphicFramePr>
           <p:nvPr>
-            <p:extLst/>
+            <p:extLst>
+              <p:ext uri="{D42A27DB-BD31-4B8C-83A1-F6EECF244321}">
+                <p14:modId xmlns:p14="http://schemas.microsoft.com/office/powerpoint/2010/main" val="1560205104"/>
+              </p:ext>
+            </p:extLst>
           </p:nvPr>
         </p:nvGraphicFramePr>
         <p:xfrm>
-          <a:off x="604404" y="1673567"/>
+          <a:off x="539749" y="1588144"/>
           <a:ext cx="5394325" cy="1684338"/>
         </p:xfrm>
         <a:graphic>
           <a:graphicData uri="http://schemas.openxmlformats.org/presentationml/2006/ole">
             <mc:AlternateContent xmlns:mc="http://schemas.openxmlformats.org/markup-compatibility/2006">
               <mc:Choice xmlns:v="urn:schemas-microsoft-com:vml" Requires="v">
-                <p:oleObj spid="_x0000_s1028" name="Equation" r:id="rId3" imgW="2806560" imgH="825480" progId="Equation.DSMT4">
+                <p:oleObj spid="_x0000_s1033" name="Equation" r:id="rId3" imgW="2806560" imgH="825480" progId="Equation.DSMT4">
                   <p:embed/>
                 </p:oleObj>
               </mc:Choice>
@@ -3011,7 +3900,7 @@
                     </p:blipFill>
                     <p:spPr bwMode="auto">
                       <a:xfrm>
-                        <a:off x="604404" y="1673567"/>
+                        <a:off x="539749" y="1588144"/>
                         <a:ext cx="5394325" cy="1684338"/>
                       </a:xfrm>
                       <a:prstGeom prst="rect">
@@ -3034,7 +3923,7 @@
         </p:nvSpPr>
         <p:spPr>
           <a:xfrm>
-            <a:off x="143933" y="109344"/>
+            <a:off x="143932" y="118006"/>
             <a:ext cx="11580283" cy="523220"/>
           </a:xfrm>
           <a:prstGeom prst="rect">
@@ -3630,7 +4519,13 @@
                           <a:rPr lang="en-US" sz="2400" b="0" i="1" smtClean="0">
                             <a:latin typeface="Cambria Math" panose="02040503050406030204" pitchFamily="18" charset="0"/>
                           </a:rPr>
-                          <m:t>=0</m:t>
+                          <m:t>=</m:t>
+                        </m:r>
+                        <m:r>
+                          <a:rPr lang="en-US" sz="2400" b="0" i="1" smtClean="0">
+                            <a:latin typeface="Cambria Math" panose="02040503050406030204" pitchFamily="18" charset="0"/>
+                          </a:rPr>
+                          <m:t>0</m:t>
                         </m:r>
                       </m:sub>
                       <m:sup>
@@ -3644,7 +4539,13 @@
                           <a:rPr lang="en-US" sz="2400" b="0" i="1" smtClean="0">
                             <a:latin typeface="Cambria Math" panose="02040503050406030204" pitchFamily="18" charset="0"/>
                           </a:rPr>
-                          <m:t>−1</m:t>
+                          <m:t>−</m:t>
+                        </m:r>
+                        <m:r>
+                          <a:rPr lang="en-US" sz="2400" b="0" i="1" smtClean="0">
+                            <a:latin typeface="Cambria Math" panose="02040503050406030204" pitchFamily="18" charset="0"/>
+                          </a:rPr>
+                          <m:t>1</m:t>
                         </m:r>
                       </m:sup>
                       <m:e>
@@ -3844,8 +4745,8 @@
         </p:nvSpPr>
         <p:spPr>
           <a:xfrm>
-            <a:off x="6169892" y="1993717"/>
-            <a:ext cx="3072380" cy="400110"/>
+            <a:off x="6258197" y="1990424"/>
+            <a:ext cx="242374" cy="400110"/>
           </a:xfrm>
           <a:prstGeom prst="rect">
             <a:avLst/>
@@ -3860,7 +4761,7 @@
           <a:p>
             <a:r>
               <a:rPr lang="ru-RU" sz="2000" dirty="0" smtClean="0"/>
-              <a:t>- Уравнение ШИМ сигнала</a:t>
+              <a:t> </a:t>
             </a:r>
             <a:endParaRPr lang="ru-RU" sz="2000" dirty="0"/>
           </a:p>
@@ -3883,900 +4784,6 @@
       </p:par>
     </p:tnLst>
   </p:timing>
-</p:sld>
-</file>
-
-<file path=ppt/slides/slide2.xml><?xml version="1.0" encoding="utf-8"?>
-<p:sld xmlns:a="http://schemas.openxmlformats.org/drawingml/2006/main" xmlns:r="http://schemas.openxmlformats.org/officeDocument/2006/relationships" xmlns:p="http://schemas.openxmlformats.org/presentationml/2006/main">
-  <p:cSld>
-    <p:spTree>
-      <p:nvGrpSpPr>
-        <p:cNvPr id="1" name=""/>
-        <p:cNvGrpSpPr/>
-        <p:nvPr/>
-      </p:nvGrpSpPr>
-      <p:grpSpPr>
-        <a:xfrm>
-          <a:off x="0" y="0"/>
-          <a:ext cx="0" cy="0"/>
-          <a:chOff x="0" y="0"/>
-          <a:chExt cx="0" cy="0"/>
-        </a:xfrm>
-      </p:grpSpPr>
-      <p:pic>
-        <p:nvPicPr>
-          <p:cNvPr id="2" name="Рисунок 1"/>
-          <p:cNvPicPr>
-            <a:picLocks noChangeAspect="1"/>
-          </p:cNvPicPr>
-          <p:nvPr/>
-        </p:nvPicPr>
-        <p:blipFill>
-          <a:blip r:embed="rId2"/>
-          <a:stretch>
-            <a:fillRect/>
-          </a:stretch>
-        </p:blipFill>
-        <p:spPr>
-          <a:xfrm>
-            <a:off x="1995413" y="1027611"/>
-            <a:ext cx="7743899" cy="4534989"/>
-          </a:xfrm>
-          <a:prstGeom prst="rect">
-            <a:avLst/>
-          </a:prstGeom>
-        </p:spPr>
-      </p:pic>
-      <p:sp>
-        <p:nvSpPr>
-          <p:cNvPr id="4" name="Прямоугольник 3"/>
-          <p:cNvSpPr/>
-          <p:nvPr/>
-        </p:nvSpPr>
-        <p:spPr>
-          <a:xfrm>
-            <a:off x="2329882" y="1345474"/>
-            <a:ext cx="3618072" cy="1066800"/>
-          </a:xfrm>
-          <a:prstGeom prst="rect">
-            <a:avLst/>
-          </a:prstGeom>
-          <a:noFill/>
-          <a:ln w="28575">
-            <a:solidFill>
-              <a:schemeClr val="tx1"/>
-            </a:solidFill>
-          </a:ln>
-        </p:spPr>
-        <p:style>
-          <a:lnRef idx="2">
-            <a:schemeClr val="accent1">
-              <a:shade val="50000"/>
-            </a:schemeClr>
-          </a:lnRef>
-          <a:fillRef idx="1">
-            <a:schemeClr val="accent1"/>
-          </a:fillRef>
-          <a:effectRef idx="0">
-            <a:schemeClr val="accent1"/>
-          </a:effectRef>
-          <a:fontRef idx="minor">
-            <a:schemeClr val="lt1"/>
-          </a:fontRef>
-        </p:style>
-        <p:txBody>
-          <a:bodyPr rtlCol="0" anchor="ctr"/>
-          <a:lstStyle/>
-          <a:p>
-            <a:pPr algn="ctr"/>
-            <a:endParaRPr lang="ru-RU"/>
-          </a:p>
-        </p:txBody>
-      </p:sp>
-      <p:sp>
-        <p:nvSpPr>
-          <p:cNvPr id="5" name="Прямоугольник 4"/>
-          <p:cNvSpPr/>
-          <p:nvPr/>
-        </p:nvSpPr>
-        <p:spPr>
-          <a:xfrm>
-            <a:off x="2072979" y="2412274"/>
-            <a:ext cx="3618072" cy="878477"/>
-          </a:xfrm>
-          <a:prstGeom prst="rect">
-            <a:avLst/>
-          </a:prstGeom>
-          <a:noFill/>
-          <a:ln w="28575">
-            <a:solidFill>
-              <a:schemeClr val="tx1"/>
-            </a:solidFill>
-          </a:ln>
-        </p:spPr>
-        <p:style>
-          <a:lnRef idx="2">
-            <a:schemeClr val="accent1">
-              <a:shade val="50000"/>
-            </a:schemeClr>
-          </a:lnRef>
-          <a:fillRef idx="1">
-            <a:schemeClr val="accent1"/>
-          </a:fillRef>
-          <a:effectRef idx="0">
-            <a:schemeClr val="accent1"/>
-          </a:effectRef>
-          <a:fontRef idx="minor">
-            <a:schemeClr val="lt1"/>
-          </a:fontRef>
-        </p:style>
-        <p:txBody>
-          <a:bodyPr rtlCol="0" anchor="ctr"/>
-          <a:lstStyle/>
-          <a:p>
-            <a:pPr algn="ctr"/>
-            <a:endParaRPr lang="ru-RU"/>
-          </a:p>
-        </p:txBody>
-      </p:sp>
-      <p:sp>
-        <p:nvSpPr>
-          <p:cNvPr id="6" name="Прямоугольник 5"/>
-          <p:cNvSpPr/>
-          <p:nvPr/>
-        </p:nvSpPr>
-        <p:spPr>
-          <a:xfrm>
-            <a:off x="3875653" y="3290751"/>
-            <a:ext cx="1815398" cy="1520189"/>
-          </a:xfrm>
-          <a:prstGeom prst="rect">
-            <a:avLst/>
-          </a:prstGeom>
-          <a:noFill/>
-          <a:ln w="28575">
-            <a:solidFill>
-              <a:schemeClr val="tx1"/>
-            </a:solidFill>
-          </a:ln>
-        </p:spPr>
-        <p:style>
-          <a:lnRef idx="2">
-            <a:schemeClr val="accent1">
-              <a:shade val="50000"/>
-            </a:schemeClr>
-          </a:lnRef>
-          <a:fillRef idx="1">
-            <a:schemeClr val="accent1"/>
-          </a:fillRef>
-          <a:effectRef idx="0">
-            <a:schemeClr val="accent1"/>
-          </a:effectRef>
-          <a:fontRef idx="minor">
-            <a:schemeClr val="lt1"/>
-          </a:fontRef>
-        </p:style>
-        <p:txBody>
-          <a:bodyPr rtlCol="0" anchor="ctr"/>
-          <a:lstStyle/>
-          <a:p>
-            <a:pPr algn="ctr"/>
-            <a:endParaRPr lang="ru-RU"/>
-          </a:p>
-        </p:txBody>
-      </p:sp>
-      <p:sp>
-        <p:nvSpPr>
-          <p:cNvPr id="7" name="TextBox 6"/>
-          <p:cNvSpPr txBox="1"/>
-          <p:nvPr/>
-        </p:nvSpPr>
-        <p:spPr>
-          <a:xfrm>
-            <a:off x="2108152" y="948147"/>
-            <a:ext cx="1960024" cy="369332"/>
-          </a:xfrm>
-          <a:prstGeom prst="rect">
-            <a:avLst/>
-          </a:prstGeom>
-          <a:noFill/>
-        </p:spPr>
-        <p:txBody>
-          <a:bodyPr wrap="none" rtlCol="0">
-            <a:spAutoFit/>
-          </a:bodyPr>
-          <a:lstStyle/>
-          <a:p>
-            <a:r>
-              <a:rPr lang="ru-RU" dirty="0" smtClean="0"/>
-              <a:t>Уставка давления </a:t>
-            </a:r>
-            <a:endParaRPr lang="ru-RU" dirty="0"/>
-          </a:p>
-        </p:txBody>
-      </p:sp>
-      <p:sp>
-        <p:nvSpPr>
-          <p:cNvPr id="8" name="TextBox 7"/>
-          <p:cNvSpPr txBox="1"/>
-          <p:nvPr/>
-        </p:nvSpPr>
-        <p:spPr>
-          <a:xfrm>
-            <a:off x="2072979" y="3341105"/>
-            <a:ext cx="1545771" cy="646331"/>
-          </a:xfrm>
-          <a:prstGeom prst="rect">
-            <a:avLst/>
-          </a:prstGeom>
-          <a:noFill/>
-        </p:spPr>
-        <p:txBody>
-          <a:bodyPr wrap="square" rtlCol="0">
-            <a:spAutoFit/>
-          </a:bodyPr>
-          <a:lstStyle/>
-          <a:p>
-            <a:r>
-              <a:rPr lang="ru-RU" dirty="0" smtClean="0"/>
-              <a:t>Входящее давление</a:t>
-            </a:r>
-            <a:endParaRPr lang="ru-RU" dirty="0"/>
-          </a:p>
-        </p:txBody>
-      </p:sp>
-      <p:sp>
-        <p:nvSpPr>
-          <p:cNvPr id="9" name="TextBox 8"/>
-          <p:cNvSpPr txBox="1"/>
-          <p:nvPr/>
-        </p:nvSpPr>
-        <p:spPr>
-          <a:xfrm>
-            <a:off x="3422469" y="4890404"/>
-            <a:ext cx="2926080" cy="646331"/>
-          </a:xfrm>
-          <a:prstGeom prst="rect">
-            <a:avLst/>
-          </a:prstGeom>
-          <a:noFill/>
-        </p:spPr>
-        <p:txBody>
-          <a:bodyPr wrap="square" rtlCol="0">
-            <a:spAutoFit/>
-          </a:bodyPr>
-          <a:lstStyle/>
-          <a:p>
-            <a:r>
-              <a:rPr lang="ru-RU" dirty="0" smtClean="0"/>
-              <a:t>Коэффициенты для ПИД регулятора</a:t>
-            </a:r>
-            <a:endParaRPr lang="ru-RU" dirty="0"/>
-          </a:p>
-        </p:txBody>
-      </p:sp>
-      <p:sp>
-        <p:nvSpPr>
-          <p:cNvPr id="10" name="TextBox 9"/>
-          <p:cNvSpPr txBox="1"/>
-          <p:nvPr/>
-        </p:nvSpPr>
-        <p:spPr>
-          <a:xfrm>
-            <a:off x="8020594" y="1555708"/>
-            <a:ext cx="1323703" cy="646331"/>
-          </a:xfrm>
-          <a:prstGeom prst="rect">
-            <a:avLst/>
-          </a:prstGeom>
-          <a:noFill/>
-        </p:spPr>
-        <p:txBody>
-          <a:bodyPr wrap="square" rtlCol="0">
-            <a:spAutoFit/>
-          </a:bodyPr>
-          <a:lstStyle/>
-          <a:p>
-            <a:r>
-              <a:rPr lang="ru-RU" dirty="0" smtClean="0"/>
-              <a:t>Выходной сигнал</a:t>
-            </a:r>
-            <a:endParaRPr lang="ru-RU" dirty="0"/>
-          </a:p>
-        </p:txBody>
-      </p:sp>
-      <p:sp>
-        <p:nvSpPr>
-          <p:cNvPr id="11" name="TextBox 10"/>
-          <p:cNvSpPr txBox="1"/>
-          <p:nvPr/>
-        </p:nvSpPr>
-        <p:spPr>
-          <a:xfrm>
-            <a:off x="7033019" y="4705738"/>
-            <a:ext cx="1649426" cy="369332"/>
-          </a:xfrm>
-          <a:prstGeom prst="rect">
-            <a:avLst/>
-          </a:prstGeom>
-          <a:noFill/>
-        </p:spPr>
-        <p:txBody>
-          <a:bodyPr wrap="none" rtlCol="0">
-            <a:spAutoFit/>
-          </a:bodyPr>
-          <a:lstStyle/>
-          <a:p>
-            <a:r>
-              <a:rPr lang="ru-RU" dirty="0" smtClean="0"/>
-              <a:t>ПИД регулятор</a:t>
-            </a:r>
-            <a:endParaRPr lang="ru-RU" dirty="0"/>
-          </a:p>
-        </p:txBody>
-      </p:sp>
-    </p:spTree>
-    <p:extLst>
-      <p:ext uri="{BB962C8B-B14F-4D97-AF65-F5344CB8AC3E}">
-        <p14:creationId xmlns:p14="http://schemas.microsoft.com/office/powerpoint/2010/main" val="1393742383"/>
-      </p:ext>
-    </p:extLst>
-  </p:cSld>
-  <p:clrMapOvr>
-    <a:masterClrMapping/>
-  </p:clrMapOvr>
-</p:sld>
-</file>
-
-<file path=ppt/slides/slide3.xml><?xml version="1.0" encoding="utf-8"?>
-<p:sld xmlns:a="http://schemas.openxmlformats.org/drawingml/2006/main" xmlns:r="http://schemas.openxmlformats.org/officeDocument/2006/relationships" xmlns:p="http://schemas.openxmlformats.org/presentationml/2006/main">
-  <p:cSld>
-    <p:spTree>
-      <p:nvGrpSpPr>
-        <p:cNvPr id="1" name=""/>
-        <p:cNvGrpSpPr/>
-        <p:nvPr/>
-      </p:nvGrpSpPr>
-      <p:grpSpPr>
-        <a:xfrm>
-          <a:off x="0" y="0"/>
-          <a:ext cx="0" cy="0"/>
-          <a:chOff x="0" y="0"/>
-          <a:chExt cx="0" cy="0"/>
-        </a:xfrm>
-      </p:grpSpPr>
-      <p:pic>
-        <p:nvPicPr>
-          <p:cNvPr id="2" name="Рисунок 1"/>
-          <p:cNvPicPr>
-            <a:picLocks noChangeAspect="1"/>
-          </p:cNvPicPr>
-          <p:nvPr/>
-        </p:nvPicPr>
-        <p:blipFill>
-          <a:blip r:embed="rId2"/>
-          <a:stretch>
-            <a:fillRect/>
-          </a:stretch>
-        </p:blipFill>
-        <p:spPr>
-          <a:xfrm>
-            <a:off x="1515291" y="1734861"/>
-            <a:ext cx="9730876" cy="4877257"/>
-          </a:xfrm>
-          <a:prstGeom prst="rect">
-            <a:avLst/>
-          </a:prstGeom>
-        </p:spPr>
-      </p:pic>
-      <p:sp>
-        <p:nvSpPr>
-          <p:cNvPr id="3" name="Прямоугольник 2"/>
-          <p:cNvSpPr/>
-          <p:nvPr/>
-        </p:nvSpPr>
-        <p:spPr>
-          <a:xfrm>
-            <a:off x="3622766" y="1734861"/>
-            <a:ext cx="3291840" cy="1295722"/>
-          </a:xfrm>
-          <a:prstGeom prst="rect">
-            <a:avLst/>
-          </a:prstGeom>
-          <a:noFill/>
-          <a:ln w="28575">
-            <a:solidFill>
-              <a:schemeClr val="tx1"/>
-            </a:solidFill>
-          </a:ln>
-        </p:spPr>
-        <p:style>
-          <a:lnRef idx="2">
-            <a:schemeClr val="accent1">
-              <a:shade val="50000"/>
-            </a:schemeClr>
-          </a:lnRef>
-          <a:fillRef idx="1">
-            <a:schemeClr val="accent1"/>
-          </a:fillRef>
-          <a:effectRef idx="0">
-            <a:schemeClr val="accent1"/>
-          </a:effectRef>
-          <a:fontRef idx="minor">
-            <a:schemeClr val="lt1"/>
-          </a:fontRef>
-        </p:style>
-        <p:txBody>
-          <a:bodyPr rtlCol="0" anchor="ctr"/>
-          <a:lstStyle/>
-          <a:p>
-            <a:pPr algn="ctr"/>
-            <a:endParaRPr lang="ru-RU"/>
-          </a:p>
-        </p:txBody>
-      </p:sp>
-      <p:sp>
-        <p:nvSpPr>
-          <p:cNvPr id="4" name="Прямоугольник 3"/>
-          <p:cNvSpPr/>
-          <p:nvPr/>
-        </p:nvSpPr>
-        <p:spPr>
-          <a:xfrm>
-            <a:off x="2682240" y="3030583"/>
-            <a:ext cx="4232366" cy="1295722"/>
-          </a:xfrm>
-          <a:prstGeom prst="rect">
-            <a:avLst/>
-          </a:prstGeom>
-          <a:noFill/>
-          <a:ln w="28575">
-            <a:solidFill>
-              <a:schemeClr val="tx1"/>
-            </a:solidFill>
-          </a:ln>
-        </p:spPr>
-        <p:style>
-          <a:lnRef idx="2">
-            <a:schemeClr val="accent1">
-              <a:shade val="50000"/>
-            </a:schemeClr>
-          </a:lnRef>
-          <a:fillRef idx="1">
-            <a:schemeClr val="accent1"/>
-          </a:fillRef>
-          <a:effectRef idx="0">
-            <a:schemeClr val="accent1"/>
-          </a:effectRef>
-          <a:fontRef idx="minor">
-            <a:schemeClr val="lt1"/>
-          </a:fontRef>
-        </p:style>
-        <p:txBody>
-          <a:bodyPr rtlCol="0" anchor="ctr"/>
-          <a:lstStyle/>
-          <a:p>
-            <a:pPr algn="ctr"/>
-            <a:endParaRPr lang="ru-RU"/>
-          </a:p>
-        </p:txBody>
-      </p:sp>
-      <p:sp>
-        <p:nvSpPr>
-          <p:cNvPr id="5" name="Прямоугольник 4"/>
-          <p:cNvSpPr/>
-          <p:nvPr/>
-        </p:nvSpPr>
-        <p:spPr>
-          <a:xfrm>
-            <a:off x="2682240" y="4326305"/>
-            <a:ext cx="4232366" cy="1700026"/>
-          </a:xfrm>
-          <a:prstGeom prst="rect">
-            <a:avLst/>
-          </a:prstGeom>
-          <a:noFill/>
-          <a:ln w="28575">
-            <a:solidFill>
-              <a:schemeClr val="tx1"/>
-            </a:solidFill>
-          </a:ln>
-        </p:spPr>
-        <p:style>
-          <a:lnRef idx="2">
-            <a:schemeClr val="accent1">
-              <a:shade val="50000"/>
-            </a:schemeClr>
-          </a:lnRef>
-          <a:fillRef idx="1">
-            <a:schemeClr val="accent1"/>
-          </a:fillRef>
-          <a:effectRef idx="0">
-            <a:schemeClr val="accent1"/>
-          </a:effectRef>
-          <a:fontRef idx="minor">
-            <a:schemeClr val="lt1"/>
-          </a:fontRef>
-        </p:style>
-        <p:txBody>
-          <a:bodyPr rtlCol="0" anchor="ctr"/>
-          <a:lstStyle/>
-          <a:p>
-            <a:pPr algn="ctr"/>
-            <a:endParaRPr lang="ru-RU"/>
-          </a:p>
-        </p:txBody>
-      </p:sp>
-      <p:cxnSp>
-        <p:nvCxnSpPr>
-          <p:cNvPr id="7" name="Прямая со стрелкой 6"/>
-          <p:cNvCxnSpPr/>
-          <p:nvPr/>
-        </p:nvCxnSpPr>
-        <p:spPr>
-          <a:xfrm flipH="1">
-            <a:off x="6914607" y="1663337"/>
-            <a:ext cx="1062444" cy="158610"/>
-          </a:xfrm>
-          <a:prstGeom prst="straightConnector1">
-            <a:avLst/>
-          </a:prstGeom>
-          <a:ln w="28575">
-            <a:solidFill>
-              <a:schemeClr val="tx1"/>
-            </a:solidFill>
-            <a:tailEnd type="triangle"/>
-          </a:ln>
-        </p:spPr>
-        <p:style>
-          <a:lnRef idx="1">
-            <a:schemeClr val="accent1"/>
-          </a:lnRef>
-          <a:fillRef idx="0">
-            <a:schemeClr val="accent1"/>
-          </a:fillRef>
-          <a:effectRef idx="0">
-            <a:schemeClr val="accent1"/>
-          </a:effectRef>
-          <a:fontRef idx="minor">
-            <a:schemeClr val="tx1"/>
-          </a:fontRef>
-        </p:style>
-      </p:cxnSp>
-      <p:cxnSp>
-        <p:nvCxnSpPr>
-          <p:cNvPr id="8" name="Прямая со стрелкой 7"/>
-          <p:cNvCxnSpPr/>
-          <p:nvPr/>
-        </p:nvCxnSpPr>
-        <p:spPr>
-          <a:xfrm flipH="1" flipV="1">
-            <a:off x="6914607" y="4129718"/>
-            <a:ext cx="1471747" cy="755791"/>
-          </a:xfrm>
-          <a:prstGeom prst="straightConnector1">
-            <a:avLst/>
-          </a:prstGeom>
-          <a:ln w="28575">
-            <a:solidFill>
-              <a:schemeClr val="tx1"/>
-            </a:solidFill>
-            <a:tailEnd type="triangle"/>
-          </a:ln>
-        </p:spPr>
-        <p:style>
-          <a:lnRef idx="1">
-            <a:schemeClr val="accent1"/>
-          </a:lnRef>
-          <a:fillRef idx="0">
-            <a:schemeClr val="accent1"/>
-          </a:fillRef>
-          <a:effectRef idx="0">
-            <a:schemeClr val="accent1"/>
-          </a:effectRef>
-          <a:fontRef idx="minor">
-            <a:schemeClr val="tx1"/>
-          </a:fontRef>
-        </p:style>
-      </p:cxnSp>
-      <p:cxnSp>
-        <p:nvCxnSpPr>
-          <p:cNvPr id="10" name="Прямая со стрелкой 9"/>
-          <p:cNvCxnSpPr/>
-          <p:nvPr/>
-        </p:nvCxnSpPr>
-        <p:spPr>
-          <a:xfrm flipH="1" flipV="1">
-            <a:off x="6927671" y="6026331"/>
-            <a:ext cx="1815735" cy="130629"/>
-          </a:xfrm>
-          <a:prstGeom prst="straightConnector1">
-            <a:avLst/>
-          </a:prstGeom>
-          <a:ln w="28575">
-            <a:solidFill>
-              <a:schemeClr val="tx1"/>
-            </a:solidFill>
-            <a:tailEnd type="triangle"/>
-          </a:ln>
-        </p:spPr>
-        <p:style>
-          <a:lnRef idx="1">
-            <a:schemeClr val="accent1"/>
-          </a:lnRef>
-          <a:fillRef idx="0">
-            <a:schemeClr val="accent1"/>
-          </a:fillRef>
-          <a:effectRef idx="0">
-            <a:schemeClr val="accent1"/>
-          </a:effectRef>
-          <a:fontRef idx="minor">
-            <a:schemeClr val="tx1"/>
-          </a:fontRef>
-        </p:style>
-      </p:cxnSp>
-      <p:sp>
-        <p:nvSpPr>
-          <p:cNvPr id="13" name="TextBox 12"/>
-          <p:cNvSpPr txBox="1"/>
-          <p:nvPr/>
-        </p:nvSpPr>
-        <p:spPr>
-          <a:xfrm>
-            <a:off x="8125097" y="1365529"/>
-            <a:ext cx="2680542" cy="369332"/>
-          </a:xfrm>
-          <a:prstGeom prst="rect">
-            <a:avLst/>
-          </a:prstGeom>
-          <a:noFill/>
-        </p:spPr>
-        <p:txBody>
-          <a:bodyPr wrap="none" rtlCol="0">
-            <a:spAutoFit/>
-          </a:bodyPr>
-          <a:lstStyle/>
-          <a:p>
-            <a:r>
-              <a:rPr lang="ru-RU" dirty="0" smtClean="0"/>
-              <a:t>Пропорциональная часть</a:t>
-            </a:r>
-            <a:endParaRPr lang="ru-RU" dirty="0"/>
-          </a:p>
-        </p:txBody>
-      </p:sp>
-      <p:sp>
-        <p:nvSpPr>
-          <p:cNvPr id="14" name="TextBox 13"/>
-          <p:cNvSpPr txBox="1"/>
-          <p:nvPr/>
-        </p:nvSpPr>
-        <p:spPr>
-          <a:xfrm>
-            <a:off x="8386354" y="4763589"/>
-            <a:ext cx="2109424" cy="369332"/>
-          </a:xfrm>
-          <a:prstGeom prst="rect">
-            <a:avLst/>
-          </a:prstGeom>
-          <a:noFill/>
-        </p:spPr>
-        <p:txBody>
-          <a:bodyPr wrap="none" rtlCol="0">
-            <a:spAutoFit/>
-          </a:bodyPr>
-          <a:lstStyle/>
-          <a:p>
-            <a:r>
-              <a:rPr lang="ru-RU" dirty="0" smtClean="0"/>
-              <a:t>Интегральная часть</a:t>
-            </a:r>
-            <a:endParaRPr lang="ru-RU" dirty="0"/>
-          </a:p>
-        </p:txBody>
-      </p:sp>
-      <p:sp>
-        <p:nvSpPr>
-          <p:cNvPr id="15" name="TextBox 14"/>
-          <p:cNvSpPr txBox="1"/>
-          <p:nvPr/>
-        </p:nvSpPr>
-        <p:spPr>
-          <a:xfrm>
-            <a:off x="8743406" y="6091645"/>
-            <a:ext cx="2722220" cy="369332"/>
-          </a:xfrm>
-          <a:prstGeom prst="rect">
-            <a:avLst/>
-          </a:prstGeom>
-          <a:noFill/>
-        </p:spPr>
-        <p:txBody>
-          <a:bodyPr wrap="none" rtlCol="0">
-            <a:spAutoFit/>
-          </a:bodyPr>
-          <a:lstStyle/>
-          <a:p>
-            <a:r>
-              <a:rPr lang="ru-RU" dirty="0" smtClean="0"/>
-              <a:t>Дифференциальная часть</a:t>
-            </a:r>
-            <a:endParaRPr lang="ru-RU" dirty="0"/>
-          </a:p>
-        </p:txBody>
-      </p:sp>
-      <p:cxnSp>
-        <p:nvCxnSpPr>
-          <p:cNvPr id="18" name="Прямая со стрелкой 17"/>
-          <p:cNvCxnSpPr/>
-          <p:nvPr/>
-        </p:nvCxnSpPr>
-        <p:spPr>
-          <a:xfrm flipH="1">
-            <a:off x="9659756" y="3030583"/>
-            <a:ext cx="444760" cy="596147"/>
-          </a:xfrm>
-          <a:prstGeom prst="straightConnector1">
-            <a:avLst/>
-          </a:prstGeom>
-          <a:ln w="28575">
-            <a:solidFill>
-              <a:schemeClr val="tx1"/>
-            </a:solidFill>
-            <a:tailEnd type="triangle"/>
-          </a:ln>
-        </p:spPr>
-        <p:style>
-          <a:lnRef idx="1">
-            <a:schemeClr val="accent1"/>
-          </a:lnRef>
-          <a:fillRef idx="0">
-            <a:schemeClr val="accent1"/>
-          </a:fillRef>
-          <a:effectRef idx="0">
-            <a:schemeClr val="accent1"/>
-          </a:effectRef>
-          <a:fontRef idx="minor">
-            <a:schemeClr val="tx1"/>
-          </a:fontRef>
-        </p:style>
-      </p:cxnSp>
-      <p:sp>
-        <p:nvSpPr>
-          <p:cNvPr id="20" name="TextBox 19"/>
-          <p:cNvSpPr txBox="1"/>
-          <p:nvPr/>
-        </p:nvSpPr>
-        <p:spPr>
-          <a:xfrm>
-            <a:off x="10104516" y="2634216"/>
-            <a:ext cx="1686890" cy="923330"/>
-          </a:xfrm>
-          <a:prstGeom prst="rect">
-            <a:avLst/>
-          </a:prstGeom>
-          <a:noFill/>
-        </p:spPr>
-        <p:txBody>
-          <a:bodyPr wrap="square" rtlCol="0">
-            <a:spAutoFit/>
-          </a:bodyPr>
-          <a:lstStyle/>
-          <a:p>
-            <a:r>
-              <a:rPr lang="ru-RU" dirty="0" smtClean="0"/>
-              <a:t>Выходной сигнал с регулятора</a:t>
-            </a:r>
-            <a:endParaRPr lang="ru-RU" dirty="0"/>
-          </a:p>
-        </p:txBody>
-      </p:sp>
-      <p:cxnSp>
-        <p:nvCxnSpPr>
-          <p:cNvPr id="21" name="Прямая со стрелкой 20"/>
-          <p:cNvCxnSpPr/>
-          <p:nvPr/>
-        </p:nvCxnSpPr>
-        <p:spPr>
-          <a:xfrm>
-            <a:off x="2830286" y="1428206"/>
-            <a:ext cx="191589" cy="1327930"/>
-          </a:xfrm>
-          <a:prstGeom prst="straightConnector1">
-            <a:avLst/>
-          </a:prstGeom>
-          <a:ln w="28575">
-            <a:solidFill>
-              <a:schemeClr val="tx1"/>
-            </a:solidFill>
-            <a:tailEnd type="triangle"/>
-          </a:ln>
-        </p:spPr>
-        <p:style>
-          <a:lnRef idx="1">
-            <a:schemeClr val="accent1"/>
-          </a:lnRef>
-          <a:fillRef idx="0">
-            <a:schemeClr val="accent1"/>
-          </a:fillRef>
-          <a:effectRef idx="0">
-            <a:schemeClr val="accent1"/>
-          </a:effectRef>
-          <a:fontRef idx="minor">
-            <a:schemeClr val="tx1"/>
-          </a:fontRef>
-        </p:style>
-      </p:cxnSp>
-      <p:sp>
-        <p:nvSpPr>
-          <p:cNvPr id="24" name="TextBox 23"/>
-          <p:cNvSpPr txBox="1"/>
-          <p:nvPr/>
-        </p:nvSpPr>
-        <p:spPr>
-          <a:xfrm>
-            <a:off x="1823806" y="1067911"/>
-            <a:ext cx="2499787" cy="369332"/>
-          </a:xfrm>
-          <a:prstGeom prst="rect">
-            <a:avLst/>
-          </a:prstGeom>
-          <a:noFill/>
-        </p:spPr>
-        <p:txBody>
-          <a:bodyPr wrap="none" rtlCol="0">
-            <a:spAutoFit/>
-          </a:bodyPr>
-          <a:lstStyle/>
-          <a:p>
-            <a:r>
-              <a:rPr lang="ru-RU" dirty="0" smtClean="0"/>
-              <a:t>Ошибка регулирования</a:t>
-            </a:r>
-            <a:endParaRPr lang="ru-RU" dirty="0"/>
-          </a:p>
-        </p:txBody>
-      </p:sp>
-      <p:sp>
-        <p:nvSpPr>
-          <p:cNvPr id="25" name="TextBox 24"/>
-          <p:cNvSpPr txBox="1"/>
-          <p:nvPr/>
-        </p:nvSpPr>
-        <p:spPr>
-          <a:xfrm>
-            <a:off x="4323593" y="533002"/>
-            <a:ext cx="3026919" cy="369332"/>
-          </a:xfrm>
-          <a:prstGeom prst="rect">
-            <a:avLst/>
-          </a:prstGeom>
-          <a:noFill/>
-        </p:spPr>
-        <p:txBody>
-          <a:bodyPr wrap="none" rtlCol="0">
-            <a:spAutoFit/>
-          </a:bodyPr>
-          <a:lstStyle/>
-          <a:p>
-            <a:r>
-              <a:rPr lang="ru-RU" dirty="0" smtClean="0"/>
-              <a:t>Архитектура ПИД регулятора</a:t>
-            </a:r>
-            <a:endParaRPr lang="ru-RU" dirty="0"/>
-          </a:p>
-        </p:txBody>
-      </p:sp>
-    </p:spTree>
-    <p:extLst>
-      <p:ext uri="{BB962C8B-B14F-4D97-AF65-F5344CB8AC3E}">
-        <p14:creationId xmlns:p14="http://schemas.microsoft.com/office/powerpoint/2010/main" val="3561004248"/>
-      </p:ext>
-    </p:extLst>
-  </p:cSld>
-  <p:clrMapOvr>
-    <a:masterClrMapping/>
-  </p:clrMapOvr>
 </p:sld>
 </file>
 
@@ -4813,8 +4820,8 @@
         </p:blipFill>
         <p:spPr>
           <a:xfrm>
-            <a:off x="2029097" y="2011680"/>
-            <a:ext cx="8342812" cy="4846320"/>
+            <a:off x="1995413" y="1027611"/>
+            <a:ext cx="7743899" cy="4534989"/>
           </a:xfrm>
           <a:prstGeom prst="rect">
             <a:avLst/>
@@ -4823,19 +4830,157 @@
       </p:pic>
       <p:sp>
         <p:nvSpPr>
-          <p:cNvPr id="3" name="TextBox 2"/>
-          <p:cNvSpPr txBox="1"/>
+          <p:cNvPr id="4" name="Прямоугольник 3"/>
+          <p:cNvSpPr/>
           <p:nvPr/>
         </p:nvSpPr>
         <p:spPr>
           <a:xfrm>
-            <a:off x="4389120" y="278674"/>
-            <a:ext cx="2889509" cy="369332"/>
+            <a:off x="2329882" y="1345474"/>
+            <a:ext cx="3618072" cy="1066800"/>
           </a:xfrm>
           <a:prstGeom prst="rect">
             <a:avLst/>
           </a:prstGeom>
           <a:noFill/>
+          <a:ln w="28575">
+            <a:solidFill>
+              <a:schemeClr val="tx1"/>
+            </a:solidFill>
+          </a:ln>
+        </p:spPr>
+        <p:style>
+          <a:lnRef idx="2">
+            <a:schemeClr val="accent1">
+              <a:shade val="50000"/>
+            </a:schemeClr>
+          </a:lnRef>
+          <a:fillRef idx="1">
+            <a:schemeClr val="accent1"/>
+          </a:fillRef>
+          <a:effectRef idx="0">
+            <a:schemeClr val="accent1"/>
+          </a:effectRef>
+          <a:fontRef idx="minor">
+            <a:schemeClr val="lt1"/>
+          </a:fontRef>
+        </p:style>
+        <p:txBody>
+          <a:bodyPr rtlCol="0" anchor="ctr"/>
+          <a:lstStyle/>
+          <a:p>
+            <a:pPr algn="ctr"/>
+            <a:endParaRPr lang="ru-RU"/>
+          </a:p>
+        </p:txBody>
+      </p:sp>
+      <p:sp>
+        <p:nvSpPr>
+          <p:cNvPr id="5" name="Прямоугольник 4"/>
+          <p:cNvSpPr/>
+          <p:nvPr/>
+        </p:nvSpPr>
+        <p:spPr>
+          <a:xfrm>
+            <a:off x="2072979" y="2412274"/>
+            <a:ext cx="3618072" cy="878477"/>
+          </a:xfrm>
+          <a:prstGeom prst="rect">
+            <a:avLst/>
+          </a:prstGeom>
+          <a:noFill/>
+          <a:ln w="28575">
+            <a:solidFill>
+              <a:schemeClr val="tx1"/>
+            </a:solidFill>
+          </a:ln>
+        </p:spPr>
+        <p:style>
+          <a:lnRef idx="2">
+            <a:schemeClr val="accent1">
+              <a:shade val="50000"/>
+            </a:schemeClr>
+          </a:lnRef>
+          <a:fillRef idx="1">
+            <a:schemeClr val="accent1"/>
+          </a:fillRef>
+          <a:effectRef idx="0">
+            <a:schemeClr val="accent1"/>
+          </a:effectRef>
+          <a:fontRef idx="minor">
+            <a:schemeClr val="lt1"/>
+          </a:fontRef>
+        </p:style>
+        <p:txBody>
+          <a:bodyPr rtlCol="0" anchor="ctr"/>
+          <a:lstStyle/>
+          <a:p>
+            <a:pPr algn="ctr"/>
+            <a:endParaRPr lang="ru-RU"/>
+          </a:p>
+        </p:txBody>
+      </p:sp>
+      <p:sp>
+        <p:nvSpPr>
+          <p:cNvPr id="6" name="Прямоугольник 5"/>
+          <p:cNvSpPr/>
+          <p:nvPr/>
+        </p:nvSpPr>
+        <p:spPr>
+          <a:xfrm>
+            <a:off x="3875653" y="3290751"/>
+            <a:ext cx="1815398" cy="1520189"/>
+          </a:xfrm>
+          <a:prstGeom prst="rect">
+            <a:avLst/>
+          </a:prstGeom>
+          <a:noFill/>
+          <a:ln w="28575">
+            <a:solidFill>
+              <a:schemeClr val="tx1"/>
+            </a:solidFill>
+          </a:ln>
+        </p:spPr>
+        <p:style>
+          <a:lnRef idx="2">
+            <a:schemeClr val="accent1">
+              <a:shade val="50000"/>
+            </a:schemeClr>
+          </a:lnRef>
+          <a:fillRef idx="1">
+            <a:schemeClr val="accent1"/>
+          </a:fillRef>
+          <a:effectRef idx="0">
+            <a:schemeClr val="accent1"/>
+          </a:effectRef>
+          <a:fontRef idx="minor">
+            <a:schemeClr val="lt1"/>
+          </a:fontRef>
+        </p:style>
+        <p:txBody>
+          <a:bodyPr rtlCol="0" anchor="ctr"/>
+          <a:lstStyle/>
+          <a:p>
+            <a:pPr algn="ctr"/>
+            <a:endParaRPr lang="ru-RU"/>
+          </a:p>
+        </p:txBody>
+      </p:sp>
+      <p:sp>
+        <p:nvSpPr>
+          <p:cNvPr id="7" name="TextBox 6"/>
+          <p:cNvSpPr txBox="1"/>
+          <p:nvPr/>
+        </p:nvSpPr>
+        <p:spPr>
+          <a:xfrm>
+            <a:off x="1092966" y="676883"/>
+            <a:ext cx="1960024" cy="369332"/>
+          </a:xfrm>
+          <a:prstGeom prst="rect">
+            <a:avLst/>
+          </a:prstGeom>
+          <a:noFill/>
         </p:spPr>
         <p:txBody>
           <a:bodyPr wrap="none" rtlCol="0">
@@ -4844,21 +4989,317 @@
           <a:lstStyle/>
           <a:p>
             <a:r>
-              <a:rPr lang="en-US" dirty="0" smtClean="0"/>
-              <a:t>ESDL-</a:t>
-            </a:r>
-            <a:r>
               <a:rPr lang="ru-RU" dirty="0" smtClean="0"/>
-              <a:t>файл ПИД регулятора </a:t>
+              <a:t>Уставка давления </a:t>
             </a:r>
             <a:endParaRPr lang="ru-RU" dirty="0"/>
           </a:p>
         </p:txBody>
       </p:sp>
+      <p:sp>
+        <p:nvSpPr>
+          <p:cNvPr id="8" name="TextBox 7"/>
+          <p:cNvSpPr txBox="1"/>
+          <p:nvPr/>
+        </p:nvSpPr>
+        <p:spPr>
+          <a:xfrm>
+            <a:off x="1575288" y="3926365"/>
+            <a:ext cx="1545771" cy="646331"/>
+          </a:xfrm>
+          <a:prstGeom prst="rect">
+            <a:avLst/>
+          </a:prstGeom>
+          <a:noFill/>
+        </p:spPr>
+        <p:txBody>
+          <a:bodyPr wrap="square" rtlCol="0">
+            <a:spAutoFit/>
+          </a:bodyPr>
+          <a:lstStyle/>
+          <a:p>
+            <a:r>
+              <a:rPr lang="ru-RU" dirty="0" smtClean="0"/>
+              <a:t>Входящее давление</a:t>
+            </a:r>
+            <a:endParaRPr lang="ru-RU" dirty="0"/>
+          </a:p>
+        </p:txBody>
+      </p:sp>
+      <p:sp>
+        <p:nvSpPr>
+          <p:cNvPr id="9" name="TextBox 8"/>
+          <p:cNvSpPr txBox="1"/>
+          <p:nvPr/>
+        </p:nvSpPr>
+        <p:spPr>
+          <a:xfrm>
+            <a:off x="3121059" y="5382398"/>
+            <a:ext cx="2926080" cy="646331"/>
+          </a:xfrm>
+          <a:prstGeom prst="rect">
+            <a:avLst/>
+          </a:prstGeom>
+          <a:noFill/>
+        </p:spPr>
+        <p:txBody>
+          <a:bodyPr wrap="square" rtlCol="0">
+            <a:spAutoFit/>
+          </a:bodyPr>
+          <a:lstStyle/>
+          <a:p>
+            <a:r>
+              <a:rPr lang="ru-RU" dirty="0" smtClean="0"/>
+              <a:t>Коэффициенты для ПИД регулятора</a:t>
+            </a:r>
+            <a:endParaRPr lang="ru-RU" dirty="0"/>
+          </a:p>
+        </p:txBody>
+      </p:sp>
+      <p:sp>
+        <p:nvSpPr>
+          <p:cNvPr id="10" name="TextBox 9"/>
+          <p:cNvSpPr txBox="1"/>
+          <p:nvPr/>
+        </p:nvSpPr>
+        <p:spPr>
+          <a:xfrm>
+            <a:off x="7955280" y="908259"/>
+            <a:ext cx="1323703" cy="646331"/>
+          </a:xfrm>
+          <a:prstGeom prst="rect">
+            <a:avLst/>
+          </a:prstGeom>
+          <a:noFill/>
+        </p:spPr>
+        <p:txBody>
+          <a:bodyPr wrap="square" rtlCol="0">
+            <a:spAutoFit/>
+          </a:bodyPr>
+          <a:lstStyle/>
+          <a:p>
+            <a:r>
+              <a:rPr lang="ru-RU" dirty="0" smtClean="0"/>
+              <a:t>Выходной сигнал</a:t>
+            </a:r>
+            <a:endParaRPr lang="ru-RU" dirty="0"/>
+          </a:p>
+        </p:txBody>
+      </p:sp>
+      <p:sp>
+        <p:nvSpPr>
+          <p:cNvPr id="11" name="TextBox 10"/>
+          <p:cNvSpPr txBox="1"/>
+          <p:nvPr/>
+        </p:nvSpPr>
+        <p:spPr>
+          <a:xfrm>
+            <a:off x="7493725" y="4733865"/>
+            <a:ext cx="1649426" cy="369332"/>
+          </a:xfrm>
+          <a:prstGeom prst="rect">
+            <a:avLst/>
+          </a:prstGeom>
+          <a:noFill/>
+        </p:spPr>
+        <p:txBody>
+          <a:bodyPr wrap="none" rtlCol="0">
+            <a:spAutoFit/>
+          </a:bodyPr>
+          <a:lstStyle/>
+          <a:p>
+            <a:r>
+              <a:rPr lang="ru-RU" dirty="0" smtClean="0"/>
+              <a:t>ПИД регулятор</a:t>
+            </a:r>
+            <a:endParaRPr lang="ru-RU" dirty="0"/>
+          </a:p>
+        </p:txBody>
+      </p:sp>
+      <p:cxnSp>
+        <p:nvCxnSpPr>
+          <p:cNvPr id="12" name="Прямая со стрелкой 11"/>
+          <p:cNvCxnSpPr/>
+          <p:nvPr/>
+        </p:nvCxnSpPr>
+        <p:spPr>
+          <a:xfrm>
+            <a:off x="1797783" y="1009356"/>
+            <a:ext cx="550391" cy="444138"/>
+          </a:xfrm>
+          <a:prstGeom prst="straightConnector1">
+            <a:avLst/>
+          </a:prstGeom>
+          <a:ln>
+            <a:solidFill>
+              <a:schemeClr val="tx1"/>
+            </a:solidFill>
+            <a:tailEnd type="triangle"/>
+          </a:ln>
+        </p:spPr>
+        <p:style>
+          <a:lnRef idx="1">
+            <a:schemeClr val="accent1"/>
+          </a:lnRef>
+          <a:fillRef idx="0">
+            <a:schemeClr val="accent1"/>
+          </a:fillRef>
+          <a:effectRef idx="0">
+            <a:schemeClr val="accent1"/>
+          </a:effectRef>
+          <a:fontRef idx="minor">
+            <a:schemeClr val="tx1"/>
+          </a:fontRef>
+        </p:style>
+      </p:cxnSp>
+      <p:cxnSp>
+        <p:nvCxnSpPr>
+          <p:cNvPr id="14" name="Прямая со стрелкой 13"/>
+          <p:cNvCxnSpPr/>
+          <p:nvPr/>
+        </p:nvCxnSpPr>
+        <p:spPr>
+          <a:xfrm flipV="1">
+            <a:off x="1797783" y="3309007"/>
+            <a:ext cx="403648" cy="615334"/>
+          </a:xfrm>
+          <a:prstGeom prst="straightConnector1">
+            <a:avLst/>
+          </a:prstGeom>
+          <a:ln>
+            <a:solidFill>
+              <a:schemeClr val="tx1"/>
+            </a:solidFill>
+            <a:tailEnd type="triangle"/>
+          </a:ln>
+        </p:spPr>
+        <p:style>
+          <a:lnRef idx="1">
+            <a:schemeClr val="accent1"/>
+          </a:lnRef>
+          <a:fillRef idx="0">
+            <a:schemeClr val="accent1"/>
+          </a:fillRef>
+          <a:effectRef idx="0">
+            <a:schemeClr val="accent1"/>
+          </a:effectRef>
+          <a:fontRef idx="minor">
+            <a:schemeClr val="tx1"/>
+          </a:fontRef>
+        </p:style>
+      </p:cxnSp>
+      <p:cxnSp>
+        <p:nvCxnSpPr>
+          <p:cNvPr id="16" name="Прямая со стрелкой 15"/>
+          <p:cNvCxnSpPr/>
+          <p:nvPr/>
+        </p:nvCxnSpPr>
+        <p:spPr>
+          <a:xfrm flipV="1">
+            <a:off x="3537489" y="4795530"/>
+            <a:ext cx="403648" cy="615334"/>
+          </a:xfrm>
+          <a:prstGeom prst="straightConnector1">
+            <a:avLst/>
+          </a:prstGeom>
+          <a:ln>
+            <a:solidFill>
+              <a:schemeClr val="tx1"/>
+            </a:solidFill>
+            <a:tailEnd type="triangle"/>
+          </a:ln>
+        </p:spPr>
+        <p:style>
+          <a:lnRef idx="1">
+            <a:schemeClr val="accent1"/>
+          </a:lnRef>
+          <a:fillRef idx="0">
+            <a:schemeClr val="accent1"/>
+          </a:fillRef>
+          <a:effectRef idx="0">
+            <a:schemeClr val="accent1"/>
+          </a:effectRef>
+          <a:fontRef idx="minor">
+            <a:schemeClr val="tx1"/>
+          </a:fontRef>
+        </p:style>
+      </p:cxnSp>
+      <p:cxnSp>
+        <p:nvCxnSpPr>
+          <p:cNvPr id="17" name="Прямая со стрелкой 16"/>
+          <p:cNvCxnSpPr/>
+          <p:nvPr/>
+        </p:nvCxnSpPr>
+        <p:spPr>
+          <a:xfrm flipH="1" flipV="1">
+            <a:off x="7759338" y="4388944"/>
+            <a:ext cx="391885" cy="406586"/>
+          </a:xfrm>
+          <a:prstGeom prst="straightConnector1">
+            <a:avLst/>
+          </a:prstGeom>
+          <a:ln>
+            <a:solidFill>
+              <a:schemeClr val="tx1"/>
+            </a:solidFill>
+            <a:tailEnd type="triangle"/>
+          </a:ln>
+        </p:spPr>
+        <p:style>
+          <a:lnRef idx="1">
+            <a:schemeClr val="accent1"/>
+          </a:lnRef>
+          <a:fillRef idx="0">
+            <a:schemeClr val="accent1"/>
+          </a:fillRef>
+          <a:effectRef idx="0">
+            <a:schemeClr val="accent1"/>
+          </a:effectRef>
+          <a:fontRef idx="minor">
+            <a:schemeClr val="tx1"/>
+          </a:fontRef>
+        </p:style>
+      </p:cxnSp>
+      <p:cxnSp>
+        <p:nvCxnSpPr>
+          <p:cNvPr id="21" name="Прямая со стрелкой 20"/>
+          <p:cNvCxnSpPr/>
+          <p:nvPr/>
+        </p:nvCxnSpPr>
+        <p:spPr>
+          <a:xfrm>
+            <a:off x="8318438" y="1567543"/>
+            <a:ext cx="85333" cy="574766"/>
+          </a:xfrm>
+          <a:prstGeom prst="straightConnector1">
+            <a:avLst/>
+          </a:prstGeom>
+          <a:ln>
+            <a:solidFill>
+              <a:schemeClr val="tx1"/>
+            </a:solidFill>
+            <a:tailEnd type="triangle"/>
+          </a:ln>
+        </p:spPr>
+        <p:style>
+          <a:lnRef idx="1">
+            <a:schemeClr val="accent1"/>
+          </a:lnRef>
+          <a:fillRef idx="0">
+            <a:schemeClr val="accent1"/>
+          </a:fillRef>
+          <a:effectRef idx="0">
+            <a:schemeClr val="accent1"/>
+          </a:effectRef>
+          <a:fontRef idx="minor">
+            <a:schemeClr val="tx1"/>
+          </a:fontRef>
+        </p:style>
+      </p:cxnSp>
     </p:spTree>
     <p:extLst>
       <p:ext uri="{BB962C8B-B14F-4D97-AF65-F5344CB8AC3E}">
-        <p14:creationId xmlns:p14="http://schemas.microsoft.com/office/powerpoint/2010/main" val="4244193968"/>
+        <p14:creationId xmlns:p14="http://schemas.microsoft.com/office/powerpoint/2010/main" val="1393742383"/>
       </p:ext>
     </p:extLst>
   </p:cSld>
@@ -4901,8 +5342,8 @@
         </p:blipFill>
         <p:spPr>
           <a:xfrm>
-            <a:off x="426718" y="2273501"/>
-            <a:ext cx="11397343" cy="2330475"/>
+            <a:off x="1515291" y="1734861"/>
+            <a:ext cx="9730876" cy="4877257"/>
           </a:xfrm>
           <a:prstGeom prst="rect">
             <a:avLst/>
@@ -4911,19 +5352,391 @@
       </p:pic>
       <p:sp>
         <p:nvSpPr>
-          <p:cNvPr id="3" name="TextBox 2"/>
-          <p:cNvSpPr txBox="1"/>
+          <p:cNvPr id="3" name="Прямоугольник 2"/>
+          <p:cNvSpPr/>
           <p:nvPr/>
         </p:nvSpPr>
         <p:spPr>
           <a:xfrm>
-            <a:off x="870675" y="1071154"/>
-            <a:ext cx="4275908" cy="369332"/>
+            <a:off x="3622766" y="1734861"/>
+            <a:ext cx="3291840" cy="1295722"/>
           </a:xfrm>
           <a:prstGeom prst="rect">
             <a:avLst/>
           </a:prstGeom>
           <a:noFill/>
+          <a:ln w="28575">
+            <a:solidFill>
+              <a:schemeClr val="tx1"/>
+            </a:solidFill>
+          </a:ln>
+        </p:spPr>
+        <p:style>
+          <a:lnRef idx="2">
+            <a:schemeClr val="accent1">
+              <a:shade val="50000"/>
+            </a:schemeClr>
+          </a:lnRef>
+          <a:fillRef idx="1">
+            <a:schemeClr val="accent1"/>
+          </a:fillRef>
+          <a:effectRef idx="0">
+            <a:schemeClr val="accent1"/>
+          </a:effectRef>
+          <a:fontRef idx="minor">
+            <a:schemeClr val="lt1"/>
+          </a:fontRef>
+        </p:style>
+        <p:txBody>
+          <a:bodyPr rtlCol="0" anchor="ctr"/>
+          <a:lstStyle/>
+          <a:p>
+            <a:pPr algn="ctr"/>
+            <a:endParaRPr lang="ru-RU"/>
+          </a:p>
+        </p:txBody>
+      </p:sp>
+      <p:sp>
+        <p:nvSpPr>
+          <p:cNvPr id="4" name="Прямоугольник 3"/>
+          <p:cNvSpPr/>
+          <p:nvPr/>
+        </p:nvSpPr>
+        <p:spPr>
+          <a:xfrm>
+            <a:off x="2682240" y="3030583"/>
+            <a:ext cx="4232366" cy="1295722"/>
+          </a:xfrm>
+          <a:prstGeom prst="rect">
+            <a:avLst/>
+          </a:prstGeom>
+          <a:noFill/>
+          <a:ln w="28575">
+            <a:solidFill>
+              <a:schemeClr val="tx1"/>
+            </a:solidFill>
+          </a:ln>
+        </p:spPr>
+        <p:style>
+          <a:lnRef idx="2">
+            <a:schemeClr val="accent1">
+              <a:shade val="50000"/>
+            </a:schemeClr>
+          </a:lnRef>
+          <a:fillRef idx="1">
+            <a:schemeClr val="accent1"/>
+          </a:fillRef>
+          <a:effectRef idx="0">
+            <a:schemeClr val="accent1"/>
+          </a:effectRef>
+          <a:fontRef idx="minor">
+            <a:schemeClr val="lt1"/>
+          </a:fontRef>
+        </p:style>
+        <p:txBody>
+          <a:bodyPr rtlCol="0" anchor="ctr"/>
+          <a:lstStyle/>
+          <a:p>
+            <a:pPr algn="ctr"/>
+            <a:endParaRPr lang="ru-RU"/>
+          </a:p>
+        </p:txBody>
+      </p:sp>
+      <p:sp>
+        <p:nvSpPr>
+          <p:cNvPr id="5" name="Прямоугольник 4"/>
+          <p:cNvSpPr/>
+          <p:nvPr/>
+        </p:nvSpPr>
+        <p:spPr>
+          <a:xfrm>
+            <a:off x="2682240" y="4326305"/>
+            <a:ext cx="4232366" cy="1700026"/>
+          </a:xfrm>
+          <a:prstGeom prst="rect">
+            <a:avLst/>
+          </a:prstGeom>
+          <a:noFill/>
+          <a:ln w="28575">
+            <a:solidFill>
+              <a:schemeClr val="tx1"/>
+            </a:solidFill>
+          </a:ln>
+        </p:spPr>
+        <p:style>
+          <a:lnRef idx="2">
+            <a:schemeClr val="accent1">
+              <a:shade val="50000"/>
+            </a:schemeClr>
+          </a:lnRef>
+          <a:fillRef idx="1">
+            <a:schemeClr val="accent1"/>
+          </a:fillRef>
+          <a:effectRef idx="0">
+            <a:schemeClr val="accent1"/>
+          </a:effectRef>
+          <a:fontRef idx="minor">
+            <a:schemeClr val="lt1"/>
+          </a:fontRef>
+        </p:style>
+        <p:txBody>
+          <a:bodyPr rtlCol="0" anchor="ctr"/>
+          <a:lstStyle/>
+          <a:p>
+            <a:pPr algn="ctr"/>
+            <a:endParaRPr lang="ru-RU"/>
+          </a:p>
+        </p:txBody>
+      </p:sp>
+      <p:cxnSp>
+        <p:nvCxnSpPr>
+          <p:cNvPr id="7" name="Прямая со стрелкой 6"/>
+          <p:cNvCxnSpPr/>
+          <p:nvPr/>
+        </p:nvCxnSpPr>
+        <p:spPr>
+          <a:xfrm flipH="1">
+            <a:off x="6914607" y="1663337"/>
+            <a:ext cx="1062444" cy="158610"/>
+          </a:xfrm>
+          <a:prstGeom prst="straightConnector1">
+            <a:avLst/>
+          </a:prstGeom>
+          <a:ln w="28575">
+            <a:solidFill>
+              <a:schemeClr val="tx1"/>
+            </a:solidFill>
+            <a:tailEnd type="triangle"/>
+          </a:ln>
+        </p:spPr>
+        <p:style>
+          <a:lnRef idx="1">
+            <a:schemeClr val="accent1"/>
+          </a:lnRef>
+          <a:fillRef idx="0">
+            <a:schemeClr val="accent1"/>
+          </a:fillRef>
+          <a:effectRef idx="0">
+            <a:schemeClr val="accent1"/>
+          </a:effectRef>
+          <a:fontRef idx="minor">
+            <a:schemeClr val="tx1"/>
+          </a:fontRef>
+        </p:style>
+      </p:cxnSp>
+      <p:cxnSp>
+        <p:nvCxnSpPr>
+          <p:cNvPr id="8" name="Прямая со стрелкой 7"/>
+          <p:cNvCxnSpPr/>
+          <p:nvPr/>
+        </p:nvCxnSpPr>
+        <p:spPr>
+          <a:xfrm flipH="1" flipV="1">
+            <a:off x="6914607" y="4129718"/>
+            <a:ext cx="1471747" cy="755791"/>
+          </a:xfrm>
+          <a:prstGeom prst="straightConnector1">
+            <a:avLst/>
+          </a:prstGeom>
+          <a:ln w="28575">
+            <a:solidFill>
+              <a:schemeClr val="tx1"/>
+            </a:solidFill>
+            <a:tailEnd type="triangle"/>
+          </a:ln>
+        </p:spPr>
+        <p:style>
+          <a:lnRef idx="1">
+            <a:schemeClr val="accent1"/>
+          </a:lnRef>
+          <a:fillRef idx="0">
+            <a:schemeClr val="accent1"/>
+          </a:fillRef>
+          <a:effectRef idx="0">
+            <a:schemeClr val="accent1"/>
+          </a:effectRef>
+          <a:fontRef idx="minor">
+            <a:schemeClr val="tx1"/>
+          </a:fontRef>
+        </p:style>
+      </p:cxnSp>
+      <p:cxnSp>
+        <p:nvCxnSpPr>
+          <p:cNvPr id="10" name="Прямая со стрелкой 9"/>
+          <p:cNvCxnSpPr/>
+          <p:nvPr/>
+        </p:nvCxnSpPr>
+        <p:spPr>
+          <a:xfrm flipH="1" flipV="1">
+            <a:off x="6927671" y="6026331"/>
+            <a:ext cx="1815735" cy="130629"/>
+          </a:xfrm>
+          <a:prstGeom prst="straightConnector1">
+            <a:avLst/>
+          </a:prstGeom>
+          <a:ln w="28575">
+            <a:solidFill>
+              <a:schemeClr val="tx1"/>
+            </a:solidFill>
+            <a:tailEnd type="triangle"/>
+          </a:ln>
+        </p:spPr>
+        <p:style>
+          <a:lnRef idx="1">
+            <a:schemeClr val="accent1"/>
+          </a:lnRef>
+          <a:fillRef idx="0">
+            <a:schemeClr val="accent1"/>
+          </a:fillRef>
+          <a:effectRef idx="0">
+            <a:schemeClr val="accent1"/>
+          </a:effectRef>
+          <a:fontRef idx="minor">
+            <a:schemeClr val="tx1"/>
+          </a:fontRef>
+        </p:style>
+      </p:cxnSp>
+      <p:sp>
+        <p:nvSpPr>
+          <p:cNvPr id="13" name="TextBox 12"/>
+          <p:cNvSpPr txBox="1"/>
+          <p:nvPr/>
+        </p:nvSpPr>
+        <p:spPr>
+          <a:xfrm>
+            <a:off x="8125097" y="1365529"/>
+            <a:ext cx="2680542" cy="369332"/>
+          </a:xfrm>
+          <a:prstGeom prst="rect">
+            <a:avLst/>
+          </a:prstGeom>
+          <a:noFill/>
+        </p:spPr>
+        <p:txBody>
+          <a:bodyPr wrap="none" rtlCol="0">
+            <a:spAutoFit/>
+          </a:bodyPr>
+          <a:lstStyle/>
+          <a:p>
+            <a:r>
+              <a:rPr lang="ru-RU" dirty="0" smtClean="0"/>
+              <a:t>Пропорциональная часть</a:t>
+            </a:r>
+            <a:endParaRPr lang="ru-RU" dirty="0"/>
+          </a:p>
+        </p:txBody>
+      </p:sp>
+      <p:sp>
+        <p:nvSpPr>
+          <p:cNvPr id="14" name="TextBox 13"/>
+          <p:cNvSpPr txBox="1"/>
+          <p:nvPr/>
+        </p:nvSpPr>
+        <p:spPr>
+          <a:xfrm>
+            <a:off x="8386354" y="4763589"/>
+            <a:ext cx="2109424" cy="369332"/>
+          </a:xfrm>
+          <a:prstGeom prst="rect">
+            <a:avLst/>
+          </a:prstGeom>
+          <a:noFill/>
+        </p:spPr>
+        <p:txBody>
+          <a:bodyPr wrap="none" rtlCol="0">
+            <a:spAutoFit/>
+          </a:bodyPr>
+          <a:lstStyle/>
+          <a:p>
+            <a:r>
+              <a:rPr lang="ru-RU" dirty="0" smtClean="0"/>
+              <a:t>Интегральная часть</a:t>
+            </a:r>
+            <a:endParaRPr lang="ru-RU" dirty="0"/>
+          </a:p>
+        </p:txBody>
+      </p:sp>
+      <p:sp>
+        <p:nvSpPr>
+          <p:cNvPr id="15" name="TextBox 14"/>
+          <p:cNvSpPr txBox="1"/>
+          <p:nvPr/>
+        </p:nvSpPr>
+        <p:spPr>
+          <a:xfrm>
+            <a:off x="8743406" y="6091645"/>
+            <a:ext cx="2722220" cy="369332"/>
+          </a:xfrm>
+          <a:prstGeom prst="rect">
+            <a:avLst/>
+          </a:prstGeom>
+          <a:noFill/>
+        </p:spPr>
+        <p:txBody>
+          <a:bodyPr wrap="none" rtlCol="0">
+            <a:spAutoFit/>
+          </a:bodyPr>
+          <a:lstStyle/>
+          <a:p>
+            <a:r>
+              <a:rPr lang="ru-RU" dirty="0" smtClean="0"/>
+              <a:t>Дифференциальная часть</a:t>
+            </a:r>
+            <a:endParaRPr lang="ru-RU" dirty="0"/>
+          </a:p>
+        </p:txBody>
+      </p:sp>
+      <p:cxnSp>
+        <p:nvCxnSpPr>
+          <p:cNvPr id="18" name="Прямая со стрелкой 17"/>
+          <p:cNvCxnSpPr/>
+          <p:nvPr/>
+        </p:nvCxnSpPr>
+        <p:spPr>
+          <a:xfrm flipH="1">
+            <a:off x="9659756" y="3030583"/>
+            <a:ext cx="444760" cy="596147"/>
+          </a:xfrm>
+          <a:prstGeom prst="straightConnector1">
+            <a:avLst/>
+          </a:prstGeom>
+          <a:ln w="28575">
+            <a:solidFill>
+              <a:schemeClr val="tx1"/>
+            </a:solidFill>
+            <a:tailEnd type="triangle"/>
+          </a:ln>
+        </p:spPr>
+        <p:style>
+          <a:lnRef idx="1">
+            <a:schemeClr val="accent1"/>
+          </a:lnRef>
+          <a:fillRef idx="0">
+            <a:schemeClr val="accent1"/>
+          </a:fillRef>
+          <a:effectRef idx="0">
+            <a:schemeClr val="accent1"/>
+          </a:effectRef>
+          <a:fontRef idx="minor">
+            <a:schemeClr val="tx1"/>
+          </a:fontRef>
+        </p:style>
+      </p:cxnSp>
+      <p:sp>
+        <p:nvSpPr>
+          <p:cNvPr id="20" name="TextBox 19"/>
+          <p:cNvSpPr txBox="1"/>
+          <p:nvPr/>
+        </p:nvSpPr>
+        <p:spPr>
+          <a:xfrm>
+            <a:off x="10104516" y="2634216"/>
+            <a:ext cx="1686890" cy="923330"/>
+          </a:xfrm>
+          <a:prstGeom prst="rect">
+            <a:avLst/>
+          </a:prstGeom>
+          <a:noFill/>
         </p:spPr>
         <p:txBody>
           <a:bodyPr wrap="square" rtlCol="0">
@@ -4933,14 +5746,282 @@
           <a:p>
             <a:r>
               <a:rPr lang="ru-RU" dirty="0" smtClean="0"/>
+              <a:t>Выходной сигнал с регулятора</a:t>
+            </a:r>
+            <a:endParaRPr lang="ru-RU" dirty="0"/>
+          </a:p>
+        </p:txBody>
+      </p:sp>
+      <p:cxnSp>
+        <p:nvCxnSpPr>
+          <p:cNvPr id="21" name="Прямая со стрелкой 20"/>
+          <p:cNvCxnSpPr/>
+          <p:nvPr/>
+        </p:nvCxnSpPr>
+        <p:spPr>
+          <a:xfrm>
+            <a:off x="2830286" y="1428206"/>
+            <a:ext cx="191589" cy="1327930"/>
+          </a:xfrm>
+          <a:prstGeom prst="straightConnector1">
+            <a:avLst/>
+          </a:prstGeom>
+          <a:ln w="28575">
+            <a:solidFill>
+              <a:schemeClr val="tx1"/>
+            </a:solidFill>
+            <a:tailEnd type="triangle"/>
+          </a:ln>
+        </p:spPr>
+        <p:style>
+          <a:lnRef idx="1">
+            <a:schemeClr val="accent1"/>
+          </a:lnRef>
+          <a:fillRef idx="0">
+            <a:schemeClr val="accent1"/>
+          </a:fillRef>
+          <a:effectRef idx="0">
+            <a:schemeClr val="accent1"/>
+          </a:effectRef>
+          <a:fontRef idx="minor">
+            <a:schemeClr val="tx1"/>
+          </a:fontRef>
+        </p:style>
+      </p:cxnSp>
+      <p:sp>
+        <p:nvSpPr>
+          <p:cNvPr id="24" name="TextBox 23"/>
+          <p:cNvSpPr txBox="1"/>
+          <p:nvPr/>
+        </p:nvSpPr>
+        <p:spPr>
+          <a:xfrm>
+            <a:off x="1823806" y="1067911"/>
+            <a:ext cx="2499787" cy="369332"/>
+          </a:xfrm>
+          <a:prstGeom prst="rect">
+            <a:avLst/>
+          </a:prstGeom>
+          <a:noFill/>
+        </p:spPr>
+        <p:txBody>
+          <a:bodyPr wrap="none" rtlCol="0">
+            <a:spAutoFit/>
+          </a:bodyPr>
+          <a:lstStyle/>
+          <a:p>
+            <a:r>
+              <a:rPr lang="ru-RU" dirty="0" smtClean="0"/>
+              <a:t>Ошибка регулирования</a:t>
+            </a:r>
+            <a:endParaRPr lang="ru-RU" dirty="0"/>
+          </a:p>
+        </p:txBody>
+      </p:sp>
+      <p:sp>
+        <p:nvSpPr>
+          <p:cNvPr id="25" name="TextBox 24"/>
+          <p:cNvSpPr txBox="1"/>
+          <p:nvPr/>
+        </p:nvSpPr>
+        <p:spPr>
+          <a:xfrm>
+            <a:off x="4323593" y="533002"/>
+            <a:ext cx="3026919" cy="369332"/>
+          </a:xfrm>
+          <a:prstGeom prst="rect">
+            <a:avLst/>
+          </a:prstGeom>
+          <a:noFill/>
+        </p:spPr>
+        <p:txBody>
+          <a:bodyPr wrap="none" rtlCol="0">
+            <a:spAutoFit/>
+          </a:bodyPr>
+          <a:lstStyle/>
+          <a:p>
+            <a:r>
+              <a:rPr lang="ru-RU" dirty="0" smtClean="0"/>
+              <a:t>Архитектура ПИД регулятора</a:t>
+            </a:r>
+            <a:endParaRPr lang="ru-RU" dirty="0"/>
+          </a:p>
+        </p:txBody>
+      </p:sp>
+    </p:spTree>
+    <p:extLst>
+      <p:ext uri="{BB962C8B-B14F-4D97-AF65-F5344CB8AC3E}">
+        <p14:creationId xmlns:p14="http://schemas.microsoft.com/office/powerpoint/2010/main" val="3561004248"/>
+      </p:ext>
+    </p:extLst>
+  </p:cSld>
+  <p:clrMapOvr>
+    <a:masterClrMapping/>
+  </p:clrMapOvr>
+</p:sld>
+</file>
+
+<file path=ppt/slides/slide6.xml><?xml version="1.0" encoding="utf-8"?>
+<p:sld xmlns:a="http://schemas.openxmlformats.org/drawingml/2006/main" xmlns:r="http://schemas.openxmlformats.org/officeDocument/2006/relationships" xmlns:p="http://schemas.openxmlformats.org/presentationml/2006/main">
+  <p:cSld>
+    <p:spTree>
+      <p:nvGrpSpPr>
+        <p:cNvPr id="1" name=""/>
+        <p:cNvGrpSpPr/>
+        <p:nvPr/>
+      </p:nvGrpSpPr>
+      <p:grpSpPr>
+        <a:xfrm>
+          <a:off x="0" y="0"/>
+          <a:ext cx="0" cy="0"/>
+          <a:chOff x="0" y="0"/>
+          <a:chExt cx="0" cy="0"/>
+        </a:xfrm>
+      </p:grpSpPr>
+      <p:pic>
+        <p:nvPicPr>
+          <p:cNvPr id="2" name="Рисунок 1"/>
+          <p:cNvPicPr>
+            <a:picLocks noChangeAspect="1"/>
+          </p:cNvPicPr>
+          <p:nvPr/>
+        </p:nvPicPr>
+        <p:blipFill>
+          <a:blip r:embed="rId2"/>
+          <a:stretch>
+            <a:fillRect/>
+          </a:stretch>
+        </p:blipFill>
+        <p:spPr>
+          <a:xfrm>
+            <a:off x="1889759" y="1541417"/>
+            <a:ext cx="8342812" cy="4846320"/>
+          </a:xfrm>
+          <a:prstGeom prst="rect">
+            <a:avLst/>
+          </a:prstGeom>
+        </p:spPr>
+      </p:pic>
+      <p:sp>
+        <p:nvSpPr>
+          <p:cNvPr id="3" name="TextBox 2"/>
+          <p:cNvSpPr txBox="1"/>
+          <p:nvPr/>
+        </p:nvSpPr>
+        <p:spPr>
+          <a:xfrm>
+            <a:off x="4389120" y="278674"/>
+            <a:ext cx="2889509" cy="369332"/>
+          </a:xfrm>
+          <a:prstGeom prst="rect">
+            <a:avLst/>
+          </a:prstGeom>
+          <a:noFill/>
+        </p:spPr>
+        <p:txBody>
+          <a:bodyPr wrap="none" rtlCol="0">
+            <a:spAutoFit/>
+          </a:bodyPr>
+          <a:lstStyle/>
+          <a:p>
+            <a:r>
+              <a:rPr lang="en-US" dirty="0" smtClean="0"/>
+              <a:t>ESDL-</a:t>
+            </a:r>
+            <a:r>
+              <a:rPr lang="ru-RU" dirty="0" smtClean="0"/>
+              <a:t>файл ПИД регулятора </a:t>
+            </a:r>
+            <a:endParaRPr lang="ru-RU" dirty="0"/>
+          </a:p>
+        </p:txBody>
+      </p:sp>
+    </p:spTree>
+    <p:extLst>
+      <p:ext uri="{BB962C8B-B14F-4D97-AF65-F5344CB8AC3E}">
+        <p14:creationId xmlns:p14="http://schemas.microsoft.com/office/powerpoint/2010/main" val="4244193968"/>
+      </p:ext>
+    </p:extLst>
+  </p:cSld>
+  <p:clrMapOvr>
+    <a:masterClrMapping/>
+  </p:clrMapOvr>
+</p:sld>
+</file>
+
+<file path=ppt/slides/slide7.xml><?xml version="1.0" encoding="utf-8"?>
+<p:sld xmlns:a="http://schemas.openxmlformats.org/drawingml/2006/main" xmlns:r="http://schemas.openxmlformats.org/officeDocument/2006/relationships" xmlns:p="http://schemas.openxmlformats.org/presentationml/2006/main">
+  <p:cSld>
+    <p:spTree>
+      <p:nvGrpSpPr>
+        <p:cNvPr id="1" name=""/>
+        <p:cNvGrpSpPr/>
+        <p:nvPr/>
+      </p:nvGrpSpPr>
+      <p:grpSpPr>
+        <a:xfrm>
+          <a:off x="0" y="0"/>
+          <a:ext cx="0" cy="0"/>
+          <a:chOff x="0" y="0"/>
+          <a:chExt cx="0" cy="0"/>
+        </a:xfrm>
+      </p:grpSpPr>
+      <p:pic>
+        <p:nvPicPr>
+          <p:cNvPr id="2" name="Рисунок 1"/>
+          <p:cNvPicPr>
+            <a:picLocks noChangeAspect="1"/>
+          </p:cNvPicPr>
+          <p:nvPr/>
+        </p:nvPicPr>
+        <p:blipFill>
+          <a:blip r:embed="rId2"/>
+          <a:stretch>
+            <a:fillRect/>
+          </a:stretch>
+        </p:blipFill>
+        <p:spPr>
+          <a:xfrm>
+            <a:off x="426718" y="2273501"/>
+            <a:ext cx="11397343" cy="2330475"/>
+          </a:xfrm>
+          <a:prstGeom prst="rect">
+            <a:avLst/>
+          </a:prstGeom>
+        </p:spPr>
+      </p:pic>
+      <p:sp>
+        <p:nvSpPr>
+          <p:cNvPr id="3" name="TextBox 2"/>
+          <p:cNvSpPr txBox="1"/>
+          <p:nvPr/>
+        </p:nvSpPr>
+        <p:spPr>
+          <a:xfrm>
+            <a:off x="870675" y="1071154"/>
+            <a:ext cx="4275908" cy="369332"/>
+          </a:xfrm>
+          <a:prstGeom prst="rect">
+            <a:avLst/>
+          </a:prstGeom>
+          <a:noFill/>
+        </p:spPr>
+        <p:txBody>
+          <a:bodyPr wrap="square" rtlCol="0">
+            <a:spAutoFit/>
+          </a:bodyPr>
+          <a:lstStyle/>
+          <a:p>
+            <a:r>
+              <a:rPr lang="ru-RU" dirty="0" smtClean="0"/>
               <a:t>Фильтр скользящего среднего</a:t>
             </a:r>
             <a:endParaRPr lang="ru-RU" dirty="0"/>
           </a:p>
         </p:txBody>
       </p:sp>
-      <mc:AlternateContent xmlns:mc="http://schemas.openxmlformats.org/markup-compatibility/2006">
-        <mc:Choice xmlns:a14="http://schemas.microsoft.com/office/drawing/2010/main" Requires="a14">
+      <mc:AlternateContent xmlns:mc="http://schemas.openxmlformats.org/markup-compatibility/2006" xmlns:a14="http://schemas.microsoft.com/office/drawing/2010/main">
+        <mc:Choice Requires="a14">
           <p:sp>
             <p:nvSpPr>
               <p:cNvPr id="4" name="Прямоугольник 3"/>
@@ -5111,7 +6192,7 @@
             </p:txBody>
           </p:sp>
         </mc:Choice>
-        <mc:Fallback>
+        <mc:Fallback xmlns="">
           <p:sp>
             <p:nvSpPr>
               <p:cNvPr id="4" name="Прямоугольник 3"/>
@@ -5163,7 +6244,7 @@
 </p:sld>
 </file>
 
-<file path=ppt/slides/slide6.xml><?xml version="1.0" encoding="utf-8"?>
+<file path=ppt/slides/slide8.xml><?xml version="1.0" encoding="utf-8"?>
 <p:sld xmlns:a="http://schemas.openxmlformats.org/drawingml/2006/main" xmlns:r="http://schemas.openxmlformats.org/officeDocument/2006/relationships" xmlns:p="http://schemas.openxmlformats.org/presentationml/2006/main">
   <p:cSld>
     <p:spTree>
@@ -5196,7 +6277,7 @@
         </p:blipFill>
         <p:spPr>
           <a:xfrm>
-            <a:off x="1828800" y="1509712"/>
+            <a:off x="1436914" y="2511198"/>
             <a:ext cx="8534400" cy="3838575"/>
           </a:xfrm>
           <a:prstGeom prst="rect">
@@ -5212,7 +6293,7 @@
         </p:nvSpPr>
         <p:spPr>
           <a:xfrm>
-            <a:off x="2499360" y="827314"/>
+            <a:off x="3952063" y="713873"/>
             <a:ext cx="3504101" cy="646331"/>
           </a:xfrm>
           <a:prstGeom prst="rect">
@@ -5239,13 +6320,9 @@
               <a:t>фильтр </a:t>
             </a:r>
             <a:r>
-              <a:rPr lang="ru-RU" dirty="0" err="1" smtClean="0"/>
+              <a:rPr lang="ru-RU" dirty="0" smtClean="0"/>
               <a:t>уставки</a:t>
             </a:r>
-            <a:r>
-              <a:rPr lang="ru-RU" dirty="0" smtClean="0"/>
-              <a:t>?</a:t>
-            </a:r>
             <a:endParaRPr lang="ru-RU" dirty="0" smtClean="0"/>
           </a:p>
           <a:p>
@@ -5253,10 +6330,481 @@
           </a:p>
         </p:txBody>
       </p:sp>
+      <p:sp>
+        <p:nvSpPr>
+          <p:cNvPr id="3" name="TextBox 2"/>
+          <p:cNvSpPr txBox="1"/>
+          <p:nvPr/>
+        </p:nvSpPr>
+        <p:spPr>
+          <a:xfrm>
+            <a:off x="1663337" y="1846217"/>
+            <a:ext cx="184731" cy="369332"/>
+          </a:xfrm>
+          <a:prstGeom prst="rect">
+            <a:avLst/>
+          </a:prstGeom>
+          <a:noFill/>
+        </p:spPr>
+        <p:txBody>
+          <a:bodyPr wrap="none" rtlCol="0">
+            <a:spAutoFit/>
+          </a:bodyPr>
+          <a:lstStyle/>
+          <a:p>
+            <a:endParaRPr lang="ru-RU" dirty="0"/>
+          </a:p>
+        </p:txBody>
+      </p:sp>
+      <mc:AlternateContent xmlns:mc="http://schemas.openxmlformats.org/markup-compatibility/2006">
+        <mc:Choice xmlns:a14="http://schemas.microsoft.com/office/drawing/2010/main" Requires="a14">
+          <p:sp>
+            <p:nvSpPr>
+              <p:cNvPr id="5" name="Прямоугольник 4"/>
+              <p:cNvSpPr/>
+              <p:nvPr/>
+            </p:nvSpPr>
+            <p:spPr>
+              <a:xfrm>
+                <a:off x="1436914" y="1473645"/>
+                <a:ext cx="6406879" cy="810671"/>
+              </a:xfrm>
+              <a:prstGeom prst="rect">
+                <a:avLst/>
+              </a:prstGeom>
+            </p:spPr>
+            <p:txBody>
+              <a:bodyPr wrap="square">
+                <a:spAutoFit/>
+              </a:bodyPr>
+              <a:lstStyle/>
+              <a:p>
+                <a:pPr/>
+                <a14:m>
+                  <m:oMathPara xmlns:m="http://schemas.openxmlformats.org/officeDocument/2006/math">
+                    <m:oMathParaPr>
+                      <m:jc m:val="centerGroup"/>
+                    </m:oMathParaPr>
+                    <m:oMath xmlns:m="http://schemas.openxmlformats.org/officeDocument/2006/math">
+                      <m:r>
+                        <a:rPr lang="ru-RU" sz="2400" i="1" smtClean="0">
+                          <a:latin typeface="Cambria Math" panose="02040503050406030204" pitchFamily="18" charset="0"/>
+                        </a:rPr>
+                        <m:t>𝑇</m:t>
+                      </m:r>
+                      <m:f>
+                        <m:fPr>
+                          <m:ctrlPr>
+                            <a:rPr lang="ru-RU" sz="2400" i="1">
+                              <a:latin typeface="Cambria Math" panose="02040503050406030204" pitchFamily="18" charset="0"/>
+                            </a:rPr>
+                          </m:ctrlPr>
+                        </m:fPr>
+                        <m:num>
+                          <m:r>
+                            <a:rPr lang="ru-RU" sz="2400" i="1">
+                              <a:latin typeface="Cambria Math" panose="02040503050406030204" pitchFamily="18" charset="0"/>
+                            </a:rPr>
+                            <m:t>𝑑</m:t>
+                          </m:r>
+                          <m:sSub>
+                            <m:sSubPr>
+                              <m:ctrlPr>
+                                <a:rPr lang="ru-RU" sz="2400" i="1">
+                                  <a:latin typeface="Cambria Math" panose="02040503050406030204" pitchFamily="18" charset="0"/>
+                                </a:rPr>
+                              </m:ctrlPr>
+                            </m:sSubPr>
+                            <m:e>
+                              <m:r>
+                                <a:rPr lang="en-US" sz="2400" i="1">
+                                  <a:latin typeface="Cambria Math" panose="02040503050406030204" pitchFamily="18" charset="0"/>
+                                </a:rPr>
+                                <m:t>𝑝</m:t>
+                              </m:r>
+                            </m:e>
+                            <m:sub>
+                              <m:r>
+                                <a:rPr lang="ru-RU" sz="2400" i="1">
+                                  <a:latin typeface="Cambria Math" panose="02040503050406030204" pitchFamily="18" charset="0"/>
+                                </a:rPr>
+                                <m:t>уст</m:t>
+                              </m:r>
+                            </m:sub>
+                          </m:sSub>
+                          <m:r>
+                            <a:rPr lang="ru-RU" sz="2400" i="1">
+                              <a:latin typeface="Cambria Math" panose="02040503050406030204" pitchFamily="18" charset="0"/>
+                            </a:rPr>
+                            <m:t>(выход)</m:t>
+                          </m:r>
+                        </m:num>
+                        <m:den>
+                          <m:r>
+                            <a:rPr lang="ru-RU" sz="2400" i="1">
+                              <a:latin typeface="Cambria Math" panose="02040503050406030204" pitchFamily="18" charset="0"/>
+                            </a:rPr>
+                            <m:t>𝑑𝑇</m:t>
+                          </m:r>
+                        </m:den>
+                      </m:f>
+                      <m:r>
+                        <a:rPr lang="ru-RU" sz="2400" i="1">
+                          <a:latin typeface="Cambria Math" panose="02040503050406030204" pitchFamily="18" charset="0"/>
+                        </a:rPr>
+                        <m:t>+</m:t>
+                      </m:r>
+                      <m:sSub>
+                        <m:sSubPr>
+                          <m:ctrlPr>
+                            <a:rPr lang="ru-RU" sz="2400" i="1" smtClean="0">
+                              <a:latin typeface="Cambria Math" panose="02040503050406030204" pitchFamily="18" charset="0"/>
+                            </a:rPr>
+                          </m:ctrlPr>
+                        </m:sSubPr>
+                        <m:e>
+                          <m:r>
+                            <a:rPr lang="en-US" sz="2400" b="0" i="1" smtClean="0">
+                              <a:latin typeface="Cambria Math" panose="02040503050406030204" pitchFamily="18" charset="0"/>
+                            </a:rPr>
+                            <m:t>𝑝</m:t>
+                          </m:r>
+                        </m:e>
+                        <m:sub>
+                          <m:r>
+                            <a:rPr lang="ru-RU" sz="2400" i="1">
+                              <a:latin typeface="Cambria Math" panose="02040503050406030204" pitchFamily="18" charset="0"/>
+                            </a:rPr>
+                            <m:t>уст</m:t>
+                          </m:r>
+                        </m:sub>
+                      </m:sSub>
+                      <m:d>
+                        <m:dPr>
+                          <m:ctrlPr>
+                            <a:rPr lang="ru-RU" sz="2400" i="1">
+                              <a:latin typeface="Cambria Math" panose="02040503050406030204" pitchFamily="18" charset="0"/>
+                            </a:rPr>
+                          </m:ctrlPr>
+                        </m:dPr>
+                        <m:e>
+                          <m:r>
+                            <a:rPr lang="ru-RU" sz="2400" i="1">
+                              <a:latin typeface="Cambria Math" panose="02040503050406030204" pitchFamily="18" charset="0"/>
+                            </a:rPr>
+                            <m:t>выход</m:t>
+                          </m:r>
+                        </m:e>
+                      </m:d>
+                      <m:r>
+                        <a:rPr lang="ru-RU" sz="2400" i="1">
+                          <a:latin typeface="Cambria Math" panose="02040503050406030204" pitchFamily="18" charset="0"/>
+                        </a:rPr>
+                        <m:t>=</m:t>
+                      </m:r>
+                      <m:sSub>
+                        <m:sSubPr>
+                          <m:ctrlPr>
+                            <a:rPr lang="ru-RU" sz="2400" i="1">
+                              <a:latin typeface="Cambria Math" panose="02040503050406030204" pitchFamily="18" charset="0"/>
+                            </a:rPr>
+                          </m:ctrlPr>
+                        </m:sSubPr>
+                        <m:e>
+                          <m:r>
+                            <a:rPr lang="en-US" sz="2400" i="1">
+                              <a:latin typeface="Cambria Math" panose="02040503050406030204" pitchFamily="18" charset="0"/>
+                            </a:rPr>
+                            <m:t>𝑝</m:t>
+                          </m:r>
+                        </m:e>
+                        <m:sub>
+                          <m:r>
+                            <a:rPr lang="ru-RU" sz="2400" i="1">
+                              <a:latin typeface="Cambria Math" panose="02040503050406030204" pitchFamily="18" charset="0"/>
+                            </a:rPr>
+                            <m:t>уст</m:t>
+                          </m:r>
+                        </m:sub>
+                      </m:sSub>
+                      <m:d>
+                        <m:dPr>
+                          <m:ctrlPr>
+                            <a:rPr lang="ru-RU" sz="2400" i="1">
+                              <a:latin typeface="Cambria Math" panose="02040503050406030204" pitchFamily="18" charset="0"/>
+                            </a:rPr>
+                          </m:ctrlPr>
+                        </m:dPr>
+                        <m:e>
+                          <m:r>
+                            <a:rPr lang="ru-RU" sz="2400" i="1">
+                              <a:latin typeface="Cambria Math" panose="02040503050406030204" pitchFamily="18" charset="0"/>
+                            </a:rPr>
+                            <m:t>вход</m:t>
+                          </m:r>
+                        </m:e>
+                      </m:d>
+                    </m:oMath>
+                  </m:oMathPara>
+                </a14:m>
+                <a:endParaRPr lang="ru-RU" dirty="0"/>
+              </a:p>
+            </p:txBody>
+          </p:sp>
+        </mc:Choice>
+        <mc:Fallback>
+          <p:sp>
+            <p:nvSpPr>
+              <p:cNvPr id="5" name="Прямоугольник 4"/>
+              <p:cNvSpPr>
+                <a:spLocks noRot="1" noChangeAspect="1" noMove="1" noResize="1" noEditPoints="1" noAdjustHandles="1" noChangeArrowheads="1" noChangeShapeType="1" noTextEdit="1"/>
+              </p:cNvSpPr>
+              <p:nvPr/>
+            </p:nvSpPr>
+            <p:spPr>
+              <a:xfrm>
+                <a:off x="1436914" y="1473645"/>
+                <a:ext cx="6406879" cy="810671"/>
+              </a:xfrm>
+              <a:prstGeom prst="rect">
+                <a:avLst/>
+              </a:prstGeom>
+              <a:blipFill>
+                <a:blip r:embed="rId3"/>
+                <a:stretch>
+                  <a:fillRect/>
+                </a:stretch>
+              </a:blipFill>
+            </p:spPr>
+            <p:txBody>
+              <a:bodyPr/>
+              <a:lstStyle/>
+              <a:p>
+                <a:r>
+                  <a:rPr lang="ru-RU">
+                    <a:noFill/>
+                  </a:rPr>
+                  <a:t> </a:t>
+                </a:r>
+              </a:p>
+            </p:txBody>
+          </p:sp>
+        </mc:Fallback>
+      </mc:AlternateContent>
     </p:spTree>
     <p:extLst>
       <p:ext uri="{BB962C8B-B14F-4D97-AF65-F5344CB8AC3E}">
         <p14:creationId xmlns:p14="http://schemas.microsoft.com/office/powerpoint/2010/main" val="3141296204"/>
+      </p:ext>
+    </p:extLst>
+  </p:cSld>
+  <p:clrMapOvr>
+    <a:masterClrMapping/>
+  </p:clrMapOvr>
+</p:sld>
+</file>
+
+<file path=ppt/slides/slide9.xml><?xml version="1.0" encoding="utf-8"?>
+<p:sld xmlns:a="http://schemas.openxmlformats.org/drawingml/2006/main" xmlns:r="http://schemas.openxmlformats.org/officeDocument/2006/relationships" xmlns:p="http://schemas.openxmlformats.org/presentationml/2006/main">
+  <p:cSld>
+    <p:spTree>
+      <p:nvGrpSpPr>
+        <p:cNvPr id="1" name=""/>
+        <p:cNvGrpSpPr/>
+        <p:nvPr/>
+      </p:nvGrpSpPr>
+      <p:grpSpPr>
+        <a:xfrm>
+          <a:off x="0" y="0"/>
+          <a:ext cx="0" cy="0"/>
+          <a:chOff x="0" y="0"/>
+          <a:chExt cx="0" cy="0"/>
+        </a:xfrm>
+      </p:grpSpPr>
+      <p:pic>
+        <p:nvPicPr>
+          <p:cNvPr id="2" name="Рисунок 1"/>
+          <p:cNvPicPr/>
+          <p:nvPr/>
+        </p:nvPicPr>
+        <p:blipFill>
+          <a:blip r:embed="rId2"/>
+          <a:stretch>
+            <a:fillRect/>
+          </a:stretch>
+        </p:blipFill>
+        <p:spPr>
+          <a:xfrm>
+            <a:off x="6690787" y="948682"/>
+            <a:ext cx="4009356" cy="3038493"/>
+          </a:xfrm>
+          <a:prstGeom prst="rect">
+            <a:avLst/>
+          </a:prstGeom>
+        </p:spPr>
+      </p:pic>
+      <p:sp>
+        <p:nvSpPr>
+          <p:cNvPr id="3" name="Прямоугольник 2"/>
+          <p:cNvSpPr/>
+          <p:nvPr/>
+        </p:nvSpPr>
+        <p:spPr>
+          <a:xfrm>
+            <a:off x="3284223" y="440174"/>
+            <a:ext cx="4787529" cy="369332"/>
+          </a:xfrm>
+          <a:prstGeom prst="rect">
+            <a:avLst/>
+          </a:prstGeom>
+        </p:spPr>
+        <p:txBody>
+          <a:bodyPr wrap="none">
+            <a:spAutoFit/>
+          </a:bodyPr>
+          <a:lstStyle/>
+          <a:p>
+            <a:r>
+              <a:rPr lang="ru-RU" b="1" dirty="0">
+                <a:latin typeface="Times New Roman" panose="02020603050405020304" pitchFamily="18" charset="0"/>
+                <a:ea typeface="Calibri" panose="020F0502020204030204" pitchFamily="34" charset="0"/>
+              </a:rPr>
+              <a:t>Управление с прогнозирующими моделями</a:t>
+            </a:r>
+            <a:r>
+              <a:rPr lang="ru-RU" dirty="0">
+                <a:latin typeface="Times New Roman" panose="02020603050405020304" pitchFamily="18" charset="0"/>
+                <a:ea typeface="Calibri" panose="020F0502020204030204" pitchFamily="34" charset="0"/>
+              </a:rPr>
+              <a:t> </a:t>
+            </a:r>
+            <a:endParaRPr lang="ru-RU" dirty="0"/>
+          </a:p>
+        </p:txBody>
+      </p:sp>
+      <p:sp>
+        <p:nvSpPr>
+          <p:cNvPr id="5" name="TextBox 4"/>
+          <p:cNvSpPr txBox="1"/>
+          <p:nvPr/>
+        </p:nvSpPr>
+        <p:spPr>
+          <a:xfrm>
+            <a:off x="968632" y="898267"/>
+            <a:ext cx="5449585" cy="3139321"/>
+          </a:xfrm>
+          <a:prstGeom prst="rect">
+            <a:avLst/>
+          </a:prstGeom>
+          <a:noFill/>
+        </p:spPr>
+        <p:txBody>
+          <a:bodyPr wrap="square" rtlCol="0">
+            <a:spAutoFit/>
+          </a:bodyPr>
+          <a:lstStyle/>
+          <a:p>
+            <a:r>
+              <a:rPr lang="ru-RU" dirty="0" smtClean="0"/>
+              <a:t>Один </a:t>
+            </a:r>
+            <a:r>
+              <a:rPr lang="ru-RU" dirty="0"/>
+              <a:t>из современных методов </a:t>
+            </a:r>
+            <a:r>
+              <a:rPr lang="ru-RU" dirty="0" smtClean="0"/>
+              <a:t>теории управления. </a:t>
+            </a:r>
+            <a:r>
+              <a:rPr lang="ru-RU" dirty="0"/>
+              <a:t>Широко стал применяться с начала 80-х годов </a:t>
+            </a:r>
+            <a:r>
+              <a:rPr lang="ru-RU" dirty="0" smtClean="0"/>
+              <a:t>ХХ</a:t>
+            </a:r>
+            <a:r>
+              <a:rPr lang="ru-RU" dirty="0"/>
+              <a:t> века. Является улучшением классического управления с </a:t>
+            </a:r>
+            <a:r>
+              <a:rPr lang="ru-RU" dirty="0" smtClean="0"/>
+              <a:t>отрицательной обратной связью, </a:t>
+            </a:r>
+            <a:r>
+              <a:rPr lang="ru-RU" dirty="0"/>
+              <a:t>в котором учитывается предсказание поведения </a:t>
+            </a:r>
+            <a:r>
+              <a:rPr lang="ru-RU" dirty="0" smtClean="0"/>
+              <a:t>объекта управления</a:t>
+            </a:r>
+            <a:r>
+              <a:rPr lang="ru-RU" dirty="0"/>
+              <a:t> на различные типы входных воздействий. Обратная связь в таких системах управления используется для корректировки неточностей, связанных с внешними помехами и неточностью математической модели объекта управления. </a:t>
+            </a:r>
+            <a:endParaRPr lang="ru-RU" dirty="0"/>
+          </a:p>
+        </p:txBody>
+      </p:sp>
+      <p:pic>
+        <p:nvPicPr>
+          <p:cNvPr id="7" name="Рисунок 6"/>
+          <p:cNvPicPr>
+            <a:picLocks noChangeAspect="1"/>
+          </p:cNvPicPr>
+          <p:nvPr/>
+        </p:nvPicPr>
+        <p:blipFill rotWithShape="1">
+          <a:blip r:embed="rId3"/>
+          <a:srcRect t="12203" b="14101"/>
+          <a:stretch/>
+        </p:blipFill>
+        <p:spPr>
+          <a:xfrm>
+            <a:off x="6418217" y="4126349"/>
+            <a:ext cx="5050972" cy="2422497"/>
+          </a:xfrm>
+          <a:prstGeom prst="rect">
+            <a:avLst/>
+          </a:prstGeom>
+        </p:spPr>
+      </p:pic>
+      <p:sp>
+        <p:nvSpPr>
+          <p:cNvPr id="8" name="TextBox 7"/>
+          <p:cNvSpPr txBox="1"/>
+          <p:nvPr/>
+        </p:nvSpPr>
+        <p:spPr>
+          <a:xfrm>
+            <a:off x="968632" y="4502331"/>
+            <a:ext cx="4909654" cy="923330"/>
+          </a:xfrm>
+          <a:prstGeom prst="rect">
+            <a:avLst/>
+          </a:prstGeom>
+          <a:noFill/>
+        </p:spPr>
+        <p:txBody>
+          <a:bodyPr wrap="square" rtlCol="0">
+            <a:spAutoFit/>
+          </a:bodyPr>
+          <a:lstStyle/>
+          <a:p>
+            <a:r>
+              <a:rPr lang="ru-RU" dirty="0"/>
+              <a:t>ПИД регулятор – один из самых распространенных автоматических регуляторов.</a:t>
+            </a:r>
+            <a:endParaRPr lang="ru-RU" dirty="0"/>
+          </a:p>
+        </p:txBody>
+      </p:sp>
+    </p:spTree>
+    <p:extLst>
+      <p:ext uri="{BB962C8B-B14F-4D97-AF65-F5344CB8AC3E}">
+        <p14:creationId xmlns:p14="http://schemas.microsoft.com/office/powerpoint/2010/main" val="2512569302"/>
       </p:ext>
     </p:extLst>
   </p:cSld>

--- a/Презентация1.pptx
+++ b/Презентация1.pptx
@@ -13,9 +13,9 @@
     <p:sldId id="264" r:id="rId7"/>
     <p:sldId id="259" r:id="rId8"/>
     <p:sldId id="260" r:id="rId9"/>
-    <p:sldId id="268" r:id="rId10"/>
-    <p:sldId id="270" r:id="rId11"/>
-    <p:sldId id="269" r:id="rId12"/>
+    <p:sldId id="272" r:id="rId10"/>
+    <p:sldId id="273" r:id="rId11"/>
+    <p:sldId id="270" r:id="rId12"/>
   </p:sldIdLst>
   <p:sldSz cx="12192000" cy="6858000"/>
   <p:notesSz cx="6858000" cy="9144000"/>
@@ -253,7 +253,7 @@
           <a:p>
             <a:fld id="{27DF0F75-C579-4C28-9547-144EAD9AD0C4}" type="datetimeFigureOut">
               <a:rPr lang="ru-RU" smtClean="0"/>
-              <a:t>15.02.2022</a:t>
+              <a:t>22.02.2022</a:t>
             </a:fld>
             <a:endParaRPr lang="ru-RU"/>
           </a:p>
@@ -423,7 +423,7 @@
           <a:p>
             <a:fld id="{27DF0F75-C579-4C28-9547-144EAD9AD0C4}" type="datetimeFigureOut">
               <a:rPr lang="ru-RU" smtClean="0"/>
-              <a:t>15.02.2022</a:t>
+              <a:t>22.02.2022</a:t>
             </a:fld>
             <a:endParaRPr lang="ru-RU"/>
           </a:p>
@@ -603,7 +603,7 @@
           <a:p>
             <a:fld id="{27DF0F75-C579-4C28-9547-144EAD9AD0C4}" type="datetimeFigureOut">
               <a:rPr lang="ru-RU" smtClean="0"/>
-              <a:t>15.02.2022</a:t>
+              <a:t>22.02.2022</a:t>
             </a:fld>
             <a:endParaRPr lang="ru-RU"/>
           </a:p>
@@ -773,7 +773,7 @@
           <a:p>
             <a:fld id="{27DF0F75-C579-4C28-9547-144EAD9AD0C4}" type="datetimeFigureOut">
               <a:rPr lang="ru-RU" smtClean="0"/>
-              <a:t>15.02.2022</a:t>
+              <a:t>22.02.2022</a:t>
             </a:fld>
             <a:endParaRPr lang="ru-RU"/>
           </a:p>
@@ -1019,7 +1019,7 @@
           <a:p>
             <a:fld id="{27DF0F75-C579-4C28-9547-144EAD9AD0C4}" type="datetimeFigureOut">
               <a:rPr lang="ru-RU" smtClean="0"/>
-              <a:t>15.02.2022</a:t>
+              <a:t>22.02.2022</a:t>
             </a:fld>
             <a:endParaRPr lang="ru-RU"/>
           </a:p>
@@ -1251,7 +1251,7 @@
           <a:p>
             <a:fld id="{27DF0F75-C579-4C28-9547-144EAD9AD0C4}" type="datetimeFigureOut">
               <a:rPr lang="ru-RU" smtClean="0"/>
-              <a:t>15.02.2022</a:t>
+              <a:t>22.02.2022</a:t>
             </a:fld>
             <a:endParaRPr lang="ru-RU"/>
           </a:p>
@@ -1618,7 +1618,7 @@
           <a:p>
             <a:fld id="{27DF0F75-C579-4C28-9547-144EAD9AD0C4}" type="datetimeFigureOut">
               <a:rPr lang="ru-RU" smtClean="0"/>
-              <a:t>15.02.2022</a:t>
+              <a:t>22.02.2022</a:t>
             </a:fld>
             <a:endParaRPr lang="ru-RU"/>
           </a:p>
@@ -1736,7 +1736,7 @@
           <a:p>
             <a:fld id="{27DF0F75-C579-4C28-9547-144EAD9AD0C4}" type="datetimeFigureOut">
               <a:rPr lang="ru-RU" smtClean="0"/>
-              <a:t>15.02.2022</a:t>
+              <a:t>22.02.2022</a:t>
             </a:fld>
             <a:endParaRPr lang="ru-RU"/>
           </a:p>
@@ -1831,7 +1831,7 @@
           <a:p>
             <a:fld id="{27DF0F75-C579-4C28-9547-144EAD9AD0C4}" type="datetimeFigureOut">
               <a:rPr lang="ru-RU" smtClean="0"/>
-              <a:t>15.02.2022</a:t>
+              <a:t>22.02.2022</a:t>
             </a:fld>
             <a:endParaRPr lang="ru-RU"/>
           </a:p>
@@ -2108,7 +2108,7 @@
           <a:p>
             <a:fld id="{27DF0F75-C579-4C28-9547-144EAD9AD0C4}" type="datetimeFigureOut">
               <a:rPr lang="ru-RU" smtClean="0"/>
-              <a:t>15.02.2022</a:t>
+              <a:t>22.02.2022</a:t>
             </a:fld>
             <a:endParaRPr lang="ru-RU"/>
           </a:p>
@@ -2361,7 +2361,7 @@
           <a:p>
             <a:fld id="{27DF0F75-C579-4C28-9547-144EAD9AD0C4}" type="datetimeFigureOut">
               <a:rPr lang="ru-RU" smtClean="0"/>
-              <a:t>15.02.2022</a:t>
+              <a:t>22.02.2022</a:t>
             </a:fld>
             <a:endParaRPr lang="ru-RU"/>
           </a:p>
@@ -2574,7 +2574,7 @@
           <a:p>
             <a:fld id="{27DF0F75-C579-4C28-9547-144EAD9AD0C4}" type="datetimeFigureOut">
               <a:rPr lang="ru-RU" smtClean="0"/>
-              <a:t>15.02.2022</a:t>
+              <a:t>22.02.2022</a:t>
             </a:fld>
             <a:endParaRPr lang="ru-RU"/>
           </a:p>
@@ -2993,8 +2993,8 @@
         </p:blipFill>
         <p:spPr>
           <a:xfrm>
-            <a:off x="3091543" y="1492738"/>
-            <a:ext cx="4955179" cy="4167834"/>
+            <a:off x="2710866" y="1122623"/>
+            <a:ext cx="5721531" cy="4519749"/>
           </a:xfrm>
           <a:prstGeom prst="rect">
             <a:avLst/>
@@ -3047,7 +3047,7 @@
         </p:nvSpPr>
         <p:spPr>
           <a:xfrm>
-            <a:off x="539931" y="3065418"/>
+            <a:off x="287382" y="2849880"/>
             <a:ext cx="2945871" cy="369332"/>
           </a:xfrm>
           <a:prstGeom prst="rect">
@@ -3144,6 +3144,396 @@
               <a:t> объекта управления</a:t>
             </a:r>
             <a:endParaRPr lang="ru-RU" dirty="0"/>
+          </a:p>
+        </p:txBody>
+      </p:sp>
+      <p:sp>
+        <p:nvSpPr>
+          <p:cNvPr id="4" name="Прямоугольник 3"/>
+          <p:cNvSpPr/>
+          <p:nvPr/>
+        </p:nvSpPr>
+        <p:spPr>
+          <a:xfrm>
+            <a:off x="3361509" y="1428206"/>
+            <a:ext cx="1157151" cy="427354"/>
+          </a:xfrm>
+          <a:prstGeom prst="rect">
+            <a:avLst/>
+          </a:prstGeom>
+          <a:solidFill>
+            <a:schemeClr val="accent1">
+              <a:lumMod val="60000"/>
+              <a:lumOff val="40000"/>
+            </a:schemeClr>
+          </a:solidFill>
+          <a:ln>
+            <a:solidFill>
+              <a:schemeClr val="bg2">
+                <a:lumMod val="90000"/>
+              </a:schemeClr>
+            </a:solidFill>
+          </a:ln>
+        </p:spPr>
+        <p:style>
+          <a:lnRef idx="2">
+            <a:schemeClr val="accent1">
+              <a:shade val="50000"/>
+            </a:schemeClr>
+          </a:lnRef>
+          <a:fillRef idx="1">
+            <a:schemeClr val="accent1"/>
+          </a:fillRef>
+          <a:effectRef idx="0">
+            <a:schemeClr val="accent1"/>
+          </a:effectRef>
+          <a:fontRef idx="minor">
+            <a:schemeClr val="lt1"/>
+          </a:fontRef>
+        </p:style>
+        <p:txBody>
+          <a:bodyPr rtlCol="0" anchor="ctr"/>
+          <a:lstStyle/>
+          <a:p>
+            <a:pPr algn="ctr"/>
+            <a:r>
+              <a:rPr lang="ru-RU" sz="1200" dirty="0" smtClean="0">
+                <a:solidFill>
+                  <a:schemeClr val="tx1"/>
+                </a:solidFill>
+              </a:rPr>
+              <a:t>требования</a:t>
+            </a:r>
+            <a:endParaRPr lang="ru-RU" sz="1200" dirty="0">
+              <a:solidFill>
+                <a:schemeClr val="tx1"/>
+              </a:solidFill>
+            </a:endParaRPr>
+          </a:p>
+        </p:txBody>
+      </p:sp>
+      <p:sp>
+        <p:nvSpPr>
+          <p:cNvPr id="8" name="Прямоугольник 7"/>
+          <p:cNvSpPr/>
+          <p:nvPr/>
+        </p:nvSpPr>
+        <p:spPr>
+          <a:xfrm>
+            <a:off x="3801292" y="2381404"/>
+            <a:ext cx="1162594" cy="468476"/>
+          </a:xfrm>
+          <a:prstGeom prst="rect">
+            <a:avLst/>
+          </a:prstGeom>
+          <a:solidFill>
+            <a:schemeClr val="accent1">
+              <a:lumMod val="60000"/>
+              <a:lumOff val="40000"/>
+            </a:schemeClr>
+          </a:solidFill>
+          <a:ln>
+            <a:solidFill>
+              <a:schemeClr val="bg2">
+                <a:lumMod val="90000"/>
+              </a:schemeClr>
+            </a:solidFill>
+          </a:ln>
+        </p:spPr>
+        <p:style>
+          <a:lnRef idx="2">
+            <a:schemeClr val="accent1">
+              <a:shade val="50000"/>
+            </a:schemeClr>
+          </a:lnRef>
+          <a:fillRef idx="1">
+            <a:schemeClr val="accent1"/>
+          </a:fillRef>
+          <a:effectRef idx="0">
+            <a:schemeClr val="accent1"/>
+          </a:effectRef>
+          <a:fontRef idx="minor">
+            <a:schemeClr val="lt1"/>
+          </a:fontRef>
+        </p:style>
+        <p:txBody>
+          <a:bodyPr rtlCol="0" anchor="ctr"/>
+          <a:lstStyle/>
+          <a:p>
+            <a:pPr algn="ctr"/>
+            <a:r>
+              <a:rPr lang="ru-RU" sz="1200" dirty="0" smtClean="0">
+                <a:solidFill>
+                  <a:schemeClr val="tx1"/>
+                </a:solidFill>
+              </a:rPr>
+              <a:t>Проектирова-ние модели</a:t>
+            </a:r>
+            <a:endParaRPr lang="ru-RU" sz="1200" dirty="0">
+              <a:solidFill>
+                <a:schemeClr val="tx1"/>
+              </a:solidFill>
+            </a:endParaRPr>
+          </a:p>
+        </p:txBody>
+      </p:sp>
+      <p:sp>
+        <p:nvSpPr>
+          <p:cNvPr id="9" name="Прямоугольник 8"/>
+          <p:cNvSpPr/>
+          <p:nvPr/>
+        </p:nvSpPr>
+        <p:spPr>
+          <a:xfrm>
+            <a:off x="4109800" y="3560096"/>
+            <a:ext cx="1140823" cy="419184"/>
+          </a:xfrm>
+          <a:prstGeom prst="rect">
+            <a:avLst/>
+          </a:prstGeom>
+          <a:solidFill>
+            <a:schemeClr val="accent1">
+              <a:lumMod val="60000"/>
+              <a:lumOff val="40000"/>
+            </a:schemeClr>
+          </a:solidFill>
+          <a:ln>
+            <a:solidFill>
+              <a:schemeClr val="bg2">
+                <a:lumMod val="90000"/>
+              </a:schemeClr>
+            </a:solidFill>
+          </a:ln>
+        </p:spPr>
+        <p:style>
+          <a:lnRef idx="2">
+            <a:schemeClr val="accent1">
+              <a:shade val="50000"/>
+            </a:schemeClr>
+          </a:lnRef>
+          <a:fillRef idx="1">
+            <a:schemeClr val="accent1"/>
+          </a:fillRef>
+          <a:effectRef idx="0">
+            <a:schemeClr val="accent1"/>
+          </a:effectRef>
+          <a:fontRef idx="minor">
+            <a:schemeClr val="lt1"/>
+          </a:fontRef>
+        </p:style>
+        <p:txBody>
+          <a:bodyPr rtlCol="0" anchor="ctr"/>
+          <a:lstStyle/>
+          <a:p>
+            <a:pPr algn="ctr"/>
+            <a:r>
+              <a:rPr lang="ru-RU" sz="1200" dirty="0" smtClean="0">
+                <a:solidFill>
+                  <a:schemeClr val="tx1"/>
+                </a:solidFill>
+              </a:rPr>
+              <a:t>Разработка ПО</a:t>
+            </a:r>
+            <a:endParaRPr lang="ru-RU" sz="1200" dirty="0">
+              <a:solidFill>
+                <a:schemeClr val="tx1"/>
+              </a:solidFill>
+            </a:endParaRPr>
+          </a:p>
+        </p:txBody>
+      </p:sp>
+      <p:sp>
+        <p:nvSpPr>
+          <p:cNvPr id="11" name="Прямоугольник 10"/>
+          <p:cNvSpPr/>
+          <p:nvPr/>
+        </p:nvSpPr>
+        <p:spPr>
+          <a:xfrm>
+            <a:off x="6079145" y="3560096"/>
+            <a:ext cx="1163665" cy="419184"/>
+          </a:xfrm>
+          <a:prstGeom prst="rect">
+            <a:avLst/>
+          </a:prstGeom>
+          <a:solidFill>
+            <a:schemeClr val="accent1">
+              <a:lumMod val="60000"/>
+              <a:lumOff val="40000"/>
+            </a:schemeClr>
+          </a:solidFill>
+          <a:ln>
+            <a:solidFill>
+              <a:schemeClr val="bg2">
+                <a:lumMod val="90000"/>
+              </a:schemeClr>
+            </a:solidFill>
+          </a:ln>
+        </p:spPr>
+        <p:style>
+          <a:lnRef idx="2">
+            <a:schemeClr val="accent1">
+              <a:shade val="50000"/>
+            </a:schemeClr>
+          </a:lnRef>
+          <a:fillRef idx="1">
+            <a:schemeClr val="accent1"/>
+          </a:fillRef>
+          <a:effectRef idx="0">
+            <a:schemeClr val="accent1"/>
+          </a:effectRef>
+          <a:fontRef idx="minor">
+            <a:schemeClr val="lt1"/>
+          </a:fontRef>
+        </p:style>
+        <p:txBody>
+          <a:bodyPr rtlCol="0" anchor="ctr"/>
+          <a:lstStyle/>
+          <a:p>
+            <a:pPr algn="ctr"/>
+            <a:r>
+              <a:rPr lang="ru-RU" sz="1200" dirty="0" smtClean="0">
+                <a:solidFill>
+                  <a:schemeClr val="tx1"/>
+                </a:solidFill>
+              </a:rPr>
+              <a:t>Модуль тестирования</a:t>
+            </a:r>
+            <a:endParaRPr lang="ru-RU" sz="1200" dirty="0">
+              <a:solidFill>
+                <a:schemeClr val="tx1"/>
+              </a:solidFill>
+            </a:endParaRPr>
+          </a:p>
+        </p:txBody>
+      </p:sp>
+      <p:sp>
+        <p:nvSpPr>
+          <p:cNvPr id="12" name="Прямоугольник 11"/>
+          <p:cNvSpPr/>
+          <p:nvPr/>
+        </p:nvSpPr>
+        <p:spPr>
+          <a:xfrm>
+            <a:off x="6423660" y="2381404"/>
+            <a:ext cx="1152525" cy="439901"/>
+          </a:xfrm>
+          <a:prstGeom prst="rect">
+            <a:avLst/>
+          </a:prstGeom>
+          <a:solidFill>
+            <a:schemeClr val="accent1">
+              <a:lumMod val="60000"/>
+              <a:lumOff val="40000"/>
+            </a:schemeClr>
+          </a:solidFill>
+          <a:ln>
+            <a:solidFill>
+              <a:schemeClr val="bg2">
+                <a:lumMod val="90000"/>
+              </a:schemeClr>
+            </a:solidFill>
+          </a:ln>
+        </p:spPr>
+        <p:style>
+          <a:lnRef idx="2">
+            <a:schemeClr val="accent1">
+              <a:shade val="50000"/>
+            </a:schemeClr>
+          </a:lnRef>
+          <a:fillRef idx="1">
+            <a:schemeClr val="accent1"/>
+          </a:fillRef>
+          <a:effectRef idx="0">
+            <a:schemeClr val="accent1"/>
+          </a:effectRef>
+          <a:fontRef idx="minor">
+            <a:schemeClr val="lt1"/>
+          </a:fontRef>
+        </p:style>
+        <p:txBody>
+          <a:bodyPr rtlCol="0" anchor="ctr"/>
+          <a:lstStyle/>
+          <a:p>
+            <a:pPr algn="ctr"/>
+            <a:r>
+              <a:rPr lang="ru-RU" sz="1200" dirty="0" smtClean="0">
+                <a:solidFill>
+                  <a:schemeClr val="tx1"/>
+                </a:solidFill>
+              </a:rPr>
+              <a:t>Интегрированные тестирования</a:t>
+            </a:r>
+            <a:endParaRPr lang="ru-RU" sz="1200" dirty="0">
+              <a:solidFill>
+                <a:schemeClr val="tx1"/>
+              </a:solidFill>
+            </a:endParaRPr>
+          </a:p>
+        </p:txBody>
+      </p:sp>
+      <p:sp>
+        <p:nvSpPr>
+          <p:cNvPr id="14" name="Прямоугольник 13"/>
+          <p:cNvSpPr/>
+          <p:nvPr/>
+        </p:nvSpPr>
+        <p:spPr>
+          <a:xfrm>
+            <a:off x="6663690" y="1428206"/>
+            <a:ext cx="1162050" cy="427354"/>
+          </a:xfrm>
+          <a:prstGeom prst="rect">
+            <a:avLst/>
+          </a:prstGeom>
+          <a:solidFill>
+            <a:schemeClr val="accent1">
+              <a:lumMod val="60000"/>
+              <a:lumOff val="40000"/>
+            </a:schemeClr>
+          </a:solidFill>
+          <a:ln>
+            <a:solidFill>
+              <a:schemeClr val="bg2">
+                <a:lumMod val="90000"/>
+              </a:schemeClr>
+            </a:solidFill>
+          </a:ln>
+        </p:spPr>
+        <p:style>
+          <a:lnRef idx="2">
+            <a:schemeClr val="accent1">
+              <a:shade val="50000"/>
+            </a:schemeClr>
+          </a:lnRef>
+          <a:fillRef idx="1">
+            <a:schemeClr val="accent1"/>
+          </a:fillRef>
+          <a:effectRef idx="0">
+            <a:schemeClr val="accent1"/>
+          </a:effectRef>
+          <a:fontRef idx="minor">
+            <a:schemeClr val="lt1"/>
+          </a:fontRef>
+        </p:style>
+        <p:txBody>
+          <a:bodyPr rtlCol="0" anchor="ctr"/>
+          <a:lstStyle/>
+          <a:p>
+            <a:pPr algn="ctr"/>
+            <a:r>
+              <a:rPr lang="ru-RU" sz="1200" dirty="0" smtClean="0">
+                <a:solidFill>
+                  <a:schemeClr val="tx1"/>
+                </a:solidFill>
+              </a:rPr>
+              <a:t>Валидация</a:t>
+            </a:r>
+            <a:endParaRPr lang="ru-RU" sz="1200" dirty="0">
+              <a:solidFill>
+                <a:schemeClr val="tx1"/>
+              </a:solidFill>
+            </a:endParaRPr>
           </a:p>
         </p:txBody>
       </p:sp>
@@ -3177,152 +3567,34 @@
           <a:chExt cx="0" cy="0"/>
         </a:xfrm>
       </p:grpSpPr>
-      <p:sp>
-        <p:nvSpPr>
-          <p:cNvPr id="2" name="TextBox 1"/>
-          <p:cNvSpPr txBox="1"/>
-          <p:nvPr/>
-        </p:nvSpPr>
-        <p:spPr>
-          <a:xfrm>
-            <a:off x="4395537" y="1106905"/>
-            <a:ext cx="3552191" cy="369332"/>
+      <p:pic>
+        <p:nvPicPr>
+          <p:cNvPr id="2" name="Рисунок 1"/>
+          <p:cNvPicPr>
+            <a:picLocks noChangeAspect="1"/>
+          </p:cNvPicPr>
+          <p:nvPr/>
+        </p:nvPicPr>
+        <p:blipFill>
+          <a:blip r:embed="rId2"/>
+          <a:stretch>
+            <a:fillRect/>
+          </a:stretch>
+        </p:blipFill>
+        <p:spPr>
+          <a:xfrm>
+            <a:off x="345077" y="444138"/>
+            <a:ext cx="8468036" cy="5927002"/>
           </a:xfrm>
           <a:prstGeom prst="rect">
             <a:avLst/>
           </a:prstGeom>
-          <a:noFill/>
-        </p:spPr>
-        <p:txBody>
-          <a:bodyPr wrap="none" rtlCol="0">
-            <a:spAutoFit/>
-          </a:bodyPr>
-          <a:lstStyle/>
-          <a:p>
-            <a:r>
-              <a:rPr lang="ru-RU" dirty="0" smtClean="0"/>
-              <a:t>Сравнение </a:t>
-            </a:r>
-            <a:r>
-              <a:rPr lang="en-US" dirty="0" smtClean="0"/>
-              <a:t>MPC </a:t>
-            </a:r>
-            <a:r>
-              <a:rPr lang="ru-RU" dirty="0" smtClean="0"/>
-              <a:t>и ПИД регулятора</a:t>
-            </a:r>
-            <a:endParaRPr lang="ru-RU" dirty="0"/>
-          </a:p>
-        </p:txBody>
-      </p:sp>
-      <p:sp>
-        <p:nvSpPr>
-          <p:cNvPr id="3" name="TextBox 2"/>
-          <p:cNvSpPr txBox="1"/>
-          <p:nvPr/>
-        </p:nvSpPr>
-        <p:spPr>
-          <a:xfrm>
-            <a:off x="673767" y="2245895"/>
-            <a:ext cx="4700337" cy="2585323"/>
-          </a:xfrm>
-          <a:prstGeom prst="rect">
-            <a:avLst/>
-          </a:prstGeom>
-          <a:noFill/>
-        </p:spPr>
-        <p:txBody>
-          <a:bodyPr wrap="square" rtlCol="0">
-            <a:spAutoFit/>
-          </a:bodyPr>
-          <a:lstStyle/>
-          <a:p>
-            <a:pPr marL="285750" indent="-285750">
-              <a:buFont typeface="Arial" panose="020B0604020202020204" pitchFamily="34" charset="0"/>
-              <a:buChar char="•"/>
-            </a:pPr>
-            <a:r>
-              <a:rPr lang="ru-RU" dirty="0" smtClean="0"/>
-              <a:t>Необходимость создавать модель объекта управления</a:t>
-            </a:r>
-          </a:p>
-          <a:p>
-            <a:pPr marL="285750" indent="-285750">
-              <a:buFont typeface="Arial" panose="020B0604020202020204" pitchFamily="34" charset="0"/>
-              <a:buChar char="•"/>
-            </a:pPr>
-            <a:r>
-              <a:rPr lang="ru-RU" dirty="0" smtClean="0"/>
-              <a:t>Возможность наложить на величину управляющего воздействия и максимальные отклонения</a:t>
-            </a:r>
-          </a:p>
-          <a:p>
-            <a:pPr marL="285750" indent="-285750">
-              <a:buFont typeface="Arial" panose="020B0604020202020204" pitchFamily="34" charset="0"/>
-              <a:buChar char="•"/>
-            </a:pPr>
-            <a:r>
-              <a:rPr lang="ru-RU" dirty="0" smtClean="0"/>
-              <a:t>При наличии двух целей регулирования их взаимодействие определяется весовыми параметрами</a:t>
-            </a:r>
-          </a:p>
-          <a:p>
-            <a:pPr marL="285750" indent="-285750">
-              <a:buFont typeface="Arial" panose="020B0604020202020204" pitchFamily="34" charset="0"/>
-              <a:buChar char="•"/>
-            </a:pPr>
-            <a:endParaRPr lang="ru-RU" dirty="0"/>
-          </a:p>
-        </p:txBody>
-      </p:sp>
-      <p:sp>
-        <p:nvSpPr>
-          <p:cNvPr id="4" name="TextBox 3"/>
-          <p:cNvSpPr txBox="1"/>
-          <p:nvPr/>
-        </p:nvSpPr>
-        <p:spPr>
-          <a:xfrm>
-            <a:off x="6320590" y="2245895"/>
-            <a:ext cx="5871410" cy="646331"/>
-          </a:xfrm>
-          <a:prstGeom prst="rect">
-            <a:avLst/>
-          </a:prstGeom>
-          <a:noFill/>
-        </p:spPr>
-        <p:txBody>
-          <a:bodyPr wrap="square" rtlCol="0">
-            <a:spAutoFit/>
-          </a:bodyPr>
-          <a:lstStyle/>
-          <a:p>
-            <a:pPr marL="285750" indent="-285750">
-              <a:buFont typeface="Arial" panose="020B0604020202020204" pitchFamily="34" charset="0"/>
-              <a:buChar char="•"/>
-            </a:pPr>
-            <a:r>
-              <a:rPr lang="ru-RU" dirty="0" smtClean="0"/>
-              <a:t>Необходимость подбора коэффициентов регулятора</a:t>
-            </a:r>
-          </a:p>
-          <a:p>
-            <a:pPr marL="285750" indent="-285750">
-              <a:buFont typeface="Arial" panose="020B0604020202020204" pitchFamily="34" charset="0"/>
-              <a:buChar char="•"/>
-            </a:pPr>
-            <a:r>
-              <a:rPr lang="ru-RU" dirty="0" smtClean="0"/>
-              <a:t>На каждую цель свой регулятор</a:t>
-            </a:r>
-            <a:endParaRPr lang="ru-RU" dirty="0"/>
-          </a:p>
-        </p:txBody>
-      </p:sp>
+        </p:spPr>
+      </p:pic>
     </p:spTree>
     <p:extLst>
       <p:ext uri="{BB962C8B-B14F-4D97-AF65-F5344CB8AC3E}">
-        <p14:creationId xmlns:p14="http://schemas.microsoft.com/office/powerpoint/2010/main" val="2780641443"/>
+        <p14:creationId xmlns:p14="http://schemas.microsoft.com/office/powerpoint/2010/main" val="548292680"/>
       </p:ext>
     </p:extLst>
   </p:cSld>
@@ -3349,296 +3621,156 @@
           <a:chExt cx="0" cy="0"/>
         </a:xfrm>
       </p:grpSpPr>
-      <p:pic>
-        <p:nvPicPr>
-          <p:cNvPr id="2" name="Рисунок 1"/>
-          <p:cNvPicPr/>
-          <p:nvPr/>
-        </p:nvPicPr>
-        <p:blipFill>
-          <a:blip r:embed="rId2"/>
-          <a:stretch>
-            <a:fillRect/>
-          </a:stretch>
-        </p:blipFill>
-        <p:spPr>
-          <a:xfrm>
-            <a:off x="580306" y="592184"/>
-            <a:ext cx="5289272" cy="3309257"/>
+      <p:sp>
+        <p:nvSpPr>
+          <p:cNvPr id="2" name="TextBox 1"/>
+          <p:cNvSpPr txBox="1"/>
+          <p:nvPr/>
+        </p:nvSpPr>
+        <p:spPr>
+          <a:xfrm>
+            <a:off x="3306966" y="1080779"/>
+            <a:ext cx="5293116" cy="369332"/>
           </a:xfrm>
           <a:prstGeom prst="rect">
             <a:avLst/>
           </a:prstGeom>
-        </p:spPr>
-      </p:pic>
-      <p:sp>
-        <p:nvSpPr>
-          <p:cNvPr id="4" name="Прямоугольник 3"/>
-          <p:cNvSpPr/>
-          <p:nvPr/>
-        </p:nvSpPr>
-        <p:spPr>
-          <a:xfrm>
-            <a:off x="658872" y="4140289"/>
-            <a:ext cx="10842171" cy="2383473"/>
-          </a:xfrm>
-          <a:prstGeom prst="rect">
-            <a:avLst/>
-          </a:prstGeom>
-        </p:spPr>
-        <p:txBody>
-          <a:bodyPr wrap="square">
+          <a:noFill/>
+        </p:spPr>
+        <p:txBody>
+          <a:bodyPr wrap="none" rtlCol="0">
             <a:spAutoFit/>
           </a:bodyPr>
           <a:lstStyle/>
           <a:p>
-            <a:pPr>
-              <a:lnSpc>
-                <a:spcPct val="107000"/>
-              </a:lnSpc>
-              <a:spcAft>
-                <a:spcPts val="800"/>
-              </a:spcAft>
+            <a:r>
+              <a:rPr lang="ru-RU" dirty="0" smtClean="0"/>
+              <a:t>Сравнение </a:t>
+            </a:r>
+            <a:r>
+              <a:rPr lang="ru-RU" dirty="0" smtClean="0"/>
+              <a:t>регулятора по модели</a:t>
+            </a:r>
+            <a:r>
+              <a:rPr lang="en-US" dirty="0" smtClean="0"/>
+              <a:t> </a:t>
+            </a:r>
+            <a:r>
+              <a:rPr lang="ru-RU" dirty="0" smtClean="0"/>
+              <a:t>и ПИД регулятора</a:t>
+            </a:r>
+            <a:endParaRPr lang="ru-RU" dirty="0"/>
+          </a:p>
+        </p:txBody>
+      </p:sp>
+      <p:sp>
+        <p:nvSpPr>
+          <p:cNvPr id="3" name="TextBox 2"/>
+          <p:cNvSpPr txBox="1"/>
+          <p:nvPr/>
+        </p:nvSpPr>
+        <p:spPr>
+          <a:xfrm>
+            <a:off x="673767" y="2245895"/>
+            <a:ext cx="4700337" cy="2585323"/>
+          </a:xfrm>
+          <a:prstGeom prst="rect">
+            <a:avLst/>
+          </a:prstGeom>
+          <a:noFill/>
+        </p:spPr>
+        <p:txBody>
+          <a:bodyPr wrap="square" rtlCol="0">
+            <a:spAutoFit/>
+          </a:bodyPr>
+          <a:lstStyle/>
+          <a:p>
+            <a:pPr marL="285750" indent="-285750">
+              <a:buFont typeface="Arial" panose="020B0604020202020204" pitchFamily="34" charset="0"/>
+              <a:buChar char="•"/>
             </a:pPr>
             <a:r>
-              <a:rPr lang="ru-RU" dirty="0">
-                <a:latin typeface="Calibri" panose="020F0502020204030204" pitchFamily="34" charset="0"/>
-                <a:ea typeface="Calibri" panose="020F0502020204030204" pitchFamily="34" charset="0"/>
-                <a:cs typeface="Times New Roman" panose="02020603050405020304" pitchFamily="18" charset="0"/>
-              </a:rPr>
-              <a:t>Алгоритм управления с прогнозирующей моделью можно представить в следующем виде:</a:t>
-            </a:r>
-          </a:p>
-          <a:p>
-            <a:pPr>
-              <a:lnSpc>
-                <a:spcPct val="107000"/>
-              </a:lnSpc>
-              <a:spcAft>
-                <a:spcPts val="800"/>
-              </a:spcAft>
+              <a:rPr lang="ru-RU" dirty="0" smtClean="0"/>
+              <a:t>Необходимость создавать модель объекта управления</a:t>
+            </a:r>
+          </a:p>
+          <a:p>
+            <a:pPr marL="285750" indent="-285750">
+              <a:buFont typeface="Arial" panose="020B0604020202020204" pitchFamily="34" charset="0"/>
+              <a:buChar char="•"/>
             </a:pPr>
             <a:r>
-              <a:rPr lang="ru-RU" dirty="0">
-                <a:latin typeface="Calibri" panose="020F0502020204030204" pitchFamily="34" charset="0"/>
-                <a:ea typeface="Calibri" panose="020F0502020204030204" pitchFamily="34" charset="0"/>
-                <a:cs typeface="Times New Roman" panose="02020603050405020304" pitchFamily="18" charset="0"/>
-              </a:rPr>
-              <a:t> 1. Измерить текущее состояние </a:t>
-            </a:r>
-            <a:r>
-              <a:rPr lang="ru-RU" dirty="0">
-                <a:latin typeface="Cambria Math" panose="02040503050406030204" pitchFamily="18" charset="0"/>
-                <a:ea typeface="Calibri" panose="020F0502020204030204" pitchFamily="34" charset="0"/>
-                <a:cs typeface="Cambria Math" panose="02040503050406030204" pitchFamily="18" charset="0"/>
-              </a:rPr>
-              <a:t>𝑥</a:t>
-            </a:r>
-            <a:r>
-              <a:rPr lang="ru-RU" dirty="0">
-                <a:latin typeface="Calibri" panose="020F0502020204030204" pitchFamily="34" charset="0"/>
-                <a:ea typeface="Calibri" panose="020F0502020204030204" pitchFamily="34" charset="0"/>
-                <a:cs typeface="Times New Roman" panose="02020603050405020304" pitchFamily="18" charset="0"/>
-              </a:rPr>
-              <a:t>̃[k], где k – текущий такт времени.</a:t>
-            </a:r>
-          </a:p>
-          <a:p>
-            <a:pPr>
-              <a:lnSpc>
-                <a:spcPct val="107000"/>
-              </a:lnSpc>
-              <a:spcAft>
-                <a:spcPts val="800"/>
-              </a:spcAft>
+              <a:rPr lang="ru-RU" dirty="0" smtClean="0"/>
+              <a:t>Возможность наложить на величину управляющего воздействия и максимальные отклонения</a:t>
+            </a:r>
+          </a:p>
+          <a:p>
+            <a:pPr marL="285750" indent="-285750">
+              <a:buFont typeface="Arial" panose="020B0604020202020204" pitchFamily="34" charset="0"/>
+              <a:buChar char="•"/>
             </a:pPr>
             <a:r>
-              <a:rPr lang="ru-RU" dirty="0">
-                <a:latin typeface="Calibri" panose="020F0502020204030204" pitchFamily="34" charset="0"/>
-                <a:ea typeface="Calibri" panose="020F0502020204030204" pitchFamily="34" charset="0"/>
-                <a:cs typeface="Times New Roman" panose="02020603050405020304" pitchFamily="18" charset="0"/>
-              </a:rPr>
-              <a:t> 2. Найти последовательность оптимальных управляющих величин u[i] для горизонта управления </a:t>
-            </a:r>
-            <a:r>
-              <a:rPr lang="ru-RU" dirty="0" err="1">
-                <a:latin typeface="Calibri" panose="020F0502020204030204" pitchFamily="34" charset="0"/>
-                <a:ea typeface="Calibri" panose="020F0502020204030204" pitchFamily="34" charset="0"/>
-                <a:cs typeface="Times New Roman" panose="02020603050405020304" pitchFamily="18" charset="0"/>
-              </a:rPr>
-              <a:t>Nc</a:t>
-            </a:r>
-            <a:r>
-              <a:rPr lang="ru-RU" dirty="0">
-                <a:latin typeface="Calibri" panose="020F0502020204030204" pitchFamily="34" charset="0"/>
-                <a:ea typeface="Calibri" panose="020F0502020204030204" pitchFamily="34" charset="0"/>
-                <a:cs typeface="Times New Roman" panose="02020603050405020304" pitchFamily="18" charset="0"/>
-              </a:rPr>
-              <a:t>=</a:t>
-            </a:r>
-            <a:r>
-              <a:rPr lang="ru-RU" dirty="0" err="1">
-                <a:latin typeface="Calibri" panose="020F0502020204030204" pitchFamily="34" charset="0"/>
-                <a:ea typeface="Calibri" panose="020F0502020204030204" pitchFamily="34" charset="0"/>
-                <a:cs typeface="Times New Roman" panose="02020603050405020304" pitchFamily="18" charset="0"/>
-              </a:rPr>
-              <a:t>k+C</a:t>
-            </a:r>
-            <a:r>
-              <a:rPr lang="ru-RU" dirty="0" smtClean="0">
-                <a:latin typeface="Calibri" panose="020F0502020204030204" pitchFamily="34" charset="0"/>
-                <a:ea typeface="Calibri" panose="020F0502020204030204" pitchFamily="34" charset="0"/>
-                <a:cs typeface="Times New Roman" panose="02020603050405020304" pitchFamily="18" charset="0"/>
-              </a:rPr>
-              <a:t>,</a:t>
-            </a:r>
-          </a:p>
-          <a:p>
-            <a:pPr>
-              <a:lnSpc>
-                <a:spcPct val="107000"/>
-              </a:lnSpc>
-              <a:spcAft>
-                <a:spcPts val="800"/>
-              </a:spcAft>
+              <a:rPr lang="ru-RU" dirty="0" smtClean="0"/>
+              <a:t>При наличии двух целей регулирования их взаимодействие определяется весовыми параметрами</a:t>
+            </a:r>
+          </a:p>
+          <a:p>
+            <a:pPr marL="285750" indent="-285750">
+              <a:buFont typeface="Arial" panose="020B0604020202020204" pitchFamily="34" charset="0"/>
+              <a:buChar char="•"/>
             </a:pPr>
-            <a:r>
-              <a:rPr lang="ru-RU" dirty="0" smtClean="0">
-                <a:latin typeface="Calibri" panose="020F0502020204030204" pitchFamily="34" charset="0"/>
-                <a:ea typeface="Calibri" panose="020F0502020204030204" pitchFamily="34" charset="0"/>
-                <a:cs typeface="Times New Roman" panose="02020603050405020304" pitchFamily="18" charset="0"/>
-              </a:rPr>
-              <a:t> </a:t>
-            </a:r>
-            <a:r>
-              <a:rPr lang="ru-RU" dirty="0">
-                <a:latin typeface="Calibri" panose="020F0502020204030204" pitchFamily="34" charset="0"/>
-                <a:ea typeface="Calibri" panose="020F0502020204030204" pitchFamily="34" charset="0"/>
-                <a:cs typeface="Times New Roman" panose="02020603050405020304" pitchFamily="18" charset="0"/>
-              </a:rPr>
-              <a:t>k ≤ </a:t>
-            </a:r>
-            <a:r>
-              <a:rPr lang="ru-RU" dirty="0" err="1">
-                <a:latin typeface="Calibri" panose="020F0502020204030204" pitchFamily="34" charset="0"/>
-                <a:ea typeface="Calibri" panose="020F0502020204030204" pitchFamily="34" charset="0"/>
-                <a:cs typeface="Times New Roman" panose="02020603050405020304" pitchFamily="18" charset="0"/>
-              </a:rPr>
-              <a:t>Nc</a:t>
-            </a:r>
-            <a:r>
-              <a:rPr lang="ru-RU" dirty="0">
-                <a:latin typeface="Calibri" panose="020F0502020204030204" pitchFamily="34" charset="0"/>
-                <a:ea typeface="Calibri" panose="020F0502020204030204" pitchFamily="34" charset="0"/>
-                <a:cs typeface="Times New Roman" panose="02020603050405020304" pitchFamily="18" charset="0"/>
-              </a:rPr>
-              <a:t>, на всем горизонте прогнозирования </a:t>
-            </a:r>
-            <a:r>
-              <a:rPr lang="ru-RU" dirty="0" err="1" smtClean="0">
-                <a:latin typeface="Calibri" panose="020F0502020204030204" pitchFamily="34" charset="0"/>
-                <a:ea typeface="Calibri" panose="020F0502020204030204" pitchFamily="34" charset="0"/>
-                <a:cs typeface="Times New Roman" panose="02020603050405020304" pitchFamily="18" charset="0"/>
-              </a:rPr>
-              <a:t>Np</a:t>
-            </a:r>
-            <a:r>
-              <a:rPr lang="ru-RU" dirty="0" smtClean="0">
-                <a:latin typeface="Calibri" panose="020F0502020204030204" pitchFamily="34" charset="0"/>
-                <a:ea typeface="Calibri" panose="020F0502020204030204" pitchFamily="34" charset="0"/>
-                <a:cs typeface="Times New Roman" panose="02020603050405020304" pitchFamily="18" charset="0"/>
-              </a:rPr>
-              <a:t>=</a:t>
-            </a:r>
-            <a:r>
-              <a:rPr lang="ru-RU" dirty="0" err="1" smtClean="0">
-                <a:latin typeface="Calibri" panose="020F0502020204030204" pitchFamily="34" charset="0"/>
-                <a:ea typeface="Calibri" panose="020F0502020204030204" pitchFamily="34" charset="0"/>
-                <a:cs typeface="Times New Roman" panose="02020603050405020304" pitchFamily="18" charset="0"/>
-              </a:rPr>
-              <a:t>k+P</a:t>
-            </a:r>
-            <a:r>
-              <a:rPr lang="ru-RU" dirty="0">
-                <a:latin typeface="Calibri" panose="020F0502020204030204" pitchFamily="34" charset="0"/>
-                <a:ea typeface="Calibri" panose="020F0502020204030204" pitchFamily="34" charset="0"/>
-                <a:cs typeface="Times New Roman" panose="02020603050405020304" pitchFamily="18" charset="0"/>
-              </a:rPr>
-              <a:t>, минимизирующую целевую функцию </a:t>
-            </a:r>
-          </a:p>
-          <a:p>
-            <a:pPr>
-              <a:lnSpc>
-                <a:spcPct val="107000"/>
-              </a:lnSpc>
-              <a:spcAft>
-                <a:spcPts val="800"/>
-              </a:spcAft>
+            <a:endParaRPr lang="ru-RU" dirty="0"/>
+          </a:p>
+        </p:txBody>
+      </p:sp>
+      <p:sp>
+        <p:nvSpPr>
+          <p:cNvPr id="4" name="TextBox 3"/>
+          <p:cNvSpPr txBox="1"/>
+          <p:nvPr/>
+        </p:nvSpPr>
+        <p:spPr>
+          <a:xfrm>
+            <a:off x="6320590" y="2245895"/>
+            <a:ext cx="5871410" cy="646331"/>
+          </a:xfrm>
+          <a:prstGeom prst="rect">
+            <a:avLst/>
+          </a:prstGeom>
+          <a:noFill/>
+        </p:spPr>
+        <p:txBody>
+          <a:bodyPr wrap="square" rtlCol="0">
+            <a:spAutoFit/>
+          </a:bodyPr>
+          <a:lstStyle/>
+          <a:p>
+            <a:pPr marL="285750" indent="-285750">
+              <a:buFont typeface="Arial" panose="020B0604020202020204" pitchFamily="34" charset="0"/>
+              <a:buChar char="•"/>
             </a:pPr>
             <a:r>
-              <a:rPr lang="ru-RU" dirty="0">
-                <a:latin typeface="Calibri" panose="020F0502020204030204" pitchFamily="34" charset="0"/>
-                <a:ea typeface="Calibri" panose="020F0502020204030204" pitchFamily="34" charset="0"/>
-                <a:cs typeface="Times New Roman" panose="02020603050405020304" pitchFamily="18" charset="0"/>
-              </a:rPr>
-              <a:t>3. Применить для управления только первую управляющую величину u[1], остальные отбросить. </a:t>
-            </a:r>
-            <a:endParaRPr lang="ru-RU" dirty="0" smtClean="0">
-              <a:latin typeface="Calibri" panose="020F0502020204030204" pitchFamily="34" charset="0"/>
-              <a:ea typeface="Calibri" panose="020F0502020204030204" pitchFamily="34" charset="0"/>
-              <a:cs typeface="Times New Roman" panose="02020603050405020304" pitchFamily="18" charset="0"/>
-            </a:endParaRPr>
-          </a:p>
-          <a:p>
-            <a:pPr>
-              <a:lnSpc>
-                <a:spcPct val="107000"/>
-              </a:lnSpc>
-              <a:spcAft>
-                <a:spcPts val="800"/>
-              </a:spcAft>
+              <a:rPr lang="ru-RU" dirty="0" smtClean="0"/>
+              <a:t>Необходимость подбора коэффициентов регулятора</a:t>
+            </a:r>
+          </a:p>
+          <a:p>
+            <a:pPr marL="285750" indent="-285750">
+              <a:buFont typeface="Arial" panose="020B0604020202020204" pitchFamily="34" charset="0"/>
+              <a:buChar char="•"/>
             </a:pPr>
             <a:r>
-              <a:rPr lang="ru-RU" dirty="0"/>
-              <a:t>4. Перейти на шаг 1 и повторить процедуру в момент времени k+1.</a:t>
-            </a:r>
-            <a:endParaRPr lang="ru-RU" dirty="0">
-              <a:latin typeface="Calibri" panose="020F0502020204030204" pitchFamily="34" charset="0"/>
-              <a:ea typeface="Calibri" panose="020F0502020204030204" pitchFamily="34" charset="0"/>
-              <a:cs typeface="Times New Roman" panose="02020603050405020304" pitchFamily="18" charset="0"/>
-            </a:endParaRPr>
-          </a:p>
-        </p:txBody>
-      </p:sp>
-      <p:pic>
-        <p:nvPicPr>
-          <p:cNvPr id="5" name="Рисунок 4"/>
-          <p:cNvPicPr>
-            <a:picLocks noChangeAspect="1"/>
-          </p:cNvPicPr>
-          <p:nvPr/>
-        </p:nvPicPr>
-        <p:blipFill>
-          <a:blip r:embed="rId3"/>
-          <a:stretch>
-            <a:fillRect/>
-          </a:stretch>
-        </p:blipFill>
-        <p:spPr>
-          <a:xfrm>
-            <a:off x="5476823" y="539213"/>
-            <a:ext cx="5391473" cy="3171455"/>
-          </a:xfrm>
-          <a:prstGeom prst="rect">
-            <a:avLst/>
-          </a:prstGeom>
-        </p:spPr>
-      </p:pic>
+              <a:rPr lang="ru-RU" dirty="0" smtClean="0"/>
+              <a:t>На каждую цель свой регулятор</a:t>
+            </a:r>
+            <a:endParaRPr lang="ru-RU" dirty="0"/>
+          </a:p>
+        </p:txBody>
+      </p:sp>
     </p:spTree>
     <p:extLst>
       <p:ext uri="{BB962C8B-B14F-4D97-AF65-F5344CB8AC3E}">
-        <p14:creationId xmlns:p14="http://schemas.microsoft.com/office/powerpoint/2010/main" val="301837888"/>
+        <p14:creationId xmlns:p14="http://schemas.microsoft.com/office/powerpoint/2010/main" val="2780641443"/>
       </p:ext>
     </p:extLst>
   </p:cSld>
@@ -3688,8 +3820,8 @@
         </p:blipFill>
         <p:spPr bwMode="auto">
           <a:xfrm>
-            <a:off x="1849807" y="96048"/>
-            <a:ext cx="7990879" cy="3429420"/>
+            <a:off x="1665132" y="130747"/>
+            <a:ext cx="8360227" cy="3587932"/>
           </a:xfrm>
           <a:prstGeom prst="rect">
             <a:avLst/>
@@ -3714,7 +3846,7 @@
         </p:nvSpPr>
         <p:spPr>
           <a:xfrm>
-            <a:off x="1323932" y="3802466"/>
+            <a:off x="1367475" y="3807995"/>
             <a:ext cx="3044791" cy="2585323"/>
           </a:xfrm>
           <a:prstGeom prst="rect">
@@ -3740,7 +3872,6 @@
               <a:rPr lang="ru-RU" dirty="0"/>
               <a:t>) проводится на ранних стадиях разработки. На этом этапе фиксируется динамика виртуальной модели и создается контроллер на основе входных данных виртуальной модели.</a:t>
             </a:r>
-            <a:endParaRPr lang="ru-RU" dirty="0"/>
           </a:p>
         </p:txBody>
       </p:sp>
@@ -3752,8 +3883,8 @@
         </p:nvSpPr>
         <p:spPr>
           <a:xfrm>
-            <a:off x="4228316" y="3525468"/>
-            <a:ext cx="3233860" cy="3139321"/>
+            <a:off x="4228316" y="3802466"/>
+            <a:ext cx="3233860" cy="2585323"/>
           </a:xfrm>
           <a:prstGeom prst="rect">
             <a:avLst/>
@@ -3771,27 +3902,30 @@
               <a:t>Тестирование программного обеспечения в цикле (</a:t>
             </a:r>
             <a:r>
-              <a:rPr lang="ru-RU" dirty="0" err="1"/>
+              <a:rPr lang="ru-RU" dirty="0" err="1" smtClean="0"/>
               <a:t>SiL</a:t>
             </a:r>
             <a:r>
+              <a:rPr lang="ru-RU" dirty="0" smtClean="0"/>
+              <a:t>). Код </a:t>
+            </a:r>
+            <a:r>
               <a:rPr lang="ru-RU" dirty="0"/>
-              <a:t>) начинается с создания кода на основе модели контроллера. Затем этот код тестируется в виртуальной среде, без каких-либо аппаратных средств, чтобы проверить, насколько хорошо программное обеспечение справляется с моделируемой системой.</a:t>
-            </a:r>
-            <a:endParaRPr lang="ru-RU" dirty="0"/>
-          </a:p>
-        </p:txBody>
-      </p:sp>
-      <p:sp>
-        <p:nvSpPr>
-          <p:cNvPr id="4" name="TextBox 3"/>
+              <a:t>тестируется в виртуальной среде, без каких-либо аппаратных средств, чтобы проверить, насколько хорошо программное обеспечение справляется с моделируемой системой.</a:t>
+            </a:r>
+          </a:p>
+        </p:txBody>
+      </p:sp>
+      <p:sp>
+        <p:nvSpPr>
+          <p:cNvPr id="5" name="TextBox 4"/>
           <p:cNvSpPr txBox="1"/>
           <p:nvPr/>
         </p:nvSpPr>
         <p:spPr>
           <a:xfrm>
-            <a:off x="7597922" y="3718679"/>
-            <a:ext cx="2768638" cy="3139321"/>
+            <a:off x="7620029" y="3802465"/>
+            <a:ext cx="3309227" cy="2585323"/>
           </a:xfrm>
           <a:prstGeom prst="rect">
             <a:avLst/>
@@ -3806,19 +3940,15 @@
           <a:p>
             <a:r>
               <a:rPr lang="ru-RU" dirty="0"/>
-              <a:t> Как только сгенерированный код будет проверен на работоспособность, следующим шагом будет аппаратное обеспечение в цикле (</a:t>
-            </a:r>
-            <a:r>
-              <a:rPr lang="ru-RU" dirty="0" err="1"/>
-              <a:t>HiL</a:t>
+              <a:t>Тестирование </a:t>
+            </a:r>
+            <a:r>
+              <a:rPr lang="ru-RU" dirty="0" smtClean="0"/>
+              <a:t>(HIL) </a:t>
             </a:r>
             <a:r>
               <a:rPr lang="ru-RU" dirty="0"/>
-              <a:t>) тестирование. Код теперь реализован в окончательной настройке </a:t>
-            </a:r>
-            <a:r>
-              <a:rPr lang="ru-RU" dirty="0" smtClean="0"/>
-              <a:t>оборудования.</a:t>
+              <a:t>- это метод, при котором реальные сигналы от контроллера подключаются к тестовой системе, которая имитирует реальность, обманывая контроллер, заставляя его думать, что он находится в собранном продукте.</a:t>
             </a:r>
             <a:endParaRPr lang="ru-RU" dirty="0"/>
           </a:p>
@@ -3876,7 +4006,7 @@
           <a:graphicData uri="http://schemas.openxmlformats.org/presentationml/2006/ole">
             <mc:AlternateContent xmlns:mc="http://schemas.openxmlformats.org/markup-compatibility/2006">
               <mc:Choice xmlns:v="urn:schemas-microsoft-com:vml" Requires="v">
-                <p:oleObj spid="_x0000_s1033" name="Equation" r:id="rId3" imgW="2806560" imgH="825480" progId="Equation.DSMT4">
+                <p:oleObj spid="_x0000_s1037" name="Equation" r:id="rId3" imgW="2806560" imgH="825480" progId="Equation.DSMT4">
                   <p:embed/>
                 </p:oleObj>
               </mc:Choice>
@@ -6323,7 +6453,6 @@
               <a:rPr lang="ru-RU" dirty="0" smtClean="0"/>
               <a:t>уставки</a:t>
             </a:r>
-            <a:endParaRPr lang="ru-RU" dirty="0" smtClean="0"/>
           </a:p>
           <a:p>
             <a:endParaRPr lang="ru-RU" dirty="0"/>
@@ -6356,8 +6485,8 @@
           </a:p>
         </p:txBody>
       </p:sp>
-      <mc:AlternateContent xmlns:mc="http://schemas.openxmlformats.org/markup-compatibility/2006">
-        <mc:Choice xmlns:a14="http://schemas.microsoft.com/office/drawing/2010/main" Requires="a14">
+      <mc:AlternateContent xmlns:mc="http://schemas.openxmlformats.org/markup-compatibility/2006" xmlns:a14="http://schemas.microsoft.com/office/drawing/2010/main">
+        <mc:Choice Requires="a14">
           <p:sp>
             <p:nvSpPr>
               <p:cNvPr id="5" name="Прямоугольник 4"/>
@@ -6552,7 +6681,7 @@
             </p:txBody>
           </p:sp>
         </mc:Choice>
-        <mc:Fallback>
+        <mc:Fallback xmlns="">
           <p:sp>
             <p:nvSpPr>
               <p:cNvPr id="5" name="Прямоугольник 4"/>
@@ -6621,10 +6750,56 @@
           <a:chExt cx="0" cy="0"/>
         </a:xfrm>
       </p:grpSpPr>
+      <p:sp>
+        <p:nvSpPr>
+          <p:cNvPr id="7" name="Скругленный прямоугольник 6"/>
+          <p:cNvSpPr/>
+          <p:nvPr/>
+        </p:nvSpPr>
+        <p:spPr>
+          <a:xfrm>
+            <a:off x="4328115" y="1256414"/>
+            <a:ext cx="3466012" cy="4084320"/>
+          </a:xfrm>
+          <a:prstGeom prst="roundRect">
+            <a:avLst/>
+          </a:prstGeom>
+          <a:solidFill>
+            <a:schemeClr val="bg1"/>
+          </a:solidFill>
+          <a:ln w="38100"/>
+        </p:spPr>
+        <p:style>
+          <a:lnRef idx="2">
+            <a:schemeClr val="accent1">
+              <a:shade val="50000"/>
+            </a:schemeClr>
+          </a:lnRef>
+          <a:fillRef idx="1">
+            <a:schemeClr val="accent1"/>
+          </a:fillRef>
+          <a:effectRef idx="0">
+            <a:schemeClr val="accent1"/>
+          </a:effectRef>
+          <a:fontRef idx="minor">
+            <a:schemeClr val="lt1"/>
+          </a:fontRef>
+        </p:style>
+        <p:txBody>
+          <a:bodyPr rtlCol="0" anchor="ctr"/>
+          <a:lstStyle/>
+          <a:p>
+            <a:pPr algn="ctr"/>
+            <a:endParaRPr lang="ru-RU"/>
+          </a:p>
+        </p:txBody>
+      </p:sp>
       <p:pic>
         <p:nvPicPr>
-          <p:cNvPr id="2" name="Рисунок 1"/>
-          <p:cNvPicPr/>
+          <p:cNvPr id="9" name="Рисунок 8"/>
+          <p:cNvPicPr>
+            <a:picLocks noChangeAspect="1"/>
+          </p:cNvPicPr>
           <p:nvPr/>
         </p:nvPicPr>
         <p:blipFill>
@@ -6635,8 +6810,8 @@
         </p:blipFill>
         <p:spPr>
           <a:xfrm>
-            <a:off x="6690787" y="948682"/>
-            <a:ext cx="4009356" cy="3038493"/>
+            <a:off x="4604812" y="1426411"/>
+            <a:ext cx="2719052" cy="1597290"/>
           </a:xfrm>
           <a:prstGeom prst="rect">
             <a:avLst/>
@@ -6645,53 +6820,424 @@
       </p:pic>
       <p:sp>
         <p:nvSpPr>
-          <p:cNvPr id="3" name="Прямоугольник 2"/>
+          <p:cNvPr id="10" name="Скругленный прямоугольник 9"/>
           <p:cNvSpPr/>
           <p:nvPr/>
         </p:nvSpPr>
         <p:spPr>
           <a:xfrm>
-            <a:off x="3284223" y="440174"/>
-            <a:ext cx="4787529" cy="369332"/>
-          </a:xfrm>
-          <a:prstGeom prst="rect">
-            <a:avLst/>
-          </a:prstGeom>
-        </p:spPr>
-        <p:txBody>
-          <a:bodyPr wrap="none">
-            <a:spAutoFit/>
-          </a:bodyPr>
-          <a:lstStyle/>
-          <a:p>
-            <a:r>
-              <a:rPr lang="ru-RU" b="1" dirty="0">
-                <a:latin typeface="Times New Roman" panose="02020603050405020304" pitchFamily="18" charset="0"/>
-                <a:ea typeface="Calibri" panose="020F0502020204030204" pitchFamily="34" charset="0"/>
+            <a:off x="4615497" y="3570710"/>
+            <a:ext cx="2708367" cy="1471749"/>
+          </a:xfrm>
+          <a:prstGeom prst="roundRect">
+            <a:avLst/>
+          </a:prstGeom>
+          <a:solidFill>
+            <a:schemeClr val="bg1"/>
+          </a:solidFill>
+        </p:spPr>
+        <p:style>
+          <a:lnRef idx="2">
+            <a:schemeClr val="accent1">
+              <a:shade val="50000"/>
+            </a:schemeClr>
+          </a:lnRef>
+          <a:fillRef idx="1">
+            <a:schemeClr val="accent1"/>
+          </a:fillRef>
+          <a:effectRef idx="0">
+            <a:schemeClr val="accent1"/>
+          </a:effectRef>
+          <a:fontRef idx="minor">
+            <a:schemeClr val="lt1"/>
+          </a:fontRef>
+        </p:style>
+        <p:txBody>
+          <a:bodyPr rtlCol="0" anchor="ctr"/>
+          <a:lstStyle/>
+          <a:p>
+            <a:pPr algn="ctr"/>
+            <a:r>
+              <a:rPr lang="ru-RU" dirty="0" smtClean="0">
+                <a:solidFill>
+                  <a:schemeClr val="tx1"/>
+                </a:solidFill>
               </a:rPr>
-              <a:t>Управление с прогнозирующими моделями</a:t>
-            </a:r>
-            <a:r>
-              <a:rPr lang="ru-RU" dirty="0">
-                <a:latin typeface="Times New Roman" panose="02020603050405020304" pitchFamily="18" charset="0"/>
-                <a:ea typeface="Calibri" panose="020F0502020204030204" pitchFamily="34" charset="0"/>
+              <a:t>ПИД-регулятор</a:t>
+            </a:r>
+            <a:endParaRPr lang="ru-RU" dirty="0">
+              <a:solidFill>
+                <a:schemeClr val="tx1"/>
+              </a:solidFill>
+            </a:endParaRPr>
+          </a:p>
+        </p:txBody>
+      </p:sp>
+      <p:cxnSp>
+        <p:nvCxnSpPr>
+          <p:cNvPr id="12" name="Прямая соединительная линия 11"/>
+          <p:cNvCxnSpPr>
+            <a:stCxn id="9" idx="3"/>
+          </p:cNvCxnSpPr>
+          <p:nvPr/>
+        </p:nvCxnSpPr>
+        <p:spPr>
+          <a:xfrm>
+            <a:off x="7323864" y="2225056"/>
+            <a:ext cx="1045029" cy="15054"/>
+          </a:xfrm>
+          <a:prstGeom prst="line">
+            <a:avLst/>
+          </a:prstGeom>
+        </p:spPr>
+        <p:style>
+          <a:lnRef idx="1">
+            <a:schemeClr val="accent1"/>
+          </a:lnRef>
+          <a:fillRef idx="0">
+            <a:schemeClr val="accent1"/>
+          </a:fillRef>
+          <a:effectRef idx="0">
+            <a:schemeClr val="accent1"/>
+          </a:effectRef>
+          <a:fontRef idx="minor">
+            <a:schemeClr val="tx1"/>
+          </a:fontRef>
+        </p:style>
+      </p:cxnSp>
+      <p:cxnSp>
+        <p:nvCxnSpPr>
+          <p:cNvPr id="13" name="Прямая соединительная линия 12"/>
+          <p:cNvCxnSpPr/>
+          <p:nvPr/>
+        </p:nvCxnSpPr>
+        <p:spPr>
+          <a:xfrm>
+            <a:off x="7309812" y="4321638"/>
+            <a:ext cx="1059081" cy="0"/>
+          </a:xfrm>
+          <a:prstGeom prst="line">
+            <a:avLst/>
+          </a:prstGeom>
+        </p:spPr>
+        <p:style>
+          <a:lnRef idx="1">
+            <a:schemeClr val="accent1"/>
+          </a:lnRef>
+          <a:fillRef idx="0">
+            <a:schemeClr val="accent1"/>
+          </a:fillRef>
+          <a:effectRef idx="0">
+            <a:schemeClr val="accent1"/>
+          </a:effectRef>
+          <a:fontRef idx="minor">
+            <a:schemeClr val="tx1"/>
+          </a:fontRef>
+        </p:style>
+      </p:cxnSp>
+      <p:cxnSp>
+        <p:nvCxnSpPr>
+          <p:cNvPr id="15" name="Прямая соединительная линия 14"/>
+          <p:cNvCxnSpPr/>
+          <p:nvPr/>
+        </p:nvCxnSpPr>
+        <p:spPr>
+          <a:xfrm>
+            <a:off x="8368893" y="2240110"/>
+            <a:ext cx="0" cy="2081528"/>
+          </a:xfrm>
+          <a:prstGeom prst="line">
+            <a:avLst/>
+          </a:prstGeom>
+        </p:spPr>
+        <p:style>
+          <a:lnRef idx="1">
+            <a:schemeClr val="accent1"/>
+          </a:lnRef>
+          <a:fillRef idx="0">
+            <a:schemeClr val="accent1"/>
+          </a:fillRef>
+          <a:effectRef idx="0">
+            <a:schemeClr val="accent1"/>
+          </a:effectRef>
+          <a:fontRef idx="minor">
+            <a:schemeClr val="tx1"/>
+          </a:fontRef>
+        </p:style>
+      </p:cxnSp>
+      <p:cxnSp>
+        <p:nvCxnSpPr>
+          <p:cNvPr id="17" name="Прямая соединительная линия 16"/>
+          <p:cNvCxnSpPr/>
+          <p:nvPr/>
+        </p:nvCxnSpPr>
+        <p:spPr>
+          <a:xfrm>
+            <a:off x="8368893" y="3174396"/>
+            <a:ext cx="421944" cy="6041"/>
+          </a:xfrm>
+          <a:prstGeom prst="line">
+            <a:avLst/>
+          </a:prstGeom>
+        </p:spPr>
+        <p:style>
+          <a:lnRef idx="1">
+            <a:schemeClr val="accent1"/>
+          </a:lnRef>
+          <a:fillRef idx="0">
+            <a:schemeClr val="accent1"/>
+          </a:fillRef>
+          <a:effectRef idx="0">
+            <a:schemeClr val="accent1"/>
+          </a:effectRef>
+          <a:fontRef idx="minor">
+            <a:schemeClr val="tx1"/>
+          </a:fontRef>
+        </p:style>
+      </p:cxnSp>
+      <p:sp>
+        <p:nvSpPr>
+          <p:cNvPr id="18" name="Скругленный прямоугольник 17"/>
+          <p:cNvSpPr/>
+          <p:nvPr/>
+        </p:nvSpPr>
+        <p:spPr>
+          <a:xfrm>
+            <a:off x="8790837" y="2444561"/>
+            <a:ext cx="2708367" cy="1471749"/>
+          </a:xfrm>
+          <a:prstGeom prst="roundRect">
+            <a:avLst/>
+          </a:prstGeom>
+          <a:solidFill>
+            <a:schemeClr val="bg1"/>
+          </a:solidFill>
+        </p:spPr>
+        <p:style>
+          <a:lnRef idx="2">
+            <a:schemeClr val="accent1">
+              <a:shade val="50000"/>
+            </a:schemeClr>
+          </a:lnRef>
+          <a:fillRef idx="1">
+            <a:schemeClr val="accent1"/>
+          </a:fillRef>
+          <a:effectRef idx="0">
+            <a:schemeClr val="accent1"/>
+          </a:effectRef>
+          <a:fontRef idx="minor">
+            <a:schemeClr val="lt1"/>
+          </a:fontRef>
+        </p:style>
+        <p:txBody>
+          <a:bodyPr rtlCol="0" anchor="ctr"/>
+          <a:lstStyle/>
+          <a:p>
+            <a:pPr algn="ctr"/>
+            <a:r>
+              <a:rPr lang="ru-RU" dirty="0" smtClean="0">
+                <a:solidFill>
+                  <a:schemeClr val="tx1"/>
+                </a:solidFill>
               </a:rPr>
-              <a:t> </a:t>
-            </a:r>
+              <a:t>Объект управления</a:t>
+            </a:r>
+          </a:p>
+          <a:p>
+            <a:pPr algn="ctr"/>
+            <a:r>
+              <a:rPr lang="ru-RU" dirty="0" smtClean="0">
+                <a:solidFill>
+                  <a:schemeClr val="tx1"/>
+                </a:solidFill>
+              </a:rPr>
+              <a:t>ТС аккумуляторного типа</a:t>
+            </a:r>
+            <a:endParaRPr lang="ru-RU" dirty="0">
+              <a:solidFill>
+                <a:schemeClr val="tx1"/>
+              </a:solidFill>
+            </a:endParaRPr>
+          </a:p>
+        </p:txBody>
+      </p:sp>
+      <p:cxnSp>
+        <p:nvCxnSpPr>
+          <p:cNvPr id="21" name="Прямая соединительная линия 20"/>
+          <p:cNvCxnSpPr>
+            <a:stCxn id="18" idx="3"/>
+          </p:cNvCxnSpPr>
+          <p:nvPr/>
+        </p:nvCxnSpPr>
+        <p:spPr>
+          <a:xfrm flipV="1">
+            <a:off x="11499204" y="3180435"/>
+            <a:ext cx="354023" cy="1"/>
+          </a:xfrm>
+          <a:prstGeom prst="line">
+            <a:avLst/>
+          </a:prstGeom>
+        </p:spPr>
+        <p:style>
+          <a:lnRef idx="1">
+            <a:schemeClr val="accent1"/>
+          </a:lnRef>
+          <a:fillRef idx="0">
+            <a:schemeClr val="accent1"/>
+          </a:fillRef>
+          <a:effectRef idx="0">
+            <a:schemeClr val="accent1"/>
+          </a:effectRef>
+          <a:fontRef idx="minor">
+            <a:schemeClr val="tx1"/>
+          </a:fontRef>
+        </p:style>
+      </p:cxnSp>
+      <p:cxnSp>
+        <p:nvCxnSpPr>
+          <p:cNvPr id="23" name="Прямая соединительная линия 22"/>
+          <p:cNvCxnSpPr/>
+          <p:nvPr/>
+        </p:nvCxnSpPr>
+        <p:spPr>
+          <a:xfrm>
+            <a:off x="11840887" y="3180436"/>
+            <a:ext cx="0" cy="2872021"/>
+          </a:xfrm>
+          <a:prstGeom prst="line">
+            <a:avLst/>
+          </a:prstGeom>
+        </p:spPr>
+        <p:style>
+          <a:lnRef idx="1">
+            <a:schemeClr val="accent1"/>
+          </a:lnRef>
+          <a:fillRef idx="0">
+            <a:schemeClr val="accent1"/>
+          </a:fillRef>
+          <a:effectRef idx="0">
+            <a:schemeClr val="accent1"/>
+          </a:effectRef>
+          <a:fontRef idx="minor">
+            <a:schemeClr val="tx1"/>
+          </a:fontRef>
+        </p:style>
+      </p:cxnSp>
+      <p:cxnSp>
+        <p:nvCxnSpPr>
+          <p:cNvPr id="25" name="Прямая соединительная линия 24"/>
+          <p:cNvCxnSpPr/>
+          <p:nvPr/>
+        </p:nvCxnSpPr>
+        <p:spPr>
+          <a:xfrm flipH="1">
+            <a:off x="3817338" y="6052457"/>
+            <a:ext cx="8035889" cy="0"/>
+          </a:xfrm>
+          <a:prstGeom prst="line">
+            <a:avLst/>
+          </a:prstGeom>
+        </p:spPr>
+        <p:style>
+          <a:lnRef idx="1">
+            <a:schemeClr val="accent1"/>
+          </a:lnRef>
+          <a:fillRef idx="0">
+            <a:schemeClr val="accent1"/>
+          </a:fillRef>
+          <a:effectRef idx="0">
+            <a:schemeClr val="accent1"/>
+          </a:effectRef>
+          <a:fontRef idx="minor">
+            <a:schemeClr val="tx1"/>
+          </a:fontRef>
+        </p:style>
+      </p:cxnSp>
+      <p:cxnSp>
+        <p:nvCxnSpPr>
+          <p:cNvPr id="27" name="Прямая соединительная линия 26"/>
+          <p:cNvCxnSpPr>
+            <a:endCxn id="32" idx="2"/>
+          </p:cNvCxnSpPr>
+          <p:nvPr/>
+        </p:nvCxnSpPr>
+        <p:spPr>
+          <a:xfrm flipH="1" flipV="1">
+            <a:off x="3794904" y="4482943"/>
+            <a:ext cx="22434" cy="1569514"/>
+          </a:xfrm>
+          <a:prstGeom prst="line">
+            <a:avLst/>
+          </a:prstGeom>
+        </p:spPr>
+        <p:style>
+          <a:lnRef idx="1">
+            <a:schemeClr val="accent1"/>
+          </a:lnRef>
+          <a:fillRef idx="0">
+            <a:schemeClr val="accent1"/>
+          </a:fillRef>
+          <a:effectRef idx="0">
+            <a:schemeClr val="accent1"/>
+          </a:effectRef>
+          <a:fontRef idx="minor">
+            <a:schemeClr val="tx1"/>
+          </a:fontRef>
+        </p:style>
+      </p:cxnSp>
+      <p:sp>
+        <p:nvSpPr>
+          <p:cNvPr id="28" name="Овал 27"/>
+          <p:cNvSpPr/>
+          <p:nvPr/>
+        </p:nvSpPr>
+        <p:spPr>
+          <a:xfrm>
+            <a:off x="3599623" y="4126281"/>
+            <a:ext cx="400595" cy="376459"/>
+          </a:xfrm>
+          <a:prstGeom prst="ellipse">
+            <a:avLst/>
+          </a:prstGeom>
+          <a:solidFill>
+            <a:schemeClr val="bg1"/>
+          </a:solidFill>
+        </p:spPr>
+        <p:style>
+          <a:lnRef idx="2">
+            <a:schemeClr val="accent1">
+              <a:shade val="50000"/>
+            </a:schemeClr>
+          </a:lnRef>
+          <a:fillRef idx="1">
+            <a:schemeClr val="accent1"/>
+          </a:fillRef>
+          <a:effectRef idx="0">
+            <a:schemeClr val="accent1"/>
+          </a:effectRef>
+          <a:fontRef idx="minor">
+            <a:schemeClr val="lt1"/>
+          </a:fontRef>
+        </p:style>
+        <p:txBody>
+          <a:bodyPr rtlCol="0" anchor="ctr"/>
+          <a:lstStyle/>
+          <a:p>
+            <a:pPr algn="ctr"/>
             <a:endParaRPr lang="ru-RU" dirty="0"/>
           </a:p>
         </p:txBody>
       </p:sp>
       <p:sp>
         <p:nvSpPr>
-          <p:cNvPr id="5" name="TextBox 4"/>
+          <p:cNvPr id="32" name="TextBox 31"/>
           <p:cNvSpPr txBox="1"/>
           <p:nvPr/>
         </p:nvSpPr>
         <p:spPr>
           <a:xfrm>
-            <a:off x="968632" y="898267"/>
-            <a:ext cx="5449585" cy="3139321"/>
+            <a:off x="3676675" y="4113611"/>
+            <a:ext cx="236457" cy="369332"/>
           </a:xfrm>
           <a:prstGeom prst="rect">
             <a:avLst/>
@@ -6706,96 +7252,385 @@
           <a:p>
             <a:r>
               <a:rPr lang="ru-RU" dirty="0" smtClean="0"/>
-              <a:t>Один </a:t>
+              <a:t>-</a:t>
+            </a:r>
+            <a:endParaRPr lang="ru-RU" dirty="0"/>
+          </a:p>
+        </p:txBody>
+      </p:sp>
+      <p:cxnSp>
+        <p:nvCxnSpPr>
+          <p:cNvPr id="35" name="Прямая соединительная линия 34"/>
+          <p:cNvCxnSpPr>
+            <a:stCxn id="28" idx="6"/>
+            <a:endCxn id="10" idx="1"/>
+          </p:cNvCxnSpPr>
+          <p:nvPr/>
+        </p:nvCxnSpPr>
+        <p:spPr>
+          <a:xfrm flipV="1">
+            <a:off x="4000218" y="4306585"/>
+            <a:ext cx="615279" cy="7926"/>
+          </a:xfrm>
+          <a:prstGeom prst="line">
+            <a:avLst/>
+          </a:prstGeom>
+        </p:spPr>
+        <p:style>
+          <a:lnRef idx="1">
+            <a:schemeClr val="accent1"/>
+          </a:lnRef>
+          <a:fillRef idx="0">
+            <a:schemeClr val="accent1"/>
+          </a:fillRef>
+          <a:effectRef idx="0">
+            <a:schemeClr val="accent1"/>
+          </a:effectRef>
+          <a:fontRef idx="minor">
+            <a:schemeClr val="tx1"/>
+          </a:fontRef>
+        </p:style>
+      </p:cxnSp>
+      <p:cxnSp>
+        <p:nvCxnSpPr>
+          <p:cNvPr id="40" name="Прямая соединительная линия 39"/>
+          <p:cNvCxnSpPr>
+            <a:stCxn id="28" idx="2"/>
+          </p:cNvCxnSpPr>
+          <p:nvPr/>
+        </p:nvCxnSpPr>
+        <p:spPr>
+          <a:xfrm flipH="1" flipV="1">
+            <a:off x="3395650" y="4314510"/>
+            <a:ext cx="203973" cy="1"/>
+          </a:xfrm>
+          <a:prstGeom prst="line">
+            <a:avLst/>
+          </a:prstGeom>
+        </p:spPr>
+        <p:style>
+          <a:lnRef idx="1">
+            <a:schemeClr val="accent1"/>
+          </a:lnRef>
+          <a:fillRef idx="0">
+            <a:schemeClr val="accent1"/>
+          </a:fillRef>
+          <a:effectRef idx="0">
+            <a:schemeClr val="accent1"/>
+          </a:effectRef>
+          <a:fontRef idx="minor">
+            <a:schemeClr val="tx1"/>
+          </a:fontRef>
+        </p:style>
+      </p:cxnSp>
+      <p:sp>
+        <p:nvSpPr>
+          <p:cNvPr id="48" name="Скругленный прямоугольник 47"/>
+          <p:cNvSpPr/>
+          <p:nvPr/>
+        </p:nvSpPr>
+        <p:spPr>
+          <a:xfrm>
+            <a:off x="333099" y="2444561"/>
+            <a:ext cx="2698906" cy="1479235"/>
+          </a:xfrm>
+          <a:prstGeom prst="roundRect">
+            <a:avLst/>
+          </a:prstGeom>
+        </p:spPr>
+        <p:style>
+          <a:lnRef idx="2">
+            <a:schemeClr val="accent1"/>
+          </a:lnRef>
+          <a:fillRef idx="1">
+            <a:schemeClr val="lt1"/>
+          </a:fillRef>
+          <a:effectRef idx="0">
+            <a:schemeClr val="accent1"/>
+          </a:effectRef>
+          <a:fontRef idx="minor">
+            <a:schemeClr val="dk1"/>
+          </a:fontRef>
+        </p:style>
+        <p:txBody>
+          <a:bodyPr rtlCol="0" anchor="ctr"/>
+          <a:lstStyle/>
+          <a:p>
+            <a:pPr algn="ctr"/>
+            <a:r>
+              <a:rPr lang="ru-RU" dirty="0" smtClean="0"/>
+              <a:t>Уставка </a:t>
             </a:r>
             <a:r>
               <a:rPr lang="ru-RU" dirty="0"/>
-              <a:t>из современных методов </a:t>
+              <a:t>д</a:t>
             </a:r>
             <a:r>
               <a:rPr lang="ru-RU" dirty="0" smtClean="0"/>
-              <a:t>теории управления. </a:t>
-            </a:r>
-            <a:r>
-              <a:rPr lang="ru-RU" dirty="0"/>
-              <a:t>Широко стал применяться с начала 80-х годов </a:t>
-            </a:r>
-            <a:r>
-              <a:rPr lang="ru-RU" dirty="0" smtClean="0"/>
-              <a:t>ХХ</a:t>
-            </a:r>
-            <a:r>
-              <a:rPr lang="ru-RU" dirty="0"/>
-              <a:t> века. Является улучшением классического управления с </a:t>
-            </a:r>
-            <a:r>
-              <a:rPr lang="ru-RU" dirty="0" smtClean="0"/>
-              <a:t>отрицательной обратной связью, </a:t>
-            </a:r>
-            <a:r>
-              <a:rPr lang="ru-RU" dirty="0"/>
-              <a:t>в котором учитывается предсказание поведения </a:t>
-            </a:r>
-            <a:r>
-              <a:rPr lang="ru-RU" dirty="0" smtClean="0"/>
-              <a:t>объекта управления</a:t>
-            </a:r>
-            <a:r>
-              <a:rPr lang="ru-RU" dirty="0"/>
-              <a:t> на различные типы входных воздействий. Обратная связь в таких системах управления используется для корректировки неточностей, связанных с внешними помехами и неточностью математической модели объекта управления. </a:t>
+              <a:t>авления</a:t>
             </a:r>
             <a:endParaRPr lang="ru-RU" dirty="0"/>
           </a:p>
         </p:txBody>
       </p:sp>
-      <p:pic>
-        <p:nvPicPr>
-          <p:cNvPr id="7" name="Рисунок 6"/>
-          <p:cNvPicPr>
-            <a:picLocks noChangeAspect="1"/>
-          </p:cNvPicPr>
-          <p:nvPr/>
-        </p:nvPicPr>
-        <p:blipFill rotWithShape="1">
-          <a:blip r:embed="rId3"/>
-          <a:srcRect t="12203" b="14101"/>
-          <a:stretch/>
-        </p:blipFill>
-        <p:spPr>
-          <a:xfrm>
-            <a:off x="6418217" y="4126349"/>
-            <a:ext cx="5050972" cy="2422497"/>
+      <p:cxnSp>
+        <p:nvCxnSpPr>
+          <p:cNvPr id="50" name="Прямая соединительная линия 49"/>
+          <p:cNvCxnSpPr>
+            <a:stCxn id="48" idx="3"/>
+          </p:cNvCxnSpPr>
+          <p:nvPr/>
+        </p:nvCxnSpPr>
+        <p:spPr>
+          <a:xfrm>
+            <a:off x="3032005" y="3184179"/>
+            <a:ext cx="341683" cy="6654"/>
+          </a:xfrm>
+          <a:prstGeom prst="line">
+            <a:avLst/>
+          </a:prstGeom>
+        </p:spPr>
+        <p:style>
+          <a:lnRef idx="1">
+            <a:schemeClr val="accent1"/>
+          </a:lnRef>
+          <a:fillRef idx="0">
+            <a:schemeClr val="accent1"/>
+          </a:fillRef>
+          <a:effectRef idx="0">
+            <a:schemeClr val="accent1"/>
+          </a:effectRef>
+          <a:fontRef idx="minor">
+            <a:schemeClr val="tx1"/>
+          </a:fontRef>
+        </p:style>
+      </p:cxnSp>
+      <p:cxnSp>
+        <p:nvCxnSpPr>
+          <p:cNvPr id="52" name="Прямая соединительная линия 51"/>
+          <p:cNvCxnSpPr/>
+          <p:nvPr/>
+        </p:nvCxnSpPr>
+        <p:spPr>
+          <a:xfrm>
+            <a:off x="3379068" y="3200232"/>
+            <a:ext cx="0" cy="1121406"/>
+          </a:xfrm>
+          <a:prstGeom prst="line">
+            <a:avLst/>
+          </a:prstGeom>
+        </p:spPr>
+        <p:style>
+          <a:lnRef idx="1">
+            <a:schemeClr val="accent1"/>
+          </a:lnRef>
+          <a:fillRef idx="0">
+            <a:schemeClr val="accent1"/>
+          </a:fillRef>
+          <a:effectRef idx="0">
+            <a:schemeClr val="accent1"/>
+          </a:effectRef>
+          <a:fontRef idx="minor">
+            <a:schemeClr val="tx1"/>
+          </a:fontRef>
+        </p:style>
+      </p:cxnSp>
+      <p:cxnSp>
+        <p:nvCxnSpPr>
+          <p:cNvPr id="55" name="Прямая соединительная линия 54"/>
+          <p:cNvCxnSpPr>
+            <a:stCxn id="9" idx="1"/>
+          </p:cNvCxnSpPr>
+          <p:nvPr/>
+        </p:nvCxnSpPr>
+        <p:spPr>
+          <a:xfrm flipH="1">
+            <a:off x="3362487" y="2225056"/>
+            <a:ext cx="1242325" cy="15054"/>
+          </a:xfrm>
+          <a:prstGeom prst="line">
+            <a:avLst/>
+          </a:prstGeom>
+        </p:spPr>
+        <p:style>
+          <a:lnRef idx="1">
+            <a:schemeClr val="accent1"/>
+          </a:lnRef>
+          <a:fillRef idx="0">
+            <a:schemeClr val="accent1"/>
+          </a:fillRef>
+          <a:effectRef idx="0">
+            <a:schemeClr val="accent1"/>
+          </a:effectRef>
+          <a:fontRef idx="minor">
+            <a:schemeClr val="tx1"/>
+          </a:fontRef>
+        </p:style>
+      </p:cxnSp>
+      <p:cxnSp>
+        <p:nvCxnSpPr>
+          <p:cNvPr id="57" name="Прямая соединительная линия 56"/>
+          <p:cNvCxnSpPr/>
+          <p:nvPr/>
+        </p:nvCxnSpPr>
+        <p:spPr>
+          <a:xfrm flipV="1">
+            <a:off x="3379068" y="2240110"/>
+            <a:ext cx="0" cy="960122"/>
+          </a:xfrm>
+          <a:prstGeom prst="line">
+            <a:avLst/>
+          </a:prstGeom>
+        </p:spPr>
+        <p:style>
+          <a:lnRef idx="1">
+            <a:schemeClr val="accent1"/>
+          </a:lnRef>
+          <a:fillRef idx="0">
+            <a:schemeClr val="accent1"/>
+          </a:fillRef>
+          <a:effectRef idx="0">
+            <a:schemeClr val="accent1"/>
+          </a:effectRef>
+          <a:fontRef idx="minor">
+            <a:schemeClr val="tx1"/>
+          </a:fontRef>
+        </p:style>
+      </p:cxnSp>
+      <p:sp>
+        <p:nvSpPr>
+          <p:cNvPr id="59" name="TextBox 58"/>
+          <p:cNvSpPr txBox="1"/>
+          <p:nvPr/>
+        </p:nvSpPr>
+        <p:spPr>
+          <a:xfrm>
+            <a:off x="4484622" y="380391"/>
+            <a:ext cx="3095271" cy="646331"/>
           </a:xfrm>
           <a:prstGeom prst="rect">
             <a:avLst/>
           </a:prstGeom>
-        </p:spPr>
-      </p:pic>
-      <p:sp>
-        <p:nvSpPr>
-          <p:cNvPr id="8" name="TextBox 7"/>
-          <p:cNvSpPr txBox="1"/>
-          <p:nvPr/>
-        </p:nvSpPr>
-        <p:spPr>
-          <a:xfrm>
-            <a:off x="968632" y="4502331"/>
-            <a:ext cx="4909654" cy="923330"/>
-          </a:xfrm>
-          <a:prstGeom prst="rect">
-            <a:avLst/>
-          </a:prstGeom>
           <a:noFill/>
         </p:spPr>
         <p:txBody>
-          <a:bodyPr wrap="square" rtlCol="0">
+          <a:bodyPr wrap="none" rtlCol="0">
             <a:spAutoFit/>
           </a:bodyPr>
           <a:lstStyle/>
           <a:p>
             <a:r>
-              <a:rPr lang="ru-RU" dirty="0"/>
-              <a:t>ПИД регулятор – один из самых распространенных автоматических регуляторов.</a:t>
+              <a:rPr lang="ru-RU" dirty="0" smtClean="0"/>
+              <a:t>Комбинированный регулятор</a:t>
+            </a:r>
+          </a:p>
+          <a:p>
+            <a:r>
+              <a:rPr lang="ru-RU" dirty="0" smtClean="0"/>
+              <a:t> управления давлением в ТС</a:t>
+            </a:r>
+            <a:endParaRPr lang="ru-RU" dirty="0"/>
+          </a:p>
+        </p:txBody>
+      </p:sp>
+      <p:sp>
+        <p:nvSpPr>
+          <p:cNvPr id="60" name="TextBox 59"/>
+          <p:cNvSpPr txBox="1"/>
+          <p:nvPr/>
+        </p:nvSpPr>
+        <p:spPr>
+          <a:xfrm>
+            <a:off x="8436813" y="5495365"/>
+            <a:ext cx="423514" cy="369332"/>
+          </a:xfrm>
+          <a:prstGeom prst="rect">
+            <a:avLst/>
+          </a:prstGeom>
+          <a:noFill/>
+        </p:spPr>
+        <p:txBody>
+          <a:bodyPr wrap="none" rtlCol="0">
+            <a:spAutoFit/>
+          </a:bodyPr>
+          <a:lstStyle/>
+          <a:p>
+            <a:r>
+              <a:rPr lang="en-US" dirty="0" smtClean="0"/>
+              <a:t>P</a:t>
+            </a:r>
+            <a:r>
+              <a:rPr lang="ru-RU" sz="1000" dirty="0" err="1" smtClean="0"/>
+              <a:t>ак</a:t>
+            </a:r>
+            <a:endParaRPr lang="ru-RU" sz="1000" dirty="0"/>
+          </a:p>
+        </p:txBody>
+      </p:sp>
+      <p:cxnSp>
+        <p:nvCxnSpPr>
+          <p:cNvPr id="62" name="Прямая со стрелкой 61"/>
+          <p:cNvCxnSpPr/>
+          <p:nvPr/>
+        </p:nvCxnSpPr>
+        <p:spPr>
+          <a:xfrm flipH="1">
+            <a:off x="8436813" y="1326776"/>
+            <a:ext cx="492034" cy="1488142"/>
+          </a:xfrm>
+          <a:prstGeom prst="straightConnector1">
+            <a:avLst/>
+          </a:prstGeom>
+          <a:ln>
+            <a:tailEnd type="triangle"/>
+          </a:ln>
+        </p:spPr>
+        <p:style>
+          <a:lnRef idx="1">
+            <a:schemeClr val="accent1"/>
+          </a:lnRef>
+          <a:fillRef idx="0">
+            <a:schemeClr val="accent1"/>
+          </a:fillRef>
+          <a:effectRef idx="0">
+            <a:schemeClr val="accent1"/>
+          </a:effectRef>
+          <a:fontRef idx="minor">
+            <a:schemeClr val="tx1"/>
+          </a:fontRef>
+        </p:style>
+      </p:cxnSp>
+      <p:sp>
+        <p:nvSpPr>
+          <p:cNvPr id="63" name="TextBox 62"/>
+          <p:cNvSpPr txBox="1"/>
+          <p:nvPr/>
+        </p:nvSpPr>
+        <p:spPr>
+          <a:xfrm>
+            <a:off x="8368893" y="764190"/>
+            <a:ext cx="3552254" cy="646331"/>
+          </a:xfrm>
+          <a:prstGeom prst="rect">
+            <a:avLst/>
+          </a:prstGeom>
+          <a:noFill/>
+        </p:spPr>
+        <p:txBody>
+          <a:bodyPr wrap="none" rtlCol="0">
+            <a:spAutoFit/>
+          </a:bodyPr>
+          <a:lstStyle/>
+          <a:p>
+            <a:r>
+              <a:rPr lang="ru-RU" dirty="0" smtClean="0"/>
+              <a:t>ШИМ сигнал управления </a:t>
+            </a:r>
+          </a:p>
+          <a:p>
+            <a:r>
+              <a:rPr lang="ru-RU" dirty="0" smtClean="0"/>
+              <a:t>дросселирующим клапаном ТНВД</a:t>
             </a:r>
             <a:endParaRPr lang="ru-RU" dirty="0"/>
           </a:p>
@@ -6804,7 +7639,7 @@
     </p:spTree>
     <p:extLst>
       <p:ext uri="{BB962C8B-B14F-4D97-AF65-F5344CB8AC3E}">
-        <p14:creationId xmlns:p14="http://schemas.microsoft.com/office/powerpoint/2010/main" val="2512569302"/>
+        <p14:creationId xmlns:p14="http://schemas.microsoft.com/office/powerpoint/2010/main" val="988205126"/>
       </p:ext>
     </p:extLst>
   </p:cSld>

--- a/Презентация1.pptx
+++ b/Презентация1.pptx
@@ -253,7 +253,7 @@
           <a:p>
             <a:fld id="{27DF0F75-C579-4C28-9547-144EAD9AD0C4}" type="datetimeFigureOut">
               <a:rPr lang="ru-RU" smtClean="0"/>
-              <a:t>22.02.2022</a:t>
+              <a:t>24.02.2022</a:t>
             </a:fld>
             <a:endParaRPr lang="ru-RU"/>
           </a:p>
@@ -423,7 +423,7 @@
           <a:p>
             <a:fld id="{27DF0F75-C579-4C28-9547-144EAD9AD0C4}" type="datetimeFigureOut">
               <a:rPr lang="ru-RU" smtClean="0"/>
-              <a:t>22.02.2022</a:t>
+              <a:t>24.02.2022</a:t>
             </a:fld>
             <a:endParaRPr lang="ru-RU"/>
           </a:p>
@@ -603,7 +603,7 @@
           <a:p>
             <a:fld id="{27DF0F75-C579-4C28-9547-144EAD9AD0C4}" type="datetimeFigureOut">
               <a:rPr lang="ru-RU" smtClean="0"/>
-              <a:t>22.02.2022</a:t>
+              <a:t>24.02.2022</a:t>
             </a:fld>
             <a:endParaRPr lang="ru-RU"/>
           </a:p>
@@ -773,7 +773,7 @@
           <a:p>
             <a:fld id="{27DF0F75-C579-4C28-9547-144EAD9AD0C4}" type="datetimeFigureOut">
               <a:rPr lang="ru-RU" smtClean="0"/>
-              <a:t>22.02.2022</a:t>
+              <a:t>24.02.2022</a:t>
             </a:fld>
             <a:endParaRPr lang="ru-RU"/>
           </a:p>
@@ -1019,7 +1019,7 @@
           <a:p>
             <a:fld id="{27DF0F75-C579-4C28-9547-144EAD9AD0C4}" type="datetimeFigureOut">
               <a:rPr lang="ru-RU" smtClean="0"/>
-              <a:t>22.02.2022</a:t>
+              <a:t>24.02.2022</a:t>
             </a:fld>
             <a:endParaRPr lang="ru-RU"/>
           </a:p>
@@ -1251,7 +1251,7 @@
           <a:p>
             <a:fld id="{27DF0F75-C579-4C28-9547-144EAD9AD0C4}" type="datetimeFigureOut">
               <a:rPr lang="ru-RU" smtClean="0"/>
-              <a:t>22.02.2022</a:t>
+              <a:t>24.02.2022</a:t>
             </a:fld>
             <a:endParaRPr lang="ru-RU"/>
           </a:p>
@@ -1618,7 +1618,7 @@
           <a:p>
             <a:fld id="{27DF0F75-C579-4C28-9547-144EAD9AD0C4}" type="datetimeFigureOut">
               <a:rPr lang="ru-RU" smtClean="0"/>
-              <a:t>22.02.2022</a:t>
+              <a:t>24.02.2022</a:t>
             </a:fld>
             <a:endParaRPr lang="ru-RU"/>
           </a:p>
@@ -1736,7 +1736,7 @@
           <a:p>
             <a:fld id="{27DF0F75-C579-4C28-9547-144EAD9AD0C4}" type="datetimeFigureOut">
               <a:rPr lang="ru-RU" smtClean="0"/>
-              <a:t>22.02.2022</a:t>
+              <a:t>24.02.2022</a:t>
             </a:fld>
             <a:endParaRPr lang="ru-RU"/>
           </a:p>
@@ -1831,7 +1831,7 @@
           <a:p>
             <a:fld id="{27DF0F75-C579-4C28-9547-144EAD9AD0C4}" type="datetimeFigureOut">
               <a:rPr lang="ru-RU" smtClean="0"/>
-              <a:t>22.02.2022</a:t>
+              <a:t>24.02.2022</a:t>
             </a:fld>
             <a:endParaRPr lang="ru-RU"/>
           </a:p>
@@ -2108,7 +2108,7 @@
           <a:p>
             <a:fld id="{27DF0F75-C579-4C28-9547-144EAD9AD0C4}" type="datetimeFigureOut">
               <a:rPr lang="ru-RU" smtClean="0"/>
-              <a:t>22.02.2022</a:t>
+              <a:t>24.02.2022</a:t>
             </a:fld>
             <a:endParaRPr lang="ru-RU"/>
           </a:p>
@@ -2361,7 +2361,7 @@
           <a:p>
             <a:fld id="{27DF0F75-C579-4C28-9547-144EAD9AD0C4}" type="datetimeFigureOut">
               <a:rPr lang="ru-RU" smtClean="0"/>
-              <a:t>22.02.2022</a:t>
+              <a:t>24.02.2022</a:t>
             </a:fld>
             <a:endParaRPr lang="ru-RU"/>
           </a:p>
@@ -2574,7 +2574,7 @@
           <a:p>
             <a:fld id="{27DF0F75-C579-4C28-9547-144EAD9AD0C4}" type="datetimeFigureOut">
               <a:rPr lang="ru-RU" smtClean="0"/>
-              <a:t>22.02.2022</a:t>
+              <a:t>24.02.2022</a:t>
             </a:fld>
             <a:endParaRPr lang="ru-RU"/>
           </a:p>
@@ -3077,7 +3077,7 @@
         </p:nvSpPr>
         <p:spPr>
           <a:xfrm>
-            <a:off x="539931" y="4894217"/>
+            <a:off x="600891" y="4894217"/>
             <a:ext cx="3508909" cy="369332"/>
           </a:xfrm>
           <a:prstGeom prst="rect">
@@ -3645,11 +3645,7 @@
           <a:p>
             <a:r>
               <a:rPr lang="ru-RU" dirty="0" smtClean="0"/>
-              <a:t>Сравнение </a:t>
-            </a:r>
-            <a:r>
-              <a:rPr lang="ru-RU" dirty="0" smtClean="0"/>
-              <a:t>регулятора по модели</a:t>
+              <a:t>Сравнение регулятора по модели</a:t>
             </a:r>
             <a:r>
               <a:rPr lang="en-US" dirty="0" smtClean="0"/>
@@ -3950,7 +3946,6 @@
               <a:rPr lang="ru-RU" dirty="0"/>
               <a:t>- это метод, при котором реальные сигналы от контроллера подключаются к тестовой системе, которая имитирует реальность, обманывая контроллер, заставляя его думать, что он находится в собранном продукте.</a:t>
             </a:r>
-            <a:endParaRPr lang="ru-RU" dirty="0"/>
           </a:p>
         </p:txBody>
       </p:sp>
@@ -4006,7 +4001,7 @@
           <a:graphicData uri="http://schemas.openxmlformats.org/presentationml/2006/ole">
             <mc:AlternateContent xmlns:mc="http://schemas.openxmlformats.org/markup-compatibility/2006">
               <mc:Choice xmlns:v="urn:schemas-microsoft-com:vml" Requires="v">
-                <p:oleObj spid="_x0000_s1037" name="Equation" r:id="rId3" imgW="2806560" imgH="825480" progId="Equation.DSMT4">
+                <p:oleObj spid="_x0000_s1038" name="Equation" r:id="rId3" imgW="2806560" imgH="825480" progId="Equation.DSMT4">
                   <p:embed/>
                 </p:oleObj>
               </mc:Choice>
@@ -4649,13 +4644,7 @@
                           <a:rPr lang="en-US" sz="2400" b="0" i="1" smtClean="0">
                             <a:latin typeface="Cambria Math" panose="02040503050406030204" pitchFamily="18" charset="0"/>
                           </a:rPr>
-                          <m:t>=</m:t>
-                        </m:r>
-                        <m:r>
-                          <a:rPr lang="en-US" sz="2400" b="0" i="1" smtClean="0">
-                            <a:latin typeface="Cambria Math" panose="02040503050406030204" pitchFamily="18" charset="0"/>
-                          </a:rPr>
-                          <m:t>0</m:t>
+                          <m:t>=0</m:t>
                         </m:r>
                       </m:sub>
                       <m:sup>
@@ -4669,13 +4658,7 @@
                           <a:rPr lang="en-US" sz="2400" b="0" i="1" smtClean="0">
                             <a:latin typeface="Cambria Math" panose="02040503050406030204" pitchFamily="18" charset="0"/>
                           </a:rPr>
-                          <m:t>−</m:t>
-                        </m:r>
-                        <m:r>
-                          <a:rPr lang="en-US" sz="2400" b="0" i="1" smtClean="0">
-                            <a:latin typeface="Cambria Math" panose="02040503050406030204" pitchFamily="18" charset="0"/>
-                          </a:rPr>
-                          <m:t>1</m:t>
+                          <m:t>−1</m:t>
                         </m:r>
                       </m:sup>
                       <m:e>

--- a/Презентация1.pptx
+++ b/Презентация1.pptx
@@ -13,9 +13,10 @@
     <p:sldId id="264" r:id="rId7"/>
     <p:sldId id="259" r:id="rId8"/>
     <p:sldId id="260" r:id="rId9"/>
-    <p:sldId id="272" r:id="rId10"/>
-    <p:sldId id="273" r:id="rId11"/>
-    <p:sldId id="270" r:id="rId12"/>
+    <p:sldId id="274" r:id="rId10"/>
+    <p:sldId id="272" r:id="rId11"/>
+    <p:sldId id="273" r:id="rId12"/>
+    <p:sldId id="270" r:id="rId13"/>
   </p:sldIdLst>
   <p:sldSz cx="12192000" cy="6858000"/>
   <p:notesSz cx="6858000" cy="9144000"/>
@@ -253,7 +254,7 @@
           <a:p>
             <a:fld id="{27DF0F75-C579-4C28-9547-144EAD9AD0C4}" type="datetimeFigureOut">
               <a:rPr lang="ru-RU" smtClean="0"/>
-              <a:t>24.02.2022</a:t>
+              <a:t>26.02.2022</a:t>
             </a:fld>
             <a:endParaRPr lang="ru-RU"/>
           </a:p>
@@ -423,7 +424,7 @@
           <a:p>
             <a:fld id="{27DF0F75-C579-4C28-9547-144EAD9AD0C4}" type="datetimeFigureOut">
               <a:rPr lang="ru-RU" smtClean="0"/>
-              <a:t>24.02.2022</a:t>
+              <a:t>26.02.2022</a:t>
             </a:fld>
             <a:endParaRPr lang="ru-RU"/>
           </a:p>
@@ -603,7 +604,7 @@
           <a:p>
             <a:fld id="{27DF0F75-C579-4C28-9547-144EAD9AD0C4}" type="datetimeFigureOut">
               <a:rPr lang="ru-RU" smtClean="0"/>
-              <a:t>24.02.2022</a:t>
+              <a:t>26.02.2022</a:t>
             </a:fld>
             <a:endParaRPr lang="ru-RU"/>
           </a:p>
@@ -773,7 +774,7 @@
           <a:p>
             <a:fld id="{27DF0F75-C579-4C28-9547-144EAD9AD0C4}" type="datetimeFigureOut">
               <a:rPr lang="ru-RU" smtClean="0"/>
-              <a:t>24.02.2022</a:t>
+              <a:t>26.02.2022</a:t>
             </a:fld>
             <a:endParaRPr lang="ru-RU"/>
           </a:p>
@@ -1019,7 +1020,7 @@
           <a:p>
             <a:fld id="{27DF0F75-C579-4C28-9547-144EAD9AD0C4}" type="datetimeFigureOut">
               <a:rPr lang="ru-RU" smtClean="0"/>
-              <a:t>24.02.2022</a:t>
+              <a:t>26.02.2022</a:t>
             </a:fld>
             <a:endParaRPr lang="ru-RU"/>
           </a:p>
@@ -1251,7 +1252,7 @@
           <a:p>
             <a:fld id="{27DF0F75-C579-4C28-9547-144EAD9AD0C4}" type="datetimeFigureOut">
               <a:rPr lang="ru-RU" smtClean="0"/>
-              <a:t>24.02.2022</a:t>
+              <a:t>26.02.2022</a:t>
             </a:fld>
             <a:endParaRPr lang="ru-RU"/>
           </a:p>
@@ -1618,7 +1619,7 @@
           <a:p>
             <a:fld id="{27DF0F75-C579-4C28-9547-144EAD9AD0C4}" type="datetimeFigureOut">
               <a:rPr lang="ru-RU" smtClean="0"/>
-              <a:t>24.02.2022</a:t>
+              <a:t>26.02.2022</a:t>
             </a:fld>
             <a:endParaRPr lang="ru-RU"/>
           </a:p>
@@ -1736,7 +1737,7 @@
           <a:p>
             <a:fld id="{27DF0F75-C579-4C28-9547-144EAD9AD0C4}" type="datetimeFigureOut">
               <a:rPr lang="ru-RU" smtClean="0"/>
-              <a:t>24.02.2022</a:t>
+              <a:t>26.02.2022</a:t>
             </a:fld>
             <a:endParaRPr lang="ru-RU"/>
           </a:p>
@@ -1831,7 +1832,7 @@
           <a:p>
             <a:fld id="{27DF0F75-C579-4C28-9547-144EAD9AD0C4}" type="datetimeFigureOut">
               <a:rPr lang="ru-RU" smtClean="0"/>
-              <a:t>24.02.2022</a:t>
+              <a:t>26.02.2022</a:t>
             </a:fld>
             <a:endParaRPr lang="ru-RU"/>
           </a:p>
@@ -2108,7 +2109,7 @@
           <a:p>
             <a:fld id="{27DF0F75-C579-4C28-9547-144EAD9AD0C4}" type="datetimeFigureOut">
               <a:rPr lang="ru-RU" smtClean="0"/>
-              <a:t>24.02.2022</a:t>
+              <a:t>26.02.2022</a:t>
             </a:fld>
             <a:endParaRPr lang="ru-RU"/>
           </a:p>
@@ -2361,7 +2362,7 @@
           <a:p>
             <a:fld id="{27DF0F75-C579-4C28-9547-144EAD9AD0C4}" type="datetimeFigureOut">
               <a:rPr lang="ru-RU" smtClean="0"/>
-              <a:t>24.02.2022</a:t>
+              <a:t>26.02.2022</a:t>
             </a:fld>
             <a:endParaRPr lang="ru-RU"/>
           </a:p>
@@ -2574,7 +2575,7 @@
           <a:p>
             <a:fld id="{27DF0F75-C579-4C28-9547-144EAD9AD0C4}" type="datetimeFigureOut">
               <a:rPr lang="ru-RU" smtClean="0"/>
-              <a:t>24.02.2022</a:t>
+              <a:t>26.02.2022</a:t>
             </a:fld>
             <a:endParaRPr lang="ru-RU"/>
           </a:p>
@@ -3567,6 +3568,922 @@
           <a:chExt cx="0" cy="0"/>
         </a:xfrm>
       </p:grpSpPr>
+      <p:sp>
+        <p:nvSpPr>
+          <p:cNvPr id="7" name="Скругленный прямоугольник 6"/>
+          <p:cNvSpPr/>
+          <p:nvPr/>
+        </p:nvSpPr>
+        <p:spPr>
+          <a:xfrm>
+            <a:off x="4328115" y="1256414"/>
+            <a:ext cx="3466012" cy="4084320"/>
+          </a:xfrm>
+          <a:prstGeom prst="roundRect">
+            <a:avLst/>
+          </a:prstGeom>
+          <a:solidFill>
+            <a:schemeClr val="bg1"/>
+          </a:solidFill>
+          <a:ln w="38100"/>
+        </p:spPr>
+        <p:style>
+          <a:lnRef idx="2">
+            <a:schemeClr val="accent1">
+              <a:shade val="50000"/>
+            </a:schemeClr>
+          </a:lnRef>
+          <a:fillRef idx="1">
+            <a:schemeClr val="accent1"/>
+          </a:fillRef>
+          <a:effectRef idx="0">
+            <a:schemeClr val="accent1"/>
+          </a:effectRef>
+          <a:fontRef idx="minor">
+            <a:schemeClr val="lt1"/>
+          </a:fontRef>
+        </p:style>
+        <p:txBody>
+          <a:bodyPr rtlCol="0" anchor="ctr"/>
+          <a:lstStyle/>
+          <a:p>
+            <a:pPr algn="ctr"/>
+            <a:endParaRPr lang="ru-RU"/>
+          </a:p>
+        </p:txBody>
+      </p:sp>
+      <p:pic>
+        <p:nvPicPr>
+          <p:cNvPr id="9" name="Рисунок 8"/>
+          <p:cNvPicPr>
+            <a:picLocks noChangeAspect="1"/>
+          </p:cNvPicPr>
+          <p:nvPr/>
+        </p:nvPicPr>
+        <p:blipFill>
+          <a:blip r:embed="rId2"/>
+          <a:stretch>
+            <a:fillRect/>
+          </a:stretch>
+        </p:blipFill>
+        <p:spPr>
+          <a:xfrm>
+            <a:off x="4604812" y="1426411"/>
+            <a:ext cx="2719052" cy="1597290"/>
+          </a:xfrm>
+          <a:prstGeom prst="rect">
+            <a:avLst/>
+          </a:prstGeom>
+        </p:spPr>
+      </p:pic>
+      <p:sp>
+        <p:nvSpPr>
+          <p:cNvPr id="10" name="Скругленный прямоугольник 9"/>
+          <p:cNvSpPr/>
+          <p:nvPr/>
+        </p:nvSpPr>
+        <p:spPr>
+          <a:xfrm>
+            <a:off x="4615497" y="3570710"/>
+            <a:ext cx="2708367" cy="1471749"/>
+          </a:xfrm>
+          <a:prstGeom prst="roundRect">
+            <a:avLst/>
+          </a:prstGeom>
+          <a:solidFill>
+            <a:schemeClr val="bg1"/>
+          </a:solidFill>
+        </p:spPr>
+        <p:style>
+          <a:lnRef idx="2">
+            <a:schemeClr val="accent1">
+              <a:shade val="50000"/>
+            </a:schemeClr>
+          </a:lnRef>
+          <a:fillRef idx="1">
+            <a:schemeClr val="accent1"/>
+          </a:fillRef>
+          <a:effectRef idx="0">
+            <a:schemeClr val="accent1"/>
+          </a:effectRef>
+          <a:fontRef idx="minor">
+            <a:schemeClr val="lt1"/>
+          </a:fontRef>
+        </p:style>
+        <p:txBody>
+          <a:bodyPr rtlCol="0" anchor="ctr"/>
+          <a:lstStyle/>
+          <a:p>
+            <a:pPr algn="ctr"/>
+            <a:r>
+              <a:rPr lang="ru-RU" dirty="0" smtClean="0">
+                <a:solidFill>
+                  <a:schemeClr val="tx1"/>
+                </a:solidFill>
+              </a:rPr>
+              <a:t>ПИД-регулятор</a:t>
+            </a:r>
+            <a:endParaRPr lang="ru-RU" dirty="0">
+              <a:solidFill>
+                <a:schemeClr val="tx1"/>
+              </a:solidFill>
+            </a:endParaRPr>
+          </a:p>
+        </p:txBody>
+      </p:sp>
+      <p:cxnSp>
+        <p:nvCxnSpPr>
+          <p:cNvPr id="12" name="Прямая соединительная линия 11"/>
+          <p:cNvCxnSpPr>
+            <a:stCxn id="9" idx="3"/>
+          </p:cNvCxnSpPr>
+          <p:nvPr/>
+        </p:nvCxnSpPr>
+        <p:spPr>
+          <a:xfrm>
+            <a:off x="7323864" y="2225056"/>
+            <a:ext cx="1045029" cy="15054"/>
+          </a:xfrm>
+          <a:prstGeom prst="line">
+            <a:avLst/>
+          </a:prstGeom>
+        </p:spPr>
+        <p:style>
+          <a:lnRef idx="1">
+            <a:schemeClr val="accent1"/>
+          </a:lnRef>
+          <a:fillRef idx="0">
+            <a:schemeClr val="accent1"/>
+          </a:fillRef>
+          <a:effectRef idx="0">
+            <a:schemeClr val="accent1"/>
+          </a:effectRef>
+          <a:fontRef idx="minor">
+            <a:schemeClr val="tx1"/>
+          </a:fontRef>
+        </p:style>
+      </p:cxnSp>
+      <p:cxnSp>
+        <p:nvCxnSpPr>
+          <p:cNvPr id="13" name="Прямая соединительная линия 12"/>
+          <p:cNvCxnSpPr/>
+          <p:nvPr/>
+        </p:nvCxnSpPr>
+        <p:spPr>
+          <a:xfrm>
+            <a:off x="7309812" y="4321638"/>
+            <a:ext cx="1059081" cy="0"/>
+          </a:xfrm>
+          <a:prstGeom prst="line">
+            <a:avLst/>
+          </a:prstGeom>
+        </p:spPr>
+        <p:style>
+          <a:lnRef idx="1">
+            <a:schemeClr val="accent1"/>
+          </a:lnRef>
+          <a:fillRef idx="0">
+            <a:schemeClr val="accent1"/>
+          </a:fillRef>
+          <a:effectRef idx="0">
+            <a:schemeClr val="accent1"/>
+          </a:effectRef>
+          <a:fontRef idx="minor">
+            <a:schemeClr val="tx1"/>
+          </a:fontRef>
+        </p:style>
+      </p:cxnSp>
+      <p:cxnSp>
+        <p:nvCxnSpPr>
+          <p:cNvPr id="15" name="Прямая соединительная линия 14"/>
+          <p:cNvCxnSpPr/>
+          <p:nvPr/>
+        </p:nvCxnSpPr>
+        <p:spPr>
+          <a:xfrm>
+            <a:off x="8368893" y="2240110"/>
+            <a:ext cx="0" cy="2081528"/>
+          </a:xfrm>
+          <a:prstGeom prst="line">
+            <a:avLst/>
+          </a:prstGeom>
+        </p:spPr>
+        <p:style>
+          <a:lnRef idx="1">
+            <a:schemeClr val="accent1"/>
+          </a:lnRef>
+          <a:fillRef idx="0">
+            <a:schemeClr val="accent1"/>
+          </a:fillRef>
+          <a:effectRef idx="0">
+            <a:schemeClr val="accent1"/>
+          </a:effectRef>
+          <a:fontRef idx="minor">
+            <a:schemeClr val="tx1"/>
+          </a:fontRef>
+        </p:style>
+      </p:cxnSp>
+      <p:cxnSp>
+        <p:nvCxnSpPr>
+          <p:cNvPr id="17" name="Прямая соединительная линия 16"/>
+          <p:cNvCxnSpPr/>
+          <p:nvPr/>
+        </p:nvCxnSpPr>
+        <p:spPr>
+          <a:xfrm>
+            <a:off x="8368893" y="3174396"/>
+            <a:ext cx="421944" cy="6041"/>
+          </a:xfrm>
+          <a:prstGeom prst="line">
+            <a:avLst/>
+          </a:prstGeom>
+        </p:spPr>
+        <p:style>
+          <a:lnRef idx="1">
+            <a:schemeClr val="accent1"/>
+          </a:lnRef>
+          <a:fillRef idx="0">
+            <a:schemeClr val="accent1"/>
+          </a:fillRef>
+          <a:effectRef idx="0">
+            <a:schemeClr val="accent1"/>
+          </a:effectRef>
+          <a:fontRef idx="minor">
+            <a:schemeClr val="tx1"/>
+          </a:fontRef>
+        </p:style>
+      </p:cxnSp>
+      <p:sp>
+        <p:nvSpPr>
+          <p:cNvPr id="18" name="Скругленный прямоугольник 17"/>
+          <p:cNvSpPr/>
+          <p:nvPr/>
+        </p:nvSpPr>
+        <p:spPr>
+          <a:xfrm>
+            <a:off x="8790837" y="2444561"/>
+            <a:ext cx="2708367" cy="1471749"/>
+          </a:xfrm>
+          <a:prstGeom prst="roundRect">
+            <a:avLst/>
+          </a:prstGeom>
+          <a:solidFill>
+            <a:schemeClr val="bg1"/>
+          </a:solidFill>
+        </p:spPr>
+        <p:style>
+          <a:lnRef idx="2">
+            <a:schemeClr val="accent1">
+              <a:shade val="50000"/>
+            </a:schemeClr>
+          </a:lnRef>
+          <a:fillRef idx="1">
+            <a:schemeClr val="accent1"/>
+          </a:fillRef>
+          <a:effectRef idx="0">
+            <a:schemeClr val="accent1"/>
+          </a:effectRef>
+          <a:fontRef idx="minor">
+            <a:schemeClr val="lt1"/>
+          </a:fontRef>
+        </p:style>
+        <p:txBody>
+          <a:bodyPr rtlCol="0" anchor="ctr"/>
+          <a:lstStyle/>
+          <a:p>
+            <a:pPr algn="ctr"/>
+            <a:r>
+              <a:rPr lang="ru-RU" dirty="0" smtClean="0">
+                <a:solidFill>
+                  <a:schemeClr val="tx1"/>
+                </a:solidFill>
+              </a:rPr>
+              <a:t>Объект управления</a:t>
+            </a:r>
+          </a:p>
+          <a:p>
+            <a:pPr algn="ctr"/>
+            <a:r>
+              <a:rPr lang="ru-RU" dirty="0" smtClean="0">
+                <a:solidFill>
+                  <a:schemeClr val="tx1"/>
+                </a:solidFill>
+              </a:rPr>
+              <a:t>ТС аккумуляторного типа</a:t>
+            </a:r>
+            <a:endParaRPr lang="ru-RU" dirty="0">
+              <a:solidFill>
+                <a:schemeClr val="tx1"/>
+              </a:solidFill>
+            </a:endParaRPr>
+          </a:p>
+        </p:txBody>
+      </p:sp>
+      <p:cxnSp>
+        <p:nvCxnSpPr>
+          <p:cNvPr id="21" name="Прямая соединительная линия 20"/>
+          <p:cNvCxnSpPr>
+            <a:stCxn id="18" idx="3"/>
+          </p:cNvCxnSpPr>
+          <p:nvPr/>
+        </p:nvCxnSpPr>
+        <p:spPr>
+          <a:xfrm flipV="1">
+            <a:off x="11499204" y="3180435"/>
+            <a:ext cx="354023" cy="1"/>
+          </a:xfrm>
+          <a:prstGeom prst="line">
+            <a:avLst/>
+          </a:prstGeom>
+        </p:spPr>
+        <p:style>
+          <a:lnRef idx="1">
+            <a:schemeClr val="accent1"/>
+          </a:lnRef>
+          <a:fillRef idx="0">
+            <a:schemeClr val="accent1"/>
+          </a:fillRef>
+          <a:effectRef idx="0">
+            <a:schemeClr val="accent1"/>
+          </a:effectRef>
+          <a:fontRef idx="minor">
+            <a:schemeClr val="tx1"/>
+          </a:fontRef>
+        </p:style>
+      </p:cxnSp>
+      <p:cxnSp>
+        <p:nvCxnSpPr>
+          <p:cNvPr id="23" name="Прямая соединительная линия 22"/>
+          <p:cNvCxnSpPr/>
+          <p:nvPr/>
+        </p:nvCxnSpPr>
+        <p:spPr>
+          <a:xfrm>
+            <a:off x="11840887" y="3180436"/>
+            <a:ext cx="0" cy="2872021"/>
+          </a:xfrm>
+          <a:prstGeom prst="line">
+            <a:avLst/>
+          </a:prstGeom>
+        </p:spPr>
+        <p:style>
+          <a:lnRef idx="1">
+            <a:schemeClr val="accent1"/>
+          </a:lnRef>
+          <a:fillRef idx="0">
+            <a:schemeClr val="accent1"/>
+          </a:fillRef>
+          <a:effectRef idx="0">
+            <a:schemeClr val="accent1"/>
+          </a:effectRef>
+          <a:fontRef idx="minor">
+            <a:schemeClr val="tx1"/>
+          </a:fontRef>
+        </p:style>
+      </p:cxnSp>
+      <p:cxnSp>
+        <p:nvCxnSpPr>
+          <p:cNvPr id="25" name="Прямая соединительная линия 24"/>
+          <p:cNvCxnSpPr/>
+          <p:nvPr/>
+        </p:nvCxnSpPr>
+        <p:spPr>
+          <a:xfrm flipH="1">
+            <a:off x="3817338" y="6052457"/>
+            <a:ext cx="8035889" cy="0"/>
+          </a:xfrm>
+          <a:prstGeom prst="line">
+            <a:avLst/>
+          </a:prstGeom>
+        </p:spPr>
+        <p:style>
+          <a:lnRef idx="1">
+            <a:schemeClr val="accent1"/>
+          </a:lnRef>
+          <a:fillRef idx="0">
+            <a:schemeClr val="accent1"/>
+          </a:fillRef>
+          <a:effectRef idx="0">
+            <a:schemeClr val="accent1"/>
+          </a:effectRef>
+          <a:fontRef idx="minor">
+            <a:schemeClr val="tx1"/>
+          </a:fontRef>
+        </p:style>
+      </p:cxnSp>
+      <p:cxnSp>
+        <p:nvCxnSpPr>
+          <p:cNvPr id="27" name="Прямая соединительная линия 26"/>
+          <p:cNvCxnSpPr>
+            <a:endCxn id="32" idx="2"/>
+          </p:cNvCxnSpPr>
+          <p:nvPr/>
+        </p:nvCxnSpPr>
+        <p:spPr>
+          <a:xfrm flipH="1" flipV="1">
+            <a:off x="3794904" y="4482943"/>
+            <a:ext cx="22434" cy="1569514"/>
+          </a:xfrm>
+          <a:prstGeom prst="line">
+            <a:avLst/>
+          </a:prstGeom>
+        </p:spPr>
+        <p:style>
+          <a:lnRef idx="1">
+            <a:schemeClr val="accent1"/>
+          </a:lnRef>
+          <a:fillRef idx="0">
+            <a:schemeClr val="accent1"/>
+          </a:fillRef>
+          <a:effectRef idx="0">
+            <a:schemeClr val="accent1"/>
+          </a:effectRef>
+          <a:fontRef idx="minor">
+            <a:schemeClr val="tx1"/>
+          </a:fontRef>
+        </p:style>
+      </p:cxnSp>
+      <p:sp>
+        <p:nvSpPr>
+          <p:cNvPr id="28" name="Овал 27"/>
+          <p:cNvSpPr/>
+          <p:nvPr/>
+        </p:nvSpPr>
+        <p:spPr>
+          <a:xfrm>
+            <a:off x="3599623" y="4126281"/>
+            <a:ext cx="400595" cy="376459"/>
+          </a:xfrm>
+          <a:prstGeom prst="ellipse">
+            <a:avLst/>
+          </a:prstGeom>
+          <a:solidFill>
+            <a:schemeClr val="bg1"/>
+          </a:solidFill>
+        </p:spPr>
+        <p:style>
+          <a:lnRef idx="2">
+            <a:schemeClr val="accent1">
+              <a:shade val="50000"/>
+            </a:schemeClr>
+          </a:lnRef>
+          <a:fillRef idx="1">
+            <a:schemeClr val="accent1"/>
+          </a:fillRef>
+          <a:effectRef idx="0">
+            <a:schemeClr val="accent1"/>
+          </a:effectRef>
+          <a:fontRef idx="minor">
+            <a:schemeClr val="lt1"/>
+          </a:fontRef>
+        </p:style>
+        <p:txBody>
+          <a:bodyPr rtlCol="0" anchor="ctr"/>
+          <a:lstStyle/>
+          <a:p>
+            <a:pPr algn="ctr"/>
+            <a:endParaRPr lang="ru-RU" dirty="0"/>
+          </a:p>
+        </p:txBody>
+      </p:sp>
+      <p:sp>
+        <p:nvSpPr>
+          <p:cNvPr id="32" name="TextBox 31"/>
+          <p:cNvSpPr txBox="1"/>
+          <p:nvPr/>
+        </p:nvSpPr>
+        <p:spPr>
+          <a:xfrm>
+            <a:off x="3676675" y="4113611"/>
+            <a:ext cx="236457" cy="369332"/>
+          </a:xfrm>
+          <a:prstGeom prst="rect">
+            <a:avLst/>
+          </a:prstGeom>
+          <a:noFill/>
+        </p:spPr>
+        <p:txBody>
+          <a:bodyPr wrap="square" rtlCol="0">
+            <a:spAutoFit/>
+          </a:bodyPr>
+          <a:lstStyle/>
+          <a:p>
+            <a:r>
+              <a:rPr lang="ru-RU" dirty="0" smtClean="0"/>
+              <a:t>-</a:t>
+            </a:r>
+            <a:endParaRPr lang="ru-RU" dirty="0"/>
+          </a:p>
+        </p:txBody>
+      </p:sp>
+      <p:cxnSp>
+        <p:nvCxnSpPr>
+          <p:cNvPr id="35" name="Прямая соединительная линия 34"/>
+          <p:cNvCxnSpPr>
+            <a:stCxn id="28" idx="6"/>
+            <a:endCxn id="10" idx="1"/>
+          </p:cNvCxnSpPr>
+          <p:nvPr/>
+        </p:nvCxnSpPr>
+        <p:spPr>
+          <a:xfrm flipV="1">
+            <a:off x="4000218" y="4306585"/>
+            <a:ext cx="615279" cy="7926"/>
+          </a:xfrm>
+          <a:prstGeom prst="line">
+            <a:avLst/>
+          </a:prstGeom>
+        </p:spPr>
+        <p:style>
+          <a:lnRef idx="1">
+            <a:schemeClr val="accent1"/>
+          </a:lnRef>
+          <a:fillRef idx="0">
+            <a:schemeClr val="accent1"/>
+          </a:fillRef>
+          <a:effectRef idx="0">
+            <a:schemeClr val="accent1"/>
+          </a:effectRef>
+          <a:fontRef idx="minor">
+            <a:schemeClr val="tx1"/>
+          </a:fontRef>
+        </p:style>
+      </p:cxnSp>
+      <p:cxnSp>
+        <p:nvCxnSpPr>
+          <p:cNvPr id="40" name="Прямая соединительная линия 39"/>
+          <p:cNvCxnSpPr>
+            <a:stCxn id="28" idx="2"/>
+          </p:cNvCxnSpPr>
+          <p:nvPr/>
+        </p:nvCxnSpPr>
+        <p:spPr>
+          <a:xfrm flipH="1" flipV="1">
+            <a:off x="3395650" y="4314510"/>
+            <a:ext cx="203973" cy="1"/>
+          </a:xfrm>
+          <a:prstGeom prst="line">
+            <a:avLst/>
+          </a:prstGeom>
+        </p:spPr>
+        <p:style>
+          <a:lnRef idx="1">
+            <a:schemeClr val="accent1"/>
+          </a:lnRef>
+          <a:fillRef idx="0">
+            <a:schemeClr val="accent1"/>
+          </a:fillRef>
+          <a:effectRef idx="0">
+            <a:schemeClr val="accent1"/>
+          </a:effectRef>
+          <a:fontRef idx="minor">
+            <a:schemeClr val="tx1"/>
+          </a:fontRef>
+        </p:style>
+      </p:cxnSp>
+      <p:sp>
+        <p:nvSpPr>
+          <p:cNvPr id="48" name="Скругленный прямоугольник 47"/>
+          <p:cNvSpPr/>
+          <p:nvPr/>
+        </p:nvSpPr>
+        <p:spPr>
+          <a:xfrm>
+            <a:off x="333099" y="2444561"/>
+            <a:ext cx="2698906" cy="1479235"/>
+          </a:xfrm>
+          <a:prstGeom prst="roundRect">
+            <a:avLst/>
+          </a:prstGeom>
+        </p:spPr>
+        <p:style>
+          <a:lnRef idx="2">
+            <a:schemeClr val="accent1"/>
+          </a:lnRef>
+          <a:fillRef idx="1">
+            <a:schemeClr val="lt1"/>
+          </a:fillRef>
+          <a:effectRef idx="0">
+            <a:schemeClr val="accent1"/>
+          </a:effectRef>
+          <a:fontRef idx="minor">
+            <a:schemeClr val="dk1"/>
+          </a:fontRef>
+        </p:style>
+        <p:txBody>
+          <a:bodyPr rtlCol="0" anchor="ctr"/>
+          <a:lstStyle/>
+          <a:p>
+            <a:pPr algn="ctr"/>
+            <a:r>
+              <a:rPr lang="ru-RU" dirty="0" smtClean="0"/>
+              <a:t>Уставка </a:t>
+            </a:r>
+            <a:r>
+              <a:rPr lang="ru-RU" dirty="0"/>
+              <a:t>д</a:t>
+            </a:r>
+            <a:r>
+              <a:rPr lang="ru-RU" dirty="0" smtClean="0"/>
+              <a:t>авления</a:t>
+            </a:r>
+            <a:endParaRPr lang="ru-RU" dirty="0"/>
+          </a:p>
+        </p:txBody>
+      </p:sp>
+      <p:cxnSp>
+        <p:nvCxnSpPr>
+          <p:cNvPr id="50" name="Прямая соединительная линия 49"/>
+          <p:cNvCxnSpPr>
+            <a:stCxn id="48" idx="3"/>
+          </p:cNvCxnSpPr>
+          <p:nvPr/>
+        </p:nvCxnSpPr>
+        <p:spPr>
+          <a:xfrm>
+            <a:off x="3032005" y="3184179"/>
+            <a:ext cx="341683" cy="6654"/>
+          </a:xfrm>
+          <a:prstGeom prst="line">
+            <a:avLst/>
+          </a:prstGeom>
+        </p:spPr>
+        <p:style>
+          <a:lnRef idx="1">
+            <a:schemeClr val="accent1"/>
+          </a:lnRef>
+          <a:fillRef idx="0">
+            <a:schemeClr val="accent1"/>
+          </a:fillRef>
+          <a:effectRef idx="0">
+            <a:schemeClr val="accent1"/>
+          </a:effectRef>
+          <a:fontRef idx="minor">
+            <a:schemeClr val="tx1"/>
+          </a:fontRef>
+        </p:style>
+      </p:cxnSp>
+      <p:cxnSp>
+        <p:nvCxnSpPr>
+          <p:cNvPr id="52" name="Прямая соединительная линия 51"/>
+          <p:cNvCxnSpPr/>
+          <p:nvPr/>
+        </p:nvCxnSpPr>
+        <p:spPr>
+          <a:xfrm>
+            <a:off x="3379068" y="3200232"/>
+            <a:ext cx="0" cy="1121406"/>
+          </a:xfrm>
+          <a:prstGeom prst="line">
+            <a:avLst/>
+          </a:prstGeom>
+        </p:spPr>
+        <p:style>
+          <a:lnRef idx="1">
+            <a:schemeClr val="accent1"/>
+          </a:lnRef>
+          <a:fillRef idx="0">
+            <a:schemeClr val="accent1"/>
+          </a:fillRef>
+          <a:effectRef idx="0">
+            <a:schemeClr val="accent1"/>
+          </a:effectRef>
+          <a:fontRef idx="minor">
+            <a:schemeClr val="tx1"/>
+          </a:fontRef>
+        </p:style>
+      </p:cxnSp>
+      <p:cxnSp>
+        <p:nvCxnSpPr>
+          <p:cNvPr id="55" name="Прямая соединительная линия 54"/>
+          <p:cNvCxnSpPr>
+            <a:stCxn id="9" idx="1"/>
+          </p:cNvCxnSpPr>
+          <p:nvPr/>
+        </p:nvCxnSpPr>
+        <p:spPr>
+          <a:xfrm flipH="1">
+            <a:off x="3362487" y="2225056"/>
+            <a:ext cx="1242325" cy="15054"/>
+          </a:xfrm>
+          <a:prstGeom prst="line">
+            <a:avLst/>
+          </a:prstGeom>
+        </p:spPr>
+        <p:style>
+          <a:lnRef idx="1">
+            <a:schemeClr val="accent1"/>
+          </a:lnRef>
+          <a:fillRef idx="0">
+            <a:schemeClr val="accent1"/>
+          </a:fillRef>
+          <a:effectRef idx="0">
+            <a:schemeClr val="accent1"/>
+          </a:effectRef>
+          <a:fontRef idx="minor">
+            <a:schemeClr val="tx1"/>
+          </a:fontRef>
+        </p:style>
+      </p:cxnSp>
+      <p:cxnSp>
+        <p:nvCxnSpPr>
+          <p:cNvPr id="57" name="Прямая соединительная линия 56"/>
+          <p:cNvCxnSpPr/>
+          <p:nvPr/>
+        </p:nvCxnSpPr>
+        <p:spPr>
+          <a:xfrm flipV="1">
+            <a:off x="3379068" y="2240110"/>
+            <a:ext cx="0" cy="960122"/>
+          </a:xfrm>
+          <a:prstGeom prst="line">
+            <a:avLst/>
+          </a:prstGeom>
+        </p:spPr>
+        <p:style>
+          <a:lnRef idx="1">
+            <a:schemeClr val="accent1"/>
+          </a:lnRef>
+          <a:fillRef idx="0">
+            <a:schemeClr val="accent1"/>
+          </a:fillRef>
+          <a:effectRef idx="0">
+            <a:schemeClr val="accent1"/>
+          </a:effectRef>
+          <a:fontRef idx="minor">
+            <a:schemeClr val="tx1"/>
+          </a:fontRef>
+        </p:style>
+      </p:cxnSp>
+      <p:sp>
+        <p:nvSpPr>
+          <p:cNvPr id="59" name="TextBox 58"/>
+          <p:cNvSpPr txBox="1"/>
+          <p:nvPr/>
+        </p:nvSpPr>
+        <p:spPr>
+          <a:xfrm>
+            <a:off x="4484622" y="380391"/>
+            <a:ext cx="3095271" cy="646331"/>
+          </a:xfrm>
+          <a:prstGeom prst="rect">
+            <a:avLst/>
+          </a:prstGeom>
+          <a:noFill/>
+        </p:spPr>
+        <p:txBody>
+          <a:bodyPr wrap="none" rtlCol="0">
+            <a:spAutoFit/>
+          </a:bodyPr>
+          <a:lstStyle/>
+          <a:p>
+            <a:r>
+              <a:rPr lang="ru-RU" dirty="0" smtClean="0"/>
+              <a:t>Комбинированный регулятор</a:t>
+            </a:r>
+          </a:p>
+          <a:p>
+            <a:r>
+              <a:rPr lang="ru-RU" dirty="0" smtClean="0"/>
+              <a:t> управления давлением в ТС</a:t>
+            </a:r>
+            <a:endParaRPr lang="ru-RU" dirty="0"/>
+          </a:p>
+        </p:txBody>
+      </p:sp>
+      <p:sp>
+        <p:nvSpPr>
+          <p:cNvPr id="60" name="TextBox 59"/>
+          <p:cNvSpPr txBox="1"/>
+          <p:nvPr/>
+        </p:nvSpPr>
+        <p:spPr>
+          <a:xfrm>
+            <a:off x="8436813" y="5495365"/>
+            <a:ext cx="423514" cy="369332"/>
+          </a:xfrm>
+          <a:prstGeom prst="rect">
+            <a:avLst/>
+          </a:prstGeom>
+          <a:noFill/>
+        </p:spPr>
+        <p:txBody>
+          <a:bodyPr wrap="none" rtlCol="0">
+            <a:spAutoFit/>
+          </a:bodyPr>
+          <a:lstStyle/>
+          <a:p>
+            <a:r>
+              <a:rPr lang="en-US" dirty="0" smtClean="0"/>
+              <a:t>P</a:t>
+            </a:r>
+            <a:r>
+              <a:rPr lang="ru-RU" sz="1000" dirty="0" err="1" smtClean="0"/>
+              <a:t>ак</a:t>
+            </a:r>
+            <a:endParaRPr lang="ru-RU" sz="1000" dirty="0"/>
+          </a:p>
+        </p:txBody>
+      </p:sp>
+      <p:cxnSp>
+        <p:nvCxnSpPr>
+          <p:cNvPr id="62" name="Прямая со стрелкой 61"/>
+          <p:cNvCxnSpPr/>
+          <p:nvPr/>
+        </p:nvCxnSpPr>
+        <p:spPr>
+          <a:xfrm flipH="1">
+            <a:off x="8436813" y="1326776"/>
+            <a:ext cx="492034" cy="1488142"/>
+          </a:xfrm>
+          <a:prstGeom prst="straightConnector1">
+            <a:avLst/>
+          </a:prstGeom>
+          <a:ln>
+            <a:tailEnd type="triangle"/>
+          </a:ln>
+        </p:spPr>
+        <p:style>
+          <a:lnRef idx="1">
+            <a:schemeClr val="accent1"/>
+          </a:lnRef>
+          <a:fillRef idx="0">
+            <a:schemeClr val="accent1"/>
+          </a:fillRef>
+          <a:effectRef idx="0">
+            <a:schemeClr val="accent1"/>
+          </a:effectRef>
+          <a:fontRef idx="minor">
+            <a:schemeClr val="tx1"/>
+          </a:fontRef>
+        </p:style>
+      </p:cxnSp>
+      <p:sp>
+        <p:nvSpPr>
+          <p:cNvPr id="63" name="TextBox 62"/>
+          <p:cNvSpPr txBox="1"/>
+          <p:nvPr/>
+        </p:nvSpPr>
+        <p:spPr>
+          <a:xfrm>
+            <a:off x="8368893" y="764190"/>
+            <a:ext cx="3552254" cy="646331"/>
+          </a:xfrm>
+          <a:prstGeom prst="rect">
+            <a:avLst/>
+          </a:prstGeom>
+          <a:noFill/>
+        </p:spPr>
+        <p:txBody>
+          <a:bodyPr wrap="none" rtlCol="0">
+            <a:spAutoFit/>
+          </a:bodyPr>
+          <a:lstStyle/>
+          <a:p>
+            <a:r>
+              <a:rPr lang="ru-RU" dirty="0" smtClean="0"/>
+              <a:t>ШИМ сигнал управления </a:t>
+            </a:r>
+          </a:p>
+          <a:p>
+            <a:r>
+              <a:rPr lang="ru-RU" dirty="0" smtClean="0"/>
+              <a:t>дросселирующим клапаном ТНВД</a:t>
+            </a:r>
+            <a:endParaRPr lang="ru-RU" dirty="0"/>
+          </a:p>
+        </p:txBody>
+      </p:sp>
+    </p:spTree>
+    <p:extLst>
+      <p:ext uri="{BB962C8B-B14F-4D97-AF65-F5344CB8AC3E}">
+        <p14:creationId xmlns:p14="http://schemas.microsoft.com/office/powerpoint/2010/main" val="988205126"/>
+      </p:ext>
+    </p:extLst>
+  </p:cSld>
+  <p:clrMapOvr>
+    <a:masterClrMapping/>
+  </p:clrMapOvr>
+</p:sld>
+</file>
+
+<file path=ppt/slides/slide11.xml><?xml version="1.0" encoding="utf-8"?>
+<p:sld xmlns:a="http://schemas.openxmlformats.org/drawingml/2006/main" xmlns:r="http://schemas.openxmlformats.org/officeDocument/2006/relationships" xmlns:p="http://schemas.openxmlformats.org/presentationml/2006/main">
+  <p:cSld>
+    <p:spTree>
+      <p:nvGrpSpPr>
+        <p:cNvPr id="1" name=""/>
+        <p:cNvGrpSpPr/>
+        <p:nvPr/>
+      </p:nvGrpSpPr>
+      <p:grpSpPr>
+        <a:xfrm>
+          <a:off x="0" y="0"/>
+          <a:ext cx="0" cy="0"/>
+          <a:chOff x="0" y="0"/>
+          <a:chExt cx="0" cy="0"/>
+        </a:xfrm>
+      </p:grpSpPr>
       <p:pic>
         <p:nvPicPr>
           <p:cNvPr id="2" name="Рисунок 1"/>
@@ -3604,7 +4521,7 @@
 </p:sld>
 </file>
 
-<file path=ppt/slides/slide11.xml><?xml version="1.0" encoding="utf-8"?>
+<file path=ppt/slides/slide12.xml><?xml version="1.0" encoding="utf-8"?>
 <p:sld xmlns:a="http://schemas.openxmlformats.org/drawingml/2006/main" xmlns:r="http://schemas.openxmlformats.org/officeDocument/2006/relationships" xmlns:p="http://schemas.openxmlformats.org/presentationml/2006/main">
   <p:cSld>
     <p:spTree>
@@ -4001,7 +4918,7 @@
           <a:graphicData uri="http://schemas.openxmlformats.org/presentationml/2006/ole">
             <mc:AlternateContent xmlns:mc="http://schemas.openxmlformats.org/markup-compatibility/2006">
               <mc:Choice xmlns:v="urn:schemas-microsoft-com:vml" Requires="v">
-                <p:oleObj spid="_x0000_s1038" name="Equation" r:id="rId3" imgW="2806560" imgH="825480" progId="Equation.DSMT4">
+                <p:oleObj spid="_x0000_s1039" name="Equation" r:id="rId3" imgW="2806560" imgH="825480" progId="Equation.DSMT4">
                   <p:embed/>
                 </p:oleObj>
               </mc:Choice>
@@ -6733,53 +7650,9 @@
           <a:chExt cx="0" cy="0"/>
         </a:xfrm>
       </p:grpSpPr>
-      <p:sp>
-        <p:nvSpPr>
-          <p:cNvPr id="7" name="Скругленный прямоугольник 6"/>
-          <p:cNvSpPr/>
-          <p:nvPr/>
-        </p:nvSpPr>
-        <p:spPr>
-          <a:xfrm>
-            <a:off x="4328115" y="1256414"/>
-            <a:ext cx="3466012" cy="4084320"/>
-          </a:xfrm>
-          <a:prstGeom prst="roundRect">
-            <a:avLst/>
-          </a:prstGeom>
-          <a:solidFill>
-            <a:schemeClr val="bg1"/>
-          </a:solidFill>
-          <a:ln w="38100"/>
-        </p:spPr>
-        <p:style>
-          <a:lnRef idx="2">
-            <a:schemeClr val="accent1">
-              <a:shade val="50000"/>
-            </a:schemeClr>
-          </a:lnRef>
-          <a:fillRef idx="1">
-            <a:schemeClr val="accent1"/>
-          </a:fillRef>
-          <a:effectRef idx="0">
-            <a:schemeClr val="accent1"/>
-          </a:effectRef>
-          <a:fontRef idx="minor">
-            <a:schemeClr val="lt1"/>
-          </a:fontRef>
-        </p:style>
-        <p:txBody>
-          <a:bodyPr rtlCol="0" anchor="ctr"/>
-          <a:lstStyle/>
-          <a:p>
-            <a:pPr algn="ctr"/>
-            <a:endParaRPr lang="ru-RU"/>
-          </a:p>
-        </p:txBody>
-      </p:sp>
       <p:pic>
         <p:nvPicPr>
-          <p:cNvPr id="9" name="Рисунок 8"/>
+          <p:cNvPr id="2" name="Рисунок 1"/>
           <p:cNvPicPr>
             <a:picLocks noChangeAspect="1"/>
           </p:cNvPicPr>
@@ -6793,836 +7666,18 @@
         </p:blipFill>
         <p:spPr>
           <a:xfrm>
-            <a:off x="4604812" y="1426411"/>
-            <a:ext cx="2719052" cy="1597290"/>
+            <a:off x="148745" y="278674"/>
+            <a:ext cx="11643750" cy="6333597"/>
           </a:xfrm>
           <a:prstGeom prst="rect">
             <a:avLst/>
           </a:prstGeom>
         </p:spPr>
       </p:pic>
-      <p:sp>
-        <p:nvSpPr>
-          <p:cNvPr id="10" name="Скругленный прямоугольник 9"/>
-          <p:cNvSpPr/>
-          <p:nvPr/>
-        </p:nvSpPr>
-        <p:spPr>
-          <a:xfrm>
-            <a:off x="4615497" y="3570710"/>
-            <a:ext cx="2708367" cy="1471749"/>
-          </a:xfrm>
-          <a:prstGeom prst="roundRect">
-            <a:avLst/>
-          </a:prstGeom>
-          <a:solidFill>
-            <a:schemeClr val="bg1"/>
-          </a:solidFill>
-        </p:spPr>
-        <p:style>
-          <a:lnRef idx="2">
-            <a:schemeClr val="accent1">
-              <a:shade val="50000"/>
-            </a:schemeClr>
-          </a:lnRef>
-          <a:fillRef idx="1">
-            <a:schemeClr val="accent1"/>
-          </a:fillRef>
-          <a:effectRef idx="0">
-            <a:schemeClr val="accent1"/>
-          </a:effectRef>
-          <a:fontRef idx="minor">
-            <a:schemeClr val="lt1"/>
-          </a:fontRef>
-        </p:style>
-        <p:txBody>
-          <a:bodyPr rtlCol="0" anchor="ctr"/>
-          <a:lstStyle/>
-          <a:p>
-            <a:pPr algn="ctr"/>
-            <a:r>
-              <a:rPr lang="ru-RU" dirty="0" smtClean="0">
-                <a:solidFill>
-                  <a:schemeClr val="tx1"/>
-                </a:solidFill>
-              </a:rPr>
-              <a:t>ПИД-регулятор</a:t>
-            </a:r>
-            <a:endParaRPr lang="ru-RU" dirty="0">
-              <a:solidFill>
-                <a:schemeClr val="tx1"/>
-              </a:solidFill>
-            </a:endParaRPr>
-          </a:p>
-        </p:txBody>
-      </p:sp>
-      <p:cxnSp>
-        <p:nvCxnSpPr>
-          <p:cNvPr id="12" name="Прямая соединительная линия 11"/>
-          <p:cNvCxnSpPr>
-            <a:stCxn id="9" idx="3"/>
-          </p:cNvCxnSpPr>
-          <p:nvPr/>
-        </p:nvCxnSpPr>
-        <p:spPr>
-          <a:xfrm>
-            <a:off x="7323864" y="2225056"/>
-            <a:ext cx="1045029" cy="15054"/>
-          </a:xfrm>
-          <a:prstGeom prst="line">
-            <a:avLst/>
-          </a:prstGeom>
-        </p:spPr>
-        <p:style>
-          <a:lnRef idx="1">
-            <a:schemeClr val="accent1"/>
-          </a:lnRef>
-          <a:fillRef idx="0">
-            <a:schemeClr val="accent1"/>
-          </a:fillRef>
-          <a:effectRef idx="0">
-            <a:schemeClr val="accent1"/>
-          </a:effectRef>
-          <a:fontRef idx="minor">
-            <a:schemeClr val="tx1"/>
-          </a:fontRef>
-        </p:style>
-      </p:cxnSp>
-      <p:cxnSp>
-        <p:nvCxnSpPr>
-          <p:cNvPr id="13" name="Прямая соединительная линия 12"/>
-          <p:cNvCxnSpPr/>
-          <p:nvPr/>
-        </p:nvCxnSpPr>
-        <p:spPr>
-          <a:xfrm>
-            <a:off x="7309812" y="4321638"/>
-            <a:ext cx="1059081" cy="0"/>
-          </a:xfrm>
-          <a:prstGeom prst="line">
-            <a:avLst/>
-          </a:prstGeom>
-        </p:spPr>
-        <p:style>
-          <a:lnRef idx="1">
-            <a:schemeClr val="accent1"/>
-          </a:lnRef>
-          <a:fillRef idx="0">
-            <a:schemeClr val="accent1"/>
-          </a:fillRef>
-          <a:effectRef idx="0">
-            <a:schemeClr val="accent1"/>
-          </a:effectRef>
-          <a:fontRef idx="minor">
-            <a:schemeClr val="tx1"/>
-          </a:fontRef>
-        </p:style>
-      </p:cxnSp>
-      <p:cxnSp>
-        <p:nvCxnSpPr>
-          <p:cNvPr id="15" name="Прямая соединительная линия 14"/>
-          <p:cNvCxnSpPr/>
-          <p:nvPr/>
-        </p:nvCxnSpPr>
-        <p:spPr>
-          <a:xfrm>
-            <a:off x="8368893" y="2240110"/>
-            <a:ext cx="0" cy="2081528"/>
-          </a:xfrm>
-          <a:prstGeom prst="line">
-            <a:avLst/>
-          </a:prstGeom>
-        </p:spPr>
-        <p:style>
-          <a:lnRef idx="1">
-            <a:schemeClr val="accent1"/>
-          </a:lnRef>
-          <a:fillRef idx="0">
-            <a:schemeClr val="accent1"/>
-          </a:fillRef>
-          <a:effectRef idx="0">
-            <a:schemeClr val="accent1"/>
-          </a:effectRef>
-          <a:fontRef idx="minor">
-            <a:schemeClr val="tx1"/>
-          </a:fontRef>
-        </p:style>
-      </p:cxnSp>
-      <p:cxnSp>
-        <p:nvCxnSpPr>
-          <p:cNvPr id="17" name="Прямая соединительная линия 16"/>
-          <p:cNvCxnSpPr/>
-          <p:nvPr/>
-        </p:nvCxnSpPr>
-        <p:spPr>
-          <a:xfrm>
-            <a:off x="8368893" y="3174396"/>
-            <a:ext cx="421944" cy="6041"/>
-          </a:xfrm>
-          <a:prstGeom prst="line">
-            <a:avLst/>
-          </a:prstGeom>
-        </p:spPr>
-        <p:style>
-          <a:lnRef idx="1">
-            <a:schemeClr val="accent1"/>
-          </a:lnRef>
-          <a:fillRef idx="0">
-            <a:schemeClr val="accent1"/>
-          </a:fillRef>
-          <a:effectRef idx="0">
-            <a:schemeClr val="accent1"/>
-          </a:effectRef>
-          <a:fontRef idx="minor">
-            <a:schemeClr val="tx1"/>
-          </a:fontRef>
-        </p:style>
-      </p:cxnSp>
-      <p:sp>
-        <p:nvSpPr>
-          <p:cNvPr id="18" name="Скругленный прямоугольник 17"/>
-          <p:cNvSpPr/>
-          <p:nvPr/>
-        </p:nvSpPr>
-        <p:spPr>
-          <a:xfrm>
-            <a:off x="8790837" y="2444561"/>
-            <a:ext cx="2708367" cy="1471749"/>
-          </a:xfrm>
-          <a:prstGeom prst="roundRect">
-            <a:avLst/>
-          </a:prstGeom>
-          <a:solidFill>
-            <a:schemeClr val="bg1"/>
-          </a:solidFill>
-        </p:spPr>
-        <p:style>
-          <a:lnRef idx="2">
-            <a:schemeClr val="accent1">
-              <a:shade val="50000"/>
-            </a:schemeClr>
-          </a:lnRef>
-          <a:fillRef idx="1">
-            <a:schemeClr val="accent1"/>
-          </a:fillRef>
-          <a:effectRef idx="0">
-            <a:schemeClr val="accent1"/>
-          </a:effectRef>
-          <a:fontRef idx="minor">
-            <a:schemeClr val="lt1"/>
-          </a:fontRef>
-        </p:style>
-        <p:txBody>
-          <a:bodyPr rtlCol="0" anchor="ctr"/>
-          <a:lstStyle/>
-          <a:p>
-            <a:pPr algn="ctr"/>
-            <a:r>
-              <a:rPr lang="ru-RU" dirty="0" smtClean="0">
-                <a:solidFill>
-                  <a:schemeClr val="tx1"/>
-                </a:solidFill>
-              </a:rPr>
-              <a:t>Объект управления</a:t>
-            </a:r>
-          </a:p>
-          <a:p>
-            <a:pPr algn="ctr"/>
-            <a:r>
-              <a:rPr lang="ru-RU" dirty="0" smtClean="0">
-                <a:solidFill>
-                  <a:schemeClr val="tx1"/>
-                </a:solidFill>
-              </a:rPr>
-              <a:t>ТС аккумуляторного типа</a:t>
-            </a:r>
-            <a:endParaRPr lang="ru-RU" dirty="0">
-              <a:solidFill>
-                <a:schemeClr val="tx1"/>
-              </a:solidFill>
-            </a:endParaRPr>
-          </a:p>
-        </p:txBody>
-      </p:sp>
-      <p:cxnSp>
-        <p:nvCxnSpPr>
-          <p:cNvPr id="21" name="Прямая соединительная линия 20"/>
-          <p:cNvCxnSpPr>
-            <a:stCxn id="18" idx="3"/>
-          </p:cNvCxnSpPr>
-          <p:nvPr/>
-        </p:nvCxnSpPr>
-        <p:spPr>
-          <a:xfrm flipV="1">
-            <a:off x="11499204" y="3180435"/>
-            <a:ext cx="354023" cy="1"/>
-          </a:xfrm>
-          <a:prstGeom prst="line">
-            <a:avLst/>
-          </a:prstGeom>
-        </p:spPr>
-        <p:style>
-          <a:lnRef idx="1">
-            <a:schemeClr val="accent1"/>
-          </a:lnRef>
-          <a:fillRef idx="0">
-            <a:schemeClr val="accent1"/>
-          </a:fillRef>
-          <a:effectRef idx="0">
-            <a:schemeClr val="accent1"/>
-          </a:effectRef>
-          <a:fontRef idx="minor">
-            <a:schemeClr val="tx1"/>
-          </a:fontRef>
-        </p:style>
-      </p:cxnSp>
-      <p:cxnSp>
-        <p:nvCxnSpPr>
-          <p:cNvPr id="23" name="Прямая соединительная линия 22"/>
-          <p:cNvCxnSpPr/>
-          <p:nvPr/>
-        </p:nvCxnSpPr>
-        <p:spPr>
-          <a:xfrm>
-            <a:off x="11840887" y="3180436"/>
-            <a:ext cx="0" cy="2872021"/>
-          </a:xfrm>
-          <a:prstGeom prst="line">
-            <a:avLst/>
-          </a:prstGeom>
-        </p:spPr>
-        <p:style>
-          <a:lnRef idx="1">
-            <a:schemeClr val="accent1"/>
-          </a:lnRef>
-          <a:fillRef idx="0">
-            <a:schemeClr val="accent1"/>
-          </a:fillRef>
-          <a:effectRef idx="0">
-            <a:schemeClr val="accent1"/>
-          </a:effectRef>
-          <a:fontRef idx="minor">
-            <a:schemeClr val="tx1"/>
-          </a:fontRef>
-        </p:style>
-      </p:cxnSp>
-      <p:cxnSp>
-        <p:nvCxnSpPr>
-          <p:cNvPr id="25" name="Прямая соединительная линия 24"/>
-          <p:cNvCxnSpPr/>
-          <p:nvPr/>
-        </p:nvCxnSpPr>
-        <p:spPr>
-          <a:xfrm flipH="1">
-            <a:off x="3817338" y="6052457"/>
-            <a:ext cx="8035889" cy="0"/>
-          </a:xfrm>
-          <a:prstGeom prst="line">
-            <a:avLst/>
-          </a:prstGeom>
-        </p:spPr>
-        <p:style>
-          <a:lnRef idx="1">
-            <a:schemeClr val="accent1"/>
-          </a:lnRef>
-          <a:fillRef idx="0">
-            <a:schemeClr val="accent1"/>
-          </a:fillRef>
-          <a:effectRef idx="0">
-            <a:schemeClr val="accent1"/>
-          </a:effectRef>
-          <a:fontRef idx="minor">
-            <a:schemeClr val="tx1"/>
-          </a:fontRef>
-        </p:style>
-      </p:cxnSp>
-      <p:cxnSp>
-        <p:nvCxnSpPr>
-          <p:cNvPr id="27" name="Прямая соединительная линия 26"/>
-          <p:cNvCxnSpPr>
-            <a:endCxn id="32" idx="2"/>
-          </p:cNvCxnSpPr>
-          <p:nvPr/>
-        </p:nvCxnSpPr>
-        <p:spPr>
-          <a:xfrm flipH="1" flipV="1">
-            <a:off x="3794904" y="4482943"/>
-            <a:ext cx="22434" cy="1569514"/>
-          </a:xfrm>
-          <a:prstGeom prst="line">
-            <a:avLst/>
-          </a:prstGeom>
-        </p:spPr>
-        <p:style>
-          <a:lnRef idx="1">
-            <a:schemeClr val="accent1"/>
-          </a:lnRef>
-          <a:fillRef idx="0">
-            <a:schemeClr val="accent1"/>
-          </a:fillRef>
-          <a:effectRef idx="0">
-            <a:schemeClr val="accent1"/>
-          </a:effectRef>
-          <a:fontRef idx="minor">
-            <a:schemeClr val="tx1"/>
-          </a:fontRef>
-        </p:style>
-      </p:cxnSp>
-      <p:sp>
-        <p:nvSpPr>
-          <p:cNvPr id="28" name="Овал 27"/>
-          <p:cNvSpPr/>
-          <p:nvPr/>
-        </p:nvSpPr>
-        <p:spPr>
-          <a:xfrm>
-            <a:off x="3599623" y="4126281"/>
-            <a:ext cx="400595" cy="376459"/>
-          </a:xfrm>
-          <a:prstGeom prst="ellipse">
-            <a:avLst/>
-          </a:prstGeom>
-          <a:solidFill>
-            <a:schemeClr val="bg1"/>
-          </a:solidFill>
-        </p:spPr>
-        <p:style>
-          <a:lnRef idx="2">
-            <a:schemeClr val="accent1">
-              <a:shade val="50000"/>
-            </a:schemeClr>
-          </a:lnRef>
-          <a:fillRef idx="1">
-            <a:schemeClr val="accent1"/>
-          </a:fillRef>
-          <a:effectRef idx="0">
-            <a:schemeClr val="accent1"/>
-          </a:effectRef>
-          <a:fontRef idx="minor">
-            <a:schemeClr val="lt1"/>
-          </a:fontRef>
-        </p:style>
-        <p:txBody>
-          <a:bodyPr rtlCol="0" anchor="ctr"/>
-          <a:lstStyle/>
-          <a:p>
-            <a:pPr algn="ctr"/>
-            <a:endParaRPr lang="ru-RU" dirty="0"/>
-          </a:p>
-        </p:txBody>
-      </p:sp>
-      <p:sp>
-        <p:nvSpPr>
-          <p:cNvPr id="32" name="TextBox 31"/>
-          <p:cNvSpPr txBox="1"/>
-          <p:nvPr/>
-        </p:nvSpPr>
-        <p:spPr>
-          <a:xfrm>
-            <a:off x="3676675" y="4113611"/>
-            <a:ext cx="236457" cy="369332"/>
-          </a:xfrm>
-          <a:prstGeom prst="rect">
-            <a:avLst/>
-          </a:prstGeom>
-          <a:noFill/>
-        </p:spPr>
-        <p:txBody>
-          <a:bodyPr wrap="square" rtlCol="0">
-            <a:spAutoFit/>
-          </a:bodyPr>
-          <a:lstStyle/>
-          <a:p>
-            <a:r>
-              <a:rPr lang="ru-RU" dirty="0" smtClean="0"/>
-              <a:t>-</a:t>
-            </a:r>
-            <a:endParaRPr lang="ru-RU" dirty="0"/>
-          </a:p>
-        </p:txBody>
-      </p:sp>
-      <p:cxnSp>
-        <p:nvCxnSpPr>
-          <p:cNvPr id="35" name="Прямая соединительная линия 34"/>
-          <p:cNvCxnSpPr>
-            <a:stCxn id="28" idx="6"/>
-            <a:endCxn id="10" idx="1"/>
-          </p:cNvCxnSpPr>
-          <p:nvPr/>
-        </p:nvCxnSpPr>
-        <p:spPr>
-          <a:xfrm flipV="1">
-            <a:off x="4000218" y="4306585"/>
-            <a:ext cx="615279" cy="7926"/>
-          </a:xfrm>
-          <a:prstGeom prst="line">
-            <a:avLst/>
-          </a:prstGeom>
-        </p:spPr>
-        <p:style>
-          <a:lnRef idx="1">
-            <a:schemeClr val="accent1"/>
-          </a:lnRef>
-          <a:fillRef idx="0">
-            <a:schemeClr val="accent1"/>
-          </a:fillRef>
-          <a:effectRef idx="0">
-            <a:schemeClr val="accent1"/>
-          </a:effectRef>
-          <a:fontRef idx="minor">
-            <a:schemeClr val="tx1"/>
-          </a:fontRef>
-        </p:style>
-      </p:cxnSp>
-      <p:cxnSp>
-        <p:nvCxnSpPr>
-          <p:cNvPr id="40" name="Прямая соединительная линия 39"/>
-          <p:cNvCxnSpPr>
-            <a:stCxn id="28" idx="2"/>
-          </p:cNvCxnSpPr>
-          <p:nvPr/>
-        </p:nvCxnSpPr>
-        <p:spPr>
-          <a:xfrm flipH="1" flipV="1">
-            <a:off x="3395650" y="4314510"/>
-            <a:ext cx="203973" cy="1"/>
-          </a:xfrm>
-          <a:prstGeom prst="line">
-            <a:avLst/>
-          </a:prstGeom>
-        </p:spPr>
-        <p:style>
-          <a:lnRef idx="1">
-            <a:schemeClr val="accent1"/>
-          </a:lnRef>
-          <a:fillRef idx="0">
-            <a:schemeClr val="accent1"/>
-          </a:fillRef>
-          <a:effectRef idx="0">
-            <a:schemeClr val="accent1"/>
-          </a:effectRef>
-          <a:fontRef idx="minor">
-            <a:schemeClr val="tx1"/>
-          </a:fontRef>
-        </p:style>
-      </p:cxnSp>
-      <p:sp>
-        <p:nvSpPr>
-          <p:cNvPr id="48" name="Скругленный прямоугольник 47"/>
-          <p:cNvSpPr/>
-          <p:nvPr/>
-        </p:nvSpPr>
-        <p:spPr>
-          <a:xfrm>
-            <a:off x="333099" y="2444561"/>
-            <a:ext cx="2698906" cy="1479235"/>
-          </a:xfrm>
-          <a:prstGeom prst="roundRect">
-            <a:avLst/>
-          </a:prstGeom>
-        </p:spPr>
-        <p:style>
-          <a:lnRef idx="2">
-            <a:schemeClr val="accent1"/>
-          </a:lnRef>
-          <a:fillRef idx="1">
-            <a:schemeClr val="lt1"/>
-          </a:fillRef>
-          <a:effectRef idx="0">
-            <a:schemeClr val="accent1"/>
-          </a:effectRef>
-          <a:fontRef idx="minor">
-            <a:schemeClr val="dk1"/>
-          </a:fontRef>
-        </p:style>
-        <p:txBody>
-          <a:bodyPr rtlCol="0" anchor="ctr"/>
-          <a:lstStyle/>
-          <a:p>
-            <a:pPr algn="ctr"/>
-            <a:r>
-              <a:rPr lang="ru-RU" dirty="0" smtClean="0"/>
-              <a:t>Уставка </a:t>
-            </a:r>
-            <a:r>
-              <a:rPr lang="ru-RU" dirty="0"/>
-              <a:t>д</a:t>
-            </a:r>
-            <a:r>
-              <a:rPr lang="ru-RU" dirty="0" smtClean="0"/>
-              <a:t>авления</a:t>
-            </a:r>
-            <a:endParaRPr lang="ru-RU" dirty="0"/>
-          </a:p>
-        </p:txBody>
-      </p:sp>
-      <p:cxnSp>
-        <p:nvCxnSpPr>
-          <p:cNvPr id="50" name="Прямая соединительная линия 49"/>
-          <p:cNvCxnSpPr>
-            <a:stCxn id="48" idx="3"/>
-          </p:cNvCxnSpPr>
-          <p:nvPr/>
-        </p:nvCxnSpPr>
-        <p:spPr>
-          <a:xfrm>
-            <a:off x="3032005" y="3184179"/>
-            <a:ext cx="341683" cy="6654"/>
-          </a:xfrm>
-          <a:prstGeom prst="line">
-            <a:avLst/>
-          </a:prstGeom>
-        </p:spPr>
-        <p:style>
-          <a:lnRef idx="1">
-            <a:schemeClr val="accent1"/>
-          </a:lnRef>
-          <a:fillRef idx="0">
-            <a:schemeClr val="accent1"/>
-          </a:fillRef>
-          <a:effectRef idx="0">
-            <a:schemeClr val="accent1"/>
-          </a:effectRef>
-          <a:fontRef idx="minor">
-            <a:schemeClr val="tx1"/>
-          </a:fontRef>
-        </p:style>
-      </p:cxnSp>
-      <p:cxnSp>
-        <p:nvCxnSpPr>
-          <p:cNvPr id="52" name="Прямая соединительная линия 51"/>
-          <p:cNvCxnSpPr/>
-          <p:nvPr/>
-        </p:nvCxnSpPr>
-        <p:spPr>
-          <a:xfrm>
-            <a:off x="3379068" y="3200232"/>
-            <a:ext cx="0" cy="1121406"/>
-          </a:xfrm>
-          <a:prstGeom prst="line">
-            <a:avLst/>
-          </a:prstGeom>
-        </p:spPr>
-        <p:style>
-          <a:lnRef idx="1">
-            <a:schemeClr val="accent1"/>
-          </a:lnRef>
-          <a:fillRef idx="0">
-            <a:schemeClr val="accent1"/>
-          </a:fillRef>
-          <a:effectRef idx="0">
-            <a:schemeClr val="accent1"/>
-          </a:effectRef>
-          <a:fontRef idx="minor">
-            <a:schemeClr val="tx1"/>
-          </a:fontRef>
-        </p:style>
-      </p:cxnSp>
-      <p:cxnSp>
-        <p:nvCxnSpPr>
-          <p:cNvPr id="55" name="Прямая соединительная линия 54"/>
-          <p:cNvCxnSpPr>
-            <a:stCxn id="9" idx="1"/>
-          </p:cNvCxnSpPr>
-          <p:nvPr/>
-        </p:nvCxnSpPr>
-        <p:spPr>
-          <a:xfrm flipH="1">
-            <a:off x="3362487" y="2225056"/>
-            <a:ext cx="1242325" cy="15054"/>
-          </a:xfrm>
-          <a:prstGeom prst="line">
-            <a:avLst/>
-          </a:prstGeom>
-        </p:spPr>
-        <p:style>
-          <a:lnRef idx="1">
-            <a:schemeClr val="accent1"/>
-          </a:lnRef>
-          <a:fillRef idx="0">
-            <a:schemeClr val="accent1"/>
-          </a:fillRef>
-          <a:effectRef idx="0">
-            <a:schemeClr val="accent1"/>
-          </a:effectRef>
-          <a:fontRef idx="minor">
-            <a:schemeClr val="tx1"/>
-          </a:fontRef>
-        </p:style>
-      </p:cxnSp>
-      <p:cxnSp>
-        <p:nvCxnSpPr>
-          <p:cNvPr id="57" name="Прямая соединительная линия 56"/>
-          <p:cNvCxnSpPr/>
-          <p:nvPr/>
-        </p:nvCxnSpPr>
-        <p:spPr>
-          <a:xfrm flipV="1">
-            <a:off x="3379068" y="2240110"/>
-            <a:ext cx="0" cy="960122"/>
-          </a:xfrm>
-          <a:prstGeom prst="line">
-            <a:avLst/>
-          </a:prstGeom>
-        </p:spPr>
-        <p:style>
-          <a:lnRef idx="1">
-            <a:schemeClr val="accent1"/>
-          </a:lnRef>
-          <a:fillRef idx="0">
-            <a:schemeClr val="accent1"/>
-          </a:fillRef>
-          <a:effectRef idx="0">
-            <a:schemeClr val="accent1"/>
-          </a:effectRef>
-          <a:fontRef idx="minor">
-            <a:schemeClr val="tx1"/>
-          </a:fontRef>
-        </p:style>
-      </p:cxnSp>
-      <p:sp>
-        <p:nvSpPr>
-          <p:cNvPr id="59" name="TextBox 58"/>
-          <p:cNvSpPr txBox="1"/>
-          <p:nvPr/>
-        </p:nvSpPr>
-        <p:spPr>
-          <a:xfrm>
-            <a:off x="4484622" y="380391"/>
-            <a:ext cx="3095271" cy="646331"/>
-          </a:xfrm>
-          <a:prstGeom prst="rect">
-            <a:avLst/>
-          </a:prstGeom>
-          <a:noFill/>
-        </p:spPr>
-        <p:txBody>
-          <a:bodyPr wrap="none" rtlCol="0">
-            <a:spAutoFit/>
-          </a:bodyPr>
-          <a:lstStyle/>
-          <a:p>
-            <a:r>
-              <a:rPr lang="ru-RU" dirty="0" smtClean="0"/>
-              <a:t>Комбинированный регулятор</a:t>
-            </a:r>
-          </a:p>
-          <a:p>
-            <a:r>
-              <a:rPr lang="ru-RU" dirty="0" smtClean="0"/>
-              <a:t> управления давлением в ТС</a:t>
-            </a:r>
-            <a:endParaRPr lang="ru-RU" dirty="0"/>
-          </a:p>
-        </p:txBody>
-      </p:sp>
-      <p:sp>
-        <p:nvSpPr>
-          <p:cNvPr id="60" name="TextBox 59"/>
-          <p:cNvSpPr txBox="1"/>
-          <p:nvPr/>
-        </p:nvSpPr>
-        <p:spPr>
-          <a:xfrm>
-            <a:off x="8436813" y="5495365"/>
-            <a:ext cx="423514" cy="369332"/>
-          </a:xfrm>
-          <a:prstGeom prst="rect">
-            <a:avLst/>
-          </a:prstGeom>
-          <a:noFill/>
-        </p:spPr>
-        <p:txBody>
-          <a:bodyPr wrap="none" rtlCol="0">
-            <a:spAutoFit/>
-          </a:bodyPr>
-          <a:lstStyle/>
-          <a:p>
-            <a:r>
-              <a:rPr lang="en-US" dirty="0" smtClean="0"/>
-              <a:t>P</a:t>
-            </a:r>
-            <a:r>
-              <a:rPr lang="ru-RU" sz="1000" dirty="0" err="1" smtClean="0"/>
-              <a:t>ак</a:t>
-            </a:r>
-            <a:endParaRPr lang="ru-RU" sz="1000" dirty="0"/>
-          </a:p>
-        </p:txBody>
-      </p:sp>
-      <p:cxnSp>
-        <p:nvCxnSpPr>
-          <p:cNvPr id="62" name="Прямая со стрелкой 61"/>
-          <p:cNvCxnSpPr/>
-          <p:nvPr/>
-        </p:nvCxnSpPr>
-        <p:spPr>
-          <a:xfrm flipH="1">
-            <a:off x="8436813" y="1326776"/>
-            <a:ext cx="492034" cy="1488142"/>
-          </a:xfrm>
-          <a:prstGeom prst="straightConnector1">
-            <a:avLst/>
-          </a:prstGeom>
-          <a:ln>
-            <a:tailEnd type="triangle"/>
-          </a:ln>
-        </p:spPr>
-        <p:style>
-          <a:lnRef idx="1">
-            <a:schemeClr val="accent1"/>
-          </a:lnRef>
-          <a:fillRef idx="0">
-            <a:schemeClr val="accent1"/>
-          </a:fillRef>
-          <a:effectRef idx="0">
-            <a:schemeClr val="accent1"/>
-          </a:effectRef>
-          <a:fontRef idx="minor">
-            <a:schemeClr val="tx1"/>
-          </a:fontRef>
-        </p:style>
-      </p:cxnSp>
-      <p:sp>
-        <p:nvSpPr>
-          <p:cNvPr id="63" name="TextBox 62"/>
-          <p:cNvSpPr txBox="1"/>
-          <p:nvPr/>
-        </p:nvSpPr>
-        <p:spPr>
-          <a:xfrm>
-            <a:off x="8368893" y="764190"/>
-            <a:ext cx="3552254" cy="646331"/>
-          </a:xfrm>
-          <a:prstGeom prst="rect">
-            <a:avLst/>
-          </a:prstGeom>
-          <a:noFill/>
-        </p:spPr>
-        <p:txBody>
-          <a:bodyPr wrap="none" rtlCol="0">
-            <a:spAutoFit/>
-          </a:bodyPr>
-          <a:lstStyle/>
-          <a:p>
-            <a:r>
-              <a:rPr lang="ru-RU" dirty="0" smtClean="0"/>
-              <a:t>ШИМ сигнал управления </a:t>
-            </a:r>
-          </a:p>
-          <a:p>
-            <a:r>
-              <a:rPr lang="ru-RU" dirty="0" smtClean="0"/>
-              <a:t>дросселирующим клапаном ТНВД</a:t>
-            </a:r>
-            <a:endParaRPr lang="ru-RU" dirty="0"/>
-          </a:p>
-        </p:txBody>
-      </p:sp>
     </p:spTree>
     <p:extLst>
       <p:ext uri="{BB962C8B-B14F-4D97-AF65-F5344CB8AC3E}">
-        <p14:creationId xmlns:p14="http://schemas.microsoft.com/office/powerpoint/2010/main" val="988205126"/>
+        <p14:creationId xmlns:p14="http://schemas.microsoft.com/office/powerpoint/2010/main" val="2171338620"/>
       </p:ext>
     </p:extLst>
   </p:cSld>

--- a/Презентация1.pptx
+++ b/Презентация1.pptx
@@ -14,9 +14,9 @@
     <p:sldId id="259" r:id="rId8"/>
     <p:sldId id="260" r:id="rId9"/>
     <p:sldId id="274" r:id="rId10"/>
-    <p:sldId id="272" r:id="rId11"/>
-    <p:sldId id="273" r:id="rId12"/>
-    <p:sldId id="270" r:id="rId13"/>
+    <p:sldId id="275" r:id="rId11"/>
+    <p:sldId id="272" r:id="rId12"/>
+    <p:sldId id="273" r:id="rId13"/>
   </p:sldIdLst>
   <p:sldSz cx="12192000" cy="6858000"/>
   <p:notesSz cx="6858000" cy="9144000"/>
@@ -254,7 +254,7 @@
           <a:p>
             <a:fld id="{27DF0F75-C579-4C28-9547-144EAD9AD0C4}" type="datetimeFigureOut">
               <a:rPr lang="ru-RU" smtClean="0"/>
-              <a:t>26.02.2022</a:t>
+              <a:t>28.02.2022</a:t>
             </a:fld>
             <a:endParaRPr lang="ru-RU"/>
           </a:p>
@@ -424,7 +424,7 @@
           <a:p>
             <a:fld id="{27DF0F75-C579-4C28-9547-144EAD9AD0C4}" type="datetimeFigureOut">
               <a:rPr lang="ru-RU" smtClean="0"/>
-              <a:t>26.02.2022</a:t>
+              <a:t>28.02.2022</a:t>
             </a:fld>
             <a:endParaRPr lang="ru-RU"/>
           </a:p>
@@ -604,7 +604,7 @@
           <a:p>
             <a:fld id="{27DF0F75-C579-4C28-9547-144EAD9AD0C4}" type="datetimeFigureOut">
               <a:rPr lang="ru-RU" smtClean="0"/>
-              <a:t>26.02.2022</a:t>
+              <a:t>28.02.2022</a:t>
             </a:fld>
             <a:endParaRPr lang="ru-RU"/>
           </a:p>
@@ -774,7 +774,7 @@
           <a:p>
             <a:fld id="{27DF0F75-C579-4C28-9547-144EAD9AD0C4}" type="datetimeFigureOut">
               <a:rPr lang="ru-RU" smtClean="0"/>
-              <a:t>26.02.2022</a:t>
+              <a:t>28.02.2022</a:t>
             </a:fld>
             <a:endParaRPr lang="ru-RU"/>
           </a:p>
@@ -1020,7 +1020,7 @@
           <a:p>
             <a:fld id="{27DF0F75-C579-4C28-9547-144EAD9AD0C4}" type="datetimeFigureOut">
               <a:rPr lang="ru-RU" smtClean="0"/>
-              <a:t>26.02.2022</a:t>
+              <a:t>28.02.2022</a:t>
             </a:fld>
             <a:endParaRPr lang="ru-RU"/>
           </a:p>
@@ -1252,7 +1252,7 @@
           <a:p>
             <a:fld id="{27DF0F75-C579-4C28-9547-144EAD9AD0C4}" type="datetimeFigureOut">
               <a:rPr lang="ru-RU" smtClean="0"/>
-              <a:t>26.02.2022</a:t>
+              <a:t>28.02.2022</a:t>
             </a:fld>
             <a:endParaRPr lang="ru-RU"/>
           </a:p>
@@ -1619,7 +1619,7 @@
           <a:p>
             <a:fld id="{27DF0F75-C579-4C28-9547-144EAD9AD0C4}" type="datetimeFigureOut">
               <a:rPr lang="ru-RU" smtClean="0"/>
-              <a:t>26.02.2022</a:t>
+              <a:t>28.02.2022</a:t>
             </a:fld>
             <a:endParaRPr lang="ru-RU"/>
           </a:p>
@@ -1737,7 +1737,7 @@
           <a:p>
             <a:fld id="{27DF0F75-C579-4C28-9547-144EAD9AD0C4}" type="datetimeFigureOut">
               <a:rPr lang="ru-RU" smtClean="0"/>
-              <a:t>26.02.2022</a:t>
+              <a:t>28.02.2022</a:t>
             </a:fld>
             <a:endParaRPr lang="ru-RU"/>
           </a:p>
@@ -1832,7 +1832,7 @@
           <a:p>
             <a:fld id="{27DF0F75-C579-4C28-9547-144EAD9AD0C4}" type="datetimeFigureOut">
               <a:rPr lang="ru-RU" smtClean="0"/>
-              <a:t>26.02.2022</a:t>
+              <a:t>28.02.2022</a:t>
             </a:fld>
             <a:endParaRPr lang="ru-RU"/>
           </a:p>
@@ -2109,7 +2109,7 @@
           <a:p>
             <a:fld id="{27DF0F75-C579-4C28-9547-144EAD9AD0C4}" type="datetimeFigureOut">
               <a:rPr lang="ru-RU" smtClean="0"/>
-              <a:t>26.02.2022</a:t>
+              <a:t>28.02.2022</a:t>
             </a:fld>
             <a:endParaRPr lang="ru-RU"/>
           </a:p>
@@ -2362,7 +2362,7 @@
           <a:p>
             <a:fld id="{27DF0F75-C579-4C28-9547-144EAD9AD0C4}" type="datetimeFigureOut">
               <a:rPr lang="ru-RU" smtClean="0"/>
-              <a:t>26.02.2022</a:t>
+              <a:t>28.02.2022</a:t>
             </a:fld>
             <a:endParaRPr lang="ru-RU"/>
           </a:p>
@@ -2575,7 +2575,7 @@
           <a:p>
             <a:fld id="{27DF0F75-C579-4C28-9547-144EAD9AD0C4}" type="datetimeFigureOut">
               <a:rPr lang="ru-RU" smtClean="0"/>
-              <a:t>26.02.2022</a:t>
+              <a:t>28.02.2022</a:t>
             </a:fld>
             <a:endParaRPr lang="ru-RU"/>
           </a:p>
@@ -3548,926 +3548,17 @@
   <p:clrMapOvr>
     <a:masterClrMapping/>
   </p:clrMapOvr>
+  <p:timing>
+    <p:tnLst>
+      <p:par>
+        <p:cTn id="1" dur="indefinite" restart="never" nodeType="tmRoot"/>
+      </p:par>
+    </p:tnLst>
+  </p:timing>
 </p:sld>
 </file>
 
 <file path=ppt/slides/slide10.xml><?xml version="1.0" encoding="utf-8"?>
-<p:sld xmlns:a="http://schemas.openxmlformats.org/drawingml/2006/main" xmlns:r="http://schemas.openxmlformats.org/officeDocument/2006/relationships" xmlns:p="http://schemas.openxmlformats.org/presentationml/2006/main">
-  <p:cSld>
-    <p:spTree>
-      <p:nvGrpSpPr>
-        <p:cNvPr id="1" name=""/>
-        <p:cNvGrpSpPr/>
-        <p:nvPr/>
-      </p:nvGrpSpPr>
-      <p:grpSpPr>
-        <a:xfrm>
-          <a:off x="0" y="0"/>
-          <a:ext cx="0" cy="0"/>
-          <a:chOff x="0" y="0"/>
-          <a:chExt cx="0" cy="0"/>
-        </a:xfrm>
-      </p:grpSpPr>
-      <p:sp>
-        <p:nvSpPr>
-          <p:cNvPr id="7" name="Скругленный прямоугольник 6"/>
-          <p:cNvSpPr/>
-          <p:nvPr/>
-        </p:nvSpPr>
-        <p:spPr>
-          <a:xfrm>
-            <a:off x="4328115" y="1256414"/>
-            <a:ext cx="3466012" cy="4084320"/>
-          </a:xfrm>
-          <a:prstGeom prst="roundRect">
-            <a:avLst/>
-          </a:prstGeom>
-          <a:solidFill>
-            <a:schemeClr val="bg1"/>
-          </a:solidFill>
-          <a:ln w="38100"/>
-        </p:spPr>
-        <p:style>
-          <a:lnRef idx="2">
-            <a:schemeClr val="accent1">
-              <a:shade val="50000"/>
-            </a:schemeClr>
-          </a:lnRef>
-          <a:fillRef idx="1">
-            <a:schemeClr val="accent1"/>
-          </a:fillRef>
-          <a:effectRef idx="0">
-            <a:schemeClr val="accent1"/>
-          </a:effectRef>
-          <a:fontRef idx="minor">
-            <a:schemeClr val="lt1"/>
-          </a:fontRef>
-        </p:style>
-        <p:txBody>
-          <a:bodyPr rtlCol="0" anchor="ctr"/>
-          <a:lstStyle/>
-          <a:p>
-            <a:pPr algn="ctr"/>
-            <a:endParaRPr lang="ru-RU"/>
-          </a:p>
-        </p:txBody>
-      </p:sp>
-      <p:pic>
-        <p:nvPicPr>
-          <p:cNvPr id="9" name="Рисунок 8"/>
-          <p:cNvPicPr>
-            <a:picLocks noChangeAspect="1"/>
-          </p:cNvPicPr>
-          <p:nvPr/>
-        </p:nvPicPr>
-        <p:blipFill>
-          <a:blip r:embed="rId2"/>
-          <a:stretch>
-            <a:fillRect/>
-          </a:stretch>
-        </p:blipFill>
-        <p:spPr>
-          <a:xfrm>
-            <a:off x="4604812" y="1426411"/>
-            <a:ext cx="2719052" cy="1597290"/>
-          </a:xfrm>
-          <a:prstGeom prst="rect">
-            <a:avLst/>
-          </a:prstGeom>
-        </p:spPr>
-      </p:pic>
-      <p:sp>
-        <p:nvSpPr>
-          <p:cNvPr id="10" name="Скругленный прямоугольник 9"/>
-          <p:cNvSpPr/>
-          <p:nvPr/>
-        </p:nvSpPr>
-        <p:spPr>
-          <a:xfrm>
-            <a:off x="4615497" y="3570710"/>
-            <a:ext cx="2708367" cy="1471749"/>
-          </a:xfrm>
-          <a:prstGeom prst="roundRect">
-            <a:avLst/>
-          </a:prstGeom>
-          <a:solidFill>
-            <a:schemeClr val="bg1"/>
-          </a:solidFill>
-        </p:spPr>
-        <p:style>
-          <a:lnRef idx="2">
-            <a:schemeClr val="accent1">
-              <a:shade val="50000"/>
-            </a:schemeClr>
-          </a:lnRef>
-          <a:fillRef idx="1">
-            <a:schemeClr val="accent1"/>
-          </a:fillRef>
-          <a:effectRef idx="0">
-            <a:schemeClr val="accent1"/>
-          </a:effectRef>
-          <a:fontRef idx="minor">
-            <a:schemeClr val="lt1"/>
-          </a:fontRef>
-        </p:style>
-        <p:txBody>
-          <a:bodyPr rtlCol="0" anchor="ctr"/>
-          <a:lstStyle/>
-          <a:p>
-            <a:pPr algn="ctr"/>
-            <a:r>
-              <a:rPr lang="ru-RU" dirty="0" smtClean="0">
-                <a:solidFill>
-                  <a:schemeClr val="tx1"/>
-                </a:solidFill>
-              </a:rPr>
-              <a:t>ПИД-регулятор</a:t>
-            </a:r>
-            <a:endParaRPr lang="ru-RU" dirty="0">
-              <a:solidFill>
-                <a:schemeClr val="tx1"/>
-              </a:solidFill>
-            </a:endParaRPr>
-          </a:p>
-        </p:txBody>
-      </p:sp>
-      <p:cxnSp>
-        <p:nvCxnSpPr>
-          <p:cNvPr id="12" name="Прямая соединительная линия 11"/>
-          <p:cNvCxnSpPr>
-            <a:stCxn id="9" idx="3"/>
-          </p:cNvCxnSpPr>
-          <p:nvPr/>
-        </p:nvCxnSpPr>
-        <p:spPr>
-          <a:xfrm>
-            <a:off x="7323864" y="2225056"/>
-            <a:ext cx="1045029" cy="15054"/>
-          </a:xfrm>
-          <a:prstGeom prst="line">
-            <a:avLst/>
-          </a:prstGeom>
-        </p:spPr>
-        <p:style>
-          <a:lnRef idx="1">
-            <a:schemeClr val="accent1"/>
-          </a:lnRef>
-          <a:fillRef idx="0">
-            <a:schemeClr val="accent1"/>
-          </a:fillRef>
-          <a:effectRef idx="0">
-            <a:schemeClr val="accent1"/>
-          </a:effectRef>
-          <a:fontRef idx="minor">
-            <a:schemeClr val="tx1"/>
-          </a:fontRef>
-        </p:style>
-      </p:cxnSp>
-      <p:cxnSp>
-        <p:nvCxnSpPr>
-          <p:cNvPr id="13" name="Прямая соединительная линия 12"/>
-          <p:cNvCxnSpPr/>
-          <p:nvPr/>
-        </p:nvCxnSpPr>
-        <p:spPr>
-          <a:xfrm>
-            <a:off x="7309812" y="4321638"/>
-            <a:ext cx="1059081" cy="0"/>
-          </a:xfrm>
-          <a:prstGeom prst="line">
-            <a:avLst/>
-          </a:prstGeom>
-        </p:spPr>
-        <p:style>
-          <a:lnRef idx="1">
-            <a:schemeClr val="accent1"/>
-          </a:lnRef>
-          <a:fillRef idx="0">
-            <a:schemeClr val="accent1"/>
-          </a:fillRef>
-          <a:effectRef idx="0">
-            <a:schemeClr val="accent1"/>
-          </a:effectRef>
-          <a:fontRef idx="minor">
-            <a:schemeClr val="tx1"/>
-          </a:fontRef>
-        </p:style>
-      </p:cxnSp>
-      <p:cxnSp>
-        <p:nvCxnSpPr>
-          <p:cNvPr id="15" name="Прямая соединительная линия 14"/>
-          <p:cNvCxnSpPr/>
-          <p:nvPr/>
-        </p:nvCxnSpPr>
-        <p:spPr>
-          <a:xfrm>
-            <a:off x="8368893" y="2240110"/>
-            <a:ext cx="0" cy="2081528"/>
-          </a:xfrm>
-          <a:prstGeom prst="line">
-            <a:avLst/>
-          </a:prstGeom>
-        </p:spPr>
-        <p:style>
-          <a:lnRef idx="1">
-            <a:schemeClr val="accent1"/>
-          </a:lnRef>
-          <a:fillRef idx="0">
-            <a:schemeClr val="accent1"/>
-          </a:fillRef>
-          <a:effectRef idx="0">
-            <a:schemeClr val="accent1"/>
-          </a:effectRef>
-          <a:fontRef idx="minor">
-            <a:schemeClr val="tx1"/>
-          </a:fontRef>
-        </p:style>
-      </p:cxnSp>
-      <p:cxnSp>
-        <p:nvCxnSpPr>
-          <p:cNvPr id="17" name="Прямая соединительная линия 16"/>
-          <p:cNvCxnSpPr/>
-          <p:nvPr/>
-        </p:nvCxnSpPr>
-        <p:spPr>
-          <a:xfrm>
-            <a:off x="8368893" y="3174396"/>
-            <a:ext cx="421944" cy="6041"/>
-          </a:xfrm>
-          <a:prstGeom prst="line">
-            <a:avLst/>
-          </a:prstGeom>
-        </p:spPr>
-        <p:style>
-          <a:lnRef idx="1">
-            <a:schemeClr val="accent1"/>
-          </a:lnRef>
-          <a:fillRef idx="0">
-            <a:schemeClr val="accent1"/>
-          </a:fillRef>
-          <a:effectRef idx="0">
-            <a:schemeClr val="accent1"/>
-          </a:effectRef>
-          <a:fontRef idx="minor">
-            <a:schemeClr val="tx1"/>
-          </a:fontRef>
-        </p:style>
-      </p:cxnSp>
-      <p:sp>
-        <p:nvSpPr>
-          <p:cNvPr id="18" name="Скругленный прямоугольник 17"/>
-          <p:cNvSpPr/>
-          <p:nvPr/>
-        </p:nvSpPr>
-        <p:spPr>
-          <a:xfrm>
-            <a:off x="8790837" y="2444561"/>
-            <a:ext cx="2708367" cy="1471749"/>
-          </a:xfrm>
-          <a:prstGeom prst="roundRect">
-            <a:avLst/>
-          </a:prstGeom>
-          <a:solidFill>
-            <a:schemeClr val="bg1"/>
-          </a:solidFill>
-        </p:spPr>
-        <p:style>
-          <a:lnRef idx="2">
-            <a:schemeClr val="accent1">
-              <a:shade val="50000"/>
-            </a:schemeClr>
-          </a:lnRef>
-          <a:fillRef idx="1">
-            <a:schemeClr val="accent1"/>
-          </a:fillRef>
-          <a:effectRef idx="0">
-            <a:schemeClr val="accent1"/>
-          </a:effectRef>
-          <a:fontRef idx="minor">
-            <a:schemeClr val="lt1"/>
-          </a:fontRef>
-        </p:style>
-        <p:txBody>
-          <a:bodyPr rtlCol="0" anchor="ctr"/>
-          <a:lstStyle/>
-          <a:p>
-            <a:pPr algn="ctr"/>
-            <a:r>
-              <a:rPr lang="ru-RU" dirty="0" smtClean="0">
-                <a:solidFill>
-                  <a:schemeClr val="tx1"/>
-                </a:solidFill>
-              </a:rPr>
-              <a:t>Объект управления</a:t>
-            </a:r>
-          </a:p>
-          <a:p>
-            <a:pPr algn="ctr"/>
-            <a:r>
-              <a:rPr lang="ru-RU" dirty="0" smtClean="0">
-                <a:solidFill>
-                  <a:schemeClr val="tx1"/>
-                </a:solidFill>
-              </a:rPr>
-              <a:t>ТС аккумуляторного типа</a:t>
-            </a:r>
-            <a:endParaRPr lang="ru-RU" dirty="0">
-              <a:solidFill>
-                <a:schemeClr val="tx1"/>
-              </a:solidFill>
-            </a:endParaRPr>
-          </a:p>
-        </p:txBody>
-      </p:sp>
-      <p:cxnSp>
-        <p:nvCxnSpPr>
-          <p:cNvPr id="21" name="Прямая соединительная линия 20"/>
-          <p:cNvCxnSpPr>
-            <a:stCxn id="18" idx="3"/>
-          </p:cNvCxnSpPr>
-          <p:nvPr/>
-        </p:nvCxnSpPr>
-        <p:spPr>
-          <a:xfrm flipV="1">
-            <a:off x="11499204" y="3180435"/>
-            <a:ext cx="354023" cy="1"/>
-          </a:xfrm>
-          <a:prstGeom prst="line">
-            <a:avLst/>
-          </a:prstGeom>
-        </p:spPr>
-        <p:style>
-          <a:lnRef idx="1">
-            <a:schemeClr val="accent1"/>
-          </a:lnRef>
-          <a:fillRef idx="0">
-            <a:schemeClr val="accent1"/>
-          </a:fillRef>
-          <a:effectRef idx="0">
-            <a:schemeClr val="accent1"/>
-          </a:effectRef>
-          <a:fontRef idx="minor">
-            <a:schemeClr val="tx1"/>
-          </a:fontRef>
-        </p:style>
-      </p:cxnSp>
-      <p:cxnSp>
-        <p:nvCxnSpPr>
-          <p:cNvPr id="23" name="Прямая соединительная линия 22"/>
-          <p:cNvCxnSpPr/>
-          <p:nvPr/>
-        </p:nvCxnSpPr>
-        <p:spPr>
-          <a:xfrm>
-            <a:off x="11840887" y="3180436"/>
-            <a:ext cx="0" cy="2872021"/>
-          </a:xfrm>
-          <a:prstGeom prst="line">
-            <a:avLst/>
-          </a:prstGeom>
-        </p:spPr>
-        <p:style>
-          <a:lnRef idx="1">
-            <a:schemeClr val="accent1"/>
-          </a:lnRef>
-          <a:fillRef idx="0">
-            <a:schemeClr val="accent1"/>
-          </a:fillRef>
-          <a:effectRef idx="0">
-            <a:schemeClr val="accent1"/>
-          </a:effectRef>
-          <a:fontRef idx="minor">
-            <a:schemeClr val="tx1"/>
-          </a:fontRef>
-        </p:style>
-      </p:cxnSp>
-      <p:cxnSp>
-        <p:nvCxnSpPr>
-          <p:cNvPr id="25" name="Прямая соединительная линия 24"/>
-          <p:cNvCxnSpPr/>
-          <p:nvPr/>
-        </p:nvCxnSpPr>
-        <p:spPr>
-          <a:xfrm flipH="1">
-            <a:off x="3817338" y="6052457"/>
-            <a:ext cx="8035889" cy="0"/>
-          </a:xfrm>
-          <a:prstGeom prst="line">
-            <a:avLst/>
-          </a:prstGeom>
-        </p:spPr>
-        <p:style>
-          <a:lnRef idx="1">
-            <a:schemeClr val="accent1"/>
-          </a:lnRef>
-          <a:fillRef idx="0">
-            <a:schemeClr val="accent1"/>
-          </a:fillRef>
-          <a:effectRef idx="0">
-            <a:schemeClr val="accent1"/>
-          </a:effectRef>
-          <a:fontRef idx="minor">
-            <a:schemeClr val="tx1"/>
-          </a:fontRef>
-        </p:style>
-      </p:cxnSp>
-      <p:cxnSp>
-        <p:nvCxnSpPr>
-          <p:cNvPr id="27" name="Прямая соединительная линия 26"/>
-          <p:cNvCxnSpPr>
-            <a:endCxn id="32" idx="2"/>
-          </p:cNvCxnSpPr>
-          <p:nvPr/>
-        </p:nvCxnSpPr>
-        <p:spPr>
-          <a:xfrm flipH="1" flipV="1">
-            <a:off x="3794904" y="4482943"/>
-            <a:ext cx="22434" cy="1569514"/>
-          </a:xfrm>
-          <a:prstGeom prst="line">
-            <a:avLst/>
-          </a:prstGeom>
-        </p:spPr>
-        <p:style>
-          <a:lnRef idx="1">
-            <a:schemeClr val="accent1"/>
-          </a:lnRef>
-          <a:fillRef idx="0">
-            <a:schemeClr val="accent1"/>
-          </a:fillRef>
-          <a:effectRef idx="0">
-            <a:schemeClr val="accent1"/>
-          </a:effectRef>
-          <a:fontRef idx="minor">
-            <a:schemeClr val="tx1"/>
-          </a:fontRef>
-        </p:style>
-      </p:cxnSp>
-      <p:sp>
-        <p:nvSpPr>
-          <p:cNvPr id="28" name="Овал 27"/>
-          <p:cNvSpPr/>
-          <p:nvPr/>
-        </p:nvSpPr>
-        <p:spPr>
-          <a:xfrm>
-            <a:off x="3599623" y="4126281"/>
-            <a:ext cx="400595" cy="376459"/>
-          </a:xfrm>
-          <a:prstGeom prst="ellipse">
-            <a:avLst/>
-          </a:prstGeom>
-          <a:solidFill>
-            <a:schemeClr val="bg1"/>
-          </a:solidFill>
-        </p:spPr>
-        <p:style>
-          <a:lnRef idx="2">
-            <a:schemeClr val="accent1">
-              <a:shade val="50000"/>
-            </a:schemeClr>
-          </a:lnRef>
-          <a:fillRef idx="1">
-            <a:schemeClr val="accent1"/>
-          </a:fillRef>
-          <a:effectRef idx="0">
-            <a:schemeClr val="accent1"/>
-          </a:effectRef>
-          <a:fontRef idx="minor">
-            <a:schemeClr val="lt1"/>
-          </a:fontRef>
-        </p:style>
-        <p:txBody>
-          <a:bodyPr rtlCol="0" anchor="ctr"/>
-          <a:lstStyle/>
-          <a:p>
-            <a:pPr algn="ctr"/>
-            <a:endParaRPr lang="ru-RU" dirty="0"/>
-          </a:p>
-        </p:txBody>
-      </p:sp>
-      <p:sp>
-        <p:nvSpPr>
-          <p:cNvPr id="32" name="TextBox 31"/>
-          <p:cNvSpPr txBox="1"/>
-          <p:nvPr/>
-        </p:nvSpPr>
-        <p:spPr>
-          <a:xfrm>
-            <a:off x="3676675" y="4113611"/>
-            <a:ext cx="236457" cy="369332"/>
-          </a:xfrm>
-          <a:prstGeom prst="rect">
-            <a:avLst/>
-          </a:prstGeom>
-          <a:noFill/>
-        </p:spPr>
-        <p:txBody>
-          <a:bodyPr wrap="square" rtlCol="0">
-            <a:spAutoFit/>
-          </a:bodyPr>
-          <a:lstStyle/>
-          <a:p>
-            <a:r>
-              <a:rPr lang="ru-RU" dirty="0" smtClean="0"/>
-              <a:t>-</a:t>
-            </a:r>
-            <a:endParaRPr lang="ru-RU" dirty="0"/>
-          </a:p>
-        </p:txBody>
-      </p:sp>
-      <p:cxnSp>
-        <p:nvCxnSpPr>
-          <p:cNvPr id="35" name="Прямая соединительная линия 34"/>
-          <p:cNvCxnSpPr>
-            <a:stCxn id="28" idx="6"/>
-            <a:endCxn id="10" idx="1"/>
-          </p:cNvCxnSpPr>
-          <p:nvPr/>
-        </p:nvCxnSpPr>
-        <p:spPr>
-          <a:xfrm flipV="1">
-            <a:off x="4000218" y="4306585"/>
-            <a:ext cx="615279" cy="7926"/>
-          </a:xfrm>
-          <a:prstGeom prst="line">
-            <a:avLst/>
-          </a:prstGeom>
-        </p:spPr>
-        <p:style>
-          <a:lnRef idx="1">
-            <a:schemeClr val="accent1"/>
-          </a:lnRef>
-          <a:fillRef idx="0">
-            <a:schemeClr val="accent1"/>
-          </a:fillRef>
-          <a:effectRef idx="0">
-            <a:schemeClr val="accent1"/>
-          </a:effectRef>
-          <a:fontRef idx="minor">
-            <a:schemeClr val="tx1"/>
-          </a:fontRef>
-        </p:style>
-      </p:cxnSp>
-      <p:cxnSp>
-        <p:nvCxnSpPr>
-          <p:cNvPr id="40" name="Прямая соединительная линия 39"/>
-          <p:cNvCxnSpPr>
-            <a:stCxn id="28" idx="2"/>
-          </p:cNvCxnSpPr>
-          <p:nvPr/>
-        </p:nvCxnSpPr>
-        <p:spPr>
-          <a:xfrm flipH="1" flipV="1">
-            <a:off x="3395650" y="4314510"/>
-            <a:ext cx="203973" cy="1"/>
-          </a:xfrm>
-          <a:prstGeom prst="line">
-            <a:avLst/>
-          </a:prstGeom>
-        </p:spPr>
-        <p:style>
-          <a:lnRef idx="1">
-            <a:schemeClr val="accent1"/>
-          </a:lnRef>
-          <a:fillRef idx="0">
-            <a:schemeClr val="accent1"/>
-          </a:fillRef>
-          <a:effectRef idx="0">
-            <a:schemeClr val="accent1"/>
-          </a:effectRef>
-          <a:fontRef idx="minor">
-            <a:schemeClr val="tx1"/>
-          </a:fontRef>
-        </p:style>
-      </p:cxnSp>
-      <p:sp>
-        <p:nvSpPr>
-          <p:cNvPr id="48" name="Скругленный прямоугольник 47"/>
-          <p:cNvSpPr/>
-          <p:nvPr/>
-        </p:nvSpPr>
-        <p:spPr>
-          <a:xfrm>
-            <a:off x="333099" y="2444561"/>
-            <a:ext cx="2698906" cy="1479235"/>
-          </a:xfrm>
-          <a:prstGeom prst="roundRect">
-            <a:avLst/>
-          </a:prstGeom>
-        </p:spPr>
-        <p:style>
-          <a:lnRef idx="2">
-            <a:schemeClr val="accent1"/>
-          </a:lnRef>
-          <a:fillRef idx="1">
-            <a:schemeClr val="lt1"/>
-          </a:fillRef>
-          <a:effectRef idx="0">
-            <a:schemeClr val="accent1"/>
-          </a:effectRef>
-          <a:fontRef idx="minor">
-            <a:schemeClr val="dk1"/>
-          </a:fontRef>
-        </p:style>
-        <p:txBody>
-          <a:bodyPr rtlCol="0" anchor="ctr"/>
-          <a:lstStyle/>
-          <a:p>
-            <a:pPr algn="ctr"/>
-            <a:r>
-              <a:rPr lang="ru-RU" dirty="0" smtClean="0"/>
-              <a:t>Уставка </a:t>
-            </a:r>
-            <a:r>
-              <a:rPr lang="ru-RU" dirty="0"/>
-              <a:t>д</a:t>
-            </a:r>
-            <a:r>
-              <a:rPr lang="ru-RU" dirty="0" smtClean="0"/>
-              <a:t>авления</a:t>
-            </a:r>
-            <a:endParaRPr lang="ru-RU" dirty="0"/>
-          </a:p>
-        </p:txBody>
-      </p:sp>
-      <p:cxnSp>
-        <p:nvCxnSpPr>
-          <p:cNvPr id="50" name="Прямая соединительная линия 49"/>
-          <p:cNvCxnSpPr>
-            <a:stCxn id="48" idx="3"/>
-          </p:cNvCxnSpPr>
-          <p:nvPr/>
-        </p:nvCxnSpPr>
-        <p:spPr>
-          <a:xfrm>
-            <a:off x="3032005" y="3184179"/>
-            <a:ext cx="341683" cy="6654"/>
-          </a:xfrm>
-          <a:prstGeom prst="line">
-            <a:avLst/>
-          </a:prstGeom>
-        </p:spPr>
-        <p:style>
-          <a:lnRef idx="1">
-            <a:schemeClr val="accent1"/>
-          </a:lnRef>
-          <a:fillRef idx="0">
-            <a:schemeClr val="accent1"/>
-          </a:fillRef>
-          <a:effectRef idx="0">
-            <a:schemeClr val="accent1"/>
-          </a:effectRef>
-          <a:fontRef idx="minor">
-            <a:schemeClr val="tx1"/>
-          </a:fontRef>
-        </p:style>
-      </p:cxnSp>
-      <p:cxnSp>
-        <p:nvCxnSpPr>
-          <p:cNvPr id="52" name="Прямая соединительная линия 51"/>
-          <p:cNvCxnSpPr/>
-          <p:nvPr/>
-        </p:nvCxnSpPr>
-        <p:spPr>
-          <a:xfrm>
-            <a:off x="3379068" y="3200232"/>
-            <a:ext cx="0" cy="1121406"/>
-          </a:xfrm>
-          <a:prstGeom prst="line">
-            <a:avLst/>
-          </a:prstGeom>
-        </p:spPr>
-        <p:style>
-          <a:lnRef idx="1">
-            <a:schemeClr val="accent1"/>
-          </a:lnRef>
-          <a:fillRef idx="0">
-            <a:schemeClr val="accent1"/>
-          </a:fillRef>
-          <a:effectRef idx="0">
-            <a:schemeClr val="accent1"/>
-          </a:effectRef>
-          <a:fontRef idx="minor">
-            <a:schemeClr val="tx1"/>
-          </a:fontRef>
-        </p:style>
-      </p:cxnSp>
-      <p:cxnSp>
-        <p:nvCxnSpPr>
-          <p:cNvPr id="55" name="Прямая соединительная линия 54"/>
-          <p:cNvCxnSpPr>
-            <a:stCxn id="9" idx="1"/>
-          </p:cNvCxnSpPr>
-          <p:nvPr/>
-        </p:nvCxnSpPr>
-        <p:spPr>
-          <a:xfrm flipH="1">
-            <a:off x="3362487" y="2225056"/>
-            <a:ext cx="1242325" cy="15054"/>
-          </a:xfrm>
-          <a:prstGeom prst="line">
-            <a:avLst/>
-          </a:prstGeom>
-        </p:spPr>
-        <p:style>
-          <a:lnRef idx="1">
-            <a:schemeClr val="accent1"/>
-          </a:lnRef>
-          <a:fillRef idx="0">
-            <a:schemeClr val="accent1"/>
-          </a:fillRef>
-          <a:effectRef idx="0">
-            <a:schemeClr val="accent1"/>
-          </a:effectRef>
-          <a:fontRef idx="minor">
-            <a:schemeClr val="tx1"/>
-          </a:fontRef>
-        </p:style>
-      </p:cxnSp>
-      <p:cxnSp>
-        <p:nvCxnSpPr>
-          <p:cNvPr id="57" name="Прямая соединительная линия 56"/>
-          <p:cNvCxnSpPr/>
-          <p:nvPr/>
-        </p:nvCxnSpPr>
-        <p:spPr>
-          <a:xfrm flipV="1">
-            <a:off x="3379068" y="2240110"/>
-            <a:ext cx="0" cy="960122"/>
-          </a:xfrm>
-          <a:prstGeom prst="line">
-            <a:avLst/>
-          </a:prstGeom>
-        </p:spPr>
-        <p:style>
-          <a:lnRef idx="1">
-            <a:schemeClr val="accent1"/>
-          </a:lnRef>
-          <a:fillRef idx="0">
-            <a:schemeClr val="accent1"/>
-          </a:fillRef>
-          <a:effectRef idx="0">
-            <a:schemeClr val="accent1"/>
-          </a:effectRef>
-          <a:fontRef idx="minor">
-            <a:schemeClr val="tx1"/>
-          </a:fontRef>
-        </p:style>
-      </p:cxnSp>
-      <p:sp>
-        <p:nvSpPr>
-          <p:cNvPr id="59" name="TextBox 58"/>
-          <p:cNvSpPr txBox="1"/>
-          <p:nvPr/>
-        </p:nvSpPr>
-        <p:spPr>
-          <a:xfrm>
-            <a:off x="4484622" y="380391"/>
-            <a:ext cx="3095271" cy="646331"/>
-          </a:xfrm>
-          <a:prstGeom prst="rect">
-            <a:avLst/>
-          </a:prstGeom>
-          <a:noFill/>
-        </p:spPr>
-        <p:txBody>
-          <a:bodyPr wrap="none" rtlCol="0">
-            <a:spAutoFit/>
-          </a:bodyPr>
-          <a:lstStyle/>
-          <a:p>
-            <a:r>
-              <a:rPr lang="ru-RU" dirty="0" smtClean="0"/>
-              <a:t>Комбинированный регулятор</a:t>
-            </a:r>
-          </a:p>
-          <a:p>
-            <a:r>
-              <a:rPr lang="ru-RU" dirty="0" smtClean="0"/>
-              <a:t> управления давлением в ТС</a:t>
-            </a:r>
-            <a:endParaRPr lang="ru-RU" dirty="0"/>
-          </a:p>
-        </p:txBody>
-      </p:sp>
-      <p:sp>
-        <p:nvSpPr>
-          <p:cNvPr id="60" name="TextBox 59"/>
-          <p:cNvSpPr txBox="1"/>
-          <p:nvPr/>
-        </p:nvSpPr>
-        <p:spPr>
-          <a:xfrm>
-            <a:off x="8436813" y="5495365"/>
-            <a:ext cx="423514" cy="369332"/>
-          </a:xfrm>
-          <a:prstGeom prst="rect">
-            <a:avLst/>
-          </a:prstGeom>
-          <a:noFill/>
-        </p:spPr>
-        <p:txBody>
-          <a:bodyPr wrap="none" rtlCol="0">
-            <a:spAutoFit/>
-          </a:bodyPr>
-          <a:lstStyle/>
-          <a:p>
-            <a:r>
-              <a:rPr lang="en-US" dirty="0" smtClean="0"/>
-              <a:t>P</a:t>
-            </a:r>
-            <a:r>
-              <a:rPr lang="ru-RU" sz="1000" dirty="0" err="1" smtClean="0"/>
-              <a:t>ак</a:t>
-            </a:r>
-            <a:endParaRPr lang="ru-RU" sz="1000" dirty="0"/>
-          </a:p>
-        </p:txBody>
-      </p:sp>
-      <p:cxnSp>
-        <p:nvCxnSpPr>
-          <p:cNvPr id="62" name="Прямая со стрелкой 61"/>
-          <p:cNvCxnSpPr/>
-          <p:nvPr/>
-        </p:nvCxnSpPr>
-        <p:spPr>
-          <a:xfrm flipH="1">
-            <a:off x="8436813" y="1326776"/>
-            <a:ext cx="492034" cy="1488142"/>
-          </a:xfrm>
-          <a:prstGeom prst="straightConnector1">
-            <a:avLst/>
-          </a:prstGeom>
-          <a:ln>
-            <a:tailEnd type="triangle"/>
-          </a:ln>
-        </p:spPr>
-        <p:style>
-          <a:lnRef idx="1">
-            <a:schemeClr val="accent1"/>
-          </a:lnRef>
-          <a:fillRef idx="0">
-            <a:schemeClr val="accent1"/>
-          </a:fillRef>
-          <a:effectRef idx="0">
-            <a:schemeClr val="accent1"/>
-          </a:effectRef>
-          <a:fontRef idx="minor">
-            <a:schemeClr val="tx1"/>
-          </a:fontRef>
-        </p:style>
-      </p:cxnSp>
-      <p:sp>
-        <p:nvSpPr>
-          <p:cNvPr id="63" name="TextBox 62"/>
-          <p:cNvSpPr txBox="1"/>
-          <p:nvPr/>
-        </p:nvSpPr>
-        <p:spPr>
-          <a:xfrm>
-            <a:off x="8368893" y="764190"/>
-            <a:ext cx="3552254" cy="646331"/>
-          </a:xfrm>
-          <a:prstGeom prst="rect">
-            <a:avLst/>
-          </a:prstGeom>
-          <a:noFill/>
-        </p:spPr>
-        <p:txBody>
-          <a:bodyPr wrap="none" rtlCol="0">
-            <a:spAutoFit/>
-          </a:bodyPr>
-          <a:lstStyle/>
-          <a:p>
-            <a:r>
-              <a:rPr lang="ru-RU" dirty="0" smtClean="0"/>
-              <a:t>ШИМ сигнал управления </a:t>
-            </a:r>
-          </a:p>
-          <a:p>
-            <a:r>
-              <a:rPr lang="ru-RU" dirty="0" smtClean="0"/>
-              <a:t>дросселирующим клапаном ТНВД</a:t>
-            </a:r>
-            <a:endParaRPr lang="ru-RU" dirty="0"/>
-          </a:p>
-        </p:txBody>
-      </p:sp>
-    </p:spTree>
-    <p:extLst>
-      <p:ext uri="{BB962C8B-B14F-4D97-AF65-F5344CB8AC3E}">
-        <p14:creationId xmlns:p14="http://schemas.microsoft.com/office/powerpoint/2010/main" val="988205126"/>
-      </p:ext>
-    </p:extLst>
-  </p:cSld>
-  <p:clrMapOvr>
-    <a:masterClrMapping/>
-  </p:clrMapOvr>
-</p:sld>
-</file>
-
-<file path=ppt/slides/slide11.xml><?xml version="1.0" encoding="utf-8"?>
 <p:sld xmlns:a="http://schemas.openxmlformats.org/drawingml/2006/main" xmlns:r="http://schemas.openxmlformats.org/officeDocument/2006/relationships" xmlns:p="http://schemas.openxmlformats.org/presentationml/2006/main">
   <p:cSld>
     <p:spTree>
@@ -4500,24 +3591,1092 @@
         </p:blipFill>
         <p:spPr>
           <a:xfrm>
-            <a:off x="345077" y="444138"/>
-            <a:ext cx="8468036" cy="5927002"/>
+            <a:off x="1502773" y="170769"/>
+            <a:ext cx="2933700" cy="2162175"/>
           </a:xfrm>
           <a:prstGeom prst="rect">
             <a:avLst/>
           </a:prstGeom>
         </p:spPr>
       </p:pic>
+      <p:pic>
+        <p:nvPicPr>
+          <p:cNvPr id="3" name="Рисунок 2"/>
+          <p:cNvPicPr>
+            <a:picLocks noChangeAspect="1"/>
+          </p:cNvPicPr>
+          <p:nvPr/>
+        </p:nvPicPr>
+        <p:blipFill>
+          <a:blip r:embed="rId3"/>
+          <a:stretch>
+            <a:fillRect/>
+          </a:stretch>
+        </p:blipFill>
+        <p:spPr>
+          <a:xfrm>
+            <a:off x="1502773" y="2375261"/>
+            <a:ext cx="2981325" cy="2162175"/>
+          </a:xfrm>
+          <a:prstGeom prst="rect">
+            <a:avLst/>
+          </a:prstGeom>
+        </p:spPr>
+      </p:pic>
+      <p:pic>
+        <p:nvPicPr>
+          <p:cNvPr id="4" name="Рисунок 3"/>
+          <p:cNvPicPr>
+            <a:picLocks noChangeAspect="1"/>
+          </p:cNvPicPr>
+          <p:nvPr/>
+        </p:nvPicPr>
+        <p:blipFill>
+          <a:blip r:embed="rId4"/>
+          <a:stretch>
+            <a:fillRect/>
+          </a:stretch>
+        </p:blipFill>
+        <p:spPr>
+          <a:xfrm>
+            <a:off x="1502773" y="4537436"/>
+            <a:ext cx="3009900" cy="2162175"/>
+          </a:xfrm>
+          <a:prstGeom prst="rect">
+            <a:avLst/>
+          </a:prstGeom>
+        </p:spPr>
+      </p:pic>
+      <p:sp>
+        <p:nvSpPr>
+          <p:cNvPr id="5" name="TextBox 4"/>
+          <p:cNvSpPr txBox="1"/>
+          <p:nvPr/>
+        </p:nvSpPr>
+        <p:spPr>
+          <a:xfrm>
+            <a:off x="5355771" y="1067190"/>
+            <a:ext cx="4146841" cy="369332"/>
+          </a:xfrm>
+          <a:prstGeom prst="rect">
+            <a:avLst/>
+          </a:prstGeom>
+          <a:noFill/>
+        </p:spPr>
+        <p:txBody>
+          <a:bodyPr wrap="none" rtlCol="0">
+            <a:spAutoFit/>
+          </a:bodyPr>
+          <a:lstStyle/>
+          <a:p>
+            <a:r>
+              <a:rPr lang="ru-RU" dirty="0" smtClean="0"/>
+              <a:t>ПИД регулятор долго выходит на режим</a:t>
+            </a:r>
+            <a:endParaRPr lang="ru-RU" dirty="0"/>
+          </a:p>
+        </p:txBody>
+      </p:sp>
+      <p:sp>
+        <p:nvSpPr>
+          <p:cNvPr id="6" name="TextBox 5"/>
+          <p:cNvSpPr txBox="1"/>
+          <p:nvPr/>
+        </p:nvSpPr>
+        <p:spPr>
+          <a:xfrm>
+            <a:off x="5355771" y="3271682"/>
+            <a:ext cx="2166555" cy="369332"/>
+          </a:xfrm>
+          <a:prstGeom prst="rect">
+            <a:avLst/>
+          </a:prstGeom>
+          <a:noFill/>
+        </p:spPr>
+        <p:txBody>
+          <a:bodyPr wrap="none" rtlCol="0">
+            <a:spAutoFit/>
+          </a:bodyPr>
+          <a:lstStyle/>
+          <a:p>
+            <a:r>
+              <a:rPr lang="ru-RU" dirty="0" smtClean="0"/>
+              <a:t>Перерегулирование</a:t>
+            </a:r>
+            <a:endParaRPr lang="ru-RU" dirty="0"/>
+          </a:p>
+        </p:txBody>
+      </p:sp>
+      <p:sp>
+        <p:nvSpPr>
+          <p:cNvPr id="7" name="TextBox 6"/>
+          <p:cNvSpPr txBox="1"/>
+          <p:nvPr/>
+        </p:nvSpPr>
+        <p:spPr>
+          <a:xfrm>
+            <a:off x="5355771" y="5433857"/>
+            <a:ext cx="3326360" cy="369332"/>
+          </a:xfrm>
+          <a:prstGeom prst="rect">
+            <a:avLst/>
+          </a:prstGeom>
+          <a:noFill/>
+        </p:spPr>
+        <p:txBody>
+          <a:bodyPr wrap="none" rtlCol="0">
+            <a:spAutoFit/>
+          </a:bodyPr>
+          <a:lstStyle/>
+          <a:p>
+            <a:r>
+              <a:rPr lang="ru-RU" dirty="0" smtClean="0"/>
+              <a:t>Приемлемая работа регулятора</a:t>
+            </a:r>
+            <a:endParaRPr lang="ru-RU" dirty="0"/>
+          </a:p>
+        </p:txBody>
+      </p:sp>
     </p:spTree>
     <p:extLst>
       <p:ext uri="{BB962C8B-B14F-4D97-AF65-F5344CB8AC3E}">
-        <p14:creationId xmlns:p14="http://schemas.microsoft.com/office/powerpoint/2010/main" val="548292680"/>
+        <p14:creationId xmlns:p14="http://schemas.microsoft.com/office/powerpoint/2010/main" val="4291849711"/>
       </p:ext>
     </p:extLst>
   </p:cSld>
   <p:clrMapOvr>
     <a:masterClrMapping/>
   </p:clrMapOvr>
+  <p:timing>
+    <p:tnLst>
+      <p:par>
+        <p:cTn id="1" dur="indefinite" restart="never" nodeType="tmRoot"/>
+      </p:par>
+    </p:tnLst>
+  </p:timing>
+</p:sld>
+</file>
+
+<file path=ppt/slides/slide11.xml><?xml version="1.0" encoding="utf-8"?>
+<p:sld xmlns:a="http://schemas.openxmlformats.org/drawingml/2006/main" xmlns:r="http://schemas.openxmlformats.org/officeDocument/2006/relationships" xmlns:p="http://schemas.openxmlformats.org/presentationml/2006/main">
+  <p:cSld>
+    <p:spTree>
+      <p:nvGrpSpPr>
+        <p:cNvPr id="1" name=""/>
+        <p:cNvGrpSpPr/>
+        <p:nvPr/>
+      </p:nvGrpSpPr>
+      <p:grpSpPr>
+        <a:xfrm>
+          <a:off x="0" y="0"/>
+          <a:ext cx="0" cy="0"/>
+          <a:chOff x="0" y="0"/>
+          <a:chExt cx="0" cy="0"/>
+        </a:xfrm>
+      </p:grpSpPr>
+      <p:sp>
+        <p:nvSpPr>
+          <p:cNvPr id="7" name="Скругленный прямоугольник 6"/>
+          <p:cNvSpPr/>
+          <p:nvPr/>
+        </p:nvSpPr>
+        <p:spPr>
+          <a:xfrm>
+            <a:off x="4328115" y="1256414"/>
+            <a:ext cx="3466012" cy="4084320"/>
+          </a:xfrm>
+          <a:prstGeom prst="roundRect">
+            <a:avLst/>
+          </a:prstGeom>
+          <a:solidFill>
+            <a:schemeClr val="bg1"/>
+          </a:solidFill>
+          <a:ln w="38100"/>
+        </p:spPr>
+        <p:style>
+          <a:lnRef idx="2">
+            <a:schemeClr val="accent1">
+              <a:shade val="50000"/>
+            </a:schemeClr>
+          </a:lnRef>
+          <a:fillRef idx="1">
+            <a:schemeClr val="accent1"/>
+          </a:fillRef>
+          <a:effectRef idx="0">
+            <a:schemeClr val="accent1"/>
+          </a:effectRef>
+          <a:fontRef idx="minor">
+            <a:schemeClr val="lt1"/>
+          </a:fontRef>
+        </p:style>
+        <p:txBody>
+          <a:bodyPr rtlCol="0" anchor="ctr"/>
+          <a:lstStyle/>
+          <a:p>
+            <a:pPr algn="ctr"/>
+            <a:endParaRPr lang="ru-RU"/>
+          </a:p>
+        </p:txBody>
+      </p:sp>
+      <p:pic>
+        <p:nvPicPr>
+          <p:cNvPr id="9" name="Рисунок 8"/>
+          <p:cNvPicPr>
+            <a:picLocks noChangeAspect="1"/>
+          </p:cNvPicPr>
+          <p:nvPr/>
+        </p:nvPicPr>
+        <p:blipFill>
+          <a:blip r:embed="rId2"/>
+          <a:stretch>
+            <a:fillRect/>
+          </a:stretch>
+        </p:blipFill>
+        <p:spPr>
+          <a:xfrm>
+            <a:off x="4604812" y="1426411"/>
+            <a:ext cx="2719052" cy="1597290"/>
+          </a:xfrm>
+          <a:prstGeom prst="rect">
+            <a:avLst/>
+          </a:prstGeom>
+        </p:spPr>
+      </p:pic>
+      <p:sp>
+        <p:nvSpPr>
+          <p:cNvPr id="10" name="Скругленный прямоугольник 9"/>
+          <p:cNvSpPr/>
+          <p:nvPr/>
+        </p:nvSpPr>
+        <p:spPr>
+          <a:xfrm>
+            <a:off x="4615497" y="3570710"/>
+            <a:ext cx="2708367" cy="1471749"/>
+          </a:xfrm>
+          <a:prstGeom prst="roundRect">
+            <a:avLst/>
+          </a:prstGeom>
+          <a:solidFill>
+            <a:schemeClr val="bg1"/>
+          </a:solidFill>
+        </p:spPr>
+        <p:style>
+          <a:lnRef idx="2">
+            <a:schemeClr val="accent1">
+              <a:shade val="50000"/>
+            </a:schemeClr>
+          </a:lnRef>
+          <a:fillRef idx="1">
+            <a:schemeClr val="accent1"/>
+          </a:fillRef>
+          <a:effectRef idx="0">
+            <a:schemeClr val="accent1"/>
+          </a:effectRef>
+          <a:fontRef idx="minor">
+            <a:schemeClr val="lt1"/>
+          </a:fontRef>
+        </p:style>
+        <p:txBody>
+          <a:bodyPr rtlCol="0" anchor="ctr"/>
+          <a:lstStyle/>
+          <a:p>
+            <a:pPr algn="ctr"/>
+            <a:r>
+              <a:rPr lang="ru-RU" dirty="0" smtClean="0">
+                <a:solidFill>
+                  <a:schemeClr val="tx1"/>
+                </a:solidFill>
+              </a:rPr>
+              <a:t>ПИД-регулятор</a:t>
+            </a:r>
+            <a:endParaRPr lang="ru-RU" dirty="0">
+              <a:solidFill>
+                <a:schemeClr val="tx1"/>
+              </a:solidFill>
+            </a:endParaRPr>
+          </a:p>
+        </p:txBody>
+      </p:sp>
+      <p:cxnSp>
+        <p:nvCxnSpPr>
+          <p:cNvPr id="12" name="Прямая соединительная линия 11"/>
+          <p:cNvCxnSpPr>
+            <a:stCxn id="9" idx="3"/>
+          </p:cNvCxnSpPr>
+          <p:nvPr/>
+        </p:nvCxnSpPr>
+        <p:spPr>
+          <a:xfrm>
+            <a:off x="7323864" y="2225056"/>
+            <a:ext cx="1045029" cy="15054"/>
+          </a:xfrm>
+          <a:prstGeom prst="line">
+            <a:avLst/>
+          </a:prstGeom>
+        </p:spPr>
+        <p:style>
+          <a:lnRef idx="1">
+            <a:schemeClr val="accent1"/>
+          </a:lnRef>
+          <a:fillRef idx="0">
+            <a:schemeClr val="accent1"/>
+          </a:fillRef>
+          <a:effectRef idx="0">
+            <a:schemeClr val="accent1"/>
+          </a:effectRef>
+          <a:fontRef idx="minor">
+            <a:schemeClr val="tx1"/>
+          </a:fontRef>
+        </p:style>
+      </p:cxnSp>
+      <p:cxnSp>
+        <p:nvCxnSpPr>
+          <p:cNvPr id="13" name="Прямая соединительная линия 12"/>
+          <p:cNvCxnSpPr/>
+          <p:nvPr/>
+        </p:nvCxnSpPr>
+        <p:spPr>
+          <a:xfrm>
+            <a:off x="7309812" y="4321638"/>
+            <a:ext cx="1059081" cy="0"/>
+          </a:xfrm>
+          <a:prstGeom prst="line">
+            <a:avLst/>
+          </a:prstGeom>
+        </p:spPr>
+        <p:style>
+          <a:lnRef idx="1">
+            <a:schemeClr val="accent1"/>
+          </a:lnRef>
+          <a:fillRef idx="0">
+            <a:schemeClr val="accent1"/>
+          </a:fillRef>
+          <a:effectRef idx="0">
+            <a:schemeClr val="accent1"/>
+          </a:effectRef>
+          <a:fontRef idx="minor">
+            <a:schemeClr val="tx1"/>
+          </a:fontRef>
+        </p:style>
+      </p:cxnSp>
+      <p:cxnSp>
+        <p:nvCxnSpPr>
+          <p:cNvPr id="15" name="Прямая соединительная линия 14"/>
+          <p:cNvCxnSpPr/>
+          <p:nvPr/>
+        </p:nvCxnSpPr>
+        <p:spPr>
+          <a:xfrm>
+            <a:off x="8368893" y="2240110"/>
+            <a:ext cx="0" cy="2081528"/>
+          </a:xfrm>
+          <a:prstGeom prst="line">
+            <a:avLst/>
+          </a:prstGeom>
+        </p:spPr>
+        <p:style>
+          <a:lnRef idx="1">
+            <a:schemeClr val="accent1"/>
+          </a:lnRef>
+          <a:fillRef idx="0">
+            <a:schemeClr val="accent1"/>
+          </a:fillRef>
+          <a:effectRef idx="0">
+            <a:schemeClr val="accent1"/>
+          </a:effectRef>
+          <a:fontRef idx="minor">
+            <a:schemeClr val="tx1"/>
+          </a:fontRef>
+        </p:style>
+      </p:cxnSp>
+      <p:cxnSp>
+        <p:nvCxnSpPr>
+          <p:cNvPr id="17" name="Прямая соединительная линия 16"/>
+          <p:cNvCxnSpPr/>
+          <p:nvPr/>
+        </p:nvCxnSpPr>
+        <p:spPr>
+          <a:xfrm>
+            <a:off x="8368893" y="3174396"/>
+            <a:ext cx="421944" cy="6041"/>
+          </a:xfrm>
+          <a:prstGeom prst="line">
+            <a:avLst/>
+          </a:prstGeom>
+        </p:spPr>
+        <p:style>
+          <a:lnRef idx="1">
+            <a:schemeClr val="accent1"/>
+          </a:lnRef>
+          <a:fillRef idx="0">
+            <a:schemeClr val="accent1"/>
+          </a:fillRef>
+          <a:effectRef idx="0">
+            <a:schemeClr val="accent1"/>
+          </a:effectRef>
+          <a:fontRef idx="minor">
+            <a:schemeClr val="tx1"/>
+          </a:fontRef>
+        </p:style>
+      </p:cxnSp>
+      <p:sp>
+        <p:nvSpPr>
+          <p:cNvPr id="18" name="Скругленный прямоугольник 17"/>
+          <p:cNvSpPr/>
+          <p:nvPr/>
+        </p:nvSpPr>
+        <p:spPr>
+          <a:xfrm>
+            <a:off x="8790837" y="2444561"/>
+            <a:ext cx="2708367" cy="1471749"/>
+          </a:xfrm>
+          <a:prstGeom prst="roundRect">
+            <a:avLst/>
+          </a:prstGeom>
+          <a:solidFill>
+            <a:schemeClr val="bg1"/>
+          </a:solidFill>
+        </p:spPr>
+        <p:style>
+          <a:lnRef idx="2">
+            <a:schemeClr val="accent1">
+              <a:shade val="50000"/>
+            </a:schemeClr>
+          </a:lnRef>
+          <a:fillRef idx="1">
+            <a:schemeClr val="accent1"/>
+          </a:fillRef>
+          <a:effectRef idx="0">
+            <a:schemeClr val="accent1"/>
+          </a:effectRef>
+          <a:fontRef idx="minor">
+            <a:schemeClr val="lt1"/>
+          </a:fontRef>
+        </p:style>
+        <p:txBody>
+          <a:bodyPr rtlCol="0" anchor="ctr"/>
+          <a:lstStyle/>
+          <a:p>
+            <a:pPr algn="ctr"/>
+            <a:r>
+              <a:rPr lang="ru-RU" dirty="0" smtClean="0">
+                <a:solidFill>
+                  <a:schemeClr val="tx1"/>
+                </a:solidFill>
+              </a:rPr>
+              <a:t>Объект управления</a:t>
+            </a:r>
+          </a:p>
+          <a:p>
+            <a:pPr algn="ctr"/>
+            <a:r>
+              <a:rPr lang="ru-RU" dirty="0" smtClean="0">
+                <a:solidFill>
+                  <a:schemeClr val="tx1"/>
+                </a:solidFill>
+              </a:rPr>
+              <a:t>ТС аккумуляторного типа</a:t>
+            </a:r>
+            <a:endParaRPr lang="ru-RU" dirty="0">
+              <a:solidFill>
+                <a:schemeClr val="tx1"/>
+              </a:solidFill>
+            </a:endParaRPr>
+          </a:p>
+        </p:txBody>
+      </p:sp>
+      <p:cxnSp>
+        <p:nvCxnSpPr>
+          <p:cNvPr id="21" name="Прямая соединительная линия 20"/>
+          <p:cNvCxnSpPr>
+            <a:stCxn id="18" idx="3"/>
+          </p:cNvCxnSpPr>
+          <p:nvPr/>
+        </p:nvCxnSpPr>
+        <p:spPr>
+          <a:xfrm flipV="1">
+            <a:off x="11499204" y="3180435"/>
+            <a:ext cx="354023" cy="1"/>
+          </a:xfrm>
+          <a:prstGeom prst="line">
+            <a:avLst/>
+          </a:prstGeom>
+        </p:spPr>
+        <p:style>
+          <a:lnRef idx="1">
+            <a:schemeClr val="accent1"/>
+          </a:lnRef>
+          <a:fillRef idx="0">
+            <a:schemeClr val="accent1"/>
+          </a:fillRef>
+          <a:effectRef idx="0">
+            <a:schemeClr val="accent1"/>
+          </a:effectRef>
+          <a:fontRef idx="minor">
+            <a:schemeClr val="tx1"/>
+          </a:fontRef>
+        </p:style>
+      </p:cxnSp>
+      <p:cxnSp>
+        <p:nvCxnSpPr>
+          <p:cNvPr id="23" name="Прямая соединительная линия 22"/>
+          <p:cNvCxnSpPr/>
+          <p:nvPr/>
+        </p:nvCxnSpPr>
+        <p:spPr>
+          <a:xfrm>
+            <a:off x="11840887" y="3180436"/>
+            <a:ext cx="0" cy="2872021"/>
+          </a:xfrm>
+          <a:prstGeom prst="line">
+            <a:avLst/>
+          </a:prstGeom>
+        </p:spPr>
+        <p:style>
+          <a:lnRef idx="1">
+            <a:schemeClr val="accent1"/>
+          </a:lnRef>
+          <a:fillRef idx="0">
+            <a:schemeClr val="accent1"/>
+          </a:fillRef>
+          <a:effectRef idx="0">
+            <a:schemeClr val="accent1"/>
+          </a:effectRef>
+          <a:fontRef idx="minor">
+            <a:schemeClr val="tx1"/>
+          </a:fontRef>
+        </p:style>
+      </p:cxnSp>
+      <p:cxnSp>
+        <p:nvCxnSpPr>
+          <p:cNvPr id="25" name="Прямая соединительная линия 24"/>
+          <p:cNvCxnSpPr/>
+          <p:nvPr/>
+        </p:nvCxnSpPr>
+        <p:spPr>
+          <a:xfrm flipH="1">
+            <a:off x="3817338" y="6052457"/>
+            <a:ext cx="8035889" cy="0"/>
+          </a:xfrm>
+          <a:prstGeom prst="line">
+            <a:avLst/>
+          </a:prstGeom>
+        </p:spPr>
+        <p:style>
+          <a:lnRef idx="1">
+            <a:schemeClr val="accent1"/>
+          </a:lnRef>
+          <a:fillRef idx="0">
+            <a:schemeClr val="accent1"/>
+          </a:fillRef>
+          <a:effectRef idx="0">
+            <a:schemeClr val="accent1"/>
+          </a:effectRef>
+          <a:fontRef idx="minor">
+            <a:schemeClr val="tx1"/>
+          </a:fontRef>
+        </p:style>
+      </p:cxnSp>
+      <p:cxnSp>
+        <p:nvCxnSpPr>
+          <p:cNvPr id="27" name="Прямая соединительная линия 26"/>
+          <p:cNvCxnSpPr>
+            <a:endCxn id="32" idx="2"/>
+          </p:cNvCxnSpPr>
+          <p:nvPr/>
+        </p:nvCxnSpPr>
+        <p:spPr>
+          <a:xfrm flipH="1" flipV="1">
+            <a:off x="3794904" y="4482943"/>
+            <a:ext cx="22434" cy="1569514"/>
+          </a:xfrm>
+          <a:prstGeom prst="line">
+            <a:avLst/>
+          </a:prstGeom>
+        </p:spPr>
+        <p:style>
+          <a:lnRef idx="1">
+            <a:schemeClr val="accent1"/>
+          </a:lnRef>
+          <a:fillRef idx="0">
+            <a:schemeClr val="accent1"/>
+          </a:fillRef>
+          <a:effectRef idx="0">
+            <a:schemeClr val="accent1"/>
+          </a:effectRef>
+          <a:fontRef idx="minor">
+            <a:schemeClr val="tx1"/>
+          </a:fontRef>
+        </p:style>
+      </p:cxnSp>
+      <p:sp>
+        <p:nvSpPr>
+          <p:cNvPr id="28" name="Овал 27"/>
+          <p:cNvSpPr/>
+          <p:nvPr/>
+        </p:nvSpPr>
+        <p:spPr>
+          <a:xfrm>
+            <a:off x="3599623" y="4126281"/>
+            <a:ext cx="400595" cy="376459"/>
+          </a:xfrm>
+          <a:prstGeom prst="ellipse">
+            <a:avLst/>
+          </a:prstGeom>
+          <a:solidFill>
+            <a:schemeClr val="bg1"/>
+          </a:solidFill>
+        </p:spPr>
+        <p:style>
+          <a:lnRef idx="2">
+            <a:schemeClr val="accent1">
+              <a:shade val="50000"/>
+            </a:schemeClr>
+          </a:lnRef>
+          <a:fillRef idx="1">
+            <a:schemeClr val="accent1"/>
+          </a:fillRef>
+          <a:effectRef idx="0">
+            <a:schemeClr val="accent1"/>
+          </a:effectRef>
+          <a:fontRef idx="minor">
+            <a:schemeClr val="lt1"/>
+          </a:fontRef>
+        </p:style>
+        <p:txBody>
+          <a:bodyPr rtlCol="0" anchor="ctr"/>
+          <a:lstStyle/>
+          <a:p>
+            <a:pPr algn="ctr"/>
+            <a:endParaRPr lang="ru-RU" dirty="0"/>
+          </a:p>
+        </p:txBody>
+      </p:sp>
+      <p:sp>
+        <p:nvSpPr>
+          <p:cNvPr id="32" name="TextBox 31"/>
+          <p:cNvSpPr txBox="1"/>
+          <p:nvPr/>
+        </p:nvSpPr>
+        <p:spPr>
+          <a:xfrm>
+            <a:off x="3676675" y="4113611"/>
+            <a:ext cx="236457" cy="369332"/>
+          </a:xfrm>
+          <a:prstGeom prst="rect">
+            <a:avLst/>
+          </a:prstGeom>
+          <a:noFill/>
+        </p:spPr>
+        <p:txBody>
+          <a:bodyPr wrap="square" rtlCol="0">
+            <a:spAutoFit/>
+          </a:bodyPr>
+          <a:lstStyle/>
+          <a:p>
+            <a:r>
+              <a:rPr lang="ru-RU" dirty="0" smtClean="0"/>
+              <a:t>-</a:t>
+            </a:r>
+            <a:endParaRPr lang="ru-RU" dirty="0"/>
+          </a:p>
+        </p:txBody>
+      </p:sp>
+      <p:cxnSp>
+        <p:nvCxnSpPr>
+          <p:cNvPr id="35" name="Прямая соединительная линия 34"/>
+          <p:cNvCxnSpPr>
+            <a:stCxn id="28" idx="6"/>
+            <a:endCxn id="10" idx="1"/>
+          </p:cNvCxnSpPr>
+          <p:nvPr/>
+        </p:nvCxnSpPr>
+        <p:spPr>
+          <a:xfrm flipV="1">
+            <a:off x="4000218" y="4306585"/>
+            <a:ext cx="615279" cy="7926"/>
+          </a:xfrm>
+          <a:prstGeom prst="line">
+            <a:avLst/>
+          </a:prstGeom>
+        </p:spPr>
+        <p:style>
+          <a:lnRef idx="1">
+            <a:schemeClr val="accent1"/>
+          </a:lnRef>
+          <a:fillRef idx="0">
+            <a:schemeClr val="accent1"/>
+          </a:fillRef>
+          <a:effectRef idx="0">
+            <a:schemeClr val="accent1"/>
+          </a:effectRef>
+          <a:fontRef idx="minor">
+            <a:schemeClr val="tx1"/>
+          </a:fontRef>
+        </p:style>
+      </p:cxnSp>
+      <p:cxnSp>
+        <p:nvCxnSpPr>
+          <p:cNvPr id="40" name="Прямая соединительная линия 39"/>
+          <p:cNvCxnSpPr>
+            <a:stCxn id="28" idx="2"/>
+          </p:cNvCxnSpPr>
+          <p:nvPr/>
+        </p:nvCxnSpPr>
+        <p:spPr>
+          <a:xfrm flipH="1" flipV="1">
+            <a:off x="3395650" y="4314510"/>
+            <a:ext cx="203973" cy="1"/>
+          </a:xfrm>
+          <a:prstGeom prst="line">
+            <a:avLst/>
+          </a:prstGeom>
+        </p:spPr>
+        <p:style>
+          <a:lnRef idx="1">
+            <a:schemeClr val="accent1"/>
+          </a:lnRef>
+          <a:fillRef idx="0">
+            <a:schemeClr val="accent1"/>
+          </a:fillRef>
+          <a:effectRef idx="0">
+            <a:schemeClr val="accent1"/>
+          </a:effectRef>
+          <a:fontRef idx="minor">
+            <a:schemeClr val="tx1"/>
+          </a:fontRef>
+        </p:style>
+      </p:cxnSp>
+      <p:sp>
+        <p:nvSpPr>
+          <p:cNvPr id="48" name="Скругленный прямоугольник 47"/>
+          <p:cNvSpPr/>
+          <p:nvPr/>
+        </p:nvSpPr>
+        <p:spPr>
+          <a:xfrm>
+            <a:off x="333099" y="2444561"/>
+            <a:ext cx="2698906" cy="1479235"/>
+          </a:xfrm>
+          <a:prstGeom prst="roundRect">
+            <a:avLst/>
+          </a:prstGeom>
+        </p:spPr>
+        <p:style>
+          <a:lnRef idx="2">
+            <a:schemeClr val="accent1"/>
+          </a:lnRef>
+          <a:fillRef idx="1">
+            <a:schemeClr val="lt1"/>
+          </a:fillRef>
+          <a:effectRef idx="0">
+            <a:schemeClr val="accent1"/>
+          </a:effectRef>
+          <a:fontRef idx="minor">
+            <a:schemeClr val="dk1"/>
+          </a:fontRef>
+        </p:style>
+        <p:txBody>
+          <a:bodyPr rtlCol="0" anchor="ctr"/>
+          <a:lstStyle/>
+          <a:p>
+            <a:pPr algn="ctr"/>
+            <a:r>
+              <a:rPr lang="ru-RU" dirty="0" smtClean="0"/>
+              <a:t>Уставка </a:t>
+            </a:r>
+            <a:r>
+              <a:rPr lang="ru-RU" dirty="0"/>
+              <a:t>д</a:t>
+            </a:r>
+            <a:r>
+              <a:rPr lang="ru-RU" dirty="0" smtClean="0"/>
+              <a:t>авления</a:t>
+            </a:r>
+            <a:endParaRPr lang="ru-RU" dirty="0"/>
+          </a:p>
+        </p:txBody>
+      </p:sp>
+      <p:cxnSp>
+        <p:nvCxnSpPr>
+          <p:cNvPr id="50" name="Прямая соединительная линия 49"/>
+          <p:cNvCxnSpPr>
+            <a:stCxn id="48" idx="3"/>
+          </p:cNvCxnSpPr>
+          <p:nvPr/>
+        </p:nvCxnSpPr>
+        <p:spPr>
+          <a:xfrm>
+            <a:off x="3032005" y="3184179"/>
+            <a:ext cx="341683" cy="6654"/>
+          </a:xfrm>
+          <a:prstGeom prst="line">
+            <a:avLst/>
+          </a:prstGeom>
+        </p:spPr>
+        <p:style>
+          <a:lnRef idx="1">
+            <a:schemeClr val="accent1"/>
+          </a:lnRef>
+          <a:fillRef idx="0">
+            <a:schemeClr val="accent1"/>
+          </a:fillRef>
+          <a:effectRef idx="0">
+            <a:schemeClr val="accent1"/>
+          </a:effectRef>
+          <a:fontRef idx="minor">
+            <a:schemeClr val="tx1"/>
+          </a:fontRef>
+        </p:style>
+      </p:cxnSp>
+      <p:cxnSp>
+        <p:nvCxnSpPr>
+          <p:cNvPr id="52" name="Прямая соединительная линия 51"/>
+          <p:cNvCxnSpPr/>
+          <p:nvPr/>
+        </p:nvCxnSpPr>
+        <p:spPr>
+          <a:xfrm>
+            <a:off x="3379068" y="3200232"/>
+            <a:ext cx="0" cy="1121406"/>
+          </a:xfrm>
+          <a:prstGeom prst="line">
+            <a:avLst/>
+          </a:prstGeom>
+        </p:spPr>
+        <p:style>
+          <a:lnRef idx="1">
+            <a:schemeClr val="accent1"/>
+          </a:lnRef>
+          <a:fillRef idx="0">
+            <a:schemeClr val="accent1"/>
+          </a:fillRef>
+          <a:effectRef idx="0">
+            <a:schemeClr val="accent1"/>
+          </a:effectRef>
+          <a:fontRef idx="minor">
+            <a:schemeClr val="tx1"/>
+          </a:fontRef>
+        </p:style>
+      </p:cxnSp>
+      <p:cxnSp>
+        <p:nvCxnSpPr>
+          <p:cNvPr id="55" name="Прямая соединительная линия 54"/>
+          <p:cNvCxnSpPr>
+            <a:stCxn id="9" idx="1"/>
+          </p:cNvCxnSpPr>
+          <p:nvPr/>
+        </p:nvCxnSpPr>
+        <p:spPr>
+          <a:xfrm flipH="1">
+            <a:off x="3362487" y="2225056"/>
+            <a:ext cx="1242325" cy="15054"/>
+          </a:xfrm>
+          <a:prstGeom prst="line">
+            <a:avLst/>
+          </a:prstGeom>
+        </p:spPr>
+        <p:style>
+          <a:lnRef idx="1">
+            <a:schemeClr val="accent1"/>
+          </a:lnRef>
+          <a:fillRef idx="0">
+            <a:schemeClr val="accent1"/>
+          </a:fillRef>
+          <a:effectRef idx="0">
+            <a:schemeClr val="accent1"/>
+          </a:effectRef>
+          <a:fontRef idx="minor">
+            <a:schemeClr val="tx1"/>
+          </a:fontRef>
+        </p:style>
+      </p:cxnSp>
+      <p:cxnSp>
+        <p:nvCxnSpPr>
+          <p:cNvPr id="57" name="Прямая соединительная линия 56"/>
+          <p:cNvCxnSpPr/>
+          <p:nvPr/>
+        </p:nvCxnSpPr>
+        <p:spPr>
+          <a:xfrm flipV="1">
+            <a:off x="3379068" y="2240110"/>
+            <a:ext cx="0" cy="960122"/>
+          </a:xfrm>
+          <a:prstGeom prst="line">
+            <a:avLst/>
+          </a:prstGeom>
+        </p:spPr>
+        <p:style>
+          <a:lnRef idx="1">
+            <a:schemeClr val="accent1"/>
+          </a:lnRef>
+          <a:fillRef idx="0">
+            <a:schemeClr val="accent1"/>
+          </a:fillRef>
+          <a:effectRef idx="0">
+            <a:schemeClr val="accent1"/>
+          </a:effectRef>
+          <a:fontRef idx="minor">
+            <a:schemeClr val="tx1"/>
+          </a:fontRef>
+        </p:style>
+      </p:cxnSp>
+      <p:sp>
+        <p:nvSpPr>
+          <p:cNvPr id="59" name="TextBox 58"/>
+          <p:cNvSpPr txBox="1"/>
+          <p:nvPr/>
+        </p:nvSpPr>
+        <p:spPr>
+          <a:xfrm>
+            <a:off x="4484622" y="380391"/>
+            <a:ext cx="3095271" cy="646331"/>
+          </a:xfrm>
+          <a:prstGeom prst="rect">
+            <a:avLst/>
+          </a:prstGeom>
+          <a:noFill/>
+        </p:spPr>
+        <p:txBody>
+          <a:bodyPr wrap="none" rtlCol="0">
+            <a:spAutoFit/>
+          </a:bodyPr>
+          <a:lstStyle/>
+          <a:p>
+            <a:r>
+              <a:rPr lang="ru-RU" dirty="0" smtClean="0"/>
+              <a:t>Комбинированный регулятор</a:t>
+            </a:r>
+          </a:p>
+          <a:p>
+            <a:r>
+              <a:rPr lang="ru-RU" dirty="0" smtClean="0"/>
+              <a:t> управления давлением в ТС</a:t>
+            </a:r>
+            <a:endParaRPr lang="ru-RU" dirty="0"/>
+          </a:p>
+        </p:txBody>
+      </p:sp>
+      <p:sp>
+        <p:nvSpPr>
+          <p:cNvPr id="60" name="TextBox 59"/>
+          <p:cNvSpPr txBox="1"/>
+          <p:nvPr/>
+        </p:nvSpPr>
+        <p:spPr>
+          <a:xfrm>
+            <a:off x="8436813" y="5495365"/>
+            <a:ext cx="423514" cy="369332"/>
+          </a:xfrm>
+          <a:prstGeom prst="rect">
+            <a:avLst/>
+          </a:prstGeom>
+          <a:noFill/>
+        </p:spPr>
+        <p:txBody>
+          <a:bodyPr wrap="none" rtlCol="0">
+            <a:spAutoFit/>
+          </a:bodyPr>
+          <a:lstStyle/>
+          <a:p>
+            <a:r>
+              <a:rPr lang="en-US" dirty="0" smtClean="0"/>
+              <a:t>P</a:t>
+            </a:r>
+            <a:r>
+              <a:rPr lang="ru-RU" sz="1000" dirty="0" err="1" smtClean="0"/>
+              <a:t>ак</a:t>
+            </a:r>
+            <a:endParaRPr lang="ru-RU" sz="1000" dirty="0"/>
+          </a:p>
+        </p:txBody>
+      </p:sp>
+      <p:cxnSp>
+        <p:nvCxnSpPr>
+          <p:cNvPr id="62" name="Прямая со стрелкой 61"/>
+          <p:cNvCxnSpPr/>
+          <p:nvPr/>
+        </p:nvCxnSpPr>
+        <p:spPr>
+          <a:xfrm flipH="1">
+            <a:off x="8436813" y="1326776"/>
+            <a:ext cx="492034" cy="1488142"/>
+          </a:xfrm>
+          <a:prstGeom prst="straightConnector1">
+            <a:avLst/>
+          </a:prstGeom>
+          <a:ln>
+            <a:tailEnd type="triangle"/>
+          </a:ln>
+        </p:spPr>
+        <p:style>
+          <a:lnRef idx="1">
+            <a:schemeClr val="accent1"/>
+          </a:lnRef>
+          <a:fillRef idx="0">
+            <a:schemeClr val="accent1"/>
+          </a:fillRef>
+          <a:effectRef idx="0">
+            <a:schemeClr val="accent1"/>
+          </a:effectRef>
+          <a:fontRef idx="minor">
+            <a:schemeClr val="tx1"/>
+          </a:fontRef>
+        </p:style>
+      </p:cxnSp>
+      <p:sp>
+        <p:nvSpPr>
+          <p:cNvPr id="63" name="TextBox 62"/>
+          <p:cNvSpPr txBox="1"/>
+          <p:nvPr/>
+        </p:nvSpPr>
+        <p:spPr>
+          <a:xfrm>
+            <a:off x="8368893" y="764190"/>
+            <a:ext cx="3552254" cy="646331"/>
+          </a:xfrm>
+          <a:prstGeom prst="rect">
+            <a:avLst/>
+          </a:prstGeom>
+          <a:noFill/>
+        </p:spPr>
+        <p:txBody>
+          <a:bodyPr wrap="none" rtlCol="0">
+            <a:spAutoFit/>
+          </a:bodyPr>
+          <a:lstStyle/>
+          <a:p>
+            <a:r>
+              <a:rPr lang="ru-RU" dirty="0" smtClean="0"/>
+              <a:t>ШИМ сигнал управления </a:t>
+            </a:r>
+          </a:p>
+          <a:p>
+            <a:r>
+              <a:rPr lang="ru-RU" dirty="0" smtClean="0"/>
+              <a:t>дросселирующим клапаном ТНВД</a:t>
+            </a:r>
+            <a:endParaRPr lang="ru-RU" dirty="0"/>
+          </a:p>
+        </p:txBody>
+      </p:sp>
+    </p:spTree>
+    <p:extLst>
+      <p:ext uri="{BB962C8B-B14F-4D97-AF65-F5344CB8AC3E}">
+        <p14:creationId xmlns:p14="http://schemas.microsoft.com/office/powerpoint/2010/main" val="988205126"/>
+      </p:ext>
+    </p:extLst>
+  </p:cSld>
+  <p:clrMapOvr>
+    <a:masterClrMapping/>
+  </p:clrMapOvr>
+  <p:timing>
+    <p:tnLst>
+      <p:par>
+        <p:cTn id="1" dur="indefinite" restart="never" nodeType="tmRoot"/>
+      </p:par>
+    </p:tnLst>
+  </p:timing>
 </p:sld>
 </file>
 
@@ -4538,158 +4697,47 @@
           <a:chExt cx="0" cy="0"/>
         </a:xfrm>
       </p:grpSpPr>
-      <p:sp>
-        <p:nvSpPr>
-          <p:cNvPr id="2" name="TextBox 1"/>
-          <p:cNvSpPr txBox="1"/>
-          <p:nvPr/>
-        </p:nvSpPr>
-        <p:spPr>
-          <a:xfrm>
-            <a:off x="3306966" y="1080779"/>
-            <a:ext cx="5293116" cy="369332"/>
+      <p:pic>
+        <p:nvPicPr>
+          <p:cNvPr id="2" name="Рисунок 1"/>
+          <p:cNvPicPr>
+            <a:picLocks noChangeAspect="1"/>
+          </p:cNvPicPr>
+          <p:nvPr/>
+        </p:nvPicPr>
+        <p:blipFill>
+          <a:blip r:embed="rId2"/>
+          <a:stretch>
+            <a:fillRect/>
+          </a:stretch>
+        </p:blipFill>
+        <p:spPr>
+          <a:xfrm>
+            <a:off x="345077" y="444138"/>
+            <a:ext cx="8468036" cy="5927002"/>
           </a:xfrm>
           <a:prstGeom prst="rect">
             <a:avLst/>
           </a:prstGeom>
-          <a:noFill/>
-        </p:spPr>
-        <p:txBody>
-          <a:bodyPr wrap="none" rtlCol="0">
-            <a:spAutoFit/>
-          </a:bodyPr>
-          <a:lstStyle/>
-          <a:p>
-            <a:r>
-              <a:rPr lang="ru-RU" dirty="0" smtClean="0"/>
-              <a:t>Сравнение регулятора по модели</a:t>
-            </a:r>
-            <a:r>
-              <a:rPr lang="en-US" dirty="0" smtClean="0"/>
-              <a:t> </a:t>
-            </a:r>
-            <a:r>
-              <a:rPr lang="ru-RU" dirty="0" smtClean="0"/>
-              <a:t>и ПИД регулятора</a:t>
-            </a:r>
-            <a:endParaRPr lang="ru-RU" dirty="0"/>
-          </a:p>
-        </p:txBody>
-      </p:sp>
-      <p:sp>
-        <p:nvSpPr>
-          <p:cNvPr id="3" name="TextBox 2"/>
-          <p:cNvSpPr txBox="1"/>
-          <p:nvPr/>
-        </p:nvSpPr>
-        <p:spPr>
-          <a:xfrm>
-            <a:off x="673767" y="2245895"/>
-            <a:ext cx="4700337" cy="2585323"/>
-          </a:xfrm>
-          <a:prstGeom prst="rect">
-            <a:avLst/>
-          </a:prstGeom>
-          <a:noFill/>
-        </p:spPr>
-        <p:txBody>
-          <a:bodyPr wrap="square" rtlCol="0">
-            <a:spAutoFit/>
-          </a:bodyPr>
-          <a:lstStyle/>
-          <a:p>
-            <a:pPr marL="285750" indent="-285750">
-              <a:buFont typeface="Arial" panose="020B0604020202020204" pitchFamily="34" charset="0"/>
-              <a:buChar char="•"/>
-            </a:pPr>
-            <a:r>
-              <a:rPr lang="ru-RU" dirty="0" smtClean="0"/>
-              <a:t>Необходимость создавать модель объекта управления</a:t>
-            </a:r>
-          </a:p>
-          <a:p>
-            <a:pPr marL="285750" indent="-285750">
-              <a:buFont typeface="Arial" panose="020B0604020202020204" pitchFamily="34" charset="0"/>
-              <a:buChar char="•"/>
-            </a:pPr>
-            <a:r>
-              <a:rPr lang="ru-RU" dirty="0" smtClean="0"/>
-              <a:t>Возможность наложить на величину управляющего воздействия и максимальные отклонения</a:t>
-            </a:r>
-          </a:p>
-          <a:p>
-            <a:pPr marL="285750" indent="-285750">
-              <a:buFont typeface="Arial" panose="020B0604020202020204" pitchFamily="34" charset="0"/>
-              <a:buChar char="•"/>
-            </a:pPr>
-            <a:r>
-              <a:rPr lang="ru-RU" dirty="0" smtClean="0"/>
-              <a:t>При наличии двух целей регулирования их взаимодействие определяется весовыми параметрами</a:t>
-            </a:r>
-          </a:p>
-          <a:p>
-            <a:pPr marL="285750" indent="-285750">
-              <a:buFont typeface="Arial" panose="020B0604020202020204" pitchFamily="34" charset="0"/>
-              <a:buChar char="•"/>
-            </a:pPr>
-            <a:endParaRPr lang="ru-RU" dirty="0"/>
-          </a:p>
-        </p:txBody>
-      </p:sp>
-      <p:sp>
-        <p:nvSpPr>
-          <p:cNvPr id="4" name="TextBox 3"/>
-          <p:cNvSpPr txBox="1"/>
-          <p:nvPr/>
-        </p:nvSpPr>
-        <p:spPr>
-          <a:xfrm>
-            <a:off x="6320590" y="2245895"/>
-            <a:ext cx="5871410" cy="646331"/>
-          </a:xfrm>
-          <a:prstGeom prst="rect">
-            <a:avLst/>
-          </a:prstGeom>
-          <a:noFill/>
-        </p:spPr>
-        <p:txBody>
-          <a:bodyPr wrap="square" rtlCol="0">
-            <a:spAutoFit/>
-          </a:bodyPr>
-          <a:lstStyle/>
-          <a:p>
-            <a:pPr marL="285750" indent="-285750">
-              <a:buFont typeface="Arial" panose="020B0604020202020204" pitchFamily="34" charset="0"/>
-              <a:buChar char="•"/>
-            </a:pPr>
-            <a:r>
-              <a:rPr lang="ru-RU" dirty="0" smtClean="0"/>
-              <a:t>Необходимость подбора коэффициентов регулятора</a:t>
-            </a:r>
-          </a:p>
-          <a:p>
-            <a:pPr marL="285750" indent="-285750">
-              <a:buFont typeface="Arial" panose="020B0604020202020204" pitchFamily="34" charset="0"/>
-              <a:buChar char="•"/>
-            </a:pPr>
-            <a:r>
-              <a:rPr lang="ru-RU" dirty="0" smtClean="0"/>
-              <a:t>На каждую цель свой регулятор</a:t>
-            </a:r>
-            <a:endParaRPr lang="ru-RU" dirty="0"/>
-          </a:p>
-        </p:txBody>
-      </p:sp>
+        </p:spPr>
+      </p:pic>
     </p:spTree>
     <p:extLst>
       <p:ext uri="{BB962C8B-B14F-4D97-AF65-F5344CB8AC3E}">
-        <p14:creationId xmlns:p14="http://schemas.microsoft.com/office/powerpoint/2010/main" val="2780641443"/>
+        <p14:creationId xmlns:p14="http://schemas.microsoft.com/office/powerpoint/2010/main" val="548292680"/>
       </p:ext>
     </p:extLst>
   </p:cSld>
   <p:clrMapOvr>
     <a:masterClrMapping/>
   </p:clrMapOvr>
+  <p:timing>
+    <p:tnLst>
+      <p:par>
+        <p:cTn id="1" dur="indefinite" restart="never" nodeType="tmRoot"/>
+      </p:par>
+    </p:tnLst>
+  </p:timing>
 </p:sld>
 </file>
 
@@ -4876,6 +4924,13 @@
   <p:clrMapOvr>
     <a:masterClrMapping/>
   </p:clrMapOvr>
+  <p:timing>
+    <p:tnLst>
+      <p:par>
+        <p:cTn id="1" dur="indefinite" restart="never" nodeType="tmRoot"/>
+      </p:par>
+    </p:tnLst>
+  </p:timing>
 </p:sld>
 </file>
 
@@ -4918,7 +4973,7 @@
           <a:graphicData uri="http://schemas.openxmlformats.org/presentationml/2006/ole">
             <mc:AlternateContent xmlns:mc="http://schemas.openxmlformats.org/markup-compatibility/2006">
               <mc:Choice xmlns:v="urn:schemas-microsoft-com:vml" Requires="v">
-                <p:oleObj spid="_x0000_s1039" name="Equation" r:id="rId3" imgW="2806560" imgH="825480" progId="Equation.DSMT4">
+                <p:oleObj spid="_x0000_s1043" name="Equation" r:id="rId3" imgW="2806560" imgH="825480" progId="Equation.DSMT4">
                   <p:embed/>
                 </p:oleObj>
               </mc:Choice>
@@ -6336,6 +6391,13 @@
   <p:clrMapOvr>
     <a:masterClrMapping/>
   </p:clrMapOvr>
+  <p:timing>
+    <p:tnLst>
+      <p:par>
+        <p:cTn id="1" dur="indefinite" restart="never" nodeType="tmRoot"/>
+      </p:par>
+    </p:tnLst>
+  </p:timing>
 </p:sld>
 </file>
 
@@ -6888,6 +6950,13 @@
   <p:clrMapOvr>
     <a:masterClrMapping/>
   </p:clrMapOvr>
+  <p:timing>
+    <p:tnLst>
+      <p:par>
+        <p:cTn id="1" dur="indefinite" restart="never" nodeType="tmRoot"/>
+      </p:par>
+    </p:tnLst>
+  </p:timing>
 </p:sld>
 </file>
 
@@ -6976,6 +7045,13 @@
   <p:clrMapOvr>
     <a:masterClrMapping/>
   </p:clrMapOvr>
+  <p:timing>
+    <p:tnLst>
+      <p:par>
+        <p:cTn id="1" dur="indefinite" restart="never" nodeType="tmRoot"/>
+      </p:par>
+    </p:tnLst>
+  </p:timing>
 </p:sld>
 </file>
 
@@ -7028,8 +7104,8 @@
         </p:nvSpPr>
         <p:spPr>
           <a:xfrm>
-            <a:off x="870675" y="1071154"/>
-            <a:ext cx="4275908" cy="369332"/>
+            <a:off x="4487632" y="513805"/>
+            <a:ext cx="3275514" cy="369332"/>
           </a:xfrm>
           <a:prstGeom prst="rect">
             <a:avLst/>
@@ -7271,6 +7347,13 @@
   <p:clrMapOvr>
     <a:masterClrMapping/>
   </p:clrMapOvr>
+  <p:timing>
+    <p:tnLst>
+      <p:par>
+        <p:cTn id="1" dur="indefinite" restart="never" nodeType="tmRoot"/>
+      </p:par>
+    </p:tnLst>
+  </p:timing>
 </p:sld>
 </file>
 
@@ -7630,6 +7713,13 @@
   <p:clrMapOvr>
     <a:masterClrMapping/>
   </p:clrMapOvr>
+  <p:timing>
+    <p:tnLst>
+      <p:par>
+        <p:cTn id="1" dur="indefinite" restart="never" nodeType="tmRoot"/>
+      </p:par>
+    </p:tnLst>
+  </p:timing>
 </p:sld>
 </file>
 
@@ -7684,6 +7774,13 @@
   <p:clrMapOvr>
     <a:masterClrMapping/>
   </p:clrMapOvr>
+  <p:timing>
+    <p:tnLst>
+      <p:par>
+        <p:cTn id="1" dur="indefinite" restart="never" nodeType="tmRoot"/>
+      </p:par>
+    </p:tnLst>
+  </p:timing>
 </p:sld>
 </file>
 

--- a/Презентация1.pptx
+++ b/Презентация1.pptx
@@ -4713,7 +4713,7 @@
         </p:blipFill>
         <p:spPr>
           <a:xfrm>
-            <a:off x="345077" y="444138"/>
+            <a:off x="240574" y="495570"/>
             <a:ext cx="8468036" cy="5927002"/>
           </a:xfrm>
           <a:prstGeom prst="rect">
@@ -4781,7 +4781,7 @@
         </p:blipFill>
         <p:spPr bwMode="auto">
           <a:xfrm>
-            <a:off x="1665132" y="130747"/>
+            <a:off x="1665132" y="-1010076"/>
             <a:ext cx="8360227" cy="3587932"/>
           </a:xfrm>
           <a:prstGeom prst="rect">
@@ -4973,7 +4973,7 @@
           <a:graphicData uri="http://schemas.openxmlformats.org/presentationml/2006/ole">
             <mc:AlternateContent xmlns:mc="http://schemas.openxmlformats.org/markup-compatibility/2006">
               <mc:Choice xmlns:v="urn:schemas-microsoft-com:vml" Requires="v">
-                <p:oleObj spid="_x0000_s1043" name="Equation" r:id="rId3" imgW="2806560" imgH="825480" progId="Equation.DSMT4">
+                <p:oleObj spid="_x0000_s1045" name="Equation" r:id="rId3" imgW="2806560" imgH="825480" progId="Equation.DSMT4">
                   <p:embed/>
                 </p:oleObj>
               </mc:Choice>

--- a/Презентация1.pptx
+++ b/Презентация1.pptx
@@ -254,7 +254,7 @@
           <a:p>
             <a:fld id="{27DF0F75-C579-4C28-9547-144EAD9AD0C4}" type="datetimeFigureOut">
               <a:rPr lang="ru-RU" smtClean="0"/>
-              <a:t>28.02.2022</a:t>
+              <a:t>27.03.2022</a:t>
             </a:fld>
             <a:endParaRPr lang="ru-RU"/>
           </a:p>
@@ -424,7 +424,7 @@
           <a:p>
             <a:fld id="{27DF0F75-C579-4C28-9547-144EAD9AD0C4}" type="datetimeFigureOut">
               <a:rPr lang="ru-RU" smtClean="0"/>
-              <a:t>28.02.2022</a:t>
+              <a:t>27.03.2022</a:t>
             </a:fld>
             <a:endParaRPr lang="ru-RU"/>
           </a:p>
@@ -604,7 +604,7 @@
           <a:p>
             <a:fld id="{27DF0F75-C579-4C28-9547-144EAD9AD0C4}" type="datetimeFigureOut">
               <a:rPr lang="ru-RU" smtClean="0"/>
-              <a:t>28.02.2022</a:t>
+              <a:t>27.03.2022</a:t>
             </a:fld>
             <a:endParaRPr lang="ru-RU"/>
           </a:p>
@@ -774,7 +774,7 @@
           <a:p>
             <a:fld id="{27DF0F75-C579-4C28-9547-144EAD9AD0C4}" type="datetimeFigureOut">
               <a:rPr lang="ru-RU" smtClean="0"/>
-              <a:t>28.02.2022</a:t>
+              <a:t>27.03.2022</a:t>
             </a:fld>
             <a:endParaRPr lang="ru-RU"/>
           </a:p>
@@ -1020,7 +1020,7 @@
           <a:p>
             <a:fld id="{27DF0F75-C579-4C28-9547-144EAD9AD0C4}" type="datetimeFigureOut">
               <a:rPr lang="ru-RU" smtClean="0"/>
-              <a:t>28.02.2022</a:t>
+              <a:t>27.03.2022</a:t>
             </a:fld>
             <a:endParaRPr lang="ru-RU"/>
           </a:p>
@@ -1252,7 +1252,7 @@
           <a:p>
             <a:fld id="{27DF0F75-C579-4C28-9547-144EAD9AD0C4}" type="datetimeFigureOut">
               <a:rPr lang="ru-RU" smtClean="0"/>
-              <a:t>28.02.2022</a:t>
+              <a:t>27.03.2022</a:t>
             </a:fld>
             <a:endParaRPr lang="ru-RU"/>
           </a:p>
@@ -1619,7 +1619,7 @@
           <a:p>
             <a:fld id="{27DF0F75-C579-4C28-9547-144EAD9AD0C4}" type="datetimeFigureOut">
               <a:rPr lang="ru-RU" smtClean="0"/>
-              <a:t>28.02.2022</a:t>
+              <a:t>27.03.2022</a:t>
             </a:fld>
             <a:endParaRPr lang="ru-RU"/>
           </a:p>
@@ -1737,7 +1737,7 @@
           <a:p>
             <a:fld id="{27DF0F75-C579-4C28-9547-144EAD9AD0C4}" type="datetimeFigureOut">
               <a:rPr lang="ru-RU" smtClean="0"/>
-              <a:t>28.02.2022</a:t>
+              <a:t>27.03.2022</a:t>
             </a:fld>
             <a:endParaRPr lang="ru-RU"/>
           </a:p>
@@ -1832,7 +1832,7 @@
           <a:p>
             <a:fld id="{27DF0F75-C579-4C28-9547-144EAD9AD0C4}" type="datetimeFigureOut">
               <a:rPr lang="ru-RU" smtClean="0"/>
-              <a:t>28.02.2022</a:t>
+              <a:t>27.03.2022</a:t>
             </a:fld>
             <a:endParaRPr lang="ru-RU"/>
           </a:p>
@@ -2109,7 +2109,7 @@
           <a:p>
             <a:fld id="{27DF0F75-C579-4C28-9547-144EAD9AD0C4}" type="datetimeFigureOut">
               <a:rPr lang="ru-RU" smtClean="0"/>
-              <a:t>28.02.2022</a:t>
+              <a:t>27.03.2022</a:t>
             </a:fld>
             <a:endParaRPr lang="ru-RU"/>
           </a:p>
@@ -2362,7 +2362,7 @@
           <a:p>
             <a:fld id="{27DF0F75-C579-4C28-9547-144EAD9AD0C4}" type="datetimeFigureOut">
               <a:rPr lang="ru-RU" smtClean="0"/>
-              <a:t>28.02.2022</a:t>
+              <a:t>27.03.2022</a:t>
             </a:fld>
             <a:endParaRPr lang="ru-RU"/>
           </a:p>
@@ -2575,7 +2575,7 @@
           <a:p>
             <a:fld id="{27DF0F75-C579-4C28-9547-144EAD9AD0C4}" type="datetimeFigureOut">
               <a:rPr lang="ru-RU" smtClean="0"/>
-              <a:t>28.02.2022</a:t>
+              <a:t>27.03.2022</a:t>
             </a:fld>
             <a:endParaRPr lang="ru-RU"/>
           </a:p>
@@ -4973,7 +4973,7 @@
           <a:graphicData uri="http://schemas.openxmlformats.org/presentationml/2006/ole">
             <mc:AlternateContent xmlns:mc="http://schemas.openxmlformats.org/markup-compatibility/2006">
               <mc:Choice xmlns:v="urn:schemas-microsoft-com:vml" Requires="v">
-                <p:oleObj spid="_x0000_s1045" name="Equation" r:id="rId3" imgW="2806560" imgH="825480" progId="Equation.DSMT4">
+                <p:oleObj spid="_x0000_s1047" name="Equation" r:id="rId3" imgW="2806560" imgH="825480" progId="Equation.DSMT4">
                   <p:embed/>
                 </p:oleObj>
               </mc:Choice>
@@ -5020,7 +5020,7 @@
         </p:nvSpPr>
         <p:spPr>
           <a:xfrm>
-            <a:off x="143932" y="118006"/>
+            <a:off x="286327" y="534552"/>
             <a:ext cx="11580283" cy="523220"/>
           </a:xfrm>
           <a:prstGeom prst="rect">
@@ -5046,228 +5046,6 @@
               <a:latin typeface="Times New Roman" panose="02020603050405020304" pitchFamily="18" charset="0"/>
               <a:cs typeface="Times New Roman" panose="02020603050405020304" pitchFamily="18" charset="0"/>
             </a:endParaRPr>
-          </a:p>
-        </p:txBody>
-      </p:sp>
-      <p:sp>
-        <p:nvSpPr>
-          <p:cNvPr id="7" name="Rectangle 4"/>
-          <p:cNvSpPr>
-            <a:spLocks noChangeArrowheads="1"/>
-          </p:cNvSpPr>
-          <p:nvPr/>
-        </p:nvSpPr>
-        <p:spPr bwMode="auto">
-          <a:xfrm>
-            <a:off x="11718500" y="109344"/>
-            <a:ext cx="323850" cy="270272"/>
-          </a:xfrm>
-          <a:prstGeom prst="rect">
-            <a:avLst/>
-          </a:prstGeom>
-          <a:noFill/>
-          <a:ln w="9525">
-            <a:solidFill>
-              <a:schemeClr val="tx1"/>
-            </a:solidFill>
-            <a:miter lim="800000"/>
-            <a:headEnd/>
-            <a:tailEnd/>
-          </a:ln>
-          <a:effectLst/>
-        </p:spPr>
-        <p:txBody>
-          <a:bodyPr wrap="none" anchor="ctr"/>
-          <a:lstStyle>
-            <a:lvl1pPr>
-              <a:spcBef>
-                <a:spcPct val="20000"/>
-              </a:spcBef>
-              <a:buChar char="•"/>
-              <a:defRPr sz="3200">
-                <a:solidFill>
-                  <a:schemeClr val="tx1"/>
-                </a:solidFill>
-                <a:latin typeface="Arial" panose="020B0604020202020204" pitchFamily="34" charset="0"/>
-                <a:cs typeface="Arial" panose="020B0604020202020204" pitchFamily="34" charset="0"/>
-              </a:defRPr>
-            </a:lvl1pPr>
-            <a:lvl2pPr marL="742950" indent="-285750">
-              <a:spcBef>
-                <a:spcPct val="20000"/>
-              </a:spcBef>
-              <a:buChar char="–"/>
-              <a:defRPr sz="2800">
-                <a:solidFill>
-                  <a:schemeClr val="tx1"/>
-                </a:solidFill>
-                <a:latin typeface="Arial" panose="020B0604020202020204" pitchFamily="34" charset="0"/>
-                <a:cs typeface="Arial" panose="020B0604020202020204" pitchFamily="34" charset="0"/>
-              </a:defRPr>
-            </a:lvl2pPr>
-            <a:lvl3pPr marL="1143000" indent="-228600">
-              <a:spcBef>
-                <a:spcPct val="20000"/>
-              </a:spcBef>
-              <a:buChar char="•"/>
-              <a:defRPr sz="2400">
-                <a:solidFill>
-                  <a:schemeClr val="tx1"/>
-                </a:solidFill>
-                <a:latin typeface="Arial" panose="020B0604020202020204" pitchFamily="34" charset="0"/>
-                <a:cs typeface="Arial" panose="020B0604020202020204" pitchFamily="34" charset="0"/>
-              </a:defRPr>
-            </a:lvl3pPr>
-            <a:lvl4pPr marL="1600200" indent="-228600">
-              <a:spcBef>
-                <a:spcPct val="20000"/>
-              </a:spcBef>
-              <a:buChar char="–"/>
-              <a:defRPr sz="2000">
-                <a:solidFill>
-                  <a:schemeClr val="tx1"/>
-                </a:solidFill>
-                <a:latin typeface="Arial" panose="020B0604020202020204" pitchFamily="34" charset="0"/>
-                <a:cs typeface="Arial" panose="020B0604020202020204" pitchFamily="34" charset="0"/>
-              </a:defRPr>
-            </a:lvl4pPr>
-            <a:lvl5pPr marL="2057400" indent="-228600">
-              <a:spcBef>
-                <a:spcPct val="20000"/>
-              </a:spcBef>
-              <a:buChar char="»"/>
-              <a:defRPr sz="2000">
-                <a:solidFill>
-                  <a:schemeClr val="tx1"/>
-                </a:solidFill>
-                <a:latin typeface="Arial" panose="020B0604020202020204" pitchFamily="34" charset="0"/>
-                <a:cs typeface="Arial" panose="020B0604020202020204" pitchFamily="34" charset="0"/>
-              </a:defRPr>
-            </a:lvl5pPr>
-            <a:lvl6pPr marL="2514600" indent="-228600" eaLnBrk="0" fontAlgn="base" hangingPunct="0">
-              <a:spcBef>
-                <a:spcPct val="20000"/>
-              </a:spcBef>
-              <a:spcAft>
-                <a:spcPct val="0"/>
-              </a:spcAft>
-              <a:buChar char="»"/>
-              <a:defRPr sz="2000">
-                <a:solidFill>
-                  <a:schemeClr val="tx1"/>
-                </a:solidFill>
-                <a:latin typeface="Arial" panose="020B0604020202020204" pitchFamily="34" charset="0"/>
-                <a:cs typeface="Arial" panose="020B0604020202020204" pitchFamily="34" charset="0"/>
-              </a:defRPr>
-            </a:lvl6pPr>
-            <a:lvl7pPr marL="2971800" indent="-228600" eaLnBrk="0" fontAlgn="base" hangingPunct="0">
-              <a:spcBef>
-                <a:spcPct val="20000"/>
-              </a:spcBef>
-              <a:spcAft>
-                <a:spcPct val="0"/>
-              </a:spcAft>
-              <a:buChar char="»"/>
-              <a:defRPr sz="2000">
-                <a:solidFill>
-                  <a:schemeClr val="tx1"/>
-                </a:solidFill>
-                <a:latin typeface="Arial" panose="020B0604020202020204" pitchFamily="34" charset="0"/>
-                <a:cs typeface="Arial" panose="020B0604020202020204" pitchFamily="34" charset="0"/>
-              </a:defRPr>
-            </a:lvl7pPr>
-            <a:lvl8pPr marL="3429000" indent="-228600" eaLnBrk="0" fontAlgn="base" hangingPunct="0">
-              <a:spcBef>
-                <a:spcPct val="20000"/>
-              </a:spcBef>
-              <a:spcAft>
-                <a:spcPct val="0"/>
-              </a:spcAft>
-              <a:buChar char="»"/>
-              <a:defRPr sz="2000">
-                <a:solidFill>
-                  <a:schemeClr val="tx1"/>
-                </a:solidFill>
-                <a:latin typeface="Arial" panose="020B0604020202020204" pitchFamily="34" charset="0"/>
-                <a:cs typeface="Arial" panose="020B0604020202020204" pitchFamily="34" charset="0"/>
-              </a:defRPr>
-            </a:lvl8pPr>
-            <a:lvl9pPr marL="3886200" indent="-228600" eaLnBrk="0" fontAlgn="base" hangingPunct="0">
-              <a:spcBef>
-                <a:spcPct val="20000"/>
-              </a:spcBef>
-              <a:spcAft>
-                <a:spcPct val="0"/>
-              </a:spcAft>
-              <a:buChar char="»"/>
-              <a:defRPr sz="2000">
-                <a:solidFill>
-                  <a:schemeClr val="tx1"/>
-                </a:solidFill>
-                <a:latin typeface="Arial" panose="020B0604020202020204" pitchFamily="34" charset="0"/>
-                <a:cs typeface="Arial" panose="020B0604020202020204" pitchFamily="34" charset="0"/>
-              </a:defRPr>
-            </a:lvl9pPr>
-          </a:lstStyle>
-          <a:p>
-            <a:pPr algn="ctr" eaLnBrk="1" hangingPunct="1">
-              <a:spcBef>
-                <a:spcPct val="0"/>
-              </a:spcBef>
-              <a:buFontTx/>
-              <a:buNone/>
-            </a:pPr>
-            <a:r>
-              <a:rPr lang="ru-RU" altLang="en-US" sz="1350" dirty="0" smtClean="0"/>
-              <a:t>3</a:t>
-            </a:r>
-            <a:endParaRPr lang="ru-RU" altLang="en-US" sz="1350" dirty="0"/>
-          </a:p>
-        </p:txBody>
-      </p:sp>
-      <p:sp>
-        <p:nvSpPr>
-          <p:cNvPr id="8" name="Прямоугольник 7"/>
-          <p:cNvSpPr/>
-          <p:nvPr/>
-        </p:nvSpPr>
-        <p:spPr>
-          <a:xfrm>
-            <a:off x="143934" y="115889"/>
-            <a:ext cx="11904133" cy="6626225"/>
-          </a:xfrm>
-          <a:prstGeom prst="rect">
-            <a:avLst/>
-          </a:prstGeom>
-          <a:noFill/>
-          <a:ln>
-            <a:solidFill>
-              <a:srgbClr val="002060"/>
-            </a:solidFill>
-          </a:ln>
-        </p:spPr>
-        <p:style>
-          <a:lnRef idx="2">
-            <a:schemeClr val="accent6"/>
-          </a:lnRef>
-          <a:fillRef idx="1">
-            <a:schemeClr val="lt1"/>
-          </a:fillRef>
-          <a:effectRef idx="0">
-            <a:schemeClr val="accent6"/>
-          </a:effectRef>
-          <a:fontRef idx="minor">
-            <a:schemeClr val="dk1"/>
-          </a:fontRef>
-        </p:style>
-        <p:txBody>
-          <a:bodyPr anchor="ctr"/>
-          <a:lstStyle/>
-          <a:p>
-            <a:pPr algn="ctr">
-              <a:defRPr/>
-            </a:pPr>
-            <a:endParaRPr lang="ru-RU"/>
           </a:p>
         </p:txBody>
       </p:sp>
